--- a/proposal-doc/12组-Momento.pptx
+++ b/proposal-doc/12组-Momento.pptx
@@ -24,19 +24,21 @@
     <p:sldId id="341" r:id="rId17"/>
     <p:sldId id="342" r:id="rId18"/>
     <p:sldId id="345" r:id="rId19"/>
-    <p:sldId id="348" r:id="rId20"/>
-    <p:sldId id="350" r:id="rId21"/>
-    <p:sldId id="351" r:id="rId22"/>
-    <p:sldId id="289" r:id="rId23"/>
-    <p:sldId id="295" r:id="rId24"/>
-    <p:sldId id="290" r:id="rId25"/>
-    <p:sldId id="296" r:id="rId26"/>
-    <p:sldId id="354" r:id="rId27"/>
+    <p:sldId id="361" r:id="rId20"/>
+    <p:sldId id="363" r:id="rId21"/>
+    <p:sldId id="350" r:id="rId22"/>
+    <p:sldId id="362" r:id="rId23"/>
+    <p:sldId id="289" r:id="rId24"/>
+    <p:sldId id="295" r:id="rId25"/>
+    <p:sldId id="357" r:id="rId26"/>
+    <p:sldId id="290" r:id="rId27"/>
+    <p:sldId id="296" r:id="rId28"/>
+    <p:sldId id="354" r:id="rId29"/>
   </p:sldIdLst>
   <p:sldSz cx="12192000" cy="6858000"/>
   <p:notesSz cx="6858000" cy="9144000"/>
   <p:custDataLst>
-    <p:tags r:id="rId32"/>
+    <p:tags r:id="rId34"/>
   </p:custDataLst>
   <p:defaultTextStyle>
     <a:defPPr>
@@ -546,6 +548,163 @@
 </file>
 
 <file path=ppt/notesSlides/notesSlide10.xml><?xml version="1.0" encoding="utf-8"?>
+<p:notes xmlns:a="http://schemas.openxmlformats.org/drawingml/2006/main" xmlns:r="http://schemas.openxmlformats.org/officeDocument/2006/relationships" xmlns:p="http://schemas.openxmlformats.org/presentationml/2006/main">
+  <p:cSld>
+    <p:spTree>
+      <p:nvGrpSpPr>
+        <p:cNvPr id="1" name=""/>
+        <p:cNvGrpSpPr/>
+        <p:nvPr/>
+      </p:nvGrpSpPr>
+      <p:grpSpPr>
+        <a:xfrm>
+          <a:off x="0" y="0"/>
+          <a:ext cx="0" cy="0"/>
+          <a:chOff x="0" y="0"/>
+          <a:chExt cx="0" cy="0"/>
+        </a:xfrm>
+      </p:grpSpPr>
+      <p:sp>
+        <p:nvSpPr>
+          <p:cNvPr id="2" name="幻灯片图像占位符 1"/>
+          <p:cNvSpPr>
+            <a:spLocks noGrp="1" noRot="1" noChangeAspect="1"/>
+          </p:cNvSpPr>
+          <p:nvPr>
+            <p:ph type="sldImg"/>
+          </p:nvPr>
+        </p:nvSpPr>
+        <p:spPr/>
+      </p:sp>
+      <p:sp>
+        <p:nvSpPr>
+          <p:cNvPr id="3" name="备注占位符 2"/>
+          <p:cNvSpPr>
+            <a:spLocks noGrp="1"/>
+          </p:cNvSpPr>
+          <p:nvPr>
+            <p:ph type="body" idx="1"/>
+          </p:nvPr>
+        </p:nvSpPr>
+        <p:spPr/>
+        <p:txBody>
+          <a:bodyPr/>
+          <a:lstStyle/>
+          <a:p>
+            <a:r>
+              <a:rPr lang="en-US" altLang="zh-CN" dirty="0"/>
+              <a:t>1.</a:t>
+            </a:r>
+            <a:r>
+              <a:rPr lang="zh-CN" altLang="en-US" dirty="0"/>
+              <a:t>政策支持：国家出台多项政策和规划支持学前教育，提供资金支持，如</a:t>
+            </a:r>
+            <a:r>
+              <a:rPr lang="en-US" altLang="zh-CN" dirty="0"/>
+              <a:t>《</a:t>
+            </a:r>
+            <a:r>
+              <a:rPr lang="zh-CN" altLang="en-US" dirty="0"/>
+              <a:t>国家中长期教育改革和发展规划纲要</a:t>
+            </a:r>
+            <a:r>
+              <a:rPr lang="en-US" altLang="zh-CN" dirty="0"/>
+              <a:t>》</a:t>
+            </a:r>
+            <a:r>
+              <a:rPr lang="zh-CN" altLang="en-US" dirty="0"/>
+              <a:t>。</a:t>
+            </a:r>
+            <a:endParaRPr lang="zh-CN" altLang="en-US" dirty="0"/>
+          </a:p>
+          <a:p>
+            <a:r>
+              <a:rPr lang="en-US" altLang="zh-CN" dirty="0"/>
+              <a:t>2.</a:t>
+            </a:r>
+            <a:r>
+              <a:rPr lang="zh-CN" altLang="en-US" dirty="0"/>
+              <a:t>人口结构变化：二孩和三孩政策的实施预计将提高出生率，扩大早教市场的目标用户群体。</a:t>
+            </a:r>
+            <a:endParaRPr lang="zh-CN" altLang="en-US" dirty="0"/>
+          </a:p>
+          <a:p>
+            <a:r>
+              <a:rPr lang="en-US" altLang="zh-CN" dirty="0"/>
+              <a:t>3.</a:t>
+            </a:r>
+            <a:r>
+              <a:rPr lang="zh-CN" altLang="en-US" dirty="0"/>
+              <a:t>家长教育观念的转变：当代父母重视孩子早期教育，认识到其对孩子未来发展的重要性，愿意投入更多资源。</a:t>
+            </a:r>
+            <a:endParaRPr lang="zh-CN" altLang="en-US" dirty="0"/>
+          </a:p>
+          <a:p>
+            <a:r>
+              <a:rPr lang="en-US" altLang="zh-CN" dirty="0"/>
+              <a:t>4.</a:t>
+            </a:r>
+            <a:r>
+              <a:rPr lang="zh-CN" altLang="en-US" dirty="0"/>
+              <a:t>经济条件的改善：国民经济的稳健发展和居民收入的提升使家庭拥有更多可支配收入用于教育投资。</a:t>
+            </a:r>
+            <a:endParaRPr lang="zh-CN" altLang="en-US" dirty="0"/>
+          </a:p>
+          <a:p>
+            <a:r>
+              <a:rPr lang="en-US" altLang="zh-CN" dirty="0"/>
+              <a:t>5.</a:t>
+            </a:r>
+            <a:r>
+              <a:rPr lang="zh-CN" altLang="en-US" dirty="0"/>
+              <a:t>社会竞争压力：家长希望孩子在竞争激烈的社会中“不输在起跑线上”，增强了早教需求。</a:t>
+            </a:r>
+            <a:endParaRPr lang="zh-CN" altLang="en-US" dirty="0"/>
+          </a:p>
+          <a:p>
+            <a:r>
+              <a:rPr lang="en-US" altLang="zh-CN" dirty="0"/>
+              <a:t>6.</a:t>
+            </a:r>
+            <a:r>
+              <a:rPr lang="zh-CN" altLang="en-US" dirty="0"/>
+              <a:t>技术融合与创新：人工智能和互联网技术的发展为早教带来新的教学方式和工具，提高教育质量和效率。</a:t>
+            </a:r>
+            <a:endParaRPr lang="zh-CN" altLang="en-US" dirty="0"/>
+          </a:p>
+        </p:txBody>
+      </p:sp>
+      <p:sp>
+        <p:nvSpPr>
+          <p:cNvPr id="4" name="灯片编号占位符 3"/>
+          <p:cNvSpPr>
+            <a:spLocks noGrp="1"/>
+          </p:cNvSpPr>
+          <p:nvPr>
+            <p:ph type="sldNum" sz="quarter" idx="5"/>
+          </p:nvPr>
+        </p:nvSpPr>
+        <p:spPr/>
+        <p:txBody>
+          <a:bodyPr/>
+          <a:lstStyle/>
+          <a:p>
+            <a:fld id="{893DABDA-89F0-4727-B28F-05A90B0069BB}" type="slidenum">
+              <a:rPr lang="zh-CN" altLang="en-US" smtClean="0"/>
+            </a:fld>
+            <a:endParaRPr lang="zh-CN" altLang="en-US"/>
+          </a:p>
+        </p:txBody>
+      </p:sp>
+    </p:spTree>
+  </p:cSld>
+  <p:clrMapOvr>
+    <a:masterClrMapping/>
+  </p:clrMapOvr>
+</p:notes>
+</file>
+
+<file path=ppt/notesSlides/notesSlide11.xml><?xml version="1.0" encoding="utf-8"?>
 <p:notes xmlns:a="http://schemas.openxmlformats.org/drawingml/2006/main" xmlns:r="http://schemas.openxmlformats.org/officeDocument/2006/relationships" xmlns:p="http://schemas.openxmlformats.org/presentationml/2006/main">
   <p:cSld>
     <p:spTree>
@@ -13129,7 +13288,7 @@
         <p:spPr>
           <a:xfrm>
             <a:off x="6807835" y="3619500"/>
-            <a:ext cx="4626610" cy="829945"/>
+            <a:ext cx="4626610" cy="337185"/>
           </a:xfrm>
           <a:prstGeom prst="rect">
             <a:avLst/>
@@ -13146,7 +13305,7 @@
                   <a:schemeClr val="bg1"/>
                 </a:solidFill>
               </a:rPr>
-              <a:t>——</a:t>
+              <a:t>——日常生活</a:t>
             </a:r>
             <a:r>
               <a:rPr lang="zh-CN" altLang="en-US" sz="1600" b="1" i="1">
@@ -13154,7 +13313,7 @@
                   <a:schemeClr val="bg1"/>
                 </a:solidFill>
               </a:rPr>
-              <a:t>An indispensable, valuable, and meaningful platform for sharing and social interaction in daily life.</a:t>
+              <a:t>的分享与社交互动平台</a:t>
             </a:r>
             <a:endParaRPr lang="zh-CN" altLang="en-US" sz="1600" b="1" i="1">
               <a:solidFill>
@@ -13339,7 +13498,21 @@
                 <a:ea typeface="微软雅黑" panose="020B0503020204020204" pitchFamily="34" charset="-122"/>
                 <a:sym typeface="+mn-ea"/>
               </a:rPr>
-              <a:t>Preliminary Logical Architecture</a:t>
+              <a:t>初步逻辑架构</a:t>
+            </a:r>
+            <a:r>
+              <a:rPr lang="en-US" altLang="zh-CN" sz="3600" b="1" noProof="0" dirty="0">
+                <a:ln>
+                  <a:noFill/>
+                </a:ln>
+                <a:effectLst/>
+                <a:uLnTx/>
+                <a:uFillTx/>
+                <a:latin typeface="微软雅黑" panose="020B0503020204020204" pitchFamily="34" charset="-122"/>
+                <a:ea typeface="微软雅黑" panose="020B0503020204020204" pitchFamily="34" charset="-122"/>
+                <a:sym typeface="+mn-ea"/>
+              </a:rPr>
+              <a:t> </a:t>
             </a:r>
             <a:endParaRPr kumimoji="0" lang="en-US" altLang="zh-CN" sz="3600" b="1" i="0" u="none" strike="noStrike" kern="1200" cap="none" spc="0" normalizeH="0" baseline="0" noProof="0" dirty="0">
               <a:ln>
@@ -13385,7 +13558,7 @@
       </p:grpSpPr>
       <p:pic>
         <p:nvPicPr>
-          <p:cNvPr id="7" name="图片 6" descr="diagram"/>
+          <p:cNvPr id="2" name="图片 1" descr="diagram"/>
           <p:cNvPicPr>
             <a:picLocks noChangeAspect="1"/>
           </p:cNvPicPr>
@@ -13399,8 +13572,8 @@
         </p:blipFill>
         <p:spPr>
           <a:xfrm>
-            <a:off x="2048510" y="0"/>
-            <a:ext cx="7204075" cy="6924675"/>
+            <a:off x="1427480" y="0"/>
+            <a:ext cx="8108315" cy="6858000"/>
           </a:xfrm>
           <a:prstGeom prst="rect">
             <a:avLst/>
@@ -13494,7 +13667,7 @@
               <a:defRPr/>
             </a:pPr>
             <a:r>
-              <a:rPr lang="en-US" altLang="zh-CN" noProof="0" dirty="0">
+              <a:rPr lang="zh-CN" altLang="en-US" noProof="0" dirty="0">
                 <a:ln>
                   <a:noFill/>
                 </a:ln>
@@ -13505,7 +13678,7 @@
                 <a:ea typeface="微软雅黑" panose="020B0503020204020204" pitchFamily="34" charset="-122"/>
                 <a:sym typeface="+mn-ea"/>
               </a:rPr>
-              <a:t>Logical Architecture</a:t>
+              <a:t>逻辑架构</a:t>
             </a:r>
             <a:endParaRPr kumimoji="0" lang="en-US" altLang="zh-CN" sz="2800" b="1" i="0" u="none" strike="noStrike" kern="1200" cap="none" spc="0" normalizeH="0" baseline="0" noProof="0" dirty="0">
               <a:ln>
@@ -14168,7 +14341,18 @@
                 <a:latin typeface="微软雅黑" panose="020B0503020204020204" pitchFamily="34" charset="-122"/>
                 <a:ea typeface="微软雅黑" panose="020B0503020204020204" pitchFamily="34" charset="-122"/>
               </a:rPr>
-              <a:t>Presentation Layer</a:t>
+              <a:t>表现</a:t>
+            </a:r>
+            <a:r>
+              <a:rPr lang="zh-CN" altLang="en-US" sz="4000" b="1" spc="240">
+                <a:solidFill>
+                  <a:schemeClr val="accent1"/>
+                </a:solidFill>
+                <a:uFillTx/>
+                <a:latin typeface="微软雅黑" panose="020B0503020204020204" pitchFamily="34" charset="-122"/>
+                <a:ea typeface="微软雅黑" panose="020B0503020204020204" pitchFamily="34" charset="-122"/>
+              </a:rPr>
+              <a:t>层</a:t>
             </a:r>
             <a:endParaRPr lang="zh-CN" altLang="en-US" sz="4000" b="1" spc="240">
               <a:solidFill>
@@ -14203,7 +14387,7 @@
         </p:spPr>
         <p:txBody>
           <a:bodyPr wrap="square" rtlCol="0">
-            <a:normAutofit fontScale="90000" lnSpcReduction="20000"/>
+            <a:normAutofit/>
           </a:bodyPr>
           <a:lstStyle>
             <a:defPPr>
@@ -14324,7 +14508,7 @@
                 <a:latin typeface="Arial" panose="020B0604020202020204" pitchFamily="34" charset="0"/>
                 <a:ea typeface="微软雅黑" panose="020B0503020204020204" pitchFamily="34" charset="-122"/>
               </a:rPr>
-              <a:t>Developed based on the Vue framework, it provides a desktop user interface, allowing users to publish notes, view content, interact, and perform other operations.</a:t>
+              <a:t>基于Vue框架开发，提供桌面用户界面，用户可以发布笔记、查看内容、互动并执行其他操作。</a:t>
             </a:r>
             <a:endParaRPr lang="zh-CN" altLang="en-US" sz="1600" spc="120">
               <a:solidFill>
@@ -14479,7 +14663,7 @@
                 <a:latin typeface="Arial" panose="020B0604020202020204" pitchFamily="34" charset="0"/>
                 <a:ea typeface="微软雅黑" panose="020B0503020204020204" pitchFamily="34" charset="-122"/>
               </a:rPr>
-              <a:t>Web Client</a:t>
+              <a:t>Web客户端</a:t>
             </a:r>
             <a:endParaRPr lang="zh-CN" altLang="en-US" sz="2400" spc="180">
               <a:solidFill>
@@ -14669,7 +14853,7 @@
                 <a:latin typeface="Arial" panose="020B0604020202020204" pitchFamily="34" charset="0"/>
                 <a:ea typeface="微软雅黑" panose="020B0503020204020204" pitchFamily="34" charset="-122"/>
               </a:rPr>
-              <a:t>Developed using the uni-app framework, it offers a mobile user interface, ensuring users can easily access the platform via mobile devices.</a:t>
+              <a:t>使用uni-app框架开发，提供移动用户界面，确保用户能够通过移动设备便捷访问平台。</a:t>
             </a:r>
             <a:endParaRPr lang="zh-CN" altLang="en-US" sz="1600" spc="120">
               <a:solidFill>
@@ -14706,7 +14890,7 @@
         </p:spPr>
         <p:txBody>
           <a:bodyPr wrap="square" rtlCol="0">
-            <a:normAutofit fontScale="60000"/>
+            <a:normAutofit fontScale="80000"/>
           </a:bodyPr>
           <a:lstStyle>
             <a:defPPr>
@@ -14826,7 +15010,7 @@
                 <a:latin typeface="Arial" panose="020B0604020202020204" pitchFamily="34" charset="0"/>
                 <a:ea typeface="微软雅黑" panose="020B0503020204020204" pitchFamily="34" charset="-122"/>
               </a:rPr>
-              <a:t>Mobile Interface (if available) </a:t>
+              <a:t>移动端界面（如有） </a:t>
             </a:r>
             <a:endParaRPr lang="en-US" altLang="zh-CN" sz="2400" spc="180">
               <a:solidFill>
@@ -14897,7 +15081,7 @@
         </p:spPr>
         <p:txBody>
           <a:bodyPr wrap="square" rtlCol="0">
-            <a:normAutofit fontScale="70000"/>
+            <a:normAutofit lnSpcReduction="10000"/>
           </a:bodyPr>
           <a:lstStyle>
             <a:defPPr>
@@ -15018,7 +15202,7 @@
                 <a:latin typeface="Arial" panose="020B0604020202020204" pitchFamily="34" charset="0"/>
                 <a:ea typeface="微软雅黑" panose="020B0503020204020204" pitchFamily="34" charset="-122"/>
               </a:rPr>
-              <a:t>User requests are distributed to backend microservices through the Nginx reverse proxy server, achieving front-end and back-end decoupling and load balancing. This ensures reliable distribution of user requests and fast access speeds.</a:t>
+              <a:t>用户请求通过Nginx反向代理服务器分发到后端微服务，实现前后端解耦和负载均衡。这样可以确保用户请求的可靠分发以及快速的访问速度。</a:t>
             </a:r>
             <a:endParaRPr lang="zh-CN" altLang="en-US" sz="1600" spc="80">
               <a:solidFill>
@@ -15173,7 +15357,7 @@
                 <a:latin typeface="Arial" panose="020B0604020202020204" pitchFamily="34" charset="0"/>
                 <a:ea typeface="微软雅黑" panose="020B0503020204020204" pitchFamily="34" charset="-122"/>
               </a:rPr>
-              <a:t>Nginx Reverse Proxy</a:t>
+              <a:t>Nginx反向代理</a:t>
             </a:r>
             <a:endParaRPr lang="zh-CN" altLang="en-US" sz="2000" spc="160">
               <a:solidFill>
@@ -15307,7 +15491,7 @@
               <a:defRPr/>
             </a:pPr>
             <a:r>
-              <a:rPr lang="en-US" altLang="zh-CN" noProof="0" dirty="0">
+              <a:rPr lang="zh-CN" altLang="en-US" noProof="0" dirty="0">
                 <a:ln>
                   <a:noFill/>
                 </a:ln>
@@ -15318,7 +15502,7 @@
                 <a:ea typeface="微软雅黑" panose="020B0503020204020204" pitchFamily="34" charset="-122"/>
                 <a:sym typeface="+mn-ea"/>
               </a:rPr>
-              <a:t>Logical Architecture</a:t>
+              <a:t>逻辑架构</a:t>
             </a:r>
             <a:endParaRPr kumimoji="0" lang="en-US" altLang="zh-CN" sz="2800" b="1" i="0" u="none" strike="noStrike" kern="1200" cap="none" spc="0" normalizeH="0" baseline="0" noProof="0" dirty="0">
               <a:ln>
@@ -15981,7 +16165,18 @@
                 <a:latin typeface="微软雅黑" panose="020B0503020204020204" pitchFamily="34" charset="-122"/>
                 <a:ea typeface="微软雅黑" panose="020B0503020204020204" pitchFamily="34" charset="-122"/>
               </a:rPr>
-              <a:t>Gateway Layer</a:t>
+              <a:t>网关</a:t>
+            </a:r>
+            <a:r>
+              <a:rPr lang="zh-CN" altLang="en-US" sz="4000" b="1" spc="240">
+                <a:solidFill>
+                  <a:schemeClr val="accent1"/>
+                </a:solidFill>
+                <a:uFillTx/>
+                <a:latin typeface="微软雅黑" panose="020B0503020204020204" pitchFamily="34" charset="-122"/>
+                <a:ea typeface="微软雅黑" panose="020B0503020204020204" pitchFamily="34" charset="-122"/>
+              </a:rPr>
+              <a:t>层</a:t>
             </a:r>
             <a:endParaRPr lang="zh-CN" altLang="en-US" sz="4000" b="1" spc="240">
               <a:solidFill>
@@ -16016,7 +16211,7 @@
         </p:spPr>
         <p:txBody>
           <a:bodyPr wrap="square" rtlCol="0">
-            <a:normAutofit fontScale="90000"/>
+            <a:normAutofit/>
           </a:bodyPr>
           <a:lstStyle>
             <a:defPPr>
@@ -16137,7 +16332,7 @@
                 <a:latin typeface="Arial" panose="020B0604020202020204" pitchFamily="34" charset="0"/>
                 <a:ea typeface="微软雅黑" panose="020B0503020204020204" pitchFamily="34" charset="-122"/>
               </a:rPr>
-              <a:t>Spring Cloud Gateway is used as the unified entry point for microservices, providing request routing and load balancing functionality.</a:t>
+              <a:t>使用Spring Cloud Gateway作为微服务的统一入口，提供请求路由和负载均衡功能。</a:t>
             </a:r>
             <a:endParaRPr lang="zh-CN" altLang="en-US" sz="1600" spc="120">
               <a:solidFill>
@@ -16174,7 +16369,7 @@
         </p:spPr>
         <p:txBody>
           <a:bodyPr wrap="square" rtlCol="0">
-            <a:normAutofit fontScale="60000"/>
+            <a:normAutofit/>
           </a:bodyPr>
           <a:lstStyle>
             <a:defPPr>
@@ -16292,7 +16487,7 @@
                 <a:latin typeface="Arial" panose="020B0604020202020204" pitchFamily="34" charset="0"/>
                 <a:ea typeface="微软雅黑" panose="020B0503020204020204" pitchFamily="34" charset="-122"/>
               </a:rPr>
-              <a:t>Service Gateway Layer</a:t>
+              <a:t>服务网关层</a:t>
             </a:r>
             <a:endParaRPr lang="zh-CN" altLang="en-US" sz="2400" spc="180">
               <a:solidFill>
@@ -16361,7 +16556,7 @@
         </p:spPr>
         <p:txBody>
           <a:bodyPr wrap="square" rtlCol="0">
-            <a:normAutofit fontScale="90000" lnSpcReduction="10000"/>
+            <a:normAutofit/>
           </a:bodyPr>
           <a:lstStyle>
             <a:defPPr>
@@ -16482,7 +16677,7 @@
                 <a:latin typeface="Arial" panose="020B0604020202020204" pitchFamily="34" charset="0"/>
                 <a:ea typeface="微软雅黑" panose="020B0503020204020204" pitchFamily="34" charset="-122"/>
               </a:rPr>
-              <a:t>User requests are routed to the corresponding microservices, ensuring efficient distribution. It supports dynamic routing and canary releases.</a:t>
+              <a:t>用户请求被路由到相应的微服务，确保高效分发。支持动态路由和金丝雀发布（灰度发布）功能。</a:t>
             </a:r>
             <a:endParaRPr lang="zh-CN" altLang="en-US" sz="1600" spc="120">
               <a:solidFill>
@@ -16519,7 +16714,7 @@
         </p:spPr>
         <p:txBody>
           <a:bodyPr wrap="square" rtlCol="0">
-            <a:normAutofit fontScale="60000"/>
+            <a:normAutofit fontScale="70000"/>
           </a:bodyPr>
           <a:lstStyle>
             <a:defPPr>
@@ -16639,7 +16834,7 @@
                 <a:latin typeface="Arial" panose="020B0604020202020204" pitchFamily="34" charset="0"/>
                 <a:ea typeface="微软雅黑" panose="020B0503020204020204" pitchFamily="34" charset="-122"/>
               </a:rPr>
-              <a:t>Request Routing and Load Balancing</a:t>
+              <a:t>请求路由与负载均衡</a:t>
             </a:r>
             <a:endParaRPr lang="zh-CN" altLang="en-US" sz="2400" spc="180">
               <a:solidFill>
@@ -16710,7 +16905,7 @@
         </p:spPr>
         <p:txBody>
           <a:bodyPr wrap="square" rtlCol="0">
-            <a:normAutofit fontScale="90000" lnSpcReduction="10000"/>
+            <a:normAutofit/>
           </a:bodyPr>
           <a:lstStyle>
             <a:defPPr>
@@ -16831,7 +17026,7 @@
                 <a:latin typeface="Arial" panose="020B0604020202020204" pitchFamily="34" charset="0"/>
                 <a:ea typeface="微软雅黑" panose="020B0503020204020204" pitchFamily="34" charset="-122"/>
               </a:rPr>
-              <a:t>SaToken is used for user authentication and authorization, parsing tokens and passing user information to downstream services, ensuring system security.</a:t>
+              <a:t>使用SaToken进行用户认证与授权，解析令牌并将用户信息传递给下游服务，确保系统安全。</a:t>
             </a:r>
             <a:endParaRPr lang="zh-CN" altLang="en-US" sz="1600" spc="80">
               <a:solidFill>
@@ -16986,7 +17181,7 @@
                 <a:latin typeface="Arial" panose="020B0604020202020204" pitchFamily="34" charset="0"/>
                 <a:ea typeface="微软雅黑" panose="020B0503020204020204" pitchFamily="34" charset="-122"/>
               </a:rPr>
-              <a:t>Unified Authentication</a:t>
+              <a:t>统一认证</a:t>
             </a:r>
             <a:endParaRPr lang="zh-CN" altLang="en-US" sz="2000" spc="160">
               <a:solidFill>
@@ -17072,8 +17267,8 @@
         </p:nvSpPr>
         <p:spPr>
           <a:xfrm>
-            <a:off x="666751" y="409576"/>
-            <a:ext cx="10858498" cy="647700"/>
+            <a:off x="666750" y="409575"/>
+            <a:ext cx="5650230" cy="647700"/>
           </a:xfrm>
           <a:prstGeom prst="rect">
             <a:avLst/>
@@ -17081,7 +17276,7 @@
         </p:spPr>
         <p:txBody>
           <a:bodyPr vert="horz" lIns="91440" tIns="45720" rIns="91440" bIns="45720" rtlCol="0" anchor="ctr">
-            <a:normAutofit fontScale="80000"/>
+            <a:normAutofit fontScale="87500" lnSpcReduction="10000"/>
           </a:bodyPr>
           <a:lstStyle>
             <a:lvl1pPr algn="l" defTabSz="914400" rtl="0" eaLnBrk="1" latinLnBrk="0" hangingPunct="1">
@@ -17120,7 +17315,7 @@
               <a:defRPr/>
             </a:pPr>
             <a:r>
-              <a:rPr lang="en-US" altLang="zh-CN" noProof="0" dirty="0">
+              <a:rPr lang="zh-CN" altLang="en-US" noProof="0" dirty="0">
                 <a:ln>
                   <a:noFill/>
                 </a:ln>
@@ -17131,7 +17326,7 @@
                 <a:ea typeface="微软雅黑" panose="020B0503020204020204" pitchFamily="34" charset="-122"/>
                 <a:sym typeface="+mn-ea"/>
               </a:rPr>
-              <a:t>Logical Architecture</a:t>
+              <a:t>逻辑架构</a:t>
             </a:r>
             <a:endParaRPr kumimoji="0" lang="en-US" altLang="zh-CN" sz="2800" b="1" i="0" u="none" strike="noStrike" kern="1200" cap="none" spc="0" normalizeH="0" baseline="0" noProof="0" dirty="0">
               <a:ln>
@@ -17234,7 +17429,7 @@
         </p:nvSpPr>
         <p:spPr>
           <a:xfrm>
-            <a:off x="9741693" y="552451"/>
+            <a:off x="8793638" y="544831"/>
             <a:ext cx="361950" cy="361950"/>
           </a:xfrm>
           <a:prstGeom prst="ellipse">
@@ -17538,7 +17733,7 @@
         </p:nvSpPr>
         <p:spPr>
           <a:xfrm>
-            <a:off x="8793955" y="552451"/>
+            <a:off x="9741375" y="560071"/>
             <a:ext cx="361950" cy="361950"/>
           </a:xfrm>
           <a:prstGeom prst="ellipse">
@@ -17611,6 +17806,712 @@
           </a:p>
         </p:txBody>
       </p:sp>
+      <p:pic>
+        <p:nvPicPr>
+          <p:cNvPr id="7" name="图片 6" descr="service_flow"/>
+          <p:cNvPicPr>
+            <a:picLocks noChangeAspect="1"/>
+          </p:cNvPicPr>
+          <p:nvPr/>
+        </p:nvPicPr>
+        <p:blipFill>
+          <a:blip r:embed="rId2"/>
+          <a:stretch>
+            <a:fillRect/>
+          </a:stretch>
+        </p:blipFill>
+        <p:spPr>
+          <a:xfrm>
+            <a:off x="3425825" y="1057275"/>
+            <a:ext cx="7625715" cy="5725160"/>
+          </a:xfrm>
+          <a:prstGeom prst="rect">
+            <a:avLst/>
+          </a:prstGeom>
+        </p:spPr>
+      </p:pic>
+      <p:sp>
+        <p:nvSpPr>
+          <p:cNvPr id="8" name="文本框 7"/>
+          <p:cNvSpPr txBox="1"/>
+          <p:nvPr>
+            <p:custDataLst>
+              <p:tags r:id="rId3"/>
+            </p:custDataLst>
+          </p:nvPr>
+        </p:nvSpPr>
+        <p:spPr>
+          <a:xfrm>
+            <a:off x="402536" y="1573330"/>
+            <a:ext cx="2411167" cy="1291590"/>
+          </a:xfrm>
+          <a:prstGeom prst="rect">
+            <a:avLst/>
+          </a:prstGeom>
+          <a:noFill/>
+        </p:spPr>
+        <p:txBody>
+          <a:bodyPr wrap="square" rtlCol="0">
+            <a:spAutoFit/>
+          </a:bodyPr>
+          <a:p>
+            <a:pPr algn="ctr">
+              <a:lnSpc>
+                <a:spcPct val="150000"/>
+              </a:lnSpc>
+            </a:pPr>
+            <a:r>
+              <a:rPr lang="zh-CN" altLang="en-US" b="1" dirty="0" err="1">
+                <a:solidFill>
+                  <a:schemeClr val="accent1">
+                    <a:lumMod val="60000"/>
+                    <a:lumOff val="40000"/>
+                  </a:schemeClr>
+                </a:solidFill>
+              </a:rPr>
+              <a:t>业务逻辑层</a:t>
+            </a:r>
+            <a:endParaRPr lang="zh-CN" altLang="en-US" b="1" dirty="0" err="1">
+              <a:solidFill>
+                <a:schemeClr val="accent1">
+                  <a:lumMod val="60000"/>
+                  <a:lumOff val="40000"/>
+                </a:schemeClr>
+              </a:solidFill>
+            </a:endParaRPr>
+          </a:p>
+          <a:p>
+            <a:pPr algn="ctr">
+              <a:lnSpc>
+                <a:spcPct val="150000"/>
+              </a:lnSpc>
+            </a:pPr>
+            <a:endParaRPr lang="zh-CN" altLang="en-US" b="1" dirty="0" err="1">
+              <a:solidFill>
+                <a:schemeClr val="accent1">
+                  <a:lumMod val="60000"/>
+                  <a:lumOff val="40000"/>
+                </a:schemeClr>
+              </a:solidFill>
+            </a:endParaRPr>
+          </a:p>
+          <a:p>
+            <a:pPr algn="ctr">
+              <a:lnSpc>
+                <a:spcPct val="150000"/>
+              </a:lnSpc>
+            </a:pPr>
+            <a:r>
+              <a:rPr lang="zh-CN" altLang="en-US" sz="1600" b="1" dirty="0" err="1">
+                <a:solidFill>
+                  <a:schemeClr val="accent1">
+                    <a:lumMod val="60000"/>
+                    <a:lumOff val="40000"/>
+                  </a:schemeClr>
+                </a:solidFill>
+              </a:rPr>
+              <a:t>服务流程</a:t>
+            </a:r>
+            <a:r>
+              <a:rPr lang="zh-CN" altLang="en-US" sz="1600" b="1" dirty="0" err="1">
+                <a:solidFill>
+                  <a:schemeClr val="accent1">
+                    <a:lumMod val="60000"/>
+                    <a:lumOff val="40000"/>
+                  </a:schemeClr>
+                </a:solidFill>
+              </a:rPr>
+              <a:t>图</a:t>
+            </a:r>
+            <a:endParaRPr lang="zh-CN" altLang="en-US" sz="1600" b="1" dirty="0" err="1">
+              <a:solidFill>
+                <a:schemeClr val="accent1">
+                  <a:lumMod val="60000"/>
+                  <a:lumOff val="40000"/>
+                </a:schemeClr>
+              </a:solidFill>
+            </a:endParaRPr>
+          </a:p>
+        </p:txBody>
+      </p:sp>
+    </p:spTree>
+  </p:cSld>
+  <p:clrMapOvr>
+    <a:masterClrMapping/>
+  </p:clrMapOvr>
+</p:sld>
+</file>
+
+<file path=ppt/slides/slide15.xml><?xml version="1.0" encoding="utf-8"?>
+<p:sld xmlns:a="http://schemas.openxmlformats.org/drawingml/2006/main" xmlns:r="http://schemas.openxmlformats.org/officeDocument/2006/relationships" xmlns:p="http://schemas.openxmlformats.org/presentationml/2006/main">
+  <p:cSld>
+    <p:spTree>
+      <p:nvGrpSpPr>
+        <p:cNvPr id="1" name=""/>
+        <p:cNvGrpSpPr/>
+        <p:nvPr/>
+      </p:nvGrpSpPr>
+      <p:grpSpPr>
+        <a:xfrm>
+          <a:off x="0" y="0"/>
+          <a:ext cx="0" cy="0"/>
+          <a:chOff x="0" y="0"/>
+          <a:chExt cx="0" cy="0"/>
+        </a:xfrm>
+      </p:grpSpPr>
+      <p:sp>
+        <p:nvSpPr>
+          <p:cNvPr id="3" name="标题 3"/>
+          <p:cNvSpPr>
+            <a:spLocks noGrp="1"/>
+          </p:cNvSpPr>
+          <p:nvPr>
+            <p:custDataLst>
+              <p:tags r:id="rId1"/>
+            </p:custDataLst>
+          </p:nvPr>
+        </p:nvSpPr>
+        <p:spPr>
+          <a:xfrm>
+            <a:off x="666750" y="409575"/>
+            <a:ext cx="5650230" cy="647700"/>
+          </a:xfrm>
+          <a:prstGeom prst="rect">
+            <a:avLst/>
+          </a:prstGeom>
+        </p:spPr>
+        <p:txBody>
+          <a:bodyPr vert="horz" lIns="91440" tIns="45720" rIns="91440" bIns="45720" rtlCol="0" anchor="ctr">
+            <a:normAutofit fontScale="87500" lnSpcReduction="10000"/>
+          </a:bodyPr>
+          <a:lstStyle>
+            <a:lvl1pPr algn="l" defTabSz="914400" rtl="0" eaLnBrk="1" latinLnBrk="0" hangingPunct="1">
+              <a:lnSpc>
+                <a:spcPct val="90000"/>
+              </a:lnSpc>
+              <a:spcBef>
+                <a:spcPct val="0"/>
+              </a:spcBef>
+              <a:buNone/>
+              <a:defRPr sz="2800" b="1" kern="1200">
+                <a:solidFill>
+                  <a:schemeClr val="tx1"/>
+                </a:solidFill>
+                <a:latin typeface="+mn-lt"/>
+                <a:ea typeface="+mj-ea"/>
+                <a:cs typeface="+mj-cs"/>
+              </a:defRPr>
+            </a:lvl1pPr>
+          </a:lstStyle>
+          <a:p>
+            <a:pPr marL="0" marR="0" lvl="0" indent="0" algn="l" defTabSz="914400" rtl="0" eaLnBrk="1" fontAlgn="auto" latinLnBrk="0" hangingPunct="1">
+              <a:lnSpc>
+                <a:spcPct val="150000"/>
+              </a:lnSpc>
+              <a:spcBef>
+                <a:spcPts val="0"/>
+              </a:spcBef>
+              <a:spcAft>
+                <a:spcPts val="0"/>
+              </a:spcAft>
+              <a:buClrTx/>
+              <a:buSzTx/>
+              <a:buFontTx/>
+              <a:buNone/>
+              <a:defRPr/>
+            </a:pPr>
+            <a:r>
+              <a:rPr lang="zh-CN" altLang="en-US" noProof="0" dirty="0">
+                <a:ln>
+                  <a:noFill/>
+                </a:ln>
+                <a:effectLst/>
+                <a:uLnTx/>
+                <a:uFillTx/>
+                <a:latin typeface="微软雅黑" panose="020B0503020204020204" pitchFamily="34" charset="-122"/>
+                <a:ea typeface="微软雅黑" panose="020B0503020204020204" pitchFamily="34" charset="-122"/>
+                <a:sym typeface="+mn-ea"/>
+              </a:rPr>
+              <a:t>逻辑架构</a:t>
+            </a:r>
+            <a:endParaRPr kumimoji="0" lang="en-US" altLang="zh-CN" sz="2800" b="1" i="0" u="none" strike="noStrike" kern="1200" cap="none" spc="0" normalizeH="0" baseline="0" noProof="0" dirty="0">
+              <a:ln>
+                <a:noFill/>
+              </a:ln>
+              <a:solidFill>
+                <a:prstClr val="black"/>
+              </a:solidFill>
+              <a:effectLst/>
+              <a:uLnTx/>
+              <a:uFillTx/>
+              <a:latin typeface="+mj-lt"/>
+              <a:ea typeface="微软雅黑" panose="020B0503020204020204" pitchFamily="34" charset="-122"/>
+              <a:cs typeface="+mj-cs"/>
+            </a:endParaRPr>
+          </a:p>
+        </p:txBody>
+      </p:sp>
+      <p:sp>
+        <p:nvSpPr>
+          <p:cNvPr id="10" name="椭圆 9"/>
+          <p:cNvSpPr/>
+          <p:nvPr/>
+        </p:nvSpPr>
+        <p:spPr>
+          <a:xfrm>
+            <a:off x="9267824" y="552451"/>
+            <a:ext cx="361950" cy="361950"/>
+          </a:xfrm>
+          <a:prstGeom prst="ellipse">
+            <a:avLst/>
+          </a:prstGeom>
+          <a:noFill/>
+          <a:ln w="28575" cap="flat" cmpd="sng" algn="ctr">
+            <a:solidFill>
+              <a:srgbClr val="2E75B6"/>
+            </a:solidFill>
+            <a:prstDash val="solid"/>
+            <a:round/>
+            <a:headEnd type="none" w="med" len="med"/>
+            <a:tailEnd type="none" w="med" len="med"/>
+          </a:ln>
+        </p:spPr>
+        <p:style>
+          <a:lnRef idx="0">
+            <a:scrgbClr r="0" g="0" b="0"/>
+          </a:lnRef>
+          <a:fillRef idx="0">
+            <a:scrgbClr r="0" g="0" b="0"/>
+          </a:fillRef>
+          <a:effectRef idx="0">
+            <a:scrgbClr r="0" g="0" b="0"/>
+          </a:effectRef>
+          <a:fontRef idx="minor">
+            <a:schemeClr val="accent1"/>
+          </a:fontRef>
+        </p:style>
+        <p:txBody>
+          <a:bodyPr rtlCol="0" anchor="ctr"/>
+          <a:lstStyle/>
+          <a:p>
+            <a:pPr marL="0" marR="0" lvl="0" indent="0" algn="ctr" defTabSz="914400" rtl="0" eaLnBrk="1" fontAlgn="auto" latinLnBrk="0" hangingPunct="1">
+              <a:lnSpc>
+                <a:spcPct val="100000"/>
+              </a:lnSpc>
+              <a:spcBef>
+                <a:spcPts val="0"/>
+              </a:spcBef>
+              <a:spcAft>
+                <a:spcPts val="0"/>
+              </a:spcAft>
+              <a:buClrTx/>
+              <a:buSzTx/>
+              <a:buFontTx/>
+              <a:buNone/>
+              <a:defRPr/>
+            </a:pPr>
+            <a:endParaRPr kumimoji="0" lang="zh-CN" altLang="en-US" sz="1800" b="0" i="0" u="none" strike="noStrike" kern="1200" cap="none" spc="0" normalizeH="0" baseline="0" noProof="0">
+              <a:ln>
+                <a:noFill/>
+              </a:ln>
+              <a:solidFill>
+                <a:srgbClr val="4472C4"/>
+              </a:solidFill>
+              <a:effectLst/>
+              <a:uLnTx/>
+              <a:uFillTx/>
+              <a:latin typeface="+mj-lt"/>
+              <a:ea typeface="微软雅黑" panose="020B0503020204020204" pitchFamily="34" charset="-122"/>
+              <a:cs typeface="+mn-cs"/>
+            </a:endParaRPr>
+          </a:p>
+        </p:txBody>
+      </p:sp>
+      <p:sp>
+        <p:nvSpPr>
+          <p:cNvPr id="11" name="椭圆 10"/>
+          <p:cNvSpPr/>
+          <p:nvPr/>
+        </p:nvSpPr>
+        <p:spPr>
+          <a:xfrm>
+            <a:off x="8793638" y="544831"/>
+            <a:ext cx="361950" cy="361950"/>
+          </a:xfrm>
+          <a:prstGeom prst="ellipse">
+            <a:avLst/>
+          </a:prstGeom>
+          <a:noFill/>
+          <a:ln w="28575" cap="flat" cmpd="sng" algn="ctr">
+            <a:solidFill>
+              <a:srgbClr val="2E75B6"/>
+            </a:solidFill>
+            <a:prstDash val="solid"/>
+            <a:round/>
+            <a:headEnd type="none" w="med" len="med"/>
+            <a:tailEnd type="none" w="med" len="med"/>
+          </a:ln>
+        </p:spPr>
+        <p:style>
+          <a:lnRef idx="0">
+            <a:scrgbClr r="0" g="0" b="0"/>
+          </a:lnRef>
+          <a:fillRef idx="0">
+            <a:scrgbClr r="0" g="0" b="0"/>
+          </a:fillRef>
+          <a:effectRef idx="0">
+            <a:scrgbClr r="0" g="0" b="0"/>
+          </a:effectRef>
+          <a:fontRef idx="minor">
+            <a:schemeClr val="accent1"/>
+          </a:fontRef>
+        </p:style>
+        <p:txBody>
+          <a:bodyPr rtlCol="0" anchor="ctr"/>
+          <a:lstStyle/>
+          <a:p>
+            <a:pPr marL="0" marR="0" lvl="0" indent="0" algn="ctr" defTabSz="914400" rtl="0" eaLnBrk="1" fontAlgn="auto" latinLnBrk="0" hangingPunct="1">
+              <a:lnSpc>
+                <a:spcPct val="100000"/>
+              </a:lnSpc>
+              <a:spcBef>
+                <a:spcPts val="0"/>
+              </a:spcBef>
+              <a:spcAft>
+                <a:spcPts val="0"/>
+              </a:spcAft>
+              <a:buClrTx/>
+              <a:buSzTx/>
+              <a:buFontTx/>
+              <a:buNone/>
+              <a:defRPr/>
+            </a:pPr>
+            <a:endParaRPr kumimoji="0" lang="zh-CN" altLang="en-US" sz="1800" b="0" i="0" u="none" strike="noStrike" kern="1200" cap="none" spc="0" normalizeH="0" baseline="0" noProof="0">
+              <a:ln>
+                <a:noFill/>
+              </a:ln>
+              <a:solidFill>
+                <a:srgbClr val="4472C4"/>
+              </a:solidFill>
+              <a:effectLst/>
+              <a:uLnTx/>
+              <a:uFillTx/>
+              <a:latin typeface="+mj-lt"/>
+              <a:ea typeface="微软雅黑" panose="020B0503020204020204" pitchFamily="34" charset="-122"/>
+              <a:cs typeface="+mn-cs"/>
+            </a:endParaRPr>
+          </a:p>
+        </p:txBody>
+      </p:sp>
+      <p:sp>
+        <p:nvSpPr>
+          <p:cNvPr id="12" name="椭圆 11"/>
+          <p:cNvSpPr/>
+          <p:nvPr/>
+        </p:nvSpPr>
+        <p:spPr>
+          <a:xfrm>
+            <a:off x="10215562" y="552451"/>
+            <a:ext cx="361950" cy="361950"/>
+          </a:xfrm>
+          <a:prstGeom prst="ellipse">
+            <a:avLst/>
+          </a:prstGeom>
+          <a:noFill/>
+          <a:ln w="28575" cap="flat" cmpd="sng" algn="ctr">
+            <a:solidFill>
+              <a:srgbClr val="2E75B6"/>
+            </a:solidFill>
+            <a:prstDash val="solid"/>
+            <a:round/>
+            <a:headEnd type="none" w="med" len="med"/>
+            <a:tailEnd type="none" w="med" len="med"/>
+          </a:ln>
+        </p:spPr>
+        <p:style>
+          <a:lnRef idx="0">
+            <a:scrgbClr r="0" g="0" b="0"/>
+          </a:lnRef>
+          <a:fillRef idx="0">
+            <a:scrgbClr r="0" g="0" b="0"/>
+          </a:fillRef>
+          <a:effectRef idx="0">
+            <a:scrgbClr r="0" g="0" b="0"/>
+          </a:effectRef>
+          <a:fontRef idx="minor">
+            <a:schemeClr val="accent1"/>
+          </a:fontRef>
+        </p:style>
+        <p:txBody>
+          <a:bodyPr rtlCol="0" anchor="ctr"/>
+          <a:lstStyle/>
+          <a:p>
+            <a:pPr marL="0" marR="0" lvl="0" indent="0" algn="ctr" defTabSz="914400" rtl="0" eaLnBrk="1" fontAlgn="auto" latinLnBrk="0" hangingPunct="1">
+              <a:lnSpc>
+                <a:spcPct val="100000"/>
+              </a:lnSpc>
+              <a:spcBef>
+                <a:spcPts val="0"/>
+              </a:spcBef>
+              <a:spcAft>
+                <a:spcPts val="0"/>
+              </a:spcAft>
+              <a:buClrTx/>
+              <a:buSzTx/>
+              <a:buFontTx/>
+              <a:buNone/>
+              <a:defRPr/>
+            </a:pPr>
+            <a:endParaRPr kumimoji="0" lang="zh-CN" altLang="en-US" sz="1800" b="0" i="0" u="none" strike="noStrike" kern="1200" cap="none" spc="0" normalizeH="0" baseline="0" noProof="0">
+              <a:ln>
+                <a:noFill/>
+              </a:ln>
+              <a:solidFill>
+                <a:srgbClr val="4472C4"/>
+              </a:solidFill>
+              <a:effectLst/>
+              <a:uLnTx/>
+              <a:uFillTx/>
+              <a:latin typeface="+mj-lt"/>
+              <a:ea typeface="微软雅黑" panose="020B0503020204020204" pitchFamily="34" charset="-122"/>
+              <a:cs typeface="+mn-cs"/>
+            </a:endParaRPr>
+          </a:p>
+        </p:txBody>
+      </p:sp>
+      <p:sp>
+        <p:nvSpPr>
+          <p:cNvPr id="13" name="椭圆 12"/>
+          <p:cNvSpPr/>
+          <p:nvPr/>
+        </p:nvSpPr>
+        <p:spPr>
+          <a:xfrm>
+            <a:off x="10689431" y="552451"/>
+            <a:ext cx="361950" cy="361950"/>
+          </a:xfrm>
+          <a:prstGeom prst="ellipse">
+            <a:avLst/>
+          </a:prstGeom>
+          <a:noFill/>
+          <a:ln w="28575" cap="flat" cmpd="sng" algn="ctr">
+            <a:solidFill>
+              <a:srgbClr val="2E75B6"/>
+            </a:solidFill>
+            <a:prstDash val="solid"/>
+            <a:round/>
+            <a:headEnd type="none" w="med" len="med"/>
+            <a:tailEnd type="none" w="med" len="med"/>
+          </a:ln>
+        </p:spPr>
+        <p:style>
+          <a:lnRef idx="0">
+            <a:scrgbClr r="0" g="0" b="0"/>
+          </a:lnRef>
+          <a:fillRef idx="0">
+            <a:scrgbClr r="0" g="0" b="0"/>
+          </a:fillRef>
+          <a:effectRef idx="0">
+            <a:scrgbClr r="0" g="0" b="0"/>
+          </a:effectRef>
+          <a:fontRef idx="minor">
+            <a:schemeClr val="accent1"/>
+          </a:fontRef>
+        </p:style>
+        <p:txBody>
+          <a:bodyPr rtlCol="0" anchor="ctr"/>
+          <a:lstStyle/>
+          <a:p>
+            <a:pPr marL="0" marR="0" lvl="0" indent="0" algn="ctr" defTabSz="914400" rtl="0" eaLnBrk="1" fontAlgn="auto" latinLnBrk="0" hangingPunct="1">
+              <a:lnSpc>
+                <a:spcPct val="100000"/>
+              </a:lnSpc>
+              <a:spcBef>
+                <a:spcPts val="0"/>
+              </a:spcBef>
+              <a:spcAft>
+                <a:spcPts val="0"/>
+              </a:spcAft>
+              <a:buClrTx/>
+              <a:buSzTx/>
+              <a:buFontTx/>
+              <a:buNone/>
+              <a:defRPr/>
+            </a:pPr>
+            <a:endParaRPr kumimoji="0" lang="zh-CN" altLang="en-US" sz="1800" b="0" i="0" u="none" strike="noStrike" kern="1200" cap="none" spc="0" normalizeH="0" baseline="0" noProof="0">
+              <a:ln>
+                <a:noFill/>
+              </a:ln>
+              <a:solidFill>
+                <a:srgbClr val="4472C4"/>
+              </a:solidFill>
+              <a:effectLst/>
+              <a:uLnTx/>
+              <a:uFillTx/>
+              <a:latin typeface="+mj-lt"/>
+              <a:ea typeface="微软雅黑" panose="020B0503020204020204" pitchFamily="34" charset="-122"/>
+              <a:cs typeface="+mn-cs"/>
+            </a:endParaRPr>
+          </a:p>
+        </p:txBody>
+      </p:sp>
+      <p:sp>
+        <p:nvSpPr>
+          <p:cNvPr id="4" name="椭圆 3"/>
+          <p:cNvSpPr/>
+          <p:nvPr/>
+        </p:nvSpPr>
+        <p:spPr>
+          <a:xfrm>
+            <a:off x="11163299" y="552451"/>
+            <a:ext cx="361950" cy="361950"/>
+          </a:xfrm>
+          <a:prstGeom prst="ellipse">
+            <a:avLst/>
+          </a:prstGeom>
+          <a:noFill/>
+          <a:ln w="28575" cap="flat" cmpd="sng" algn="ctr">
+            <a:solidFill>
+              <a:srgbClr val="2E75B6"/>
+            </a:solidFill>
+            <a:prstDash val="solid"/>
+            <a:round/>
+            <a:headEnd type="none" w="med" len="med"/>
+            <a:tailEnd type="none" w="med" len="med"/>
+          </a:ln>
+        </p:spPr>
+        <p:style>
+          <a:lnRef idx="0">
+            <a:scrgbClr r="0" g="0" b="0"/>
+          </a:lnRef>
+          <a:fillRef idx="0">
+            <a:scrgbClr r="0" g="0" b="0"/>
+          </a:fillRef>
+          <a:effectRef idx="0">
+            <a:scrgbClr r="0" g="0" b="0"/>
+          </a:effectRef>
+          <a:fontRef idx="minor">
+            <a:schemeClr val="accent1"/>
+          </a:fontRef>
+        </p:style>
+        <p:txBody>
+          <a:bodyPr rtlCol="0" anchor="ctr"/>
+          <a:lstStyle/>
+          <a:p>
+            <a:pPr marL="0" marR="0" lvl="0" indent="0" algn="ctr" defTabSz="914400" rtl="0" eaLnBrk="1" fontAlgn="auto" latinLnBrk="0" hangingPunct="1">
+              <a:lnSpc>
+                <a:spcPct val="100000"/>
+              </a:lnSpc>
+              <a:spcBef>
+                <a:spcPts val="0"/>
+              </a:spcBef>
+              <a:spcAft>
+                <a:spcPts val="0"/>
+              </a:spcAft>
+              <a:buClrTx/>
+              <a:buSzTx/>
+              <a:buFontTx/>
+              <a:buNone/>
+              <a:defRPr/>
+            </a:pPr>
+            <a:endParaRPr kumimoji="0" lang="zh-CN" altLang="en-US" sz="1800" b="0" i="0" u="none" strike="noStrike" kern="1200" cap="none" spc="0" normalizeH="0" baseline="0" noProof="0">
+              <a:ln>
+                <a:noFill/>
+              </a:ln>
+              <a:solidFill>
+                <a:srgbClr val="4472C4"/>
+              </a:solidFill>
+              <a:effectLst/>
+              <a:uLnTx/>
+              <a:uFillTx/>
+              <a:latin typeface="+mj-lt"/>
+              <a:ea typeface="微软雅黑" panose="020B0503020204020204" pitchFamily="34" charset="-122"/>
+              <a:cs typeface="+mn-cs"/>
+            </a:endParaRPr>
+          </a:p>
+        </p:txBody>
+      </p:sp>
+      <p:sp>
+        <p:nvSpPr>
+          <p:cNvPr id="6" name="椭圆 5"/>
+          <p:cNvSpPr/>
+          <p:nvPr/>
+        </p:nvSpPr>
+        <p:spPr>
+          <a:xfrm>
+            <a:off x="9741375" y="560071"/>
+            <a:ext cx="361950" cy="361950"/>
+          </a:xfrm>
+          <a:prstGeom prst="ellipse">
+            <a:avLst/>
+          </a:prstGeom>
+          <a:solidFill>
+            <a:schemeClr val="accent1">
+              <a:lumMod val="40000"/>
+              <a:lumOff val="60000"/>
+            </a:schemeClr>
+          </a:solidFill>
+          <a:ln w="28575" cap="flat" cmpd="sng" algn="ctr">
+            <a:solidFill>
+              <a:srgbClr val="2E75B6"/>
+            </a:solidFill>
+            <a:prstDash val="solid"/>
+            <a:round/>
+            <a:headEnd type="none" w="med" len="med"/>
+            <a:tailEnd type="none" w="med" len="med"/>
+          </a:ln>
+        </p:spPr>
+        <p:style>
+          <a:lnRef idx="0">
+            <a:scrgbClr r="0" g="0" b="0"/>
+          </a:lnRef>
+          <a:fillRef idx="0">
+            <a:scrgbClr r="0" g="0" b="0"/>
+          </a:fillRef>
+          <a:effectRef idx="0">
+            <a:scrgbClr r="0" g="0" b="0"/>
+          </a:effectRef>
+          <a:fontRef idx="minor">
+            <a:schemeClr val="accent1"/>
+          </a:fontRef>
+        </p:style>
+        <p:txBody>
+          <a:bodyPr rtlCol="0" anchor="ctr"/>
+          <a:lstStyle/>
+          <a:p>
+            <a:pPr marL="0" marR="0" lvl="0" indent="0" algn="ctr" defTabSz="914400" rtl="0" eaLnBrk="1" fontAlgn="auto" latinLnBrk="0" hangingPunct="1">
+              <a:lnSpc>
+                <a:spcPct val="100000"/>
+              </a:lnSpc>
+              <a:spcBef>
+                <a:spcPts val="0"/>
+              </a:spcBef>
+              <a:spcAft>
+                <a:spcPts val="0"/>
+              </a:spcAft>
+              <a:buClrTx/>
+              <a:buSzTx/>
+              <a:buFontTx/>
+              <a:buNone/>
+              <a:defRPr/>
+            </a:pPr>
+            <a:endParaRPr kumimoji="0" lang="zh-CN" altLang="en-US" sz="1800" b="0" i="0" u="none" strike="noStrike" kern="1200" cap="none" spc="0" normalizeH="0" baseline="0" noProof="0">
+              <a:ln>
+                <a:noFill/>
+              </a:ln>
+              <a:solidFill>
+                <a:srgbClr val="4472C4"/>
+              </a:solidFill>
+              <a:effectLst/>
+              <a:uLnTx/>
+              <a:uFillTx/>
+              <a:latin typeface="+mj-lt"/>
+              <a:ea typeface="微软雅黑" panose="020B0503020204020204" pitchFamily="34" charset="-122"/>
+              <a:cs typeface="+mn-cs"/>
+            </a:endParaRPr>
+          </a:p>
+        </p:txBody>
+      </p:sp>
       <p:grpSp>
         <p:nvGrpSpPr>
           <p:cNvPr id="30" name="组合 29"/>
@@ -17623,10 +18524,10 @@
         </p:nvGrpSpPr>
         <p:grpSpPr>
           <a:xfrm>
-            <a:off x="1381760" y="1190625"/>
-            <a:ext cx="8652510" cy="5583333"/>
-            <a:chOff x="4210908" y="1601984"/>
-            <a:chExt cx="7622540" cy="5159047"/>
+            <a:off x="1301750" y="1190625"/>
+            <a:ext cx="8732520" cy="5306473"/>
+            <a:chOff x="4140422" y="1601984"/>
+            <a:chExt cx="7693026" cy="4903226"/>
           </a:xfrm>
         </p:grpSpPr>
         <p:grpSp>
@@ -17713,6 +18614,7 @@
               <a:bodyPr wrap="square" lIns="91440" tIns="45720" rIns="91440" bIns="45720" anchor="ctr">
                 <a:normAutofit/>
               </a:bodyPr>
+              <a:lstStyle/>
               <a:p>
                 <a:pPr algn="ctr"/>
               </a:p>
@@ -17771,6 +18673,7 @@
               <a:bodyPr wrap="square" lIns="91440" tIns="45720" rIns="91440" bIns="45720" anchor="ctr">
                 <a:normAutofit/>
               </a:bodyPr>
+              <a:lstStyle/>
               <a:p>
                 <a:pPr algn="ctr"/>
                 <a:endParaRPr dirty="0"/>
@@ -17824,6 +18727,7 @@
               <a:bodyPr wrap="square" lIns="91440" tIns="45720" rIns="91440" bIns="45720" rtlCol="0" anchor="ctr" anchorCtr="0">
                 <a:noAutofit/>
               </a:bodyPr>
+              <a:lstStyle/>
               <a:p>
                 <a:pPr indent="-225425" algn="ctr" fontAlgn="base">
                   <a:lnSpc>
@@ -17903,6 +18807,7 @@
               <a:bodyPr wrap="square" lIns="91440" tIns="45720" rIns="91440" bIns="45720" rtlCol="0" anchor="ctr" anchorCtr="0">
                 <a:noAutofit/>
               </a:bodyPr>
+              <a:lstStyle/>
               <a:p>
                 <a:pPr indent="-225425" algn="ctr" fontAlgn="base">
                   <a:lnSpc>
@@ -17982,6 +18887,7 @@
               <a:bodyPr wrap="square" lIns="91440" tIns="45720" rIns="91440" bIns="45720" rtlCol="0" anchor="ctr" anchorCtr="0">
                 <a:noAutofit/>
               </a:bodyPr>
+              <a:lstStyle/>
               <a:p>
                 <a:pPr indent="-225425" algn="ctr" fontAlgn="base">
                   <a:lnSpc>
@@ -18061,6 +18967,7 @@
               <a:bodyPr wrap="square" lIns="91440" tIns="45720" rIns="91440" bIns="45720" rtlCol="0" anchor="ctr" anchorCtr="0">
                 <a:noAutofit/>
               </a:bodyPr>
+              <a:lstStyle/>
               <a:p>
                 <a:pPr indent="-225425" algn="ctr" fontAlgn="base">
                   <a:lnSpc>
@@ -18140,6 +19047,7 @@
               <a:bodyPr wrap="square" lIns="91440" tIns="45720" rIns="91440" bIns="45720" rtlCol="0" anchor="ctr" anchorCtr="0">
                 <a:noAutofit/>
               </a:bodyPr>
+              <a:lstStyle/>
               <a:p>
                 <a:pPr indent="-225425" algn="ctr" fontAlgn="base">
                   <a:lnSpc>
@@ -18219,6 +19127,7 @@
               <a:bodyPr wrap="square" lIns="91440" tIns="45720" rIns="91440" bIns="45720" rtlCol="0" anchor="ctr" anchorCtr="0">
                 <a:noAutofit/>
               </a:bodyPr>
+              <a:lstStyle/>
               <a:p>
                 <a:pPr indent="-225425" algn="ctr" fontAlgn="base">
                   <a:lnSpc>
@@ -18298,6 +19207,7 @@
               <a:bodyPr wrap="square" lIns="91440" tIns="45720" rIns="91440" bIns="45720" rtlCol="0" anchor="ctr" anchorCtr="0">
                 <a:noAutofit/>
               </a:bodyPr>
+              <a:lstStyle/>
               <a:p>
                 <a:pPr indent="-225425" algn="ctr" fontAlgn="base">
                   <a:lnSpc>
@@ -18377,6 +19287,7 @@
               <a:bodyPr wrap="square" lIns="91440" tIns="45720" rIns="91440" bIns="45720" rtlCol="0" anchor="ctr" anchorCtr="0">
                 <a:noAutofit/>
               </a:bodyPr>
+              <a:lstStyle/>
               <a:p>
                 <a:pPr indent="-225425" algn="ctr" fontAlgn="base">
                   <a:lnSpc>
@@ -18430,11 +19341,12 @@
             <a:bodyPr wrap="square" rtlCol="0">
               <a:spAutoFit/>
             </a:bodyPr>
+            <a:lstStyle/>
             <a:p>
               <a:pPr algn="ctr"/>
               <a:r>
                 <a:rPr lang="zh-CN" altLang="en-US" b="1" dirty="0"/>
-                <a:t>Authentication Service</a:t>
+                <a:t>认证服务</a:t>
               </a:r>
               <a:endParaRPr lang="zh-CN" altLang="en-US" b="1" dirty="0"/>
             </a:p>
@@ -18464,10 +19376,11 @@
             <a:bodyPr wrap="square" rtlCol="0">
               <a:spAutoFit/>
             </a:bodyPr>
+            <a:lstStyle/>
             <a:p>
               <a:r>
                 <a:rPr lang="zh-CN" altLang="en-US" b="1" dirty="0"/>
-                <a:t>User Service</a:t>
+                <a:t>用户服务</a:t>
               </a:r>
               <a:endParaRPr lang="zh-CN" altLang="en-US" b="1" dirty="0"/>
             </a:p>
@@ -18497,10 +19410,11 @@
             <a:bodyPr wrap="square" rtlCol="0">
               <a:spAutoFit/>
             </a:bodyPr>
+            <a:lstStyle/>
             <a:p>
               <a:r>
                 <a:rPr lang="zh-CN" altLang="en-US" b="1" dirty="0"/>
-                <a:t>Note Service</a:t>
+                <a:t>笔记服务</a:t>
               </a:r>
               <a:endParaRPr lang="zh-CN" altLang="en-US" b="1" dirty="0"/>
             </a:p>
@@ -18519,7 +19433,7 @@
           <p:spPr>
             <a:xfrm>
               <a:off x="9726594" y="5217487"/>
-              <a:ext cx="1960582" cy="596133"/>
+              <a:ext cx="1960582" cy="340312"/>
             </a:xfrm>
             <a:prstGeom prst="rect">
               <a:avLst/>
@@ -18530,10 +19444,11 @@
             <a:bodyPr wrap="square" rtlCol="0">
               <a:spAutoFit/>
             </a:bodyPr>
+            <a:lstStyle/>
             <a:p>
               <a:r>
                 <a:rPr lang="zh-CN" altLang="en-US" b="1" dirty="0"/>
-                <a:t>User Relationship Service </a:t>
+                <a:t>用户关系服务</a:t>
               </a:r>
               <a:endParaRPr lang="zh-CN" altLang="en-US" b="1" dirty="0"/>
             </a:p>
@@ -18552,7 +19467,7 @@
           <p:spPr>
             <a:xfrm>
               <a:off x="6835934" y="6164898"/>
-              <a:ext cx="2769142" cy="596133"/>
+              <a:ext cx="2769142" cy="340312"/>
             </a:xfrm>
             <a:prstGeom prst="rect">
               <a:avLst/>
@@ -18563,11 +19478,12 @@
             <a:bodyPr wrap="square" rtlCol="0">
               <a:spAutoFit/>
             </a:bodyPr>
+            <a:lstStyle/>
             <a:p>
               <a:pPr algn="ctr"/>
               <a:r>
                 <a:rPr lang="zh-CN" altLang="en-US" b="1" dirty="0"/>
-                <a:t>Distributed ID Generation Service </a:t>
+                <a:t>分布式ID生成服务</a:t>
               </a:r>
               <a:endParaRPr lang="zh-CN" altLang="en-US" b="1" dirty="0"/>
             </a:p>
@@ -18585,7 +19501,7 @@
           </p:nvSpPr>
           <p:spPr>
             <a:xfrm>
-              <a:off x="4210908" y="5217674"/>
+              <a:off x="4140422" y="5217674"/>
               <a:ext cx="2523490" cy="340312"/>
             </a:xfrm>
             <a:prstGeom prst="rect">
@@ -18597,11 +19513,12 @@
             <a:bodyPr wrap="square" rtlCol="0">
               <a:spAutoFit/>
             </a:bodyPr>
+            <a:lstStyle/>
             <a:p>
               <a:pPr algn="r"/>
               <a:r>
                 <a:rPr lang="zh-CN" altLang="en-US" b="1" dirty="0"/>
-                <a:t>Counting Service</a:t>
+                <a:t>计数服务</a:t>
               </a:r>
               <a:endParaRPr lang="zh-CN" altLang="en-US" b="1" dirty="0"/>
             </a:p>
@@ -18619,8 +19536,8 @@
           </p:nvSpPr>
           <p:spPr>
             <a:xfrm>
-              <a:off x="4374103" y="3766064"/>
-              <a:ext cx="1849120" cy="596133"/>
+              <a:off x="4598986" y="3766064"/>
+              <a:ext cx="1849120" cy="340312"/>
             </a:xfrm>
             <a:prstGeom prst="rect">
               <a:avLst/>
@@ -18631,11 +19548,12 @@
             <a:bodyPr wrap="square" rtlCol="0">
               <a:spAutoFit/>
             </a:bodyPr>
+            <a:lstStyle/>
             <a:p>
               <a:pPr algn="ctr"/>
               <a:r>
                 <a:rPr lang="zh-CN" altLang="en-US" b="1" dirty="0"/>
-                <a:t>Object Storage Service</a:t>
+                <a:t>对象存储服务</a:t>
               </a:r>
               <a:endParaRPr lang="zh-CN" altLang="en-US" b="1" dirty="0"/>
             </a:p>
@@ -18654,7 +19572,7 @@
           <p:spPr>
             <a:xfrm>
               <a:off x="4715735" y="2496795"/>
-              <a:ext cx="2018404" cy="596133"/>
+              <a:ext cx="2018404" cy="340312"/>
             </a:xfrm>
             <a:prstGeom prst="rect">
               <a:avLst/>
@@ -18665,11 +19583,12 @@
             <a:bodyPr wrap="square" rtlCol="0">
               <a:spAutoFit/>
             </a:bodyPr>
+            <a:lstStyle/>
             <a:p>
               <a:pPr algn="r"/>
               <a:r>
                 <a:rPr lang="zh-CN" altLang="en-US" b="1" dirty="0"/>
-                <a:t>KV Short Text Storage Service </a:t>
+                <a:t>KV短文本存储服务</a:t>
               </a:r>
               <a:endParaRPr lang="zh-CN" altLang="en-US" b="1" dirty="0"/>
             </a:p>
@@ -18687,8 +19606,8 @@
           </p:nvSpPr>
           <p:spPr>
             <a:xfrm>
-              <a:off x="7139380" y="3639566"/>
-              <a:ext cx="2124149" cy="851954"/>
+              <a:off x="7157840" y="3315096"/>
+              <a:ext cx="2124149" cy="1534339"/>
             </a:xfrm>
             <a:prstGeom prst="rect">
               <a:avLst/>
@@ -18699,6 +19618,7 @@
             <a:bodyPr wrap="square" rtlCol="0">
               <a:spAutoFit/>
             </a:bodyPr>
+            <a:lstStyle/>
             <a:p>
               <a:pPr algn="ctr">
                 <a:lnSpc>
@@ -18706,7 +19626,7 @@
                 </a:lnSpc>
               </a:pPr>
               <a:r>
-                <a:rPr lang="en-US" altLang="zh-CN" b="1" dirty="0" err="1">
+                <a:rPr lang="zh-CN" altLang="en-US" b="1" dirty="0" err="1">
                   <a:solidFill>
                     <a:schemeClr val="accent1">
                       <a:lumMod val="60000"/>
@@ -18714,9 +19634,50 @@
                     </a:schemeClr>
                   </a:solidFill>
                 </a:rPr>
-                <a:t>Business Logic Layer</a:t>
+                <a:t>业务逻辑层</a:t>
               </a:r>
-              <a:endParaRPr lang="en-US" altLang="zh-CN" b="1" dirty="0" err="1">
+              <a:endParaRPr lang="zh-CN" altLang="en-US" b="1" dirty="0" err="1">
+                <a:solidFill>
+                  <a:schemeClr val="accent1">
+                    <a:lumMod val="60000"/>
+                    <a:lumOff val="40000"/>
+                  </a:schemeClr>
+                </a:solidFill>
+              </a:endParaRPr>
+            </a:p>
+            <a:p>
+              <a:pPr algn="ctr">
+                <a:lnSpc>
+                  <a:spcPct val="150000"/>
+                </a:lnSpc>
+              </a:pPr>
+              <a:endParaRPr lang="zh-CN" altLang="en-US" b="1" dirty="0" err="1">
+                <a:solidFill>
+                  <a:schemeClr val="accent1">
+                    <a:lumMod val="60000"/>
+                    <a:lumOff val="40000"/>
+                  </a:schemeClr>
+                </a:solidFill>
+              </a:endParaRPr>
+            </a:p>
+            <a:p>
+              <a:pPr algn="ctr">
+                <a:lnSpc>
+                  <a:spcPct val="150000"/>
+                </a:lnSpc>
+              </a:pPr>
+              <a:r>
+                <a:rPr lang="zh-CN" altLang="en-US" sz="1600" b="1" dirty="0" err="1">
+                  <a:solidFill>
+                    <a:schemeClr val="accent1">
+                      <a:lumMod val="60000"/>
+                      <a:lumOff val="40000"/>
+                    </a:schemeClr>
+                  </a:solidFill>
+                </a:rPr>
+                <a:t>Spring Cloud Alibaba 生态系统</a:t>
+              </a:r>
+              <a:endParaRPr lang="zh-CN" altLang="en-US" sz="1600" b="1" dirty="0" err="1">
                 <a:solidFill>
                   <a:schemeClr val="accent1">
                     <a:lumMod val="60000"/>
@@ -18736,8 +19697,8 @@
         </p:nvSpPr>
         <p:spPr>
           <a:xfrm>
-            <a:off x="7576820" y="1201420"/>
-            <a:ext cx="3968750" cy="553085"/>
+            <a:off x="6998335" y="1129030"/>
+            <a:ext cx="4123055" cy="521970"/>
           </a:xfrm>
           <a:prstGeom prst="rect">
             <a:avLst/>
@@ -18748,12 +19709,28 @@
           <a:bodyPr wrap="square" rtlCol="0">
             <a:spAutoFit/>
           </a:bodyPr>
-          <a:p>
-            <a:r>
-              <a:rPr lang="zh-CN" altLang="en-US" sz="1000"/>
-              <a:t>Based on the RBAC (Role-Based Access Control) model, it supports user login, registration, logout, password modification, and other operations, ensuring the legitimacy of user identities.</a:t>
-            </a:r>
-            <a:endParaRPr lang="zh-CN" altLang="en-US" sz="1000"/>
+          <a:lstStyle/>
+          <a:p>
+            <a:r>
+              <a:rPr lang="zh-CN" altLang="en-US" sz="1400" b="1"/>
+              <a:t>技术</a:t>
+            </a:r>
+            <a:r>
+              <a:rPr lang="zh-CN" altLang="en-US" sz="1400"/>
+              <a:t>：提供用户的身份认证、授权和权限管理功能</a:t>
+            </a:r>
+            <a:endParaRPr lang="zh-CN" altLang="en-US" sz="1400"/>
+          </a:p>
+          <a:p>
+            <a:r>
+              <a:rPr lang="zh-CN" altLang="en-US" sz="1400" b="1"/>
+              <a:t>功能</a:t>
+            </a:r>
+            <a:r>
+              <a:rPr lang="zh-CN" altLang="en-US" sz="1400"/>
+              <a:t>：通过 SaToken 实现用户的 JWT 登录认证</a:t>
+            </a:r>
+            <a:endParaRPr lang="zh-CN" altLang="en-US" sz="1400"/>
           </a:p>
         </p:txBody>
       </p:sp>
@@ -18765,8 +19742,8 @@
         </p:nvSpPr>
         <p:spPr>
           <a:xfrm>
-            <a:off x="9156065" y="2152650"/>
-            <a:ext cx="3096260" cy="822325"/>
+            <a:off x="8675370" y="2084070"/>
+            <a:ext cx="3615055" cy="822325"/>
           </a:xfrm>
           <a:prstGeom prst="rect">
             <a:avLst/>
@@ -18777,12 +19754,28 @@
           <a:bodyPr wrap="square" rtlCol="0">
             <a:noAutofit/>
           </a:bodyPr>
-          <a:p>
-            <a:r>
-              <a:rPr lang="zh-CN" altLang="en-US" sz="1000"/>
-              <a:t>Manages user information, supporting modification, query, and registration of user details. It utilizes a Redis + Caffeine dual-level cache to handle high-concurrency access.</a:t>
-            </a:r>
-            <a:endParaRPr lang="zh-CN" altLang="en-US" sz="1000"/>
+          <a:lstStyle/>
+          <a:p>
+            <a:r>
+              <a:rPr lang="zh-CN" altLang="en-US" sz="1400" b="1"/>
+              <a:t>技术</a:t>
+            </a:r>
+            <a:r>
+              <a:rPr lang="zh-CN" altLang="en-US" sz="1400"/>
+              <a:t>：使用 Redis + Caffeine 构建二级缓存</a:t>
+            </a:r>
+            <a:endParaRPr lang="zh-CN" altLang="en-US" sz="1400"/>
+          </a:p>
+          <a:p>
+            <a:r>
+              <a:rPr lang="zh-CN" altLang="en-US" sz="1400" b="1"/>
+              <a:t>功能</a:t>
+            </a:r>
+            <a:r>
+              <a:rPr lang="zh-CN" altLang="en-US" sz="1400"/>
+              <a:t>：管理用户的基本信息</a:t>
+            </a:r>
+            <a:endParaRPr lang="zh-CN" altLang="en-US" sz="1400"/>
           </a:p>
         </p:txBody>
       </p:sp>
@@ -18794,8 +19787,8 @@
         </p:nvSpPr>
         <p:spPr>
           <a:xfrm>
-            <a:off x="9868535" y="3532505"/>
-            <a:ext cx="2322830" cy="959485"/>
+            <a:off x="9341485" y="3552190"/>
+            <a:ext cx="2997200" cy="959485"/>
           </a:xfrm>
           <a:prstGeom prst="rect">
             <a:avLst/>
@@ -18806,12 +19799,28 @@
           <a:bodyPr wrap="square" rtlCol="0">
             <a:noAutofit/>
           </a:bodyPr>
-          <a:p>
-            <a:r>
-              <a:rPr lang="zh-CN" altLang="en-US" sz="1000"/>
-              <a:t>Supports functionalities such as note publishing, editing, querying, pinning, and permission modifications. RocketMQ is used for data broadcasting and cache updates to ensure data consistency.</a:t>
-            </a:r>
-            <a:endParaRPr lang="zh-CN" altLang="en-US" sz="1000"/>
+          <a:lstStyle/>
+          <a:p>
+            <a:r>
+              <a:rPr lang="zh-CN" altLang="en-US" sz="1400" b="1"/>
+              <a:t>技术</a:t>
+            </a:r>
+            <a:r>
+              <a:rPr lang="zh-CN" altLang="en-US" sz="1400"/>
+              <a:t>：Redis + Caffeine</a:t>
+            </a:r>
+            <a:endParaRPr lang="zh-CN" altLang="en-US" sz="1400"/>
+          </a:p>
+          <a:p>
+            <a:r>
+              <a:rPr lang="zh-CN" altLang="en-US" sz="1400" b="1"/>
+              <a:t>功能</a:t>
+            </a:r>
+            <a:r>
+              <a:rPr lang="zh-CN" altLang="en-US" sz="1400"/>
+              <a:t>：支持笔记的发布、编辑、查询、置顶及权限修改等功能</a:t>
+            </a:r>
+            <a:endParaRPr lang="zh-CN" altLang="en-US" sz="1400"/>
           </a:p>
         </p:txBody>
       </p:sp>
@@ -18823,8 +19832,8 @@
         </p:nvSpPr>
         <p:spPr>
           <a:xfrm>
-            <a:off x="9868535" y="4946015"/>
-            <a:ext cx="2322830" cy="959485"/>
+            <a:off x="9268460" y="4930775"/>
+            <a:ext cx="2922905" cy="959485"/>
           </a:xfrm>
           <a:prstGeom prst="rect">
             <a:avLst/>
@@ -18835,12 +19844,34 @@
           <a:bodyPr wrap="square" rtlCol="0">
             <a:noAutofit/>
           </a:bodyPr>
-          <a:p>
-            <a:r>
-              <a:rPr lang="zh-CN" altLang="en-US" sz="1000"/>
-              <a:t>Manages follow and unfollow operations between users, maintaining the social relationship graph. Redis cache and message queues are used to support high-concurrency write operations.</a:t>
-            </a:r>
-            <a:endParaRPr lang="zh-CN" altLang="en-US" sz="1000"/>
+          <a:lstStyle/>
+          <a:p>
+            <a:r>
+              <a:rPr lang="zh-CN" altLang="en-US" sz="1400" b="1"/>
+              <a:t>技术</a:t>
+            </a:r>
+            <a:r>
+              <a:rPr lang="zh-CN" altLang="en-US" sz="1400"/>
+              <a:t>：</a:t>
+            </a:r>
+            <a:r>
+              <a:rPr lang="zh-CN" altLang="en-US" sz="1400">
+                <a:sym typeface="+mn-ea"/>
+              </a:rPr>
+              <a:t>使用Redis缓存和消息队列</a:t>
+            </a:r>
+            <a:endParaRPr lang="zh-CN" altLang="en-US" sz="1400"/>
+          </a:p>
+          <a:p>
+            <a:r>
+              <a:rPr lang="zh-CN" altLang="en-US" sz="1400" b="1"/>
+              <a:t>功能</a:t>
+            </a:r>
+            <a:r>
+              <a:rPr lang="zh-CN" altLang="en-US" sz="1400"/>
+              <a:t>：管理用户之间的关注和取关操作，维护社交关系图。</a:t>
+            </a:r>
+            <a:endParaRPr lang="zh-CN" altLang="en-US" sz="1400"/>
           </a:p>
         </p:txBody>
       </p:sp>
@@ -18852,8 +19883,8 @@
         </p:nvSpPr>
         <p:spPr>
           <a:xfrm>
-            <a:off x="7505065" y="6158230"/>
-            <a:ext cx="3238500" cy="699770"/>
+            <a:off x="6985635" y="6056630"/>
+            <a:ext cx="4687570" cy="699770"/>
           </a:xfrm>
           <a:prstGeom prst="rect">
             <a:avLst/>
@@ -18864,12 +19895,28 @@
           <a:bodyPr wrap="square" rtlCol="0">
             <a:noAutofit/>
           </a:bodyPr>
-          <a:p>
-            <a:r>
-              <a:rPr lang="zh-CN" altLang="en-US" sz="1000"/>
-              <a:t>Based on the Meituan Leaf project, it provides unique identifiers for the system, supporting unique ID generation in high-concurrency environments to avoid ID conflicts.</a:t>
-            </a:r>
-            <a:endParaRPr lang="zh-CN" altLang="en-US" sz="1000"/>
+          <a:lstStyle/>
+          <a:p>
+            <a:r>
+              <a:rPr lang="zh-CN" altLang="en-US" sz="1400" b="1"/>
+              <a:t>技术</a:t>
+            </a:r>
+            <a:r>
+              <a:rPr lang="zh-CN" altLang="en-US" sz="1400"/>
+              <a:t>：美团 Leaf 项目的号段 ID 生成， 雪花算法 ID 生成</a:t>
+            </a:r>
+            <a:endParaRPr lang="zh-CN" altLang="en-US" sz="1400"/>
+          </a:p>
+          <a:p>
+            <a:r>
+              <a:rPr lang="zh-CN" altLang="en-US" sz="1400" b="1"/>
+              <a:t>功能</a:t>
+            </a:r>
+            <a:r>
+              <a:rPr lang="zh-CN" altLang="en-US" sz="1400"/>
+              <a:t>：负责生成系统中的唯一标识符。</a:t>
+            </a:r>
+            <a:endParaRPr lang="zh-CN" altLang="en-US" sz="1400"/>
           </a:p>
         </p:txBody>
       </p:sp>
@@ -18881,8 +19928,8 @@
         </p:nvSpPr>
         <p:spPr>
           <a:xfrm>
-            <a:off x="0" y="5132705"/>
-            <a:ext cx="2329815" cy="1025525"/>
+            <a:off x="0" y="5239385"/>
+            <a:ext cx="3148330" cy="1025525"/>
           </a:xfrm>
           <a:prstGeom prst="rect">
             <a:avLst/>
@@ -18893,12 +19940,28 @@
           <a:bodyPr wrap="square" rtlCol="0">
             <a:noAutofit/>
           </a:bodyPr>
-          <a:p>
-            <a:r>
-              <a:rPr lang="zh-CN" altLang="en-US" sz="1000"/>
-              <a:t>Used for counting metrics like follows, followers, and likes. It consumes user behavior data through message queues to ensure high performance and availability in high-concurrency scenarios.</a:t>
-            </a:r>
-            <a:endParaRPr lang="zh-CN" altLang="en-US" sz="1000"/>
+          <a:lstStyle/>
+          <a:p>
+            <a:r>
+              <a:rPr lang="zh-CN" altLang="en-US" sz="1400" b="1"/>
+              <a:t>技术</a:t>
+            </a:r>
+            <a:r>
+              <a:rPr lang="zh-CN" altLang="en-US" sz="1400"/>
+              <a:t>：RocketMQBufferTrigger</a:t>
+            </a:r>
+            <a:endParaRPr lang="zh-CN" altLang="en-US" sz="1400"/>
+          </a:p>
+          <a:p>
+            <a:r>
+              <a:rPr lang="zh-CN" altLang="en-US" sz="1400" b="1"/>
+              <a:t>功能</a:t>
+            </a:r>
+            <a:r>
+              <a:rPr lang="zh-CN" altLang="en-US" sz="1400"/>
+              <a:t>：统计关注、粉丝和点赞等指标</a:t>
+            </a:r>
+            <a:endParaRPr lang="zh-CN" altLang="en-US" sz="1400"/>
           </a:p>
         </p:txBody>
       </p:sp>
@@ -18910,8 +19973,8 @@
         </p:nvSpPr>
         <p:spPr>
           <a:xfrm>
-            <a:off x="-74930" y="3466465"/>
-            <a:ext cx="1925320" cy="1314450"/>
+            <a:off x="95885" y="3319145"/>
+            <a:ext cx="2230120" cy="1314450"/>
           </a:xfrm>
           <a:prstGeom prst="rect">
             <a:avLst/>
@@ -18922,12 +19985,28 @@
           <a:bodyPr wrap="square" rtlCol="0">
             <a:noAutofit/>
           </a:bodyPr>
-          <a:p>
-            <a:r>
-              <a:rPr lang="zh-CN" altLang="en-US" sz="1000"/>
-              <a:t>Stores unstructured data such as images and videos for the platform. It uses factory and strategy patterns to support the Minio storage type, allowing for flexible expansion to meet different storage needs.</a:t>
-            </a:r>
-            <a:endParaRPr lang="zh-CN" altLang="en-US" sz="1000"/>
+          <a:lstStyle/>
+          <a:p>
+            <a:r>
+              <a:rPr lang="zh-CN" altLang="en-US" sz="1400" b="1"/>
+              <a:t>技术</a:t>
+            </a:r>
+            <a:r>
+              <a:rPr lang="zh-CN" altLang="en-US" sz="1400"/>
+              <a:t>：工厂模式 、策略模式 ，Nacos 分布式配置 </a:t>
+            </a:r>
+            <a:endParaRPr lang="zh-CN" altLang="en-US" sz="1400"/>
+          </a:p>
+          <a:p>
+            <a:r>
+              <a:rPr lang="zh-CN" altLang="en-US" sz="1400" b="1"/>
+              <a:t>功能</a:t>
+            </a:r>
+            <a:r>
+              <a:rPr lang="zh-CN" altLang="en-US" sz="1400"/>
+              <a:t>：负责存储平台上的非结构化数据，支持高并发下的文件上传和下载需求。</a:t>
+            </a:r>
+            <a:endParaRPr lang="zh-CN" altLang="en-US" sz="1400"/>
           </a:p>
         </p:txBody>
       </p:sp>
@@ -18939,8 +20018,8 @@
         </p:nvSpPr>
         <p:spPr>
           <a:xfrm>
-            <a:off x="276225" y="1604645"/>
-            <a:ext cx="2148205" cy="1314450"/>
+            <a:off x="0" y="1730375"/>
+            <a:ext cx="3093720" cy="1314450"/>
           </a:xfrm>
           <a:prstGeom prst="rect">
             <a:avLst/>
@@ -18951,958 +20030,32 @@
           <a:bodyPr wrap="square" rtlCol="0">
             <a:noAutofit/>
           </a:bodyPr>
-          <a:p>
-            <a:r>
-              <a:rPr lang="zh-CN" altLang="en-US" sz="1000"/>
-              <a:t>Based on Apache Cassandra, it stores short text content on the platform, such as note bodies and comments, supporting high-concurrency read and write requirements to ensure fast data access.</a:t>
-            </a:r>
-            <a:endParaRPr lang="zh-CN" altLang="en-US" sz="1000"/>
+          <a:lstStyle/>
+          <a:p>
+            <a:r>
+              <a:rPr lang="zh-CN" altLang="en-US" sz="1400" b="1"/>
+              <a:t>技术</a:t>
+            </a:r>
+            <a:r>
+              <a:rPr lang="zh-CN" altLang="en-US" sz="1400"/>
+              <a:t>：ApacheCassandra数据库</a:t>
+            </a:r>
+            <a:endParaRPr lang="zh-CN" altLang="en-US" sz="1400"/>
+          </a:p>
+          <a:p>
+            <a:r>
+              <a:rPr lang="zh-CN" altLang="en-US" sz="1400" b="1"/>
+              <a:t>功能</a:t>
+            </a:r>
+            <a:r>
+              <a:rPr lang="zh-CN" altLang="en-US" sz="1400"/>
+              <a:t>：存储平台上的短文本数据</a:t>
+            </a:r>
+            <a:endParaRPr lang="zh-CN" altLang="en-US" sz="1400"/>
           </a:p>
         </p:txBody>
       </p:sp>
     </p:spTree>
-  </p:cSld>
-  <p:clrMapOvr>
-    <a:masterClrMapping/>
-  </p:clrMapOvr>
-</p:sld>
-</file>
-
-<file path=ppt/slides/slide15.xml><?xml version="1.0" encoding="utf-8"?>
-<p:sld xmlns:a="http://schemas.openxmlformats.org/drawingml/2006/main" xmlns:r="http://schemas.openxmlformats.org/officeDocument/2006/relationships" xmlns:p="http://schemas.openxmlformats.org/presentationml/2006/main">
-  <p:cSld>
-    <p:spTree>
-      <p:nvGrpSpPr>
-        <p:cNvPr id="1" name=""/>
-        <p:cNvGrpSpPr/>
-        <p:nvPr/>
-      </p:nvGrpSpPr>
-      <p:grpSpPr/>
-      <p:cxnSp>
-        <p:nvCxnSpPr>
-          <p:cNvPr id="18" name="PA-直接连接符 9"/>
-          <p:cNvCxnSpPr/>
-          <p:nvPr>
-            <p:custDataLst>
-              <p:tags r:id="rId1"/>
-            </p:custDataLst>
-          </p:nvPr>
-        </p:nvCxnSpPr>
-        <p:spPr>
-          <a:xfrm flipH="1" flipV="1">
-            <a:off x="9601835" y="0"/>
-            <a:ext cx="2557145" cy="2571115"/>
-          </a:xfrm>
-          <a:prstGeom prst="line">
-            <a:avLst/>
-          </a:prstGeom>
-          <a:ln w="12700">
-            <a:solidFill>
-              <a:schemeClr val="lt1">
-                <a:lumMod val="75000"/>
-              </a:schemeClr>
-            </a:solidFill>
-            <a:prstDash val="dash"/>
-          </a:ln>
-        </p:spPr>
-        <p:style>
-          <a:lnRef idx="1">
-            <a:schemeClr val="accent1"/>
-          </a:lnRef>
-          <a:fillRef idx="0">
-            <a:schemeClr val="accent1"/>
-          </a:fillRef>
-          <a:effectRef idx="0">
-            <a:schemeClr val="accent1"/>
-          </a:effectRef>
-          <a:fontRef idx="minor">
-            <a:schemeClr val="tx1"/>
-          </a:fontRef>
-        </p:style>
-      </p:cxnSp>
-      <p:sp>
-        <p:nvSpPr>
-          <p:cNvPr id="19" name="PA-直角三角形 5"/>
-          <p:cNvSpPr/>
-          <p:nvPr>
-            <p:custDataLst>
-              <p:tags r:id="rId2"/>
-            </p:custDataLst>
-          </p:nvPr>
-        </p:nvSpPr>
-        <p:spPr>
-          <a:xfrm>
-            <a:off x="9923145" y="635"/>
-            <a:ext cx="2268855" cy="2284730"/>
-          </a:xfrm>
-          <a:custGeom>
-            <a:avLst/>
-            <a:gdLst>
-              <a:gd name="connsiteX0" fmla="*/ 0 w 2268855"/>
-              <a:gd name="connsiteY0" fmla="*/ 0 h 2284730"/>
-              <a:gd name="connsiteX1" fmla="*/ 2268855 w 2268855"/>
-              <a:gd name="connsiteY1" fmla="*/ 0 h 2284730"/>
-              <a:gd name="connsiteX2" fmla="*/ 2268855 w 2268855"/>
-              <a:gd name="connsiteY2" fmla="*/ 2284730 h 2284730"/>
-            </a:gdLst>
-            <a:ahLst/>
-            <a:cxnLst>
-              <a:cxn ang="0">
-                <a:pos x="connsiteX0" y="connsiteY0"/>
-              </a:cxn>
-              <a:cxn ang="0">
-                <a:pos x="connsiteX1" y="connsiteY1"/>
-              </a:cxn>
-              <a:cxn ang="0">
-                <a:pos x="connsiteX2" y="connsiteY2"/>
-              </a:cxn>
-            </a:cxnLst>
-            <a:rect l="l" t="t" r="r" b="b"/>
-            <a:pathLst>
-              <a:path w="2268855" h="2284730">
-                <a:moveTo>
-                  <a:pt x="0" y="0"/>
-                </a:moveTo>
-                <a:lnTo>
-                  <a:pt x="2268855" y="0"/>
-                </a:lnTo>
-                <a:lnTo>
-                  <a:pt x="2268855" y="2284730"/>
-                </a:lnTo>
-                <a:close/>
-              </a:path>
-            </a:pathLst>
-          </a:custGeom>
-          <a:solidFill>
-            <a:schemeClr val="lt1">
-              <a:lumMod val="95000"/>
-            </a:schemeClr>
-          </a:solidFill>
-          <a:ln>
-            <a:noFill/>
-          </a:ln>
-        </p:spPr>
-        <p:style>
-          <a:lnRef idx="2">
-            <a:schemeClr val="accent1">
-              <a:shade val="50000"/>
-            </a:schemeClr>
-          </a:lnRef>
-          <a:fillRef idx="1">
-            <a:schemeClr val="accent1"/>
-          </a:fillRef>
-          <a:effectRef idx="0">
-            <a:schemeClr val="accent1"/>
-          </a:effectRef>
-          <a:fontRef idx="minor">
-            <a:schemeClr val="lt1"/>
-          </a:fontRef>
-        </p:style>
-        <p:txBody>
-          <a:bodyPr rtlCol="0" anchor="ctr"/>
-          <a:p>
-            <a:pPr algn="ctr"/>
-            <a:endParaRPr lang="zh-CN" altLang="en-US">
-              <a:solidFill>
-                <a:schemeClr val="lt1"/>
-              </a:solidFill>
-              <a:latin typeface="微软雅黑" panose="020B0503020204020204" pitchFamily="34" charset="-122"/>
-              <a:ea typeface="微软雅黑" panose="020B0503020204020204" pitchFamily="34" charset="-122"/>
-            </a:endParaRPr>
-          </a:p>
-        </p:txBody>
-      </p:sp>
-      <p:sp>
-        <p:nvSpPr>
-          <p:cNvPr id="20" name="PA-直角三角形 8"/>
-          <p:cNvSpPr/>
-          <p:nvPr>
-            <p:custDataLst>
-              <p:tags r:id="rId3"/>
-            </p:custDataLst>
-          </p:nvPr>
-        </p:nvSpPr>
-        <p:spPr>
-          <a:xfrm>
-            <a:off x="0" y="5401945"/>
-            <a:ext cx="1459865" cy="1456055"/>
-          </a:xfrm>
-          <a:prstGeom prst="rtTriangle">
-            <a:avLst/>
-          </a:prstGeom>
-          <a:solidFill>
-            <a:schemeClr val="lt1">
-              <a:lumMod val="95000"/>
-            </a:schemeClr>
-          </a:solidFill>
-          <a:ln>
-            <a:noFill/>
-          </a:ln>
-        </p:spPr>
-        <p:style>
-          <a:lnRef idx="2">
-            <a:schemeClr val="accent1">
-              <a:shade val="50000"/>
-            </a:schemeClr>
-          </a:lnRef>
-          <a:fillRef idx="1">
-            <a:schemeClr val="accent1"/>
-          </a:fillRef>
-          <a:effectRef idx="0">
-            <a:schemeClr val="accent1"/>
-          </a:effectRef>
-          <a:fontRef idx="minor">
-            <a:schemeClr val="lt1"/>
-          </a:fontRef>
-        </p:style>
-        <p:txBody>
-          <a:bodyPr rtlCol="0" anchor="ctr"/>
-          <a:p>
-            <a:pPr algn="ctr"/>
-            <a:endParaRPr lang="zh-CN" altLang="en-US">
-              <a:solidFill>
-                <a:schemeClr val="lt1"/>
-              </a:solidFill>
-              <a:latin typeface="微软雅黑" panose="020B0503020204020204" pitchFamily="34" charset="-122"/>
-              <a:ea typeface="微软雅黑" panose="020B0503020204020204" pitchFamily="34" charset="-122"/>
-            </a:endParaRPr>
-          </a:p>
-        </p:txBody>
-      </p:sp>
-      <p:cxnSp>
-        <p:nvCxnSpPr>
-          <p:cNvPr id="21" name="PA-直接连接符 9"/>
-          <p:cNvCxnSpPr/>
-          <p:nvPr>
-            <p:custDataLst>
-              <p:tags r:id="rId4"/>
-            </p:custDataLst>
-          </p:nvPr>
-        </p:nvCxnSpPr>
-        <p:spPr>
-          <a:xfrm flipH="1" flipV="1">
-            <a:off x="10160" y="4983480"/>
-            <a:ext cx="1980565" cy="1905000"/>
-          </a:xfrm>
-          <a:prstGeom prst="line">
-            <a:avLst/>
-          </a:prstGeom>
-          <a:ln w="12700">
-            <a:solidFill>
-              <a:schemeClr val="lt1">
-                <a:lumMod val="75000"/>
-              </a:schemeClr>
-            </a:solidFill>
-            <a:prstDash val="dash"/>
-          </a:ln>
-        </p:spPr>
-        <p:style>
-          <a:lnRef idx="1">
-            <a:schemeClr val="accent1"/>
-          </a:lnRef>
-          <a:fillRef idx="0">
-            <a:schemeClr val="accent1"/>
-          </a:fillRef>
-          <a:effectRef idx="0">
-            <a:schemeClr val="accent1"/>
-          </a:effectRef>
-          <a:fontRef idx="minor">
-            <a:schemeClr val="tx1"/>
-          </a:fontRef>
-        </p:style>
-      </p:cxnSp>
-      <p:sp>
-        <p:nvSpPr>
-          <p:cNvPr id="22" name="文本框 21"/>
-          <p:cNvSpPr txBox="1"/>
-          <p:nvPr>
-            <p:custDataLst>
-              <p:tags r:id="rId5"/>
-            </p:custDataLst>
-          </p:nvPr>
-        </p:nvSpPr>
-        <p:spPr>
-          <a:xfrm>
-            <a:off x="609562" y="1090938"/>
-            <a:ext cx="10972876" cy="762000"/>
-          </a:xfrm>
-          <a:prstGeom prst="rect">
-            <a:avLst/>
-          </a:prstGeom>
-          <a:noFill/>
-        </p:spPr>
-        <p:txBody>
-          <a:bodyPr wrap="square" lIns="63500" tIns="25400" rIns="63500" bIns="25400" rtlCol="0" anchor="t" anchorCtr="0">
-            <a:normAutofit/>
-          </a:bodyPr>
-          <a:p>
-            <a:pPr marL="0" indent="0" algn="ctr">
-              <a:lnSpc>
-                <a:spcPct val="100000"/>
-              </a:lnSpc>
-              <a:spcBef>
-                <a:spcPts val="0"/>
-              </a:spcBef>
-              <a:spcAft>
-                <a:spcPts val="0"/>
-              </a:spcAft>
-              <a:buSzPct val="100000"/>
-              <a:buNone/>
-            </a:pPr>
-            <a:r>
-              <a:rPr lang="zh-CN" altLang="en-US" sz="3600" b="1" spc="200">
-                <a:solidFill>
-                  <a:schemeClr val="accent1"/>
-                </a:solidFill>
-                <a:uFillTx/>
-                <a:latin typeface="微软雅黑" panose="020B0503020204020204" pitchFamily="34" charset="-122"/>
-                <a:ea typeface="微软雅黑" panose="020B0503020204020204" pitchFamily="34" charset="-122"/>
-              </a:rPr>
-              <a:t>Data Access Layer</a:t>
-            </a:r>
-            <a:endParaRPr lang="zh-CN" altLang="en-US" sz="3600" b="1" spc="200">
-              <a:solidFill>
-                <a:schemeClr val="accent1"/>
-              </a:solidFill>
-              <a:uFillTx/>
-              <a:latin typeface="微软雅黑" panose="020B0503020204020204" pitchFamily="34" charset="-122"/>
-              <a:ea typeface="微软雅黑" panose="020B0503020204020204" pitchFamily="34" charset="-122"/>
-            </a:endParaRPr>
-          </a:p>
-        </p:txBody>
-      </p:sp>
-      <p:sp>
-        <p:nvSpPr>
-          <p:cNvPr id="23" name="Title 6"/>
-          <p:cNvSpPr txBox="1"/>
-          <p:nvPr>
-            <p:custDataLst>
-              <p:tags r:id="rId6"/>
-            </p:custDataLst>
-          </p:nvPr>
-        </p:nvSpPr>
-        <p:spPr>
-          <a:xfrm>
-            <a:off x="1794510" y="1304925"/>
-            <a:ext cx="8996680" cy="5400675"/>
-          </a:xfrm>
-          <a:prstGeom prst="rect">
-            <a:avLst/>
-          </a:prstGeom>
-          <a:noFill/>
-          <a:ln w="3175">
-            <a:noFill/>
-            <a:prstDash val="dash"/>
-          </a:ln>
-        </p:spPr>
-        <p:txBody>
-          <a:bodyPr wrap="square" lIns="63500" tIns="25400" rIns="63500" bIns="25400" anchor="ctr" anchorCtr="0">
-            <a:normAutofit/>
-          </a:bodyPr>
-          <a:lstStyle>
-            <a:lvl1pPr algn="l" defTabSz="913765" rtl="0" eaLnBrk="1" latinLnBrk="0" hangingPunct="1">
-              <a:lnSpc>
-                <a:spcPct val="90000"/>
-              </a:lnSpc>
-              <a:spcBef>
-                <a:spcPct val="0"/>
-              </a:spcBef>
-              <a:buNone/>
-              <a:defRPr lang="en-US" sz="2745" b="0" kern="1200" cap="none" spc="-49" baseline="0" dirty="0" smtClean="0">
-                <a:ln w="3175">
-                  <a:noFill/>
-                </a:ln>
-                <a:solidFill>
-                  <a:schemeClr val="tx1"/>
-                </a:solidFill>
-                <a:effectLst/>
-                <a:latin typeface="+mj-lt"/>
-                <a:ea typeface="+mn-ea"/>
-                <a:cs typeface="Segoe UI" panose="020B0502040204020203" pitchFamily="34" charset="0"/>
-              </a:defRPr>
-            </a:lvl1pPr>
-          </a:lstStyle>
-          <a:p>
-            <a:pPr lvl="0" indent="0" algn="l" fontAlgn="ctr">
-              <a:lnSpc>
-                <a:spcPct val="120000"/>
-              </a:lnSpc>
-              <a:spcBef>
-                <a:spcPts val="0"/>
-              </a:spcBef>
-              <a:spcAft>
-                <a:spcPts val="800"/>
-              </a:spcAft>
-              <a:buSzPct val="100000"/>
-              <a:buFont typeface="Wingdings" panose="05000000000000000000" charset="0"/>
-            </a:pPr>
-            <a:endParaRPr lang="zh-CN" altLang="en-US" sz="1000" spc="100">
-              <a:ln w="3175">
-                <a:noFill/>
-                <a:prstDash val="dash"/>
-              </a:ln>
-              <a:solidFill>
-                <a:schemeClr val="dk1">
-                  <a:lumMod val="75000"/>
-                  <a:lumOff val="25000"/>
-                </a:schemeClr>
-              </a:solidFill>
-              <a:uFillTx/>
-              <a:latin typeface="微软雅黑" panose="020B0503020204020204" pitchFamily="34" charset="-122"/>
-              <a:ea typeface="微软雅黑" panose="020B0503020204020204" pitchFamily="34" charset="-122"/>
-              <a:cs typeface="微软雅黑" panose="020B0503020204020204" pitchFamily="34" charset="-122"/>
-            </a:endParaRPr>
-          </a:p>
-          <a:p>
-            <a:pPr marL="254000" lvl="0" indent="-254000" algn="l" fontAlgn="ctr">
-              <a:lnSpc>
-                <a:spcPct val="120000"/>
-              </a:lnSpc>
-              <a:spcBef>
-                <a:spcPts val="0"/>
-              </a:spcBef>
-              <a:spcAft>
-                <a:spcPts val="800"/>
-              </a:spcAft>
-              <a:buSzPct val="100000"/>
-              <a:buFont typeface="Wingdings" panose="05000000000000000000" charset="0"/>
-              <a:buChar char="l"/>
-            </a:pPr>
-            <a:r>
-              <a:rPr lang="zh-CN" altLang="en-US" sz="1400" b="1" spc="40">
-                <a:ln w="3175">
-                  <a:noFill/>
-                  <a:prstDash val="dash"/>
-                </a:ln>
-                <a:solidFill>
-                  <a:schemeClr val="dk1">
-                    <a:lumMod val="75000"/>
-                    <a:lumOff val="25000"/>
-                  </a:schemeClr>
-                </a:solidFill>
-                <a:uFillTx/>
-                <a:latin typeface="微软雅黑" panose="020B0503020204020204" pitchFamily="34" charset="-122"/>
-                <a:ea typeface="微软雅黑" panose="020B0503020204020204" pitchFamily="34" charset="-122"/>
-                <a:cs typeface="微软雅黑" panose="020B0503020204020204" pitchFamily="34" charset="-122"/>
-              </a:rPr>
-              <a:t>MySQL
-</a:t>
-            </a:r>
-            <a:r>
-              <a:rPr lang="zh-CN" altLang="en-US" sz="1200" spc="40">
-                <a:ln w="3175">
-                  <a:noFill/>
-                  <a:prstDash val="dash"/>
-                </a:ln>
-                <a:solidFill>
-                  <a:schemeClr val="dk1">
-                    <a:lumMod val="75000"/>
-                    <a:lumOff val="25000"/>
-                  </a:schemeClr>
-                </a:solidFill>
-                <a:uFillTx/>
-                <a:latin typeface="微软雅黑" panose="020B0503020204020204" pitchFamily="34" charset="-122"/>
-                <a:ea typeface="微软雅黑" panose="020B0503020204020204" pitchFamily="34" charset="-122"/>
-                <a:cs typeface="微软雅黑" panose="020B0503020204020204" pitchFamily="34" charset="-122"/>
-              </a:rPr>
-              <a:t>MySQL is used to store relational business data, providing transactional guarantees to ensure data consistency and durability.</a:t>
-            </a:r>
-            <a:endParaRPr lang="zh-CN" altLang="en-US" sz="1200" spc="40">
-              <a:ln w="3175">
-                <a:noFill/>
-                <a:prstDash val="dash"/>
-              </a:ln>
-              <a:solidFill>
-                <a:schemeClr val="dk1">
-                  <a:lumMod val="75000"/>
-                  <a:lumOff val="25000"/>
-                </a:schemeClr>
-              </a:solidFill>
-              <a:uFillTx/>
-              <a:latin typeface="微软雅黑" panose="020B0503020204020204" pitchFamily="34" charset="-122"/>
-              <a:ea typeface="微软雅黑" panose="020B0503020204020204" pitchFamily="34" charset="-122"/>
-              <a:cs typeface="微软雅黑" panose="020B0503020204020204" pitchFamily="34" charset="-122"/>
-            </a:endParaRPr>
-          </a:p>
-          <a:p>
-            <a:pPr marL="254000" lvl="0" indent="-254000" algn="l" fontAlgn="ctr">
-              <a:lnSpc>
-                <a:spcPct val="120000"/>
-              </a:lnSpc>
-              <a:spcBef>
-                <a:spcPts val="0"/>
-              </a:spcBef>
-              <a:spcAft>
-                <a:spcPts val="800"/>
-              </a:spcAft>
-              <a:buSzPct val="100000"/>
-              <a:buFont typeface="Wingdings" panose="05000000000000000000" charset="0"/>
-              <a:buChar char="l"/>
-            </a:pPr>
-            <a:r>
-              <a:rPr lang="zh-CN" altLang="en-US" sz="1400" b="1" spc="40">
-                <a:ln w="3175">
-                  <a:noFill/>
-                  <a:prstDash val="dash"/>
-                </a:ln>
-                <a:solidFill>
-                  <a:schemeClr val="dk1">
-                    <a:lumMod val="75000"/>
-                    <a:lumOff val="25000"/>
-                  </a:schemeClr>
-                </a:solidFill>
-                <a:uFillTx/>
-                <a:latin typeface="微软雅黑" panose="020B0503020204020204" pitchFamily="34" charset="-122"/>
-                <a:ea typeface="微软雅黑" panose="020B0503020204020204" pitchFamily="34" charset="-122"/>
-                <a:cs typeface="微软雅黑" panose="020B0503020204020204" pitchFamily="34" charset="-122"/>
-              </a:rPr>
-              <a:t>Redis</a:t>
-            </a:r>
-            <a:endParaRPr lang="zh-CN" altLang="en-US" sz="1400" b="1" spc="40">
-              <a:ln w="3175">
-                <a:noFill/>
-                <a:prstDash val="dash"/>
-              </a:ln>
-              <a:solidFill>
-                <a:schemeClr val="dk1">
-                  <a:lumMod val="75000"/>
-                  <a:lumOff val="25000"/>
-                </a:schemeClr>
-              </a:solidFill>
-              <a:uFillTx/>
-              <a:latin typeface="微软雅黑" panose="020B0503020204020204" pitchFamily="34" charset="-122"/>
-              <a:ea typeface="微软雅黑" panose="020B0503020204020204" pitchFamily="34" charset="-122"/>
-              <a:cs typeface="微软雅黑" panose="020B0503020204020204" pitchFamily="34" charset="-122"/>
-            </a:endParaRPr>
-          </a:p>
-          <a:p>
-            <a:pPr marL="254000" lvl="1" indent="0" algn="l" fontAlgn="ctr">
-              <a:lnSpc>
-                <a:spcPct val="120000"/>
-              </a:lnSpc>
-              <a:spcBef>
-                <a:spcPts val="0"/>
-              </a:spcBef>
-              <a:spcAft>
-                <a:spcPts val="800"/>
-              </a:spcAft>
-              <a:buSzPct val="100000"/>
-              <a:buFont typeface="Arial" panose="020B0604020202020204" pitchFamily="34" charset="0"/>
-              <a:buNone/>
-            </a:pPr>
-            <a:r>
-              <a:rPr lang="zh-CN" altLang="en-US" sz="1200" spc="100">
-                <a:ln w="3175">
-                  <a:noFill/>
-                  <a:prstDash val="dash"/>
-                </a:ln>
-                <a:solidFill>
-                  <a:schemeClr val="dk1">
-                    <a:lumMod val="75000"/>
-                    <a:lumOff val="25000"/>
-                  </a:schemeClr>
-                </a:solidFill>
-                <a:uFillTx/>
-                <a:latin typeface="微软雅黑" panose="020B0503020204020204" pitchFamily="34" charset="-122"/>
-                <a:ea typeface="微软雅黑" panose="020B0503020204020204" pitchFamily="34" charset="-122"/>
-                <a:cs typeface="微软雅黑" panose="020B0503020204020204" pitchFamily="34" charset="-122"/>
-              </a:rPr>
-              <a:t>Redis is used for caching frequently accessed data, significantly improving system response speed and reducing the load on the database.</a:t>
-            </a:r>
-            <a:endParaRPr lang="zh-CN" altLang="en-US" sz="1200" spc="100">
-              <a:ln w="3175">
-                <a:noFill/>
-                <a:prstDash val="dash"/>
-              </a:ln>
-              <a:solidFill>
-                <a:schemeClr val="dk1">
-                  <a:lumMod val="75000"/>
-                  <a:lumOff val="25000"/>
-                </a:schemeClr>
-              </a:solidFill>
-              <a:uFillTx/>
-              <a:latin typeface="微软雅黑" panose="020B0503020204020204" pitchFamily="34" charset="-122"/>
-              <a:ea typeface="微软雅黑" panose="020B0503020204020204" pitchFamily="34" charset="-122"/>
-              <a:cs typeface="微软雅黑" panose="020B0503020204020204" pitchFamily="34" charset="-122"/>
-            </a:endParaRPr>
-          </a:p>
-          <a:p>
-            <a:pPr marL="254000" lvl="0" indent="-254000" algn="l" fontAlgn="ctr">
-              <a:lnSpc>
-                <a:spcPct val="120000"/>
-              </a:lnSpc>
-              <a:spcBef>
-                <a:spcPts val="0"/>
-              </a:spcBef>
-              <a:spcAft>
-                <a:spcPts val="800"/>
-              </a:spcAft>
-              <a:buSzPct val="100000"/>
-              <a:buFont typeface="Wingdings" panose="05000000000000000000" charset="0"/>
-              <a:buChar char="l"/>
-            </a:pPr>
-            <a:r>
-              <a:rPr lang="zh-CN" altLang="en-US" sz="1400" b="1" spc="40">
-                <a:ln w="3175">
-                  <a:noFill/>
-                  <a:prstDash val="dash"/>
-                </a:ln>
-                <a:solidFill>
-                  <a:schemeClr val="dk1">
-                    <a:lumMod val="75000"/>
-                    <a:lumOff val="25000"/>
-                  </a:schemeClr>
-                </a:solidFill>
-                <a:uFillTx/>
-                <a:latin typeface="微软雅黑" panose="020B0503020204020204" pitchFamily="34" charset="-122"/>
-                <a:ea typeface="微软雅黑" panose="020B0503020204020204" pitchFamily="34" charset="-122"/>
-                <a:cs typeface="微软雅黑" panose="020B0503020204020204" pitchFamily="34" charset="-122"/>
-              </a:rPr>
-              <a:t>Elasticsearch (ES)</a:t>
-            </a:r>
-            <a:endParaRPr lang="zh-CN" altLang="en-US" sz="1400" b="1" spc="40">
-              <a:ln w="3175">
-                <a:noFill/>
-                <a:prstDash val="dash"/>
-              </a:ln>
-              <a:solidFill>
-                <a:schemeClr val="dk1">
-                  <a:lumMod val="75000"/>
-                  <a:lumOff val="25000"/>
-                </a:schemeClr>
-              </a:solidFill>
-              <a:uFillTx/>
-              <a:latin typeface="微软雅黑" panose="020B0503020204020204" pitchFamily="34" charset="-122"/>
-              <a:ea typeface="微软雅黑" panose="020B0503020204020204" pitchFamily="34" charset="-122"/>
-              <a:cs typeface="微软雅黑" panose="020B0503020204020204" pitchFamily="34" charset="-122"/>
-            </a:endParaRPr>
-          </a:p>
-          <a:p>
-            <a:pPr marL="254000" lvl="1" indent="0" algn="l" fontAlgn="ctr">
-              <a:lnSpc>
-                <a:spcPct val="120000"/>
-              </a:lnSpc>
-              <a:spcBef>
-                <a:spcPts val="0"/>
-              </a:spcBef>
-              <a:spcAft>
-                <a:spcPts val="800"/>
-              </a:spcAft>
-              <a:buSzPct val="100000"/>
-              <a:buFont typeface="Arial" panose="020B0604020202020204" pitchFamily="34" charset="0"/>
-              <a:buNone/>
-            </a:pPr>
-            <a:r>
-              <a:rPr lang="zh-CN" altLang="en-US" sz="1000" spc="100">
-                <a:ln w="3175">
-                  <a:noFill/>
-                  <a:prstDash val="dash"/>
-                </a:ln>
-                <a:solidFill>
-                  <a:schemeClr val="dk1">
-                    <a:lumMod val="75000"/>
-                    <a:lumOff val="25000"/>
-                  </a:schemeClr>
-                </a:solidFill>
-                <a:uFillTx/>
-                <a:latin typeface="微软雅黑" panose="020B0503020204020204" pitchFamily="34" charset="-122"/>
-                <a:ea typeface="微软雅黑" panose="020B0503020204020204" pitchFamily="34" charset="-122"/>
-                <a:cs typeface="微软雅黑" panose="020B0503020204020204" pitchFamily="34" charset="-122"/>
-              </a:rPr>
-              <a:t>Elasticsearch (ES) is used for full-text search and efficient data querying, enabling fast retrieval of note content and user data.</a:t>
-            </a:r>
-            <a:endParaRPr lang="zh-CN" altLang="en-US" sz="1000" spc="100">
-              <a:ln w="3175">
-                <a:noFill/>
-                <a:prstDash val="dash"/>
-              </a:ln>
-              <a:solidFill>
-                <a:schemeClr val="dk1">
-                  <a:lumMod val="75000"/>
-                  <a:lumOff val="25000"/>
-                </a:schemeClr>
-              </a:solidFill>
-              <a:uFillTx/>
-              <a:latin typeface="微软雅黑" panose="020B0503020204020204" pitchFamily="34" charset="-122"/>
-              <a:ea typeface="微软雅黑" panose="020B0503020204020204" pitchFamily="34" charset="-122"/>
-              <a:cs typeface="微软雅黑" panose="020B0503020204020204" pitchFamily="34" charset="-122"/>
-            </a:endParaRPr>
-          </a:p>
-          <a:p>
-            <a:pPr marL="254000" lvl="0" indent="-254000" algn="l" fontAlgn="ctr">
-              <a:lnSpc>
-                <a:spcPct val="120000"/>
-              </a:lnSpc>
-              <a:spcBef>
-                <a:spcPts val="0"/>
-              </a:spcBef>
-              <a:spcAft>
-                <a:spcPts val="800"/>
-              </a:spcAft>
-              <a:buSzPct val="100000"/>
-              <a:buFont typeface="Wingdings" panose="05000000000000000000" charset="0"/>
-              <a:buChar char="l"/>
-            </a:pPr>
-            <a:r>
-              <a:rPr lang="zh-CN" altLang="en-US" sz="1400" b="1" spc="40">
-                <a:ln w="3175">
-                  <a:noFill/>
-                  <a:prstDash val="dash"/>
-                </a:ln>
-                <a:solidFill>
-                  <a:schemeClr val="dk1">
-                    <a:lumMod val="75000"/>
-                    <a:lumOff val="25000"/>
-                  </a:schemeClr>
-                </a:solidFill>
-                <a:uFillTx/>
-                <a:latin typeface="微软雅黑" panose="020B0503020204020204" pitchFamily="34" charset="-122"/>
-                <a:ea typeface="微软雅黑" panose="020B0503020204020204" pitchFamily="34" charset="-122"/>
-                <a:cs typeface="微软雅黑" panose="020B0503020204020204" pitchFamily="34" charset="-122"/>
-              </a:rPr>
-              <a:t>Apache Cassandra</a:t>
-            </a:r>
-            <a:endParaRPr lang="zh-CN" altLang="en-US" sz="1400" b="1" spc="40">
-              <a:ln w="3175">
-                <a:noFill/>
-                <a:prstDash val="dash"/>
-              </a:ln>
-              <a:solidFill>
-                <a:schemeClr val="dk1">
-                  <a:lumMod val="75000"/>
-                  <a:lumOff val="25000"/>
-                </a:schemeClr>
-              </a:solidFill>
-              <a:uFillTx/>
-              <a:latin typeface="微软雅黑" panose="020B0503020204020204" pitchFamily="34" charset="-122"/>
-              <a:ea typeface="微软雅黑" panose="020B0503020204020204" pitchFamily="34" charset="-122"/>
-              <a:cs typeface="微软雅黑" panose="020B0503020204020204" pitchFamily="34" charset="-122"/>
-            </a:endParaRPr>
-          </a:p>
-          <a:p>
-            <a:pPr marL="254000" lvl="1" indent="0" algn="l" fontAlgn="ctr">
-              <a:lnSpc>
-                <a:spcPct val="120000"/>
-              </a:lnSpc>
-              <a:spcBef>
-                <a:spcPts val="0"/>
-              </a:spcBef>
-              <a:spcAft>
-                <a:spcPts val="800"/>
-              </a:spcAft>
-              <a:buSzPct val="100000"/>
-              <a:buFont typeface="Arial" panose="020B0604020202020204" pitchFamily="34" charset="0"/>
-              <a:buNone/>
-            </a:pPr>
-            <a:r>
-              <a:rPr lang="zh-CN" altLang="en-US" sz="1200" spc="100">
-                <a:ln w="3175">
-                  <a:noFill/>
-                  <a:prstDash val="dash"/>
-                </a:ln>
-                <a:solidFill>
-                  <a:schemeClr val="dk1">
-                    <a:lumMod val="75000"/>
-                    <a:lumOff val="25000"/>
-                  </a:schemeClr>
-                </a:solidFill>
-                <a:uFillTx/>
-                <a:latin typeface="微软雅黑" panose="020B0503020204020204" pitchFamily="34" charset="-122"/>
-                <a:ea typeface="微软雅黑" panose="020B0503020204020204" pitchFamily="34" charset="-122"/>
-                <a:cs typeface="微软雅黑" panose="020B0503020204020204" pitchFamily="34" charset="-122"/>
-              </a:rPr>
-              <a:t>Apache Cassandra is utilized for storing short text data, supporting high-concurrency read and write operations to ensure data accessibility under large-scale user interactions.</a:t>
-            </a:r>
-            <a:endParaRPr lang="zh-CN" altLang="en-US" sz="1200" spc="100">
-              <a:ln w="3175">
-                <a:noFill/>
-                <a:prstDash val="dash"/>
-              </a:ln>
-              <a:solidFill>
-                <a:schemeClr val="dk1">
-                  <a:lumMod val="75000"/>
-                  <a:lumOff val="25000"/>
-                </a:schemeClr>
-              </a:solidFill>
-              <a:uFillTx/>
-              <a:latin typeface="微软雅黑" panose="020B0503020204020204" pitchFamily="34" charset="-122"/>
-              <a:ea typeface="微软雅黑" panose="020B0503020204020204" pitchFamily="34" charset="-122"/>
-              <a:cs typeface="微软雅黑" panose="020B0503020204020204" pitchFamily="34" charset="-122"/>
-            </a:endParaRPr>
-          </a:p>
-          <a:p>
-            <a:pPr marL="254000" lvl="0" indent="-254000" algn="l" fontAlgn="ctr">
-              <a:lnSpc>
-                <a:spcPct val="120000"/>
-              </a:lnSpc>
-              <a:spcBef>
-                <a:spcPts val="0"/>
-              </a:spcBef>
-              <a:spcAft>
-                <a:spcPts val="800"/>
-              </a:spcAft>
-              <a:buSzPct val="100000"/>
-              <a:buFont typeface="Wingdings" panose="05000000000000000000" charset="0"/>
-              <a:buChar char="l"/>
-            </a:pPr>
-            <a:r>
-              <a:rPr lang="zh-CN" altLang="en-US" sz="1400" b="1" spc="40">
-                <a:ln w="3175">
-                  <a:noFill/>
-                  <a:prstDash val="dash"/>
-                </a:ln>
-                <a:solidFill>
-                  <a:schemeClr val="dk1">
-                    <a:lumMod val="75000"/>
-                    <a:lumOff val="25000"/>
-                  </a:schemeClr>
-                </a:solidFill>
-                <a:uFillTx/>
-                <a:latin typeface="微软雅黑" panose="020B0503020204020204" pitchFamily="34" charset="-122"/>
-                <a:ea typeface="微软雅黑" panose="020B0503020204020204" pitchFamily="34" charset="-122"/>
-                <a:cs typeface="微软雅黑" panose="020B0503020204020204" pitchFamily="34" charset="-122"/>
-              </a:rPr>
-              <a:t>对象存储（Minio）</a:t>
-            </a:r>
-            <a:endParaRPr lang="zh-CN" altLang="en-US" sz="1400" b="1" spc="40">
-              <a:ln w="3175">
-                <a:noFill/>
-                <a:prstDash val="dash"/>
-              </a:ln>
-              <a:solidFill>
-                <a:schemeClr val="dk1">
-                  <a:lumMod val="75000"/>
-                  <a:lumOff val="25000"/>
-                </a:schemeClr>
-              </a:solidFill>
-              <a:uFillTx/>
-              <a:latin typeface="微软雅黑" panose="020B0503020204020204" pitchFamily="34" charset="-122"/>
-              <a:ea typeface="微软雅黑" panose="020B0503020204020204" pitchFamily="34" charset="-122"/>
-              <a:cs typeface="微软雅黑" panose="020B0503020204020204" pitchFamily="34" charset="-122"/>
-            </a:endParaRPr>
-          </a:p>
-          <a:p>
-            <a:pPr marL="254000" lvl="1" indent="0" algn="l" fontAlgn="ctr">
-              <a:lnSpc>
-                <a:spcPct val="120000"/>
-              </a:lnSpc>
-              <a:spcBef>
-                <a:spcPts val="0"/>
-              </a:spcBef>
-              <a:spcAft>
-                <a:spcPts val="800"/>
-              </a:spcAft>
-              <a:buSzPct val="100000"/>
-              <a:buFont typeface="Arial" panose="020B0604020202020204" pitchFamily="34" charset="0"/>
-              <a:buNone/>
-            </a:pPr>
-            <a:r>
-              <a:rPr lang="zh-CN" altLang="en-US" sz="1200" spc="100">
-                <a:ln w="3175">
-                  <a:noFill/>
-                  <a:prstDash val="dash"/>
-                </a:ln>
-                <a:solidFill>
-                  <a:schemeClr val="dk1">
-                    <a:lumMod val="75000"/>
-                    <a:lumOff val="25000"/>
-                  </a:schemeClr>
-                </a:solidFill>
-                <a:uFillTx/>
-                <a:latin typeface="微软雅黑" panose="020B0503020204020204" pitchFamily="34" charset="-122"/>
-                <a:ea typeface="微软雅黑" panose="020B0503020204020204" pitchFamily="34" charset="-122"/>
-                <a:cs typeface="微软雅黑" panose="020B0503020204020204" pitchFamily="34" charset="-122"/>
-              </a:rPr>
-              <a:t>Object storage (Minio) is used to store unstructured data such as images and videos, ensuring the reliability and scalability of large-scale file storage.</a:t>
-            </a:r>
-            <a:endParaRPr lang="zh-CN" altLang="en-US" sz="1200" spc="100">
-              <a:ln w="3175">
-                <a:noFill/>
-                <a:prstDash val="dash"/>
-              </a:ln>
-              <a:solidFill>
-                <a:schemeClr val="dk1">
-                  <a:lumMod val="75000"/>
-                  <a:lumOff val="25000"/>
-                </a:schemeClr>
-              </a:solidFill>
-              <a:uFillTx/>
-              <a:latin typeface="微软雅黑" panose="020B0503020204020204" pitchFamily="34" charset="-122"/>
-              <a:ea typeface="微软雅黑" panose="020B0503020204020204" pitchFamily="34" charset="-122"/>
-              <a:cs typeface="微软雅黑" panose="020B0503020204020204" pitchFamily="34" charset="-122"/>
-            </a:endParaRPr>
-          </a:p>
-        </p:txBody>
-      </p:sp>
-      <p:sp>
-        <p:nvSpPr>
-          <p:cNvPr id="2" name="文本框 1"/>
-          <p:cNvSpPr txBox="1"/>
-          <p:nvPr/>
-        </p:nvSpPr>
-        <p:spPr>
-          <a:xfrm>
-            <a:off x="647700" y="389255"/>
-            <a:ext cx="6096000" cy="645160"/>
-          </a:xfrm>
-          <a:prstGeom prst="rect">
-            <a:avLst/>
-          </a:prstGeom>
-          <a:noFill/>
-        </p:spPr>
-        <p:txBody>
-          <a:bodyPr wrap="square" rtlCol="0" anchor="t">
-            <a:spAutoFit/>
-          </a:bodyPr>
-          <a:p>
-            <a:pPr marL="0" marR="0" lvl="0" indent="0" algn="l" defTabSz="914400" rtl="0" eaLnBrk="1" fontAlgn="auto" latinLnBrk="0" hangingPunct="1">
-              <a:lnSpc>
-                <a:spcPct val="150000"/>
-              </a:lnSpc>
-              <a:spcBef>
-                <a:spcPts val="0"/>
-              </a:spcBef>
-              <a:spcAft>
-                <a:spcPts val="0"/>
-              </a:spcAft>
-              <a:buClrTx/>
-              <a:buSzTx/>
-              <a:buFontTx/>
-              <a:buNone/>
-              <a:defRPr/>
-            </a:pPr>
-            <a:r>
-              <a:rPr lang="en-US" altLang="zh-CN" sz="2400" b="1" noProof="0" dirty="0">
-                <a:ln>
-                  <a:noFill/>
-                </a:ln>
-                <a:effectLst/>
-                <a:uLnTx/>
-                <a:uFillTx/>
-                <a:latin typeface="微软雅黑" panose="020B0503020204020204" pitchFamily="34" charset="-122"/>
-                <a:ea typeface="微软雅黑" panose="020B0503020204020204" pitchFamily="34" charset="-122"/>
-                <a:sym typeface="+mn-ea"/>
-              </a:rPr>
-              <a:t>Logical Architecture</a:t>
-            </a:r>
-            <a:endParaRPr lang="en-US" altLang="zh-CN" sz="2400" b="1" noProof="0" dirty="0">
-              <a:ln>
-                <a:noFill/>
-              </a:ln>
-              <a:effectLst/>
-              <a:uLnTx/>
-              <a:uFillTx/>
-              <a:latin typeface="微软雅黑" panose="020B0503020204020204" pitchFamily="34" charset="-122"/>
-              <a:ea typeface="微软雅黑" panose="020B0503020204020204" pitchFamily="34" charset="-122"/>
-              <a:sym typeface="+mn-ea"/>
-            </a:endParaRPr>
-          </a:p>
-        </p:txBody>
-      </p:sp>
-    </p:spTree>
-    <p:custDataLst>
-      <p:tags r:id="rId7"/>
-    </p:custDataLst>
   </p:cSld>
   <p:clrMapOvr>
     <a:masterClrMapping/>
@@ -20200,7 +20353,970 @@
                 <a:latin typeface="微软雅黑" panose="020B0503020204020204" pitchFamily="34" charset="-122"/>
                 <a:ea typeface="微软雅黑" panose="020B0503020204020204" pitchFamily="34" charset="-122"/>
               </a:rPr>
-              <a:t>Service Governance and Middleware Layer</a:t>
+              <a:t>数据访问</a:t>
+            </a:r>
+            <a:r>
+              <a:rPr lang="zh-CN" altLang="en-US" sz="3600" b="1" spc="200">
+                <a:solidFill>
+                  <a:schemeClr val="accent1"/>
+                </a:solidFill>
+                <a:uFillTx/>
+                <a:latin typeface="微软雅黑" panose="020B0503020204020204" pitchFamily="34" charset="-122"/>
+                <a:ea typeface="微软雅黑" panose="020B0503020204020204" pitchFamily="34" charset="-122"/>
+              </a:rPr>
+              <a:t>层</a:t>
+            </a:r>
+            <a:endParaRPr lang="zh-CN" altLang="en-US" sz="3600" b="1" spc="200">
+              <a:solidFill>
+                <a:schemeClr val="accent1"/>
+              </a:solidFill>
+              <a:uFillTx/>
+              <a:latin typeface="微软雅黑" panose="020B0503020204020204" pitchFamily="34" charset="-122"/>
+              <a:ea typeface="微软雅黑" panose="020B0503020204020204" pitchFamily="34" charset="-122"/>
+            </a:endParaRPr>
+          </a:p>
+        </p:txBody>
+      </p:sp>
+      <p:sp>
+        <p:nvSpPr>
+          <p:cNvPr id="23" name="Title 6"/>
+          <p:cNvSpPr txBox="1"/>
+          <p:nvPr>
+            <p:custDataLst>
+              <p:tags r:id="rId6"/>
+            </p:custDataLst>
+          </p:nvPr>
+        </p:nvSpPr>
+        <p:spPr>
+          <a:xfrm>
+            <a:off x="1794510" y="1304925"/>
+            <a:ext cx="8996680" cy="5400675"/>
+          </a:xfrm>
+          <a:prstGeom prst="rect">
+            <a:avLst/>
+          </a:prstGeom>
+          <a:noFill/>
+          <a:ln w="3175">
+            <a:noFill/>
+            <a:prstDash val="dash"/>
+          </a:ln>
+        </p:spPr>
+        <p:txBody>
+          <a:bodyPr wrap="square" lIns="63500" tIns="25400" rIns="63500" bIns="25400" anchor="ctr" anchorCtr="0">
+            <a:normAutofit/>
+          </a:bodyPr>
+          <a:lstStyle>
+            <a:lvl1pPr algn="l" defTabSz="913765" rtl="0" eaLnBrk="1" latinLnBrk="0" hangingPunct="1">
+              <a:lnSpc>
+                <a:spcPct val="90000"/>
+              </a:lnSpc>
+              <a:spcBef>
+                <a:spcPct val="0"/>
+              </a:spcBef>
+              <a:buNone/>
+              <a:defRPr lang="en-US" sz="2745" b="0" kern="1200" cap="none" spc="-49" baseline="0" dirty="0" smtClean="0">
+                <a:ln w="3175">
+                  <a:noFill/>
+                </a:ln>
+                <a:solidFill>
+                  <a:schemeClr val="tx1"/>
+                </a:solidFill>
+                <a:effectLst/>
+                <a:latin typeface="+mj-lt"/>
+                <a:ea typeface="+mn-ea"/>
+                <a:cs typeface="Segoe UI" panose="020B0502040204020203" pitchFamily="34" charset="0"/>
+              </a:defRPr>
+            </a:lvl1pPr>
+          </a:lstStyle>
+          <a:p>
+            <a:pPr lvl="0" indent="0" algn="l" fontAlgn="ctr">
+              <a:lnSpc>
+                <a:spcPct val="120000"/>
+              </a:lnSpc>
+              <a:spcBef>
+                <a:spcPts val="0"/>
+              </a:spcBef>
+              <a:spcAft>
+                <a:spcPts val="800"/>
+              </a:spcAft>
+              <a:buSzPct val="100000"/>
+              <a:buFont typeface="Wingdings" panose="05000000000000000000" charset="0"/>
+            </a:pPr>
+            <a:endParaRPr lang="zh-CN" altLang="en-US" sz="1000" spc="100">
+              <a:ln w="3175">
+                <a:noFill/>
+                <a:prstDash val="dash"/>
+              </a:ln>
+              <a:solidFill>
+                <a:schemeClr val="dk1">
+                  <a:lumMod val="75000"/>
+                  <a:lumOff val="25000"/>
+                </a:schemeClr>
+              </a:solidFill>
+              <a:uFillTx/>
+              <a:latin typeface="微软雅黑" panose="020B0503020204020204" pitchFamily="34" charset="-122"/>
+              <a:ea typeface="微软雅黑" panose="020B0503020204020204" pitchFamily="34" charset="-122"/>
+              <a:cs typeface="微软雅黑" panose="020B0503020204020204" pitchFamily="34" charset="-122"/>
+            </a:endParaRPr>
+          </a:p>
+          <a:p>
+            <a:pPr marL="254000" lvl="0" indent="-254000" algn="l" fontAlgn="ctr">
+              <a:lnSpc>
+                <a:spcPct val="150000"/>
+              </a:lnSpc>
+              <a:spcBef>
+                <a:spcPts val="0"/>
+              </a:spcBef>
+              <a:spcAft>
+                <a:spcPts val="800"/>
+              </a:spcAft>
+              <a:buSzPct val="100000"/>
+              <a:buFont typeface="Wingdings" panose="05000000000000000000" charset="0"/>
+              <a:buChar char="l"/>
+            </a:pPr>
+            <a:r>
+              <a:rPr lang="zh-CN" altLang="en-US" sz="1400" b="1" spc="40">
+                <a:ln w="3175">
+                  <a:noFill/>
+                  <a:prstDash val="dash"/>
+                </a:ln>
+                <a:solidFill>
+                  <a:schemeClr val="dk1">
+                    <a:lumMod val="75000"/>
+                    <a:lumOff val="25000"/>
+                  </a:schemeClr>
+                </a:solidFill>
+                <a:uFillTx/>
+                <a:latin typeface="微软雅黑" panose="020B0503020204020204" pitchFamily="34" charset="-122"/>
+                <a:ea typeface="微软雅黑" panose="020B0503020204020204" pitchFamily="34" charset="-122"/>
+                <a:cs typeface="微软雅黑" panose="020B0503020204020204" pitchFamily="34" charset="-122"/>
+              </a:rPr>
+              <a:t>MySQL
+</a:t>
+            </a:r>
+            <a:r>
+              <a:rPr lang="zh-CN" altLang="en-US" sz="1400" spc="40">
+                <a:ln w="3175">
+                  <a:noFill/>
+                  <a:prstDash val="dash"/>
+                </a:ln>
+                <a:solidFill>
+                  <a:schemeClr val="dk1">
+                    <a:lumMod val="75000"/>
+                    <a:lumOff val="25000"/>
+                  </a:schemeClr>
+                </a:solidFill>
+                <a:uFillTx/>
+                <a:latin typeface="微软雅黑" panose="020B0503020204020204" pitchFamily="34" charset="-122"/>
+                <a:ea typeface="微软雅黑" panose="020B0503020204020204" pitchFamily="34" charset="-122"/>
+                <a:cs typeface="微软雅黑" panose="020B0503020204020204" pitchFamily="34" charset="-122"/>
+              </a:rPr>
+              <a:t>用于存储关系型业务数据，提供事务性保证，确保数据的一致性和持久性。</a:t>
+            </a:r>
+            <a:endParaRPr lang="zh-CN" altLang="en-US" sz="1200" spc="40">
+              <a:ln w="3175">
+                <a:noFill/>
+                <a:prstDash val="dash"/>
+              </a:ln>
+              <a:solidFill>
+                <a:schemeClr val="dk1">
+                  <a:lumMod val="75000"/>
+                  <a:lumOff val="25000"/>
+                </a:schemeClr>
+              </a:solidFill>
+              <a:uFillTx/>
+              <a:latin typeface="微软雅黑" panose="020B0503020204020204" pitchFamily="34" charset="-122"/>
+              <a:ea typeface="微软雅黑" panose="020B0503020204020204" pitchFamily="34" charset="-122"/>
+              <a:cs typeface="微软雅黑" panose="020B0503020204020204" pitchFamily="34" charset="-122"/>
+            </a:endParaRPr>
+          </a:p>
+          <a:p>
+            <a:pPr marL="254000" lvl="0" indent="-254000" algn="l" fontAlgn="ctr">
+              <a:lnSpc>
+                <a:spcPct val="150000"/>
+              </a:lnSpc>
+              <a:spcBef>
+                <a:spcPts val="0"/>
+              </a:spcBef>
+              <a:spcAft>
+                <a:spcPts val="800"/>
+              </a:spcAft>
+              <a:buSzPct val="100000"/>
+              <a:buFont typeface="Wingdings" panose="05000000000000000000" charset="0"/>
+              <a:buChar char="l"/>
+            </a:pPr>
+            <a:r>
+              <a:rPr lang="zh-CN" altLang="en-US" sz="1400" b="1" spc="40">
+                <a:ln w="3175">
+                  <a:noFill/>
+                  <a:prstDash val="dash"/>
+                </a:ln>
+                <a:solidFill>
+                  <a:schemeClr val="dk1">
+                    <a:lumMod val="75000"/>
+                    <a:lumOff val="25000"/>
+                  </a:schemeClr>
+                </a:solidFill>
+                <a:uFillTx/>
+                <a:latin typeface="微软雅黑" panose="020B0503020204020204" pitchFamily="34" charset="-122"/>
+                <a:ea typeface="微软雅黑" panose="020B0503020204020204" pitchFamily="34" charset="-122"/>
+                <a:cs typeface="微软雅黑" panose="020B0503020204020204" pitchFamily="34" charset="-122"/>
+              </a:rPr>
+              <a:t>Redis</a:t>
+            </a:r>
+            <a:endParaRPr lang="zh-CN" altLang="en-US" sz="1400" b="1" spc="40">
+              <a:ln w="3175">
+                <a:noFill/>
+                <a:prstDash val="dash"/>
+              </a:ln>
+              <a:solidFill>
+                <a:schemeClr val="dk1">
+                  <a:lumMod val="75000"/>
+                  <a:lumOff val="25000"/>
+                </a:schemeClr>
+              </a:solidFill>
+              <a:uFillTx/>
+              <a:latin typeface="微软雅黑" panose="020B0503020204020204" pitchFamily="34" charset="-122"/>
+              <a:ea typeface="微软雅黑" panose="020B0503020204020204" pitchFamily="34" charset="-122"/>
+              <a:cs typeface="微软雅黑" panose="020B0503020204020204" pitchFamily="34" charset="-122"/>
+            </a:endParaRPr>
+          </a:p>
+          <a:p>
+            <a:pPr marL="254000" lvl="1" indent="0" algn="l" fontAlgn="ctr">
+              <a:lnSpc>
+                <a:spcPct val="150000"/>
+              </a:lnSpc>
+              <a:spcBef>
+                <a:spcPts val="0"/>
+              </a:spcBef>
+              <a:spcAft>
+                <a:spcPts val="800"/>
+              </a:spcAft>
+              <a:buSzPct val="100000"/>
+              <a:buFont typeface="Arial" panose="020B0604020202020204" pitchFamily="34" charset="0"/>
+              <a:buNone/>
+            </a:pPr>
+            <a:r>
+              <a:rPr lang="zh-CN" altLang="en-US" sz="1400" spc="100">
+                <a:ln w="3175">
+                  <a:noFill/>
+                  <a:prstDash val="dash"/>
+                </a:ln>
+                <a:solidFill>
+                  <a:schemeClr val="dk1">
+                    <a:lumMod val="75000"/>
+                    <a:lumOff val="25000"/>
+                  </a:schemeClr>
+                </a:solidFill>
+                <a:uFillTx/>
+                <a:latin typeface="微软雅黑" panose="020B0503020204020204" pitchFamily="34" charset="-122"/>
+                <a:ea typeface="微软雅黑" panose="020B0503020204020204" pitchFamily="34" charset="-122"/>
+                <a:cs typeface="微软雅黑" panose="020B0503020204020204" pitchFamily="34" charset="-122"/>
+              </a:rPr>
+              <a:t>用于缓存频繁访问的数据，大幅提升系统响应速度，减少数据库的负载。</a:t>
+            </a:r>
+            <a:endParaRPr lang="zh-CN" altLang="en-US" sz="1400" spc="100">
+              <a:ln w="3175">
+                <a:noFill/>
+                <a:prstDash val="dash"/>
+              </a:ln>
+              <a:solidFill>
+                <a:schemeClr val="dk1">
+                  <a:lumMod val="75000"/>
+                  <a:lumOff val="25000"/>
+                </a:schemeClr>
+              </a:solidFill>
+              <a:uFillTx/>
+              <a:latin typeface="微软雅黑" panose="020B0503020204020204" pitchFamily="34" charset="-122"/>
+              <a:ea typeface="微软雅黑" panose="020B0503020204020204" pitchFamily="34" charset="-122"/>
+              <a:cs typeface="微软雅黑" panose="020B0503020204020204" pitchFamily="34" charset="-122"/>
+            </a:endParaRPr>
+          </a:p>
+          <a:p>
+            <a:pPr marL="254000" lvl="0" indent="-254000" algn="l" fontAlgn="ctr">
+              <a:lnSpc>
+                <a:spcPct val="150000"/>
+              </a:lnSpc>
+              <a:spcBef>
+                <a:spcPts val="0"/>
+              </a:spcBef>
+              <a:spcAft>
+                <a:spcPts val="800"/>
+              </a:spcAft>
+              <a:buSzPct val="100000"/>
+              <a:buFont typeface="Wingdings" panose="05000000000000000000" charset="0"/>
+              <a:buChar char="l"/>
+            </a:pPr>
+            <a:r>
+              <a:rPr lang="zh-CN" altLang="en-US" sz="1400" b="1" spc="40">
+                <a:ln w="3175">
+                  <a:noFill/>
+                  <a:prstDash val="dash"/>
+                </a:ln>
+                <a:solidFill>
+                  <a:schemeClr val="dk1">
+                    <a:lumMod val="75000"/>
+                    <a:lumOff val="25000"/>
+                  </a:schemeClr>
+                </a:solidFill>
+                <a:uFillTx/>
+                <a:latin typeface="微软雅黑" panose="020B0503020204020204" pitchFamily="34" charset="-122"/>
+                <a:ea typeface="微软雅黑" panose="020B0503020204020204" pitchFamily="34" charset="-122"/>
+                <a:cs typeface="微软雅黑" panose="020B0503020204020204" pitchFamily="34" charset="-122"/>
+              </a:rPr>
+              <a:t>Elasticsearch (ES)</a:t>
+            </a:r>
+            <a:endParaRPr lang="zh-CN" altLang="en-US" sz="1400" b="1" spc="40">
+              <a:ln w="3175">
+                <a:noFill/>
+                <a:prstDash val="dash"/>
+              </a:ln>
+              <a:solidFill>
+                <a:schemeClr val="dk1">
+                  <a:lumMod val="75000"/>
+                  <a:lumOff val="25000"/>
+                </a:schemeClr>
+              </a:solidFill>
+              <a:uFillTx/>
+              <a:latin typeface="微软雅黑" panose="020B0503020204020204" pitchFamily="34" charset="-122"/>
+              <a:ea typeface="微软雅黑" panose="020B0503020204020204" pitchFamily="34" charset="-122"/>
+              <a:cs typeface="微软雅黑" panose="020B0503020204020204" pitchFamily="34" charset="-122"/>
+            </a:endParaRPr>
+          </a:p>
+          <a:p>
+            <a:pPr marL="254000" lvl="1" indent="0" algn="l" fontAlgn="ctr">
+              <a:lnSpc>
+                <a:spcPct val="150000"/>
+              </a:lnSpc>
+              <a:spcBef>
+                <a:spcPts val="0"/>
+              </a:spcBef>
+              <a:spcAft>
+                <a:spcPts val="800"/>
+              </a:spcAft>
+              <a:buSzPct val="100000"/>
+              <a:buFont typeface="Arial" panose="020B0604020202020204" pitchFamily="34" charset="0"/>
+              <a:buNone/>
+            </a:pPr>
+            <a:r>
+              <a:rPr lang="zh-CN" altLang="en-US" sz="1400" spc="100">
+                <a:ln w="3175">
+                  <a:noFill/>
+                  <a:prstDash val="dash"/>
+                </a:ln>
+                <a:solidFill>
+                  <a:schemeClr val="dk1">
+                    <a:lumMod val="75000"/>
+                    <a:lumOff val="25000"/>
+                  </a:schemeClr>
+                </a:solidFill>
+                <a:uFillTx/>
+                <a:latin typeface="微软雅黑" panose="020B0503020204020204" pitchFamily="34" charset="-122"/>
+                <a:ea typeface="微软雅黑" panose="020B0503020204020204" pitchFamily="34" charset="-122"/>
+                <a:cs typeface="微软雅黑" panose="020B0503020204020204" pitchFamily="34" charset="-122"/>
+              </a:rPr>
+              <a:t>用于全文搜索和高效数据查询，实现快速检索笔记内容和用户数据。</a:t>
+            </a:r>
+            <a:endParaRPr lang="zh-CN" altLang="en-US" sz="1400" spc="100">
+              <a:ln w="3175">
+                <a:noFill/>
+                <a:prstDash val="dash"/>
+              </a:ln>
+              <a:solidFill>
+                <a:schemeClr val="dk1">
+                  <a:lumMod val="75000"/>
+                  <a:lumOff val="25000"/>
+                </a:schemeClr>
+              </a:solidFill>
+              <a:uFillTx/>
+              <a:latin typeface="微软雅黑" panose="020B0503020204020204" pitchFamily="34" charset="-122"/>
+              <a:ea typeface="微软雅黑" panose="020B0503020204020204" pitchFamily="34" charset="-122"/>
+              <a:cs typeface="微软雅黑" panose="020B0503020204020204" pitchFamily="34" charset="-122"/>
+            </a:endParaRPr>
+          </a:p>
+          <a:p>
+            <a:pPr marL="254000" lvl="0" indent="-254000" algn="l" fontAlgn="ctr">
+              <a:lnSpc>
+                <a:spcPct val="150000"/>
+              </a:lnSpc>
+              <a:spcBef>
+                <a:spcPts val="0"/>
+              </a:spcBef>
+              <a:spcAft>
+                <a:spcPts val="800"/>
+              </a:spcAft>
+              <a:buSzPct val="100000"/>
+              <a:buFont typeface="Wingdings" panose="05000000000000000000" charset="0"/>
+              <a:buChar char="l"/>
+            </a:pPr>
+            <a:r>
+              <a:rPr lang="zh-CN" altLang="en-US" sz="1400" b="1" spc="40">
+                <a:ln w="3175">
+                  <a:noFill/>
+                  <a:prstDash val="dash"/>
+                </a:ln>
+                <a:solidFill>
+                  <a:schemeClr val="dk1">
+                    <a:lumMod val="75000"/>
+                    <a:lumOff val="25000"/>
+                  </a:schemeClr>
+                </a:solidFill>
+                <a:uFillTx/>
+                <a:latin typeface="微软雅黑" panose="020B0503020204020204" pitchFamily="34" charset="-122"/>
+                <a:ea typeface="微软雅黑" panose="020B0503020204020204" pitchFamily="34" charset="-122"/>
+                <a:cs typeface="微软雅黑" panose="020B0503020204020204" pitchFamily="34" charset="-122"/>
+              </a:rPr>
+              <a:t>Apache Cassandra</a:t>
+            </a:r>
+            <a:endParaRPr lang="zh-CN" altLang="en-US" sz="1400" b="1" spc="40">
+              <a:ln w="3175">
+                <a:noFill/>
+                <a:prstDash val="dash"/>
+              </a:ln>
+              <a:solidFill>
+                <a:schemeClr val="dk1">
+                  <a:lumMod val="75000"/>
+                  <a:lumOff val="25000"/>
+                </a:schemeClr>
+              </a:solidFill>
+              <a:uFillTx/>
+              <a:latin typeface="微软雅黑" panose="020B0503020204020204" pitchFamily="34" charset="-122"/>
+              <a:ea typeface="微软雅黑" panose="020B0503020204020204" pitchFamily="34" charset="-122"/>
+              <a:cs typeface="微软雅黑" panose="020B0503020204020204" pitchFamily="34" charset="-122"/>
+            </a:endParaRPr>
+          </a:p>
+          <a:p>
+            <a:pPr marL="254000" lvl="1" indent="0" algn="l" fontAlgn="ctr">
+              <a:lnSpc>
+                <a:spcPct val="150000"/>
+              </a:lnSpc>
+              <a:spcBef>
+                <a:spcPts val="0"/>
+              </a:spcBef>
+              <a:spcAft>
+                <a:spcPts val="800"/>
+              </a:spcAft>
+              <a:buSzPct val="100000"/>
+              <a:buFont typeface="Arial" panose="020B0604020202020204" pitchFamily="34" charset="0"/>
+              <a:buNone/>
+            </a:pPr>
+            <a:r>
+              <a:rPr lang="zh-CN" altLang="en-US" sz="1400" spc="100">
+                <a:ln w="3175">
+                  <a:noFill/>
+                  <a:prstDash val="dash"/>
+                </a:ln>
+                <a:solidFill>
+                  <a:schemeClr val="dk1">
+                    <a:lumMod val="75000"/>
+                    <a:lumOff val="25000"/>
+                  </a:schemeClr>
+                </a:solidFill>
+                <a:uFillTx/>
+                <a:latin typeface="微软雅黑" panose="020B0503020204020204" pitchFamily="34" charset="-122"/>
+                <a:ea typeface="微软雅黑" panose="020B0503020204020204" pitchFamily="34" charset="-122"/>
+                <a:cs typeface="微软雅黑" panose="020B0503020204020204" pitchFamily="34" charset="-122"/>
+              </a:rPr>
+              <a:t>用于存储短文本数据，支持高并发的读写操作，确保在大规模用户交互下的数据可访问性。</a:t>
+            </a:r>
+            <a:endParaRPr lang="zh-CN" altLang="en-US" sz="1400" spc="100">
+              <a:ln w="3175">
+                <a:noFill/>
+                <a:prstDash val="dash"/>
+              </a:ln>
+              <a:solidFill>
+                <a:schemeClr val="dk1">
+                  <a:lumMod val="75000"/>
+                  <a:lumOff val="25000"/>
+                </a:schemeClr>
+              </a:solidFill>
+              <a:uFillTx/>
+              <a:latin typeface="微软雅黑" panose="020B0503020204020204" pitchFamily="34" charset="-122"/>
+              <a:ea typeface="微软雅黑" panose="020B0503020204020204" pitchFamily="34" charset="-122"/>
+              <a:cs typeface="微软雅黑" panose="020B0503020204020204" pitchFamily="34" charset="-122"/>
+            </a:endParaRPr>
+          </a:p>
+          <a:p>
+            <a:pPr marL="254000" lvl="0" indent="-254000" algn="l" fontAlgn="ctr">
+              <a:lnSpc>
+                <a:spcPct val="150000"/>
+              </a:lnSpc>
+              <a:spcBef>
+                <a:spcPts val="0"/>
+              </a:spcBef>
+              <a:spcAft>
+                <a:spcPts val="800"/>
+              </a:spcAft>
+              <a:buSzPct val="100000"/>
+              <a:buFont typeface="Wingdings" panose="05000000000000000000" charset="0"/>
+              <a:buChar char="l"/>
+            </a:pPr>
+            <a:r>
+              <a:rPr lang="zh-CN" altLang="en-US" sz="1400" b="1" spc="40">
+                <a:ln w="3175">
+                  <a:noFill/>
+                  <a:prstDash val="dash"/>
+                </a:ln>
+                <a:solidFill>
+                  <a:schemeClr val="dk1">
+                    <a:lumMod val="75000"/>
+                    <a:lumOff val="25000"/>
+                  </a:schemeClr>
+                </a:solidFill>
+                <a:uFillTx/>
+                <a:latin typeface="微软雅黑" panose="020B0503020204020204" pitchFamily="34" charset="-122"/>
+                <a:ea typeface="微软雅黑" panose="020B0503020204020204" pitchFamily="34" charset="-122"/>
+                <a:cs typeface="微软雅黑" panose="020B0503020204020204" pitchFamily="34" charset="-122"/>
+              </a:rPr>
+              <a:t>对象存储（Minio）</a:t>
+            </a:r>
+            <a:endParaRPr lang="zh-CN" altLang="en-US" sz="1400" b="1" spc="40">
+              <a:ln w="3175">
+                <a:noFill/>
+                <a:prstDash val="dash"/>
+              </a:ln>
+              <a:solidFill>
+                <a:schemeClr val="dk1">
+                  <a:lumMod val="75000"/>
+                  <a:lumOff val="25000"/>
+                </a:schemeClr>
+              </a:solidFill>
+              <a:uFillTx/>
+              <a:latin typeface="微软雅黑" panose="020B0503020204020204" pitchFamily="34" charset="-122"/>
+              <a:ea typeface="微软雅黑" panose="020B0503020204020204" pitchFamily="34" charset="-122"/>
+              <a:cs typeface="微软雅黑" panose="020B0503020204020204" pitchFamily="34" charset="-122"/>
+            </a:endParaRPr>
+          </a:p>
+          <a:p>
+            <a:pPr marL="254000" lvl="1" indent="0" algn="l" fontAlgn="ctr">
+              <a:lnSpc>
+                <a:spcPct val="150000"/>
+              </a:lnSpc>
+              <a:spcBef>
+                <a:spcPts val="0"/>
+              </a:spcBef>
+              <a:spcAft>
+                <a:spcPts val="800"/>
+              </a:spcAft>
+              <a:buSzPct val="100000"/>
+              <a:buFont typeface="Arial" panose="020B0604020202020204" pitchFamily="34" charset="0"/>
+              <a:buNone/>
+            </a:pPr>
+            <a:r>
+              <a:rPr lang="zh-CN" altLang="en-US" sz="1400" spc="100">
+                <a:ln w="3175">
+                  <a:noFill/>
+                  <a:prstDash val="dash"/>
+                </a:ln>
+                <a:solidFill>
+                  <a:schemeClr val="dk1">
+                    <a:lumMod val="75000"/>
+                    <a:lumOff val="25000"/>
+                  </a:schemeClr>
+                </a:solidFill>
+                <a:uFillTx/>
+                <a:latin typeface="微软雅黑" panose="020B0503020204020204" pitchFamily="34" charset="-122"/>
+                <a:ea typeface="微软雅黑" panose="020B0503020204020204" pitchFamily="34" charset="-122"/>
+                <a:cs typeface="微软雅黑" panose="020B0503020204020204" pitchFamily="34" charset="-122"/>
+              </a:rPr>
+              <a:t>用于存储非结构化数据，如图片和视频，确保大规模文件存储的可靠性和可扩展性。</a:t>
+            </a:r>
+            <a:endParaRPr lang="zh-CN" altLang="en-US" sz="1400" spc="100">
+              <a:ln w="3175">
+                <a:noFill/>
+                <a:prstDash val="dash"/>
+              </a:ln>
+              <a:solidFill>
+                <a:schemeClr val="dk1">
+                  <a:lumMod val="75000"/>
+                  <a:lumOff val="25000"/>
+                </a:schemeClr>
+              </a:solidFill>
+              <a:uFillTx/>
+              <a:latin typeface="微软雅黑" panose="020B0503020204020204" pitchFamily="34" charset="-122"/>
+              <a:ea typeface="微软雅黑" panose="020B0503020204020204" pitchFamily="34" charset="-122"/>
+              <a:cs typeface="微软雅黑" panose="020B0503020204020204" pitchFamily="34" charset="-122"/>
+            </a:endParaRPr>
+          </a:p>
+        </p:txBody>
+      </p:sp>
+      <p:sp>
+        <p:nvSpPr>
+          <p:cNvPr id="2" name="文本框 1"/>
+          <p:cNvSpPr txBox="1"/>
+          <p:nvPr/>
+        </p:nvSpPr>
+        <p:spPr>
+          <a:xfrm>
+            <a:off x="609600" y="389255"/>
+            <a:ext cx="6096000" cy="645160"/>
+          </a:xfrm>
+          <a:prstGeom prst="rect">
+            <a:avLst/>
+          </a:prstGeom>
+          <a:noFill/>
+        </p:spPr>
+        <p:txBody>
+          <a:bodyPr wrap="square" rtlCol="0" anchor="t">
+            <a:spAutoFit/>
+          </a:bodyPr>
+          <a:p>
+            <a:pPr marL="0" marR="0" lvl="0" indent="0" algn="l" defTabSz="914400" rtl="0" eaLnBrk="1" fontAlgn="auto" latinLnBrk="0" hangingPunct="1">
+              <a:lnSpc>
+                <a:spcPct val="150000"/>
+              </a:lnSpc>
+              <a:spcBef>
+                <a:spcPts val="0"/>
+              </a:spcBef>
+              <a:spcAft>
+                <a:spcPts val="0"/>
+              </a:spcAft>
+              <a:buClrTx/>
+              <a:buSzTx/>
+              <a:buFontTx/>
+              <a:buNone/>
+              <a:defRPr/>
+            </a:pPr>
+            <a:r>
+              <a:rPr lang="zh-CN" altLang="en-US" sz="2400" b="1" noProof="0" dirty="0">
+                <a:ln>
+                  <a:noFill/>
+                </a:ln>
+                <a:effectLst/>
+                <a:uLnTx/>
+                <a:uFillTx/>
+                <a:latin typeface="微软雅黑" panose="020B0503020204020204" pitchFamily="34" charset="-122"/>
+                <a:ea typeface="微软雅黑" panose="020B0503020204020204" pitchFamily="34" charset="-122"/>
+                <a:sym typeface="+mn-ea"/>
+              </a:rPr>
+              <a:t>逻辑架构</a:t>
+            </a:r>
+            <a:endParaRPr lang="en-US" altLang="zh-CN" sz="2400" b="1" noProof="0" dirty="0">
+              <a:ln>
+                <a:noFill/>
+              </a:ln>
+              <a:effectLst/>
+              <a:uLnTx/>
+              <a:uFillTx/>
+              <a:latin typeface="微软雅黑" panose="020B0503020204020204" pitchFamily="34" charset="-122"/>
+              <a:ea typeface="微软雅黑" panose="020B0503020204020204" pitchFamily="34" charset="-122"/>
+              <a:sym typeface="+mn-ea"/>
+            </a:endParaRPr>
+          </a:p>
+        </p:txBody>
+      </p:sp>
+    </p:spTree>
+    <p:custDataLst>
+      <p:tags r:id="rId7"/>
+    </p:custDataLst>
+  </p:cSld>
+  <p:clrMapOvr>
+    <a:masterClrMapping/>
+  </p:clrMapOvr>
+</p:sld>
+</file>
+
+<file path=ppt/slides/slide17.xml><?xml version="1.0" encoding="utf-8"?>
+<p:sld xmlns:a="http://schemas.openxmlformats.org/drawingml/2006/main" xmlns:r="http://schemas.openxmlformats.org/officeDocument/2006/relationships" xmlns:p="http://schemas.openxmlformats.org/presentationml/2006/main">
+  <p:cSld>
+    <p:spTree>
+      <p:nvGrpSpPr>
+        <p:cNvPr id="1" name=""/>
+        <p:cNvGrpSpPr/>
+        <p:nvPr/>
+      </p:nvGrpSpPr>
+      <p:grpSpPr>
+        <a:xfrm>
+          <a:off x="0" y="0"/>
+          <a:ext cx="0" cy="0"/>
+          <a:chOff x="0" y="0"/>
+          <a:chExt cx="0" cy="0"/>
+        </a:xfrm>
+      </p:grpSpPr>
+      <p:cxnSp>
+        <p:nvCxnSpPr>
+          <p:cNvPr id="18" name="PA-直接连接符 9"/>
+          <p:cNvCxnSpPr/>
+          <p:nvPr>
+            <p:custDataLst>
+              <p:tags r:id="rId1"/>
+            </p:custDataLst>
+          </p:nvPr>
+        </p:nvCxnSpPr>
+        <p:spPr>
+          <a:xfrm flipH="1" flipV="1">
+            <a:off x="9601835" y="0"/>
+            <a:ext cx="2557145" cy="2571115"/>
+          </a:xfrm>
+          <a:prstGeom prst="line">
+            <a:avLst/>
+          </a:prstGeom>
+          <a:ln w="12700">
+            <a:solidFill>
+              <a:schemeClr val="lt1">
+                <a:lumMod val="75000"/>
+              </a:schemeClr>
+            </a:solidFill>
+            <a:prstDash val="dash"/>
+          </a:ln>
+        </p:spPr>
+        <p:style>
+          <a:lnRef idx="1">
+            <a:schemeClr val="accent1"/>
+          </a:lnRef>
+          <a:fillRef idx="0">
+            <a:schemeClr val="accent1"/>
+          </a:fillRef>
+          <a:effectRef idx="0">
+            <a:schemeClr val="accent1"/>
+          </a:effectRef>
+          <a:fontRef idx="minor">
+            <a:schemeClr val="tx1"/>
+          </a:fontRef>
+        </p:style>
+      </p:cxnSp>
+      <p:sp>
+        <p:nvSpPr>
+          <p:cNvPr id="19" name="PA-直角三角形 5"/>
+          <p:cNvSpPr/>
+          <p:nvPr>
+            <p:custDataLst>
+              <p:tags r:id="rId2"/>
+            </p:custDataLst>
+          </p:nvPr>
+        </p:nvSpPr>
+        <p:spPr>
+          <a:xfrm>
+            <a:off x="9923145" y="635"/>
+            <a:ext cx="2268855" cy="2284730"/>
+          </a:xfrm>
+          <a:custGeom>
+            <a:avLst/>
+            <a:gdLst>
+              <a:gd name="connsiteX0" fmla="*/ 0 w 2268855"/>
+              <a:gd name="connsiteY0" fmla="*/ 0 h 2284730"/>
+              <a:gd name="connsiteX1" fmla="*/ 2268855 w 2268855"/>
+              <a:gd name="connsiteY1" fmla="*/ 0 h 2284730"/>
+              <a:gd name="connsiteX2" fmla="*/ 2268855 w 2268855"/>
+              <a:gd name="connsiteY2" fmla="*/ 2284730 h 2284730"/>
+            </a:gdLst>
+            <a:ahLst/>
+            <a:cxnLst>
+              <a:cxn ang="0">
+                <a:pos x="connsiteX0" y="connsiteY0"/>
+              </a:cxn>
+              <a:cxn ang="0">
+                <a:pos x="connsiteX1" y="connsiteY1"/>
+              </a:cxn>
+              <a:cxn ang="0">
+                <a:pos x="connsiteX2" y="connsiteY2"/>
+              </a:cxn>
+            </a:cxnLst>
+            <a:rect l="l" t="t" r="r" b="b"/>
+            <a:pathLst>
+              <a:path w="2268855" h="2284730">
+                <a:moveTo>
+                  <a:pt x="0" y="0"/>
+                </a:moveTo>
+                <a:lnTo>
+                  <a:pt x="2268855" y="0"/>
+                </a:lnTo>
+                <a:lnTo>
+                  <a:pt x="2268855" y="2284730"/>
+                </a:lnTo>
+                <a:close/>
+              </a:path>
+            </a:pathLst>
+          </a:custGeom>
+          <a:solidFill>
+            <a:schemeClr val="lt1">
+              <a:lumMod val="95000"/>
+            </a:schemeClr>
+          </a:solidFill>
+          <a:ln>
+            <a:noFill/>
+          </a:ln>
+        </p:spPr>
+        <p:style>
+          <a:lnRef idx="2">
+            <a:schemeClr val="accent1">
+              <a:shade val="50000"/>
+            </a:schemeClr>
+          </a:lnRef>
+          <a:fillRef idx="1">
+            <a:schemeClr val="accent1"/>
+          </a:fillRef>
+          <a:effectRef idx="0">
+            <a:schemeClr val="accent1"/>
+          </a:effectRef>
+          <a:fontRef idx="minor">
+            <a:schemeClr val="lt1"/>
+          </a:fontRef>
+        </p:style>
+        <p:txBody>
+          <a:bodyPr rtlCol="0" anchor="ctr"/>
+          <a:lstStyle/>
+          <a:p>
+            <a:pPr algn="ctr"/>
+            <a:endParaRPr lang="zh-CN" altLang="en-US">
+              <a:solidFill>
+                <a:schemeClr val="lt1"/>
+              </a:solidFill>
+              <a:latin typeface="微软雅黑" panose="020B0503020204020204" pitchFamily="34" charset="-122"/>
+              <a:ea typeface="微软雅黑" panose="020B0503020204020204" pitchFamily="34" charset="-122"/>
+            </a:endParaRPr>
+          </a:p>
+        </p:txBody>
+      </p:sp>
+      <p:sp>
+        <p:nvSpPr>
+          <p:cNvPr id="20" name="PA-直角三角形 8"/>
+          <p:cNvSpPr/>
+          <p:nvPr>
+            <p:custDataLst>
+              <p:tags r:id="rId3"/>
+            </p:custDataLst>
+          </p:nvPr>
+        </p:nvSpPr>
+        <p:spPr>
+          <a:xfrm>
+            <a:off x="0" y="5401945"/>
+            <a:ext cx="1459865" cy="1456055"/>
+          </a:xfrm>
+          <a:prstGeom prst="rtTriangle">
+            <a:avLst/>
+          </a:prstGeom>
+          <a:solidFill>
+            <a:schemeClr val="lt1">
+              <a:lumMod val="95000"/>
+            </a:schemeClr>
+          </a:solidFill>
+          <a:ln>
+            <a:noFill/>
+          </a:ln>
+        </p:spPr>
+        <p:style>
+          <a:lnRef idx="2">
+            <a:schemeClr val="accent1">
+              <a:shade val="50000"/>
+            </a:schemeClr>
+          </a:lnRef>
+          <a:fillRef idx="1">
+            <a:schemeClr val="accent1"/>
+          </a:fillRef>
+          <a:effectRef idx="0">
+            <a:schemeClr val="accent1"/>
+          </a:effectRef>
+          <a:fontRef idx="minor">
+            <a:schemeClr val="lt1"/>
+          </a:fontRef>
+        </p:style>
+        <p:txBody>
+          <a:bodyPr rtlCol="0" anchor="ctr"/>
+          <a:lstStyle/>
+          <a:p>
+            <a:pPr algn="ctr"/>
+            <a:endParaRPr lang="zh-CN" altLang="en-US">
+              <a:solidFill>
+                <a:schemeClr val="lt1"/>
+              </a:solidFill>
+              <a:latin typeface="微软雅黑" panose="020B0503020204020204" pitchFamily="34" charset="-122"/>
+              <a:ea typeface="微软雅黑" panose="020B0503020204020204" pitchFamily="34" charset="-122"/>
+            </a:endParaRPr>
+          </a:p>
+        </p:txBody>
+      </p:sp>
+      <p:cxnSp>
+        <p:nvCxnSpPr>
+          <p:cNvPr id="21" name="PA-直接连接符 9"/>
+          <p:cNvCxnSpPr/>
+          <p:nvPr>
+            <p:custDataLst>
+              <p:tags r:id="rId4"/>
+            </p:custDataLst>
+          </p:nvPr>
+        </p:nvCxnSpPr>
+        <p:spPr>
+          <a:xfrm flipH="1" flipV="1">
+            <a:off x="10160" y="4983480"/>
+            <a:ext cx="1980565" cy="1905000"/>
+          </a:xfrm>
+          <a:prstGeom prst="line">
+            <a:avLst/>
+          </a:prstGeom>
+          <a:ln w="12700">
+            <a:solidFill>
+              <a:schemeClr val="lt1">
+                <a:lumMod val="75000"/>
+              </a:schemeClr>
+            </a:solidFill>
+            <a:prstDash val="dash"/>
+          </a:ln>
+        </p:spPr>
+        <p:style>
+          <a:lnRef idx="1">
+            <a:schemeClr val="accent1"/>
+          </a:lnRef>
+          <a:fillRef idx="0">
+            <a:schemeClr val="accent1"/>
+          </a:fillRef>
+          <a:effectRef idx="0">
+            <a:schemeClr val="accent1"/>
+          </a:effectRef>
+          <a:fontRef idx="minor">
+            <a:schemeClr val="tx1"/>
+          </a:fontRef>
+        </p:style>
+      </p:cxnSp>
+      <p:sp>
+        <p:nvSpPr>
+          <p:cNvPr id="22" name="文本框 21"/>
+          <p:cNvSpPr txBox="1"/>
+          <p:nvPr>
+            <p:custDataLst>
+              <p:tags r:id="rId5"/>
+            </p:custDataLst>
+          </p:nvPr>
+        </p:nvSpPr>
+        <p:spPr>
+          <a:xfrm>
+            <a:off x="609562" y="1090938"/>
+            <a:ext cx="10972876" cy="762000"/>
+          </a:xfrm>
+          <a:prstGeom prst="rect">
+            <a:avLst/>
+          </a:prstGeom>
+          <a:noFill/>
+        </p:spPr>
+        <p:txBody>
+          <a:bodyPr wrap="square" lIns="63500" tIns="25400" rIns="63500" bIns="25400" rtlCol="0" anchor="t" anchorCtr="0">
+            <a:normAutofit/>
+          </a:bodyPr>
+          <a:lstStyle/>
+          <a:p>
+            <a:pPr marL="0" indent="0" algn="ctr">
+              <a:lnSpc>
+                <a:spcPct val="100000"/>
+              </a:lnSpc>
+              <a:spcBef>
+                <a:spcPts val="0"/>
+              </a:spcBef>
+              <a:spcAft>
+                <a:spcPts val="0"/>
+              </a:spcAft>
+              <a:buSzPct val="100000"/>
+              <a:buNone/>
+            </a:pPr>
+            <a:r>
+              <a:rPr lang="zh-CN" altLang="en-US" sz="3600" b="1" spc="200">
+                <a:solidFill>
+                  <a:schemeClr val="accent1"/>
+                </a:solidFill>
+                <a:uFillTx/>
+                <a:latin typeface="微软雅黑" panose="020B0503020204020204" pitchFamily="34" charset="-122"/>
+                <a:ea typeface="微软雅黑" panose="020B0503020204020204" pitchFamily="34" charset="-122"/>
+              </a:rPr>
+              <a:t>服务治理与中间件层</a:t>
             </a:r>
             <a:endParaRPr lang="zh-CN" altLang="en-US" sz="3600" b="1" spc="200">
               <a:solidFill>
@@ -20233,6 +21349,7 @@
           <a:bodyPr wrap="square" rtlCol="0" anchor="t">
             <a:spAutoFit/>
           </a:bodyPr>
+          <a:lstStyle/>
           <a:p>
             <a:pPr marL="0" marR="0" lvl="0" indent="0" algn="l" defTabSz="914400" rtl="0" eaLnBrk="1" fontAlgn="auto" latinLnBrk="0" hangingPunct="1">
               <a:lnSpc>
@@ -20251,7 +21368,7 @@
               <a:defRPr/>
             </a:pPr>
             <a:r>
-              <a:rPr lang="en-US" altLang="zh-CN" sz="2400" b="1" noProof="0" dirty="0">
+              <a:rPr lang="zh-CN" altLang="en-US" sz="2400" b="1" noProof="0" dirty="0">
                 <a:ln>
                   <a:noFill/>
                 </a:ln>
@@ -20262,7 +21379,7 @@
                 <a:ea typeface="微软雅黑" panose="020B0503020204020204" pitchFamily="34" charset="-122"/>
                 <a:sym typeface="+mn-ea"/>
               </a:rPr>
-              <a:t>Logical Architecture</a:t>
+              <a:t>逻辑架构</a:t>
             </a:r>
             <a:endParaRPr lang="en-US" altLang="zh-CN" sz="2400" b="1" noProof="0" dirty="0">
               <a:ln>
@@ -20328,6 +21445,7 @@
         </p:style>
         <p:txBody>
           <a:bodyPr lIns="82296" tIns="41148" rIns="82296" bIns="41148" rtlCol="0" anchor="ctr"/>
+          <a:lstStyle/>
           <a:p>
             <a:pPr algn="l"/>
             <a:endParaRPr lang="zh-CN" altLang="en-US" sz="1440">
@@ -20364,6 +21482,7 @@
           <a:bodyPr wrap="square" lIns="0" tIns="0" rIns="0" bIns="0" rtlCol="0" anchor="t" anchorCtr="0">
             <a:noAutofit/>
           </a:bodyPr>
+          <a:lstStyle/>
           <a:p>
             <a:pPr algn="l">
               <a:lnSpc>
@@ -20377,7 +21496,7 @@
               </a:spcAft>
             </a:pPr>
             <a:r>
-              <a:rPr lang="zh-CN" altLang="en-US" sz="900" dirty="0">
+              <a:rPr lang="zh-CN" altLang="en-US" dirty="0">
                 <a:solidFill>
                   <a:schemeClr val="tx1">
                     <a:lumMod val="85000"/>
@@ -20387,9 +21506,9 @@
                 <a:latin typeface="+mn-ea"/>
                 <a:cs typeface="+mn-ea"/>
               </a:rPr>
-              <a:t>Nacos is used for service registration and configuration management, supporting dynamic configuration and service discovery to ensure the high availability of microservices.</a:t>
-            </a:r>
-            <a:endParaRPr lang="zh-CN" altLang="en-US" sz="900" dirty="0">
+              <a:t>负责管理微服务的注册、发现和配置。</a:t>
+            </a:r>
+            <a:endParaRPr lang="zh-CN" altLang="en-US" dirty="0">
               <a:solidFill>
                 <a:schemeClr val="tx1">
                   <a:lumMod val="85000"/>
@@ -20450,6 +21569,7 @@
           <a:bodyPr wrap="none" lIns="0" tIns="0" rIns="0" bIns="0" rtlCol="0" anchor="ctr">
             <a:noAutofit/>
           </a:bodyPr>
+          <a:lstStyle/>
           <a:p>
             <a:pPr algn="ctr">
               <a:spcBef>
@@ -20540,6 +21660,7 @@
           <a:bodyPr wrap="square" lIns="0" tIns="0" rIns="0" bIns="0" rtlCol="0" anchor="ctr" anchorCtr="0">
             <a:noAutofit/>
           </a:bodyPr>
+          <a:lstStyle/>
           <a:p>
             <a:pPr>
               <a:spcBef>
@@ -20619,6 +21740,7 @@
         </p:style>
         <p:txBody>
           <a:bodyPr lIns="82296" tIns="41148" rIns="82296" bIns="41148" rtlCol="0" anchor="ctr"/>
+          <a:lstStyle/>
           <a:p>
             <a:pPr algn="l"/>
             <a:endParaRPr lang="zh-CN" altLang="en-US" sz="1440">
@@ -20655,6 +21777,7 @@
           <a:bodyPr wrap="square" lIns="0" tIns="0" rIns="0" bIns="0" rtlCol="0" anchor="t" anchorCtr="0">
             <a:noAutofit/>
           </a:bodyPr>
+          <a:lstStyle/>
           <a:p>
             <a:pPr algn="l">
               <a:lnSpc>
@@ -20668,7 +21791,7 @@
               </a:spcAft>
             </a:pPr>
             <a:r>
-              <a:rPr lang="zh-CN" altLang="en-US" sz="1000" dirty="0">
+              <a:rPr lang="zh-CN" altLang="en-US" dirty="0">
                 <a:solidFill>
                   <a:schemeClr val="tx1">
                     <a:lumMod val="85000"/>
@@ -20678,9 +21801,9 @@
                 <a:latin typeface="+mn-ea"/>
                 <a:cs typeface="+mn-ea"/>
               </a:rPr>
-              <a:t>Sentinel is used for traffic control and circuit breaking, providing rate limiting to protect the system's stability during peak traffic, preventing overload.</a:t>
-            </a:r>
-            <a:endParaRPr lang="zh-CN" altLang="en-US" sz="1000" dirty="0">
+              <a:t>用于流量控制和熔断限流。</a:t>
+            </a:r>
+            <a:endParaRPr lang="zh-CN" altLang="en-US" dirty="0">
               <a:solidFill>
                 <a:schemeClr val="tx1">
                   <a:lumMod val="85000"/>
@@ -20741,6 +21864,7 @@
           <a:bodyPr wrap="none" lIns="0" tIns="0" rIns="0" bIns="0" rtlCol="0" anchor="ctr">
             <a:noAutofit/>
           </a:bodyPr>
+          <a:lstStyle/>
           <a:p>
             <a:pPr algn="ctr">
               <a:spcBef>
@@ -20831,6 +21955,7 @@
           <a:bodyPr wrap="square" lIns="0" tIns="0" rIns="0" bIns="0" rtlCol="0" anchor="ctr" anchorCtr="0">
             <a:noAutofit/>
           </a:bodyPr>
+          <a:lstStyle/>
           <a:p>
             <a:pPr>
               <a:spcBef>
@@ -20910,6 +22035,7 @@
         </p:style>
         <p:txBody>
           <a:bodyPr lIns="82296" tIns="41148" rIns="82296" bIns="41148" rtlCol="0" anchor="ctr"/>
+          <a:lstStyle/>
           <a:p>
             <a:pPr algn="l"/>
             <a:endParaRPr lang="zh-CN" altLang="en-US" sz="1440">
@@ -20946,6 +22072,7 @@
           <a:bodyPr wrap="square" lIns="0" tIns="0" rIns="0" bIns="0" rtlCol="0" anchor="t" anchorCtr="0">
             <a:noAutofit/>
           </a:bodyPr>
+          <a:lstStyle/>
           <a:p>
             <a:pPr algn="l">
               <a:lnSpc>
@@ -20959,7 +22086,7 @@
               </a:spcAft>
             </a:pPr>
             <a:r>
-              <a:rPr lang="zh-CN" altLang="en-US" sz="1000" dirty="0">
+              <a:rPr lang="zh-CN" altLang="en-US" dirty="0">
                 <a:solidFill>
                   <a:schemeClr val="tx1">
                     <a:lumMod val="85000"/>
@@ -20969,9 +22096,78 @@
                 <a:latin typeface="+mn-ea"/>
                 <a:cs typeface="+mn-ea"/>
               </a:rPr>
-              <a:t>RocketMQ is used for asynchronous message transmission, enabling loose coupling and efficient communication between microservices, ensuring data consistency and real-time processing.</a:t>
-            </a:r>
-            <a:endParaRPr lang="zh-CN" altLang="en-US" sz="1000" dirty="0">
+              <a:t>通过消息队列实现微服务的解耦和异步处理。</a:t>
+            </a:r>
+            <a:endParaRPr lang="zh-CN" altLang="en-US" dirty="0">
+              <a:solidFill>
+                <a:schemeClr val="tx1">
+                  <a:lumMod val="85000"/>
+                  <a:lumOff val="15000"/>
+                </a:schemeClr>
+              </a:solidFill>
+              <a:latin typeface="+mn-ea"/>
+              <a:cs typeface="+mn-ea"/>
+            </a:endParaRPr>
+          </a:p>
+          <a:p>
+            <a:pPr algn="l">
+              <a:lnSpc>
+                <a:spcPct val="150000"/>
+              </a:lnSpc>
+              <a:spcBef>
+                <a:spcPct val="0"/>
+              </a:spcBef>
+              <a:spcAft>
+                <a:spcPct val="0"/>
+              </a:spcAft>
+            </a:pPr>
+            <a:endParaRPr lang="zh-CN" altLang="en-US" dirty="0">
+              <a:solidFill>
+                <a:schemeClr val="tx1">
+                  <a:lumMod val="85000"/>
+                  <a:lumOff val="15000"/>
+                </a:schemeClr>
+              </a:solidFill>
+              <a:latin typeface="+mn-ea"/>
+              <a:cs typeface="+mn-ea"/>
+            </a:endParaRPr>
+          </a:p>
+          <a:p>
+            <a:pPr algn="l">
+              <a:lnSpc>
+                <a:spcPct val="150000"/>
+              </a:lnSpc>
+              <a:spcBef>
+                <a:spcPct val="0"/>
+              </a:spcBef>
+              <a:spcAft>
+                <a:spcPct val="0"/>
+              </a:spcAft>
+            </a:pPr>
+            <a:endParaRPr lang="zh-CN" altLang="en-US" dirty="0">
+              <a:solidFill>
+                <a:schemeClr val="tx1">
+                  <a:lumMod val="85000"/>
+                  <a:lumOff val="15000"/>
+                </a:schemeClr>
+              </a:solidFill>
+              <a:latin typeface="+mn-ea"/>
+              <a:cs typeface="+mn-ea"/>
+            </a:endParaRPr>
+          </a:p>
+          <a:p>
+            <a:pPr algn="l">
+              <a:lnSpc>
+                <a:spcPct val="150000"/>
+              </a:lnSpc>
+              <a:spcBef>
+                <a:spcPct val="0"/>
+              </a:spcBef>
+              <a:spcAft>
+                <a:spcPct val="0"/>
+              </a:spcAft>
+            </a:pPr>
+            <a:endParaRPr lang="zh-CN" altLang="en-US" dirty="0">
               <a:solidFill>
                 <a:schemeClr val="tx1">
                   <a:lumMod val="85000"/>
@@ -21032,6 +22228,7 @@
           <a:bodyPr wrap="none" lIns="0" tIns="0" rIns="0" bIns="0" rtlCol="0" anchor="ctr">
             <a:noAutofit/>
           </a:bodyPr>
+          <a:lstStyle/>
           <a:p>
             <a:pPr algn="ctr">
               <a:spcBef>
@@ -21122,6 +22319,7 @@
           <a:bodyPr wrap="square" lIns="0" tIns="0" rIns="0" bIns="0" rtlCol="0" anchor="ctr" anchorCtr="0">
             <a:noAutofit/>
           </a:bodyPr>
+          <a:lstStyle/>
           <a:p>
             <a:pPr>
               <a:spcBef>
@@ -21201,6 +22399,7 @@
         </p:style>
         <p:txBody>
           <a:bodyPr lIns="82296" tIns="41148" rIns="82296" bIns="41148" rtlCol="0" anchor="ctr"/>
+          <a:lstStyle/>
           <a:p>
             <a:pPr algn="l"/>
             <a:endParaRPr lang="zh-CN" altLang="en-US" sz="1440">
@@ -21237,6 +22436,7 @@
           <a:bodyPr wrap="square" lIns="0" tIns="0" rIns="0" bIns="0" rtlCol="0" anchor="t" anchorCtr="0">
             <a:noAutofit/>
           </a:bodyPr>
+          <a:lstStyle/>
           <a:p>
             <a:pPr algn="l">
               <a:lnSpc>
@@ -21250,7 +22450,7 @@
               </a:spcAft>
             </a:pPr>
             <a:r>
-              <a:rPr lang="zh-CN" altLang="en-US" sz="1000" dirty="0">
+              <a:rPr lang="zh-CN" altLang="en-US" dirty="0">
                 <a:solidFill>
                   <a:schemeClr val="tx1">
                     <a:lumMod val="85000"/>
@@ -21260,9 +22460,9 @@
                 <a:latin typeface="+mn-ea"/>
                 <a:cs typeface="+mn-ea"/>
               </a:rPr>
-              <a:t>ZooKeeper is used for coordination tasks in distributed systems, ensuring the consistency of distributed services and managing distributed locks and configurations.</a:t>
-            </a:r>
-            <a:endParaRPr lang="zh-CN" altLang="en-US" sz="1000" dirty="0">
+              <a:t>用于分布式系统的协调与管理。</a:t>
+            </a:r>
+            <a:endParaRPr lang="zh-CN" altLang="en-US" dirty="0">
               <a:solidFill>
                 <a:schemeClr val="tx1">
                   <a:lumMod val="85000"/>
@@ -21323,6 +22523,7 @@
           <a:bodyPr wrap="none" lIns="0" tIns="0" rIns="0" bIns="0" rtlCol="0" anchor="ctr">
             <a:noAutofit/>
           </a:bodyPr>
+          <a:lstStyle/>
           <a:p>
             <a:pPr algn="ctr">
               <a:spcBef>
@@ -21413,6 +22614,7 @@
           <a:bodyPr wrap="square" lIns="0" tIns="0" rIns="0" bIns="0" rtlCol="0" anchor="ctr" anchorCtr="0">
             <a:noAutofit/>
           </a:bodyPr>
+          <a:lstStyle/>
           <a:p>
             <a:pPr>
               <a:spcBef>
@@ -21492,6 +22694,7 @@
         </p:style>
         <p:txBody>
           <a:bodyPr lIns="82296" tIns="41148" rIns="82296" bIns="41148" rtlCol="0" anchor="ctr"/>
+          <a:lstStyle/>
           <a:p>
             <a:pPr algn="l"/>
             <a:endParaRPr lang="zh-CN" altLang="en-US" sz="1440">
@@ -21528,6 +22731,7 @@
           <a:bodyPr wrap="square" lIns="0" tIns="0" rIns="0" bIns="0" rtlCol="0" anchor="t" anchorCtr="0">
             <a:noAutofit/>
           </a:bodyPr>
+          <a:lstStyle/>
           <a:p>
             <a:pPr algn="l">
               <a:lnSpc>
@@ -21541,7 +22745,7 @@
               </a:spcAft>
             </a:pPr>
             <a:r>
-              <a:rPr lang="zh-CN" altLang="en-US" sz="1000" dirty="0">
+              <a:rPr lang="zh-CN" altLang="en-US" dirty="0">
                 <a:solidFill>
                   <a:schemeClr val="tx1">
                     <a:lumMod val="85000"/>
@@ -21551,9 +22755,9 @@
                 <a:latin typeface="+mn-ea"/>
                 <a:cs typeface="+mn-ea"/>
               </a:rPr>
-              <a:t>XXL-JOB is used for scheduling tasks, supporting the execution and management of distributed scheduled tasks, ensuring reliable task execution.</a:t>
-            </a:r>
-            <a:endParaRPr lang="zh-CN" altLang="en-US" sz="1000" dirty="0">
+              <a:t>提供分布式定时任务调度能力，支持在集群环境中执行定时任务。</a:t>
+            </a:r>
+            <a:endParaRPr lang="zh-CN" altLang="en-US" dirty="0">
               <a:solidFill>
                 <a:schemeClr val="tx1">
                   <a:lumMod val="85000"/>
@@ -21614,6 +22818,7 @@
           <a:bodyPr wrap="none" lIns="0" tIns="0" rIns="0" bIns="0" rtlCol="0" anchor="ctr">
             <a:noAutofit/>
           </a:bodyPr>
+          <a:lstStyle/>
           <a:p>
             <a:pPr algn="ctr">
               <a:spcBef>
@@ -21704,6 +22909,7 @@
           <a:bodyPr wrap="square" lIns="0" tIns="0" rIns="0" bIns="0" rtlCol="0" anchor="ctr" anchorCtr="0">
             <a:noAutofit/>
           </a:bodyPr>
+          <a:lstStyle/>
           <a:p>
             <a:pPr>
               <a:spcBef>
@@ -21729,6 +22935,467 @@
               </a:solidFill>
               <a:latin typeface="+mn-ea"/>
               <a:cs typeface="+mn-ea"/>
+            </a:endParaRPr>
+          </a:p>
+        </p:txBody>
+      </p:sp>
+      <p:sp>
+        <p:nvSpPr>
+          <p:cNvPr id="23" name="椭圆 22"/>
+          <p:cNvSpPr/>
+          <p:nvPr/>
+        </p:nvSpPr>
+        <p:spPr>
+          <a:xfrm>
+            <a:off x="9267824" y="552451"/>
+            <a:ext cx="361950" cy="361950"/>
+          </a:xfrm>
+          <a:prstGeom prst="ellipse">
+            <a:avLst/>
+          </a:prstGeom>
+          <a:noFill/>
+          <a:ln w="28575" cap="flat" cmpd="sng" algn="ctr">
+            <a:solidFill>
+              <a:srgbClr val="2E75B6"/>
+            </a:solidFill>
+            <a:prstDash val="solid"/>
+            <a:round/>
+            <a:headEnd type="none" w="med" len="med"/>
+            <a:tailEnd type="none" w="med" len="med"/>
+          </a:ln>
+        </p:spPr>
+        <p:style>
+          <a:lnRef idx="0">
+            <a:scrgbClr r="0" g="0" b="0"/>
+          </a:lnRef>
+          <a:fillRef idx="0">
+            <a:scrgbClr r="0" g="0" b="0"/>
+          </a:fillRef>
+          <a:effectRef idx="0">
+            <a:scrgbClr r="0" g="0" b="0"/>
+          </a:effectRef>
+          <a:fontRef idx="minor">
+            <a:schemeClr val="accent1"/>
+          </a:fontRef>
+        </p:style>
+        <p:txBody>
+          <a:bodyPr rtlCol="0" anchor="ctr"/>
+          <a:lstStyle/>
+          <a:p>
+            <a:pPr marL="0" marR="0" lvl="0" indent="0" algn="ctr" defTabSz="914400" rtl="0" eaLnBrk="1" fontAlgn="auto" latinLnBrk="0" hangingPunct="1">
+              <a:lnSpc>
+                <a:spcPct val="100000"/>
+              </a:lnSpc>
+              <a:spcBef>
+                <a:spcPts val="0"/>
+              </a:spcBef>
+              <a:spcAft>
+                <a:spcPts val="0"/>
+              </a:spcAft>
+              <a:buClrTx/>
+              <a:buSzTx/>
+              <a:buFontTx/>
+              <a:buNone/>
+              <a:defRPr/>
+            </a:pPr>
+            <a:endParaRPr kumimoji="0" lang="zh-CN" altLang="en-US" sz="1800" b="0" i="0" u="none" strike="noStrike" kern="1200" cap="none" spc="0" normalizeH="0" baseline="0" noProof="0">
+              <a:ln>
+                <a:noFill/>
+              </a:ln>
+              <a:solidFill>
+                <a:srgbClr val="4472C4"/>
+              </a:solidFill>
+              <a:effectLst/>
+              <a:uLnTx/>
+              <a:uFillTx/>
+              <a:latin typeface="+mj-lt"/>
+              <a:ea typeface="微软雅黑" panose="020B0503020204020204" pitchFamily="34" charset="-122"/>
+              <a:cs typeface="+mn-cs"/>
+            </a:endParaRPr>
+          </a:p>
+        </p:txBody>
+      </p:sp>
+      <p:sp>
+        <p:nvSpPr>
+          <p:cNvPr id="28" name="椭圆 27"/>
+          <p:cNvSpPr/>
+          <p:nvPr/>
+        </p:nvSpPr>
+        <p:spPr>
+          <a:xfrm>
+            <a:off x="9741693" y="552451"/>
+            <a:ext cx="361950" cy="361950"/>
+          </a:xfrm>
+          <a:prstGeom prst="ellipse">
+            <a:avLst/>
+          </a:prstGeom>
+          <a:noFill/>
+          <a:ln w="28575" cap="flat" cmpd="sng" algn="ctr">
+            <a:solidFill>
+              <a:srgbClr val="2E75B6"/>
+            </a:solidFill>
+            <a:prstDash val="solid"/>
+            <a:round/>
+            <a:headEnd type="none" w="med" len="med"/>
+            <a:tailEnd type="none" w="med" len="med"/>
+          </a:ln>
+        </p:spPr>
+        <p:style>
+          <a:lnRef idx="0">
+            <a:scrgbClr r="0" g="0" b="0"/>
+          </a:lnRef>
+          <a:fillRef idx="0">
+            <a:scrgbClr r="0" g="0" b="0"/>
+          </a:fillRef>
+          <a:effectRef idx="0">
+            <a:scrgbClr r="0" g="0" b="0"/>
+          </a:effectRef>
+          <a:fontRef idx="minor">
+            <a:schemeClr val="accent1"/>
+          </a:fontRef>
+        </p:style>
+        <p:txBody>
+          <a:bodyPr rtlCol="0" anchor="ctr"/>
+          <a:lstStyle/>
+          <a:p>
+            <a:pPr marL="0" marR="0" lvl="0" indent="0" algn="ctr" defTabSz="914400" rtl="0" eaLnBrk="1" fontAlgn="auto" latinLnBrk="0" hangingPunct="1">
+              <a:lnSpc>
+                <a:spcPct val="100000"/>
+              </a:lnSpc>
+              <a:spcBef>
+                <a:spcPts val="0"/>
+              </a:spcBef>
+              <a:spcAft>
+                <a:spcPts val="0"/>
+              </a:spcAft>
+              <a:buClrTx/>
+              <a:buSzTx/>
+              <a:buFontTx/>
+              <a:buNone/>
+              <a:defRPr/>
+            </a:pPr>
+            <a:endParaRPr kumimoji="0" lang="zh-CN" altLang="en-US" sz="1800" b="0" i="0" u="none" strike="noStrike" kern="1200" cap="none" spc="0" normalizeH="0" baseline="0" noProof="0">
+              <a:ln>
+                <a:noFill/>
+              </a:ln>
+              <a:solidFill>
+                <a:srgbClr val="4472C4"/>
+              </a:solidFill>
+              <a:effectLst/>
+              <a:uLnTx/>
+              <a:uFillTx/>
+              <a:latin typeface="+mj-lt"/>
+              <a:ea typeface="微软雅黑" panose="020B0503020204020204" pitchFamily="34" charset="-122"/>
+              <a:cs typeface="+mn-cs"/>
+            </a:endParaRPr>
+          </a:p>
+        </p:txBody>
+      </p:sp>
+      <p:sp>
+        <p:nvSpPr>
+          <p:cNvPr id="29" name="椭圆 28"/>
+          <p:cNvSpPr/>
+          <p:nvPr/>
+        </p:nvSpPr>
+        <p:spPr>
+          <a:xfrm>
+            <a:off x="10215562" y="552451"/>
+            <a:ext cx="361950" cy="361950"/>
+          </a:xfrm>
+          <a:prstGeom prst="ellipse">
+            <a:avLst/>
+          </a:prstGeom>
+          <a:noFill/>
+          <a:ln w="28575" cap="flat" cmpd="sng" algn="ctr">
+            <a:solidFill>
+              <a:srgbClr val="2E75B6"/>
+            </a:solidFill>
+            <a:prstDash val="solid"/>
+            <a:round/>
+            <a:headEnd type="none" w="med" len="med"/>
+            <a:tailEnd type="none" w="med" len="med"/>
+          </a:ln>
+        </p:spPr>
+        <p:style>
+          <a:lnRef idx="0">
+            <a:scrgbClr r="0" g="0" b="0"/>
+          </a:lnRef>
+          <a:fillRef idx="0">
+            <a:scrgbClr r="0" g="0" b="0"/>
+          </a:fillRef>
+          <a:effectRef idx="0">
+            <a:scrgbClr r="0" g="0" b="0"/>
+          </a:effectRef>
+          <a:fontRef idx="minor">
+            <a:schemeClr val="accent1"/>
+          </a:fontRef>
+        </p:style>
+        <p:txBody>
+          <a:bodyPr rtlCol="0" anchor="ctr"/>
+          <a:lstStyle/>
+          <a:p>
+            <a:pPr marL="0" marR="0" lvl="0" indent="0" algn="ctr" defTabSz="914400" rtl="0" eaLnBrk="1" fontAlgn="auto" latinLnBrk="0" hangingPunct="1">
+              <a:lnSpc>
+                <a:spcPct val="100000"/>
+              </a:lnSpc>
+              <a:spcBef>
+                <a:spcPts val="0"/>
+              </a:spcBef>
+              <a:spcAft>
+                <a:spcPts val="0"/>
+              </a:spcAft>
+              <a:buClrTx/>
+              <a:buSzTx/>
+              <a:buFontTx/>
+              <a:buNone/>
+              <a:defRPr/>
+            </a:pPr>
+            <a:endParaRPr kumimoji="0" lang="zh-CN" altLang="en-US" sz="1800" b="0" i="0" u="none" strike="noStrike" kern="1200" cap="none" spc="0" normalizeH="0" baseline="0" noProof="0">
+              <a:ln>
+                <a:noFill/>
+              </a:ln>
+              <a:solidFill>
+                <a:srgbClr val="4472C4"/>
+              </a:solidFill>
+              <a:effectLst/>
+              <a:uLnTx/>
+              <a:uFillTx/>
+              <a:latin typeface="+mj-lt"/>
+              <a:ea typeface="微软雅黑" panose="020B0503020204020204" pitchFamily="34" charset="-122"/>
+              <a:cs typeface="+mn-cs"/>
+            </a:endParaRPr>
+          </a:p>
+        </p:txBody>
+      </p:sp>
+      <p:sp>
+        <p:nvSpPr>
+          <p:cNvPr id="30" name="椭圆 29"/>
+          <p:cNvSpPr/>
+          <p:nvPr/>
+        </p:nvSpPr>
+        <p:spPr>
+          <a:xfrm>
+            <a:off x="8793956" y="552451"/>
+            <a:ext cx="361950" cy="361950"/>
+          </a:xfrm>
+          <a:prstGeom prst="ellipse">
+            <a:avLst/>
+          </a:prstGeom>
+          <a:noFill/>
+          <a:ln w="28575" cap="flat" cmpd="sng" algn="ctr">
+            <a:solidFill>
+              <a:srgbClr val="2E75B6"/>
+            </a:solidFill>
+            <a:prstDash val="solid"/>
+            <a:round/>
+            <a:headEnd type="none" w="med" len="med"/>
+            <a:tailEnd type="none" w="med" len="med"/>
+          </a:ln>
+        </p:spPr>
+        <p:style>
+          <a:lnRef idx="0">
+            <a:scrgbClr r="0" g="0" b="0"/>
+          </a:lnRef>
+          <a:fillRef idx="0">
+            <a:scrgbClr r="0" g="0" b="0"/>
+          </a:fillRef>
+          <a:effectRef idx="0">
+            <a:scrgbClr r="0" g="0" b="0"/>
+          </a:effectRef>
+          <a:fontRef idx="minor">
+            <a:schemeClr val="accent1"/>
+          </a:fontRef>
+        </p:style>
+        <p:txBody>
+          <a:bodyPr rtlCol="0" anchor="ctr"/>
+          <a:lstStyle/>
+          <a:p>
+            <a:pPr marL="0" marR="0" lvl="0" indent="0" algn="ctr" defTabSz="914400" rtl="0" eaLnBrk="1" fontAlgn="auto" latinLnBrk="0" hangingPunct="1">
+              <a:lnSpc>
+                <a:spcPct val="100000"/>
+              </a:lnSpc>
+              <a:spcBef>
+                <a:spcPts val="0"/>
+              </a:spcBef>
+              <a:spcAft>
+                <a:spcPts val="0"/>
+              </a:spcAft>
+              <a:buClrTx/>
+              <a:buSzTx/>
+              <a:buFontTx/>
+              <a:buNone/>
+              <a:defRPr/>
+            </a:pPr>
+            <a:endParaRPr kumimoji="0" lang="zh-CN" altLang="en-US" sz="1800" b="0" i="0" u="none" strike="noStrike" kern="1200" cap="none" spc="0" normalizeH="0" baseline="0" noProof="0">
+              <a:ln>
+                <a:noFill/>
+              </a:ln>
+              <a:solidFill>
+                <a:srgbClr val="4472C4"/>
+              </a:solidFill>
+              <a:effectLst/>
+              <a:uLnTx/>
+              <a:uFillTx/>
+              <a:latin typeface="+mj-lt"/>
+              <a:ea typeface="微软雅黑" panose="020B0503020204020204" pitchFamily="34" charset="-122"/>
+              <a:cs typeface="+mn-cs"/>
+            </a:endParaRPr>
+          </a:p>
+        </p:txBody>
+      </p:sp>
+      <p:sp>
+        <p:nvSpPr>
+          <p:cNvPr id="31" name="椭圆 30"/>
+          <p:cNvSpPr/>
+          <p:nvPr/>
+        </p:nvSpPr>
+        <p:spPr>
+          <a:xfrm>
+            <a:off x="11163299" y="552451"/>
+            <a:ext cx="361950" cy="361950"/>
+          </a:xfrm>
+          <a:prstGeom prst="ellipse">
+            <a:avLst/>
+          </a:prstGeom>
+          <a:noFill/>
+          <a:ln w="28575" cap="flat" cmpd="sng" algn="ctr">
+            <a:solidFill>
+              <a:srgbClr val="2E75B6"/>
+            </a:solidFill>
+            <a:prstDash val="solid"/>
+            <a:round/>
+            <a:headEnd type="none" w="med" len="med"/>
+            <a:tailEnd type="none" w="med" len="med"/>
+          </a:ln>
+        </p:spPr>
+        <p:style>
+          <a:lnRef idx="0">
+            <a:scrgbClr r="0" g="0" b="0"/>
+          </a:lnRef>
+          <a:fillRef idx="0">
+            <a:scrgbClr r="0" g="0" b="0"/>
+          </a:fillRef>
+          <a:effectRef idx="0">
+            <a:scrgbClr r="0" g="0" b="0"/>
+          </a:effectRef>
+          <a:fontRef idx="minor">
+            <a:schemeClr val="accent1"/>
+          </a:fontRef>
+        </p:style>
+        <p:txBody>
+          <a:bodyPr rtlCol="0" anchor="ctr"/>
+          <a:lstStyle/>
+          <a:p>
+            <a:pPr marL="0" marR="0" lvl="0" indent="0" algn="ctr" defTabSz="914400" rtl="0" eaLnBrk="1" fontAlgn="auto" latinLnBrk="0" hangingPunct="1">
+              <a:lnSpc>
+                <a:spcPct val="100000"/>
+              </a:lnSpc>
+              <a:spcBef>
+                <a:spcPts val="0"/>
+              </a:spcBef>
+              <a:spcAft>
+                <a:spcPts val="0"/>
+              </a:spcAft>
+              <a:buClrTx/>
+              <a:buSzTx/>
+              <a:buFontTx/>
+              <a:buNone/>
+              <a:defRPr/>
+            </a:pPr>
+            <a:endParaRPr kumimoji="0" lang="zh-CN" altLang="en-US" sz="1800" b="0" i="0" u="none" strike="noStrike" kern="1200" cap="none" spc="0" normalizeH="0" baseline="0" noProof="0">
+              <a:ln>
+                <a:noFill/>
+              </a:ln>
+              <a:solidFill>
+                <a:srgbClr val="4472C4"/>
+              </a:solidFill>
+              <a:effectLst/>
+              <a:uLnTx/>
+              <a:uFillTx/>
+              <a:latin typeface="+mj-lt"/>
+              <a:ea typeface="微软雅黑" panose="020B0503020204020204" pitchFamily="34" charset="-122"/>
+              <a:cs typeface="+mn-cs"/>
+            </a:endParaRPr>
+          </a:p>
+        </p:txBody>
+      </p:sp>
+      <p:sp>
+        <p:nvSpPr>
+          <p:cNvPr id="32" name="椭圆 31"/>
+          <p:cNvSpPr/>
+          <p:nvPr/>
+        </p:nvSpPr>
+        <p:spPr>
+          <a:xfrm>
+            <a:off x="10699590" y="552451"/>
+            <a:ext cx="361950" cy="361950"/>
+          </a:xfrm>
+          <a:prstGeom prst="ellipse">
+            <a:avLst/>
+          </a:prstGeom>
+          <a:solidFill>
+            <a:schemeClr val="accent1">
+              <a:lumMod val="40000"/>
+              <a:lumOff val="60000"/>
+            </a:schemeClr>
+          </a:solidFill>
+          <a:ln w="28575" cap="flat" cmpd="sng" algn="ctr">
+            <a:solidFill>
+              <a:srgbClr val="2E75B6"/>
+            </a:solidFill>
+            <a:prstDash val="solid"/>
+            <a:round/>
+            <a:headEnd type="none" w="med" len="med"/>
+            <a:tailEnd type="none" w="med" len="med"/>
+          </a:ln>
+        </p:spPr>
+        <p:style>
+          <a:lnRef idx="0">
+            <a:scrgbClr r="0" g="0" b="0"/>
+          </a:lnRef>
+          <a:fillRef idx="0">
+            <a:scrgbClr r="0" g="0" b="0"/>
+          </a:fillRef>
+          <a:effectRef idx="0">
+            <a:scrgbClr r="0" g="0" b="0"/>
+          </a:effectRef>
+          <a:fontRef idx="minor">
+            <a:schemeClr val="accent1"/>
+          </a:fontRef>
+        </p:style>
+        <p:txBody>
+          <a:bodyPr rtlCol="0" anchor="ctr"/>
+          <a:lstStyle/>
+          <a:p>
+            <a:pPr marL="0" marR="0" lvl="0" indent="0" algn="ctr" defTabSz="914400" rtl="0" eaLnBrk="1" fontAlgn="auto" latinLnBrk="0" hangingPunct="1">
+              <a:lnSpc>
+                <a:spcPct val="100000"/>
+              </a:lnSpc>
+              <a:spcBef>
+                <a:spcPts val="0"/>
+              </a:spcBef>
+              <a:spcAft>
+                <a:spcPts val="0"/>
+              </a:spcAft>
+              <a:buClrTx/>
+              <a:buSzTx/>
+              <a:buFontTx/>
+              <a:buNone/>
+              <a:defRPr/>
+            </a:pPr>
+            <a:endParaRPr kumimoji="0" lang="zh-CN" altLang="en-US" sz="1800" b="0" i="0" u="none" strike="noStrike" kern="1200" cap="none" spc="0" normalizeH="0" baseline="0" noProof="0">
+              <a:ln>
+                <a:noFill/>
+              </a:ln>
+              <a:solidFill>
+                <a:srgbClr val="4472C4"/>
+              </a:solidFill>
+              <a:effectLst/>
+              <a:uLnTx/>
+              <a:uFillTx/>
+              <a:latin typeface="+mj-lt"/>
+              <a:ea typeface="微软雅黑" panose="020B0503020204020204" pitchFamily="34" charset="-122"/>
+              <a:cs typeface="+mn-cs"/>
             </a:endParaRPr>
           </a:p>
         </p:txBody>
@@ -21744,7 +23411,7 @@
 </p:sld>
 </file>
 
-<file path=ppt/slides/slide17.xml><?xml version="1.0" encoding="utf-8"?>
+<file path=ppt/slides/slide18.xml><?xml version="1.0" encoding="utf-8"?>
 <p:sld xmlns:a="http://schemas.openxmlformats.org/drawingml/2006/main" xmlns:r="http://schemas.openxmlformats.org/officeDocument/2006/relationships" xmlns:p="http://schemas.openxmlformats.org/presentationml/2006/main">
   <p:cSld>
     <p:spTree>
@@ -21870,7 +23537,7 @@
         <p:spPr>
           <a:xfrm>
             <a:off x="4427527" y="2907122"/>
-            <a:ext cx="7764473" cy="825419"/>
+            <a:ext cx="7764473" cy="922020"/>
           </a:xfrm>
           <a:prstGeom prst="rect">
             <a:avLst/>
@@ -21900,7 +23567,7 @@
               <a:defRPr/>
             </a:pPr>
             <a:r>
-              <a:rPr kumimoji="0" lang="en-US" altLang="zh-CN" sz="3600" b="1" i="0" u="none" strike="noStrike" kern="1200" cap="none" spc="0" normalizeH="0" baseline="0" noProof="0" dirty="0">
+              <a:rPr kumimoji="0" lang="zh-CN" altLang="en-US" sz="3600" b="1" i="0" u="none" strike="noStrike" kern="1200" cap="none" spc="0" normalizeH="0" baseline="0" noProof="0" dirty="0">
                 <a:ln>
                   <a:noFill/>
                 </a:ln>
@@ -21914,9 +23581,9 @@
                 <a:ea typeface="微软雅黑" panose="020B0503020204020204" pitchFamily="34" charset="-122"/>
                 <a:cs typeface="+mn-cs"/>
               </a:rPr>
-              <a:t>Technology Stack</a:t>
-            </a:r>
-            <a:endParaRPr kumimoji="0" lang="en-US" altLang="zh-CN" sz="3600" b="1" i="0" u="none" strike="noStrike" kern="1200" cap="none" spc="0" normalizeH="0" baseline="0" noProof="0" dirty="0">
+              <a:t>技术栈</a:t>
+            </a:r>
+            <a:endParaRPr kumimoji="0" lang="zh-CN" altLang="en-US" sz="3600" b="1" i="0" u="none" strike="noStrike" kern="1200" cap="none" spc="0" normalizeH="0" baseline="0" noProof="0" dirty="0">
               <a:ln>
                 <a:noFill/>
               </a:ln>
@@ -21941,7 +23608,7 @@
 </p:sld>
 </file>
 
-<file path=ppt/slides/slide18.xml><?xml version="1.0" encoding="utf-8"?>
+<file path=ppt/slides/slide19.xml><?xml version="1.0" encoding="utf-8"?>
 <p:sld xmlns:a="http://schemas.openxmlformats.org/drawingml/2006/main" xmlns:r="http://schemas.openxmlformats.org/officeDocument/2006/relationships" xmlns:p="http://schemas.openxmlformats.org/presentationml/2006/main">
   <p:cSld>
     <p:spTree>
@@ -22576,7 +24243,7 @@
                 <a:latin typeface="Arial" panose="020B0604020202020204" pitchFamily="34" charset="0"/>
                 <a:cs typeface="Arial" panose="020B0604020202020204" pitchFamily="34" charset="0"/>
               </a:rPr>
-              <a:t>Java is a powerful, platform-independent programming language, and Maven is a build automation tool that simplifies dependency management and project configuration for Java applications.</a:t>
+              <a:t>Java是一种功能强大、跨平台的编程语言，而Maven是一种构建自动化工具，它简化了Java应用程序的依赖管理和项目配置。</a:t>
             </a:r>
             <a:endParaRPr lang="en-US" altLang="zh-CN" sz="1100" dirty="0">
               <a:solidFill>
@@ -22655,7 +24322,7 @@
       </p:sp>
       <p:pic>
         <p:nvPicPr>
-          <p:cNvPr id="31" name="图片 30" descr="G:/university/前端/下载 (1).jpg下载 (1)"/>
+          <p:cNvPr id="35" name="图片 34" descr="G:/university/前端/下载 (5).png下载 (5)"/>
           <p:cNvPicPr>
             <a:picLocks noChangeAspect="1"/>
           </p:cNvPicPr>
@@ -22663,56 +24330,6 @@
         </p:nvPicPr>
         <p:blipFill>
           <a:blip r:embed="rId2"/>
-          <a:srcRect t="22" b="22"/>
-          <a:stretch>
-            <a:fillRect/>
-          </a:stretch>
-        </p:blipFill>
-        <p:spPr>
-          <a:xfrm>
-            <a:off x="6327636" y="4386436"/>
-            <a:ext cx="797905" cy="797905"/>
-          </a:xfrm>
-          <a:prstGeom prst="rect">
-            <a:avLst/>
-          </a:prstGeom>
-        </p:spPr>
-      </p:pic>
-      <p:pic>
-        <p:nvPicPr>
-          <p:cNvPr id="33" name="图片 32" descr="G:/university/前端/下载.png下载"/>
-          <p:cNvPicPr>
-            <a:picLocks noChangeAspect="1"/>
-          </p:cNvPicPr>
-          <p:nvPr/>
-        </p:nvPicPr>
-        <p:blipFill>
-          <a:blip r:embed="rId3"/>
-          <a:srcRect l="6667" r="6667"/>
-          <a:stretch>
-            <a:fillRect/>
-          </a:stretch>
-        </p:blipFill>
-        <p:spPr>
-          <a:xfrm>
-            <a:off x="6330533" y="1620192"/>
-            <a:ext cx="797905" cy="797905"/>
-          </a:xfrm>
-          <a:prstGeom prst="rect">
-            <a:avLst/>
-          </a:prstGeom>
-        </p:spPr>
-      </p:pic>
-      <p:pic>
-        <p:nvPicPr>
-          <p:cNvPr id="35" name="图片 34" descr="G:/university/前端/下载 (5).png下载 (5)"/>
-          <p:cNvPicPr>
-            <a:picLocks noChangeAspect="1"/>
-          </p:cNvPicPr>
-          <p:nvPr/>
-        </p:nvPicPr>
-        <p:blipFill>
-          <a:blip r:embed="rId4"/>
           <a:srcRect t="22" b="22"/>
           <a:stretch>
             <a:fillRect/>
@@ -22737,7 +24354,7 @@
           <p:nvPr/>
         </p:nvPicPr>
         <p:blipFill rotWithShape="1">
-          <a:blip r:embed="rId5"/>
+          <a:blip r:embed="rId3"/>
           <a:srcRect l="16884" r="16884"/>
           <a:stretch>
             <a:fillRect/>
@@ -22762,7 +24379,7 @@
           <p:nvPr/>
         </p:nvPicPr>
         <p:blipFill>
-          <a:blip r:embed="rId6"/>
+          <a:blip r:embed="rId4"/>
           <a:srcRect t="29270" b="29270"/>
           <a:stretch>
             <a:fillRect/>
@@ -22787,7 +24404,7 @@
           <p:nvPr/>
         </p:nvPicPr>
         <p:blipFill>
-          <a:blip r:embed="rId7"/>
+          <a:blip r:embed="rId5"/>
           <a:srcRect l="5882" r="5882"/>
           <a:stretch>
             <a:fillRect/>
@@ -22805,15 +24422,15 @@
       </p:pic>
       <p:pic>
         <p:nvPicPr>
-          <p:cNvPr id="43" name="图片 42" descr="G:/university/前端/下载.jpg下载"/>
+          <p:cNvPr id="43" name="图片 42" descr="G:/university/前端/下载 (6).png下载 (6)"/>
           <p:cNvPicPr>
             <a:picLocks noChangeAspect="1"/>
           </p:cNvPicPr>
           <p:nvPr/>
         </p:nvPicPr>
         <p:blipFill>
-          <a:blip r:embed="rId8"/>
-          <a:srcRect t="140" b="140"/>
+          <a:blip r:embed="rId6"/>
+          <a:srcRect l="23250" r="23250"/>
           <a:stretch>
             <a:fillRect/>
           </a:stretch>
@@ -22890,7 +24507,7 @@
                 <a:latin typeface="Arial" panose="020B0604020202020204" pitchFamily="34" charset="0"/>
                 <a:cs typeface="Arial" panose="020B0604020202020204" pitchFamily="34" charset="0"/>
               </a:rPr>
-              <a:t>Spring Boot simplifies Java application development with embedded servers and auto-configuration, while Spring Cloud provides tools for building and managing microservices architectures.</a:t>
+              <a:t>Spring Cloud Alibaba 是一个基于 Spring Cloud 的解决方案，为分布式应用程序提供了一系列阿里巴巴生态系统的工具和服务集成，如 Nacos、Dubbo 和 RocketMQ，简化了微服务的开发与管理。</a:t>
             </a:r>
             <a:endParaRPr lang="en-US" altLang="zh-CN" sz="1200">
               <a:solidFill>
@@ -22954,7 +24571,18 @@
                 </a:solidFill>
                 <a:latin typeface="+mj-lt"/>
               </a:rPr>
-              <a:t>Spring Boot&amp;Spring Cloud</a:t>
+              <a:t>Spring Cloud A</a:t>
+            </a:r>
+            <a:r>
+              <a:rPr lang="en-US" altLang="zh-CN" sz="1400" b="1" dirty="0">
+                <a:solidFill>
+                  <a:schemeClr val="lt1">
+                    <a:lumMod val="100000"/>
+                  </a:schemeClr>
+                </a:solidFill>
+                <a:latin typeface="+mj-lt"/>
+              </a:rPr>
+              <a:t>libaba</a:t>
             </a:r>
             <a:endParaRPr lang="en-US" altLang="zh-CN" sz="1400" b="1" dirty="0">
               <a:solidFill>
@@ -23029,7 +24657,7 @@
                 <a:latin typeface="Arial" panose="020B0604020202020204" pitchFamily="34" charset="0"/>
                 <a:cs typeface="Arial" panose="020B0604020202020204" pitchFamily="34" charset="0"/>
               </a:rPr>
-              <a:t>IntelliJ IDEA is a powerful, feature-rich integrated development environment (IDE) for Java and other languages, known for its intelligent code assistance and developer productivity tools.</a:t>
+              <a:t>Nacos 是阿里巴巴开源的一个服务注册与发现、配置管理和动态 DNS 的平台，专为构建现代微服务架构设计，能够帮助开发者轻松实现服务的动态管理与配置。</a:t>
             </a:r>
             <a:endParaRPr lang="en-US" altLang="zh-CN" sz="1100">
               <a:solidFill>
@@ -23093,7 +24721,7 @@
                 </a:solidFill>
                 <a:latin typeface="+mj-lt"/>
               </a:rPr>
-              <a:t>IntelliJ IDEA</a:t>
+              <a:t> Nacos</a:t>
             </a:r>
             <a:endParaRPr lang="en-US" altLang="zh-CN" sz="1400" b="1" dirty="0">
               <a:solidFill>
@@ -23168,7 +24796,7 @@
                 <a:latin typeface="Arial" panose="020B0604020202020204" pitchFamily="34" charset="0"/>
                 <a:cs typeface="Arial" panose="020B0604020202020204" pitchFamily="34" charset="0"/>
               </a:rPr>
-              <a:t>MySQL is a popular open-source relational database management system known for its reliability, scalability, and support for structured data with SQL queries.</a:t>
+              <a:t>MySQL 是一种流行的开源关系型数据库管理系统，以其可靠性、可扩展性以及对使用 SQL 查询处理结构化数据的支持而闻名。</a:t>
             </a:r>
             <a:endParaRPr lang="en-US" altLang="zh-CN" sz="1200">
               <a:solidFill>
@@ -23307,7 +24935,7 @@
                 <a:latin typeface="Arial" panose="020B0604020202020204" pitchFamily="34" charset="0"/>
                 <a:cs typeface="Arial" panose="020B0604020202020204" pitchFamily="34" charset="0"/>
               </a:rPr>
-              <a:t>Vue is a progressive JavaScript framework used for building user interfaces, focusing on flexibility, ease of integration, and reactive data binding.</a:t>
+              <a:t>Feign 是一个用于简化服务间通信的声明式HTTP客户端库。</a:t>
             </a:r>
             <a:endParaRPr lang="en-US" altLang="zh-CN" sz="1400">
               <a:solidFill>
@@ -23371,7 +24999,7 @@
                 </a:solidFill>
                 <a:latin typeface="+mj-lt"/>
               </a:rPr>
-              <a:t>Vue</a:t>
+              <a:t> Feign</a:t>
             </a:r>
             <a:endParaRPr lang="en-US" altLang="zh-CN" sz="1400" b="1" dirty="0">
               <a:solidFill>
@@ -23446,7 +25074,7 @@
                 <a:latin typeface="Arial" panose="020B0604020202020204" pitchFamily="34" charset="0"/>
                 <a:cs typeface="Arial" panose="020B0604020202020204" pitchFamily="34" charset="0"/>
               </a:rPr>
-              <a:t>Redis is an in-memory data structure store used for caching, real-time analytics, and high-performance data storage, supporting operations like key-value storage, pub/sub messaging, and more.</a:t>
+              <a:t>Redis 是一种内存数据结构存储，用于缓存、实时分析和高性能数据存储，支持键值存储、发布/订阅消息传递等操作。</a:t>
             </a:r>
             <a:endParaRPr lang="en-US" altLang="zh-CN" sz="1100">
               <a:solidFill>
@@ -23585,7 +25213,7 @@
                 <a:latin typeface="Arial" panose="020B0604020202020204" pitchFamily="34" charset="0"/>
                 <a:cs typeface="Arial" panose="020B0604020202020204" pitchFamily="34" charset="0"/>
               </a:rPr>
-              <a:t>Visual Studio Code is a lightweight, versatile code editor with support for multiple programming languages, offering features like debugging, version control, and extensions for enhanced development productivity.</a:t>
+              <a:t>Gateway 是一个微服务架构中的 API 网关，负责请求路由、负载均衡、鉴权和限流等功能，它充当了客户端与后端服务之间的入口，简化了流量管理并增强了系统的安全性和可靠性。</a:t>
             </a:r>
             <a:endParaRPr lang="en-US" altLang="zh-CN" sz="1100">
               <a:solidFill>
@@ -23649,7 +25277,7 @@
                 </a:solidFill>
                 <a:latin typeface="+mj-lt"/>
               </a:rPr>
-              <a:t>Visual Studio Code</a:t>
+              <a:t> Gateway</a:t>
             </a:r>
             <a:endParaRPr lang="en-US" altLang="zh-CN" sz="1400" b="1" dirty="0">
               <a:solidFill>
@@ -23724,7 +25352,7 @@
                 <a:latin typeface="Arial" panose="020B0604020202020204" pitchFamily="34" charset="0"/>
                 <a:cs typeface="Arial" panose="020B0604020202020204" pitchFamily="34" charset="0"/>
               </a:rPr>
-              <a:t>Docker is a platform that enables developers to automate the deployment and management of applications within lightweight, portable containers, ensuring consistency across different environments.</a:t>
+              <a:t>Docker 是一个平台，它使开发人员能够在轻量级、可移植的容器中自动化部署和管理应用程序，确保在不同环境中的一致性。</a:t>
             </a:r>
             <a:endParaRPr lang="en-US" altLang="zh-CN" sz="1100">
               <a:solidFill>
@@ -23810,7 +25438,7 @@
           <p:nvPr/>
         </p:nvPicPr>
         <p:blipFill>
-          <a:blip r:embed="rId9"/>
+          <a:blip r:embed="rId7"/>
           <a:srcRect l="22013" r="22013"/>
           <a:stretch>
             <a:fillRect/>
@@ -23826,229 +25454,56 @@
           </a:prstGeom>
         </p:spPr>
       </p:pic>
-    </p:spTree>
-  </p:cSld>
-  <p:clrMapOvr>
-    <a:masterClrMapping/>
-  </p:clrMapOvr>
-</p:sld>
-</file>
-
-<file path=ppt/slides/slide19.xml><?xml version="1.0" encoding="utf-8"?>
-<p:sld xmlns:a="http://schemas.openxmlformats.org/drawingml/2006/main" xmlns:r="http://schemas.openxmlformats.org/officeDocument/2006/relationships" xmlns:p="http://schemas.openxmlformats.org/presentationml/2006/main">
-  <p:cSld>
-    <p:spTree>
-      <p:nvGrpSpPr>
-        <p:cNvPr id="1" name=""/>
-        <p:cNvGrpSpPr/>
-        <p:nvPr/>
-      </p:nvGrpSpPr>
-      <p:grpSpPr>
-        <a:xfrm>
-          <a:off x="0" y="0"/>
-          <a:ext cx="0" cy="0"/>
-          <a:chOff x="0" y="0"/>
-          <a:chExt cx="0" cy="0"/>
-        </a:xfrm>
-      </p:grpSpPr>
-      <p:sp>
-        <p:nvSpPr>
-          <p:cNvPr id="10" name="文本框 9"/>
-          <p:cNvSpPr txBox="1"/>
-          <p:nvPr/>
-        </p:nvSpPr>
-        <p:spPr>
-          <a:xfrm>
-            <a:off x="1143001" y="2644169"/>
-            <a:ext cx="2035548" cy="1569660"/>
-          </a:xfrm>
-          <a:prstGeom prst="rect">
-            <a:avLst/>
-          </a:prstGeom>
-          <a:noFill/>
-        </p:spPr>
-        <p:txBody>
-          <a:bodyPr wrap="square" rtlCol="0">
-            <a:spAutoFit/>
-          </a:bodyPr>
-          <a:lstStyle/>
-          <a:p>
-            <a:pPr marL="0" marR="0" lvl="0" indent="0" algn="r" defTabSz="914400" rtl="0" eaLnBrk="1" fontAlgn="auto" latinLnBrk="0" hangingPunct="1">
-              <a:lnSpc>
-                <a:spcPct val="100000"/>
-              </a:lnSpc>
-              <a:spcBef>
-                <a:spcPts val="0"/>
-              </a:spcBef>
-              <a:spcAft>
-                <a:spcPts val="0"/>
-              </a:spcAft>
-              <a:buClrTx/>
-              <a:buSzTx/>
-              <a:buFontTx/>
-              <a:buNone/>
-              <a:defRPr/>
-            </a:pPr>
-            <a:r>
-              <a:rPr kumimoji="0" lang="en-US" altLang="zh-CN" sz="9600" b="1" i="0" u="none" strike="noStrike" kern="1200" cap="none" spc="0" normalizeH="0" baseline="0" noProof="0" dirty="0">
-                <a:ln>
-                  <a:noFill/>
-                </a:ln>
-                <a:solidFill>
-                  <a:srgbClr val="5B9BD5">
-                    <a:lumMod val="75000"/>
-                  </a:srgbClr>
-                </a:solidFill>
-                <a:effectLst/>
-                <a:uLnTx/>
-                <a:uFillTx/>
-                <a:latin typeface="微软雅黑" panose="020B0503020204020204" pitchFamily="34" charset="-122"/>
-                <a:ea typeface="微软雅黑" panose="020B0503020204020204" pitchFamily="34" charset="-122"/>
-                <a:cs typeface="+mn-cs"/>
-              </a:rPr>
-              <a:t>05</a:t>
-            </a:r>
-            <a:endParaRPr kumimoji="0" lang="zh-CN" altLang="en-US" sz="9600" b="1" i="0" u="none" strike="noStrike" kern="1200" cap="none" spc="0" normalizeH="0" baseline="0" noProof="0" dirty="0">
-              <a:ln>
-                <a:noFill/>
-              </a:ln>
-              <a:solidFill>
-                <a:srgbClr val="5B9BD5">
-                  <a:lumMod val="75000"/>
-                </a:srgbClr>
-              </a:solidFill>
-              <a:effectLst/>
-              <a:uLnTx/>
-              <a:uFillTx/>
-              <a:latin typeface="微软雅黑" panose="020B0503020204020204" pitchFamily="34" charset="-122"/>
-              <a:ea typeface="微软雅黑" panose="020B0503020204020204" pitchFamily="34" charset="-122"/>
-              <a:cs typeface="+mn-cs"/>
-            </a:endParaRPr>
-          </a:p>
-        </p:txBody>
-      </p:sp>
       <p:pic>
         <p:nvPicPr>
-          <p:cNvPr id="11" name="图片 10"/>
+          <p:cNvPr id="2" name="图片 1" descr="G:/university/前端/下载 (1).png下载 (1)"/>
           <p:cNvPicPr>
             <a:picLocks noChangeAspect="1"/>
           </p:cNvPicPr>
           <p:nvPr/>
         </p:nvPicPr>
         <p:blipFill>
-          <a:blip r:embed="rId1"/>
+          <a:blip r:embed="rId5"/>
+          <a:srcRect l="5882" r="5882"/>
           <a:stretch>
             <a:fillRect/>
           </a:stretch>
         </p:blipFill>
         <p:spPr>
           <a:xfrm>
-            <a:off x="3178548" y="2127445"/>
-            <a:ext cx="2992938" cy="2603109"/>
+            <a:off x="6348096" y="4343956"/>
+            <a:ext cx="777028" cy="880140"/>
           </a:xfrm>
           <a:prstGeom prst="rect">
             <a:avLst/>
           </a:prstGeom>
         </p:spPr>
       </p:pic>
-      <p:sp>
-        <p:nvSpPr>
-          <p:cNvPr id="4" name="文本框 3"/>
-          <p:cNvSpPr txBox="1"/>
+      <p:pic>
+        <p:nvPicPr>
+          <p:cNvPr id="5" name="图片 4" descr="G:/university/前端/下载 (1).png下载 (1)"/>
+          <p:cNvPicPr>
+            <a:picLocks noChangeAspect="1"/>
+          </p:cNvPicPr>
           <p:nvPr/>
-        </p:nvSpPr>
+        </p:nvPicPr>
+        <p:blipFill>
+          <a:blip r:embed="rId5"/>
+          <a:srcRect l="5882" r="5882"/>
+          <a:stretch>
+            <a:fillRect/>
+          </a:stretch>
+        </p:blipFill>
         <p:spPr>
           <a:xfrm>
-            <a:off x="4427527" y="2907122"/>
-            <a:ext cx="7764473" cy="1753235"/>
+            <a:off x="6276341" y="1577896"/>
+            <a:ext cx="777028" cy="880140"/>
           </a:xfrm>
           <a:prstGeom prst="rect">
             <a:avLst/>
           </a:prstGeom>
-          <a:noFill/>
         </p:spPr>
-        <p:txBody>
-          <a:bodyPr wrap="square" rtlCol="0">
-            <a:spAutoFit/>
-          </a:bodyPr>
-          <a:lstStyle/>
-          <a:p>
-            <a:pPr marL="0" marR="0" lvl="0" indent="0" algn="l" defTabSz="914400" rtl="0" eaLnBrk="1" fontAlgn="auto" latinLnBrk="0" hangingPunct="1">
-              <a:lnSpc>
-                <a:spcPct val="150000"/>
-              </a:lnSpc>
-              <a:spcBef>
-                <a:spcPts val="0"/>
-              </a:spcBef>
-              <a:spcAft>
-                <a:spcPts val="0"/>
-              </a:spcAft>
-              <a:buClrTx/>
-              <a:buSzTx/>
-              <a:buFontTx/>
-              <a:buNone/>
-              <a:defRPr/>
-            </a:pPr>
-            <a:r>
-              <a:rPr lang="en-US" altLang="zh-CN" sz="3600" b="1" noProof="0" dirty="0">
-                <a:ln>
-                  <a:noFill/>
-                </a:ln>
-                <a:effectLst/>
-                <a:uLnTx/>
-                <a:uFillTx/>
-                <a:latin typeface="微软雅黑" panose="020B0503020204020204" pitchFamily="34" charset="-122"/>
-                <a:ea typeface="微软雅黑" panose="020B0503020204020204" pitchFamily="34" charset="-122"/>
-                <a:sym typeface="+mn-ea"/>
-              </a:rPr>
-              <a:t>Project Schedule</a:t>
-            </a:r>
-            <a:endParaRPr kumimoji="0" lang="en-US" altLang="zh-CN" sz="3600" b="1" i="0" u="none" strike="noStrike" kern="1200" cap="none" spc="0" normalizeH="0" baseline="0" noProof="0" dirty="0">
-              <a:ln>
-                <a:noFill/>
-              </a:ln>
-              <a:effectLst/>
-              <a:uLnTx/>
-              <a:uFillTx/>
-              <a:latin typeface="微软雅黑" panose="020B0503020204020204" pitchFamily="34" charset="-122"/>
-              <a:ea typeface="微软雅黑" panose="020B0503020204020204" pitchFamily="34" charset="-122"/>
-              <a:cs typeface="+mn-cs"/>
-            </a:endParaRPr>
-          </a:p>
-          <a:p>
-            <a:pPr marL="0" marR="0" lvl="0" indent="0" algn="l" defTabSz="914400" rtl="0" eaLnBrk="1" fontAlgn="auto" latinLnBrk="0" hangingPunct="1">
-              <a:lnSpc>
-                <a:spcPct val="150000"/>
-              </a:lnSpc>
-              <a:spcBef>
-                <a:spcPts val="0"/>
-              </a:spcBef>
-              <a:spcAft>
-                <a:spcPts val="0"/>
-              </a:spcAft>
-              <a:buClrTx/>
-              <a:buSzTx/>
-              <a:buFontTx/>
-              <a:buNone/>
-              <a:defRPr/>
-            </a:pPr>
-            <a:endParaRPr kumimoji="0" lang="en-US" altLang="zh-CN" sz="3600" b="1" i="0" u="none" strike="noStrike" kern="1200" cap="none" spc="0" normalizeH="0" baseline="0" noProof="0" dirty="0">
-              <a:ln>
-                <a:noFill/>
-              </a:ln>
-              <a:solidFill>
-                <a:prstClr val="black"/>
-              </a:solidFill>
-              <a:effectLst/>
-              <a:uLnTx/>
-              <a:uFillTx/>
-              <a:latin typeface="微软雅黑" panose="020B0503020204020204" pitchFamily="34" charset="-122"/>
-              <a:ea typeface="微软雅黑" panose="020B0503020204020204" pitchFamily="34" charset="-122"/>
-              <a:cs typeface="+mn-cs"/>
-            </a:endParaRPr>
-          </a:p>
-        </p:txBody>
-      </p:sp>
+      </p:pic>
     </p:spTree>
   </p:cSld>
   <p:clrMapOvr>
@@ -24372,7 +25827,7 @@
                           <a:latin typeface="微软雅黑" panose="020B0503020204020204" pitchFamily="34" charset="-122"/>
                           <a:ea typeface="微软雅黑" panose="020B0503020204020204" pitchFamily="34" charset="-122"/>
                         </a:rPr>
-                        <a:t>Project Coordination, Technical Development</a:t>
+                        <a:t>项目协调，技术开发</a:t>
                       </a:r>
                       <a:endParaRPr lang="en-US" altLang="zh-CN" sz="1900" b="0" spc="130" dirty="0">
                         <a:effectLst/>
@@ -24478,7 +25933,7 @@
                           <a:latin typeface="微软雅黑" panose="020B0503020204020204" pitchFamily="34" charset="-122"/>
                           <a:ea typeface="微软雅黑" panose="020B0503020204020204" pitchFamily="34" charset="-122"/>
                         </a:rPr>
-                        <a:t>Framework Construction, Technical Development</a:t>
+                        <a:t>框架构建，技术开发</a:t>
                       </a:r>
                       <a:endParaRPr lang="en-US" altLang="zh-CN" sz="1900" b="0" spc="130" dirty="0">
                         <a:effectLst/>
@@ -24576,7 +26031,7 @@
                           <a:latin typeface="微软雅黑" panose="020B0503020204020204" pitchFamily="34" charset="-122"/>
                           <a:ea typeface="微软雅黑" panose="020B0503020204020204" pitchFamily="34" charset="-122"/>
                         </a:rPr>
-                        <a:t>Requirements Research, Technical Development</a:t>
+                        <a:t>需求调研，技术开发</a:t>
                       </a:r>
                       <a:endParaRPr lang="en-US" altLang="zh-CN" sz="1900" b="0" spc="130" dirty="0">
                         <a:effectLst/>
@@ -24682,6 +26137,2122 @@
               <a:defRPr/>
             </a:pPr>
             <a:r>
+              <a:rPr kumimoji="0" lang="en-US" altLang="zh-CN" sz="2800" b="1" i="0" u="none" strike="noStrike" kern="1200" cap="none" spc="0" normalizeH="0" baseline="0" noProof="0" dirty="0">
+                <a:ln>
+                  <a:noFill/>
+                </a:ln>
+                <a:solidFill>
+                  <a:prstClr val="black"/>
+                </a:solidFill>
+                <a:effectLst/>
+                <a:uLnTx/>
+                <a:uFillTx/>
+                <a:latin typeface="+mj-lt"/>
+                <a:ea typeface="微软雅黑" panose="020B0503020204020204" pitchFamily="34" charset="-122"/>
+                <a:cs typeface="+mj-cs"/>
+              </a:rPr>
+              <a:t>Technology Stack</a:t>
+            </a:r>
+            <a:endParaRPr kumimoji="0" lang="en-US" altLang="zh-CN" sz="2800" b="1" i="0" u="none" strike="noStrike" kern="1200" cap="none" spc="0" normalizeH="0" baseline="0" noProof="0" dirty="0">
+              <a:ln>
+                <a:noFill/>
+              </a:ln>
+              <a:solidFill>
+                <a:prstClr val="black"/>
+              </a:solidFill>
+              <a:effectLst/>
+              <a:uLnTx/>
+              <a:uFillTx/>
+              <a:latin typeface="+mj-lt"/>
+              <a:ea typeface="微软雅黑" panose="020B0503020204020204" pitchFamily="34" charset="-122"/>
+              <a:cs typeface="+mj-cs"/>
+            </a:endParaRPr>
+          </a:p>
+        </p:txBody>
+      </p:sp>
+      <p:sp>
+        <p:nvSpPr>
+          <p:cNvPr id="10" name="椭圆 9"/>
+          <p:cNvSpPr/>
+          <p:nvPr/>
+        </p:nvSpPr>
+        <p:spPr>
+          <a:xfrm>
+            <a:off x="9267824" y="552451"/>
+            <a:ext cx="361950" cy="361950"/>
+          </a:xfrm>
+          <a:prstGeom prst="ellipse">
+            <a:avLst/>
+          </a:prstGeom>
+          <a:noFill/>
+          <a:ln w="28575" cap="flat" cmpd="sng" algn="ctr">
+            <a:solidFill>
+              <a:srgbClr val="2E75B6"/>
+            </a:solidFill>
+            <a:prstDash val="solid"/>
+            <a:round/>
+            <a:headEnd type="none" w="med" len="med"/>
+            <a:tailEnd type="none" w="med" len="med"/>
+          </a:ln>
+        </p:spPr>
+        <p:style>
+          <a:lnRef idx="0">
+            <a:scrgbClr r="0" g="0" b="0"/>
+          </a:lnRef>
+          <a:fillRef idx="0">
+            <a:scrgbClr r="0" g="0" b="0"/>
+          </a:fillRef>
+          <a:effectRef idx="0">
+            <a:scrgbClr r="0" g="0" b="0"/>
+          </a:effectRef>
+          <a:fontRef idx="minor">
+            <a:schemeClr val="accent1"/>
+          </a:fontRef>
+        </p:style>
+        <p:txBody>
+          <a:bodyPr rtlCol="0" anchor="ctr"/>
+          <a:lstStyle/>
+          <a:p>
+            <a:pPr marL="0" marR="0" lvl="0" indent="0" algn="ctr" defTabSz="914400" rtl="0" eaLnBrk="1" fontAlgn="auto" latinLnBrk="0" hangingPunct="1">
+              <a:lnSpc>
+                <a:spcPct val="100000"/>
+              </a:lnSpc>
+              <a:spcBef>
+                <a:spcPts val="0"/>
+              </a:spcBef>
+              <a:spcAft>
+                <a:spcPts val="0"/>
+              </a:spcAft>
+              <a:buClrTx/>
+              <a:buSzTx/>
+              <a:buFontTx/>
+              <a:buNone/>
+              <a:defRPr/>
+            </a:pPr>
+            <a:endParaRPr kumimoji="0" lang="zh-CN" altLang="en-US" sz="1800" b="0" i="0" u="none" strike="noStrike" kern="1200" cap="none" spc="0" normalizeH="0" baseline="0" noProof="0">
+              <a:ln>
+                <a:noFill/>
+              </a:ln>
+              <a:solidFill>
+                <a:srgbClr val="4472C4"/>
+              </a:solidFill>
+              <a:effectLst/>
+              <a:uLnTx/>
+              <a:uFillTx/>
+              <a:latin typeface="+mj-lt"/>
+              <a:ea typeface="微软雅黑" panose="020B0503020204020204" pitchFamily="34" charset="-122"/>
+              <a:cs typeface="+mn-cs"/>
+            </a:endParaRPr>
+          </a:p>
+        </p:txBody>
+      </p:sp>
+      <p:sp>
+        <p:nvSpPr>
+          <p:cNvPr id="11" name="椭圆 10"/>
+          <p:cNvSpPr/>
+          <p:nvPr/>
+        </p:nvSpPr>
+        <p:spPr>
+          <a:xfrm>
+            <a:off x="9741693" y="552451"/>
+            <a:ext cx="361950" cy="361950"/>
+          </a:xfrm>
+          <a:prstGeom prst="ellipse">
+            <a:avLst/>
+          </a:prstGeom>
+          <a:noFill/>
+          <a:ln w="28575" cap="flat" cmpd="sng" algn="ctr">
+            <a:solidFill>
+              <a:srgbClr val="2E75B6"/>
+            </a:solidFill>
+            <a:prstDash val="solid"/>
+            <a:round/>
+            <a:headEnd type="none" w="med" len="med"/>
+            <a:tailEnd type="none" w="med" len="med"/>
+          </a:ln>
+        </p:spPr>
+        <p:style>
+          <a:lnRef idx="0">
+            <a:scrgbClr r="0" g="0" b="0"/>
+          </a:lnRef>
+          <a:fillRef idx="0">
+            <a:scrgbClr r="0" g="0" b="0"/>
+          </a:fillRef>
+          <a:effectRef idx="0">
+            <a:scrgbClr r="0" g="0" b="0"/>
+          </a:effectRef>
+          <a:fontRef idx="minor">
+            <a:schemeClr val="accent1"/>
+          </a:fontRef>
+        </p:style>
+        <p:txBody>
+          <a:bodyPr rtlCol="0" anchor="ctr"/>
+          <a:lstStyle/>
+          <a:p>
+            <a:pPr marL="0" marR="0" lvl="0" indent="0" algn="ctr" defTabSz="914400" rtl="0" eaLnBrk="1" fontAlgn="auto" latinLnBrk="0" hangingPunct="1">
+              <a:lnSpc>
+                <a:spcPct val="100000"/>
+              </a:lnSpc>
+              <a:spcBef>
+                <a:spcPts val="0"/>
+              </a:spcBef>
+              <a:spcAft>
+                <a:spcPts val="0"/>
+              </a:spcAft>
+              <a:buClrTx/>
+              <a:buSzTx/>
+              <a:buFontTx/>
+              <a:buNone/>
+              <a:defRPr/>
+            </a:pPr>
+            <a:endParaRPr kumimoji="0" lang="zh-CN" altLang="en-US" sz="1800" b="0" i="0" u="none" strike="noStrike" kern="1200" cap="none" spc="0" normalizeH="0" baseline="0" noProof="0">
+              <a:ln>
+                <a:noFill/>
+              </a:ln>
+              <a:solidFill>
+                <a:srgbClr val="4472C4"/>
+              </a:solidFill>
+              <a:effectLst/>
+              <a:uLnTx/>
+              <a:uFillTx/>
+              <a:latin typeface="+mj-lt"/>
+              <a:ea typeface="微软雅黑" panose="020B0503020204020204" pitchFamily="34" charset="-122"/>
+              <a:cs typeface="+mn-cs"/>
+            </a:endParaRPr>
+          </a:p>
+        </p:txBody>
+      </p:sp>
+      <p:sp>
+        <p:nvSpPr>
+          <p:cNvPr id="12" name="椭圆 11"/>
+          <p:cNvSpPr/>
+          <p:nvPr/>
+        </p:nvSpPr>
+        <p:spPr>
+          <a:xfrm>
+            <a:off x="10215562" y="552451"/>
+            <a:ext cx="361950" cy="361950"/>
+          </a:xfrm>
+          <a:prstGeom prst="ellipse">
+            <a:avLst/>
+          </a:prstGeom>
+          <a:solidFill>
+            <a:schemeClr val="accent1">
+              <a:lumMod val="40000"/>
+              <a:lumOff val="60000"/>
+            </a:schemeClr>
+          </a:solidFill>
+          <a:ln w="28575" cap="flat" cmpd="sng" algn="ctr">
+            <a:solidFill>
+              <a:srgbClr val="2E75B6"/>
+            </a:solidFill>
+            <a:prstDash val="solid"/>
+            <a:round/>
+            <a:headEnd type="none" w="med" len="med"/>
+            <a:tailEnd type="none" w="med" len="med"/>
+          </a:ln>
+        </p:spPr>
+        <p:style>
+          <a:lnRef idx="0">
+            <a:scrgbClr r="0" g="0" b="0"/>
+          </a:lnRef>
+          <a:fillRef idx="0">
+            <a:scrgbClr r="0" g="0" b="0"/>
+          </a:fillRef>
+          <a:effectRef idx="0">
+            <a:scrgbClr r="0" g="0" b="0"/>
+          </a:effectRef>
+          <a:fontRef idx="minor">
+            <a:schemeClr val="accent1"/>
+          </a:fontRef>
+        </p:style>
+        <p:txBody>
+          <a:bodyPr rtlCol="0" anchor="ctr"/>
+          <a:lstStyle/>
+          <a:p>
+            <a:pPr marL="0" marR="0" lvl="0" indent="0" algn="ctr" defTabSz="914400" rtl="0" eaLnBrk="1" fontAlgn="auto" latinLnBrk="0" hangingPunct="1">
+              <a:lnSpc>
+                <a:spcPct val="100000"/>
+              </a:lnSpc>
+              <a:spcBef>
+                <a:spcPts val="0"/>
+              </a:spcBef>
+              <a:spcAft>
+                <a:spcPts val="0"/>
+              </a:spcAft>
+              <a:buClrTx/>
+              <a:buSzTx/>
+              <a:buFontTx/>
+              <a:buNone/>
+              <a:defRPr/>
+            </a:pPr>
+            <a:endParaRPr kumimoji="0" lang="zh-CN" altLang="en-US" sz="1800" b="0" i="0" u="none" strike="noStrike" kern="1200" cap="none" spc="0" normalizeH="0" baseline="0" noProof="0">
+              <a:ln>
+                <a:noFill/>
+              </a:ln>
+              <a:solidFill>
+                <a:srgbClr val="4472C4"/>
+              </a:solidFill>
+              <a:effectLst/>
+              <a:uLnTx/>
+              <a:uFillTx/>
+              <a:latin typeface="+mj-lt"/>
+              <a:ea typeface="微软雅黑" panose="020B0503020204020204" pitchFamily="34" charset="-122"/>
+              <a:cs typeface="+mn-cs"/>
+            </a:endParaRPr>
+          </a:p>
+        </p:txBody>
+      </p:sp>
+      <p:sp>
+        <p:nvSpPr>
+          <p:cNvPr id="13" name="椭圆 12"/>
+          <p:cNvSpPr/>
+          <p:nvPr/>
+        </p:nvSpPr>
+        <p:spPr>
+          <a:xfrm>
+            <a:off x="10689431" y="552451"/>
+            <a:ext cx="361950" cy="361950"/>
+          </a:xfrm>
+          <a:prstGeom prst="ellipse">
+            <a:avLst/>
+          </a:prstGeom>
+          <a:noFill/>
+          <a:ln w="28575" cap="flat" cmpd="sng" algn="ctr">
+            <a:solidFill>
+              <a:srgbClr val="2E75B6"/>
+            </a:solidFill>
+            <a:prstDash val="solid"/>
+            <a:round/>
+            <a:headEnd type="none" w="med" len="med"/>
+            <a:tailEnd type="none" w="med" len="med"/>
+          </a:ln>
+        </p:spPr>
+        <p:style>
+          <a:lnRef idx="0">
+            <a:scrgbClr r="0" g="0" b="0"/>
+          </a:lnRef>
+          <a:fillRef idx="0">
+            <a:scrgbClr r="0" g="0" b="0"/>
+          </a:fillRef>
+          <a:effectRef idx="0">
+            <a:scrgbClr r="0" g="0" b="0"/>
+          </a:effectRef>
+          <a:fontRef idx="minor">
+            <a:schemeClr val="accent1"/>
+          </a:fontRef>
+        </p:style>
+        <p:txBody>
+          <a:bodyPr rtlCol="0" anchor="ctr"/>
+          <a:lstStyle/>
+          <a:p>
+            <a:pPr marL="0" marR="0" lvl="0" indent="0" algn="ctr" defTabSz="914400" rtl="0" eaLnBrk="1" fontAlgn="auto" latinLnBrk="0" hangingPunct="1">
+              <a:lnSpc>
+                <a:spcPct val="100000"/>
+              </a:lnSpc>
+              <a:spcBef>
+                <a:spcPts val="0"/>
+              </a:spcBef>
+              <a:spcAft>
+                <a:spcPts val="0"/>
+              </a:spcAft>
+              <a:buClrTx/>
+              <a:buSzTx/>
+              <a:buFontTx/>
+              <a:buNone/>
+              <a:defRPr/>
+            </a:pPr>
+            <a:endParaRPr kumimoji="0" lang="zh-CN" altLang="en-US" sz="1800" b="0" i="0" u="none" strike="noStrike" kern="1200" cap="none" spc="0" normalizeH="0" baseline="0" noProof="0">
+              <a:ln>
+                <a:noFill/>
+              </a:ln>
+              <a:solidFill>
+                <a:srgbClr val="4472C4"/>
+              </a:solidFill>
+              <a:effectLst/>
+              <a:uLnTx/>
+              <a:uFillTx/>
+              <a:latin typeface="+mj-lt"/>
+              <a:ea typeface="微软雅黑" panose="020B0503020204020204" pitchFamily="34" charset="-122"/>
+              <a:cs typeface="+mn-cs"/>
+            </a:endParaRPr>
+          </a:p>
+        </p:txBody>
+      </p:sp>
+      <p:sp>
+        <p:nvSpPr>
+          <p:cNvPr id="4" name="椭圆 3"/>
+          <p:cNvSpPr/>
+          <p:nvPr/>
+        </p:nvSpPr>
+        <p:spPr>
+          <a:xfrm>
+            <a:off x="11163299" y="552451"/>
+            <a:ext cx="361950" cy="361950"/>
+          </a:xfrm>
+          <a:prstGeom prst="ellipse">
+            <a:avLst/>
+          </a:prstGeom>
+          <a:noFill/>
+          <a:ln w="28575" cap="flat" cmpd="sng" algn="ctr">
+            <a:solidFill>
+              <a:srgbClr val="2E75B6"/>
+            </a:solidFill>
+            <a:prstDash val="solid"/>
+            <a:round/>
+            <a:headEnd type="none" w="med" len="med"/>
+            <a:tailEnd type="none" w="med" len="med"/>
+          </a:ln>
+        </p:spPr>
+        <p:style>
+          <a:lnRef idx="0">
+            <a:scrgbClr r="0" g="0" b="0"/>
+          </a:lnRef>
+          <a:fillRef idx="0">
+            <a:scrgbClr r="0" g="0" b="0"/>
+          </a:fillRef>
+          <a:effectRef idx="0">
+            <a:scrgbClr r="0" g="0" b="0"/>
+          </a:effectRef>
+          <a:fontRef idx="minor">
+            <a:schemeClr val="accent1"/>
+          </a:fontRef>
+        </p:style>
+        <p:txBody>
+          <a:bodyPr rtlCol="0" anchor="ctr"/>
+          <a:lstStyle/>
+          <a:p>
+            <a:pPr marL="0" marR="0" lvl="0" indent="0" algn="ctr" defTabSz="914400" rtl="0" eaLnBrk="1" fontAlgn="auto" latinLnBrk="0" hangingPunct="1">
+              <a:lnSpc>
+                <a:spcPct val="100000"/>
+              </a:lnSpc>
+              <a:spcBef>
+                <a:spcPts val="0"/>
+              </a:spcBef>
+              <a:spcAft>
+                <a:spcPts val="0"/>
+              </a:spcAft>
+              <a:buClrTx/>
+              <a:buSzTx/>
+              <a:buFontTx/>
+              <a:buNone/>
+              <a:defRPr/>
+            </a:pPr>
+            <a:endParaRPr kumimoji="0" lang="zh-CN" altLang="en-US" sz="1800" b="0" i="0" u="none" strike="noStrike" kern="1200" cap="none" spc="0" normalizeH="0" baseline="0" noProof="0">
+              <a:ln>
+                <a:noFill/>
+              </a:ln>
+              <a:solidFill>
+                <a:srgbClr val="4472C4"/>
+              </a:solidFill>
+              <a:effectLst/>
+              <a:uLnTx/>
+              <a:uFillTx/>
+              <a:latin typeface="+mj-lt"/>
+              <a:ea typeface="微软雅黑" panose="020B0503020204020204" pitchFamily="34" charset="-122"/>
+              <a:cs typeface="+mn-cs"/>
+            </a:endParaRPr>
+          </a:p>
+        </p:txBody>
+      </p:sp>
+      <p:sp>
+        <p:nvSpPr>
+          <p:cNvPr id="6" name="椭圆 5"/>
+          <p:cNvSpPr/>
+          <p:nvPr/>
+        </p:nvSpPr>
+        <p:spPr>
+          <a:xfrm>
+            <a:off x="8793955" y="552451"/>
+            <a:ext cx="361950" cy="361950"/>
+          </a:xfrm>
+          <a:prstGeom prst="ellipse">
+            <a:avLst/>
+          </a:prstGeom>
+          <a:noFill/>
+          <a:ln w="28575" cap="flat" cmpd="sng" algn="ctr">
+            <a:solidFill>
+              <a:srgbClr val="2E75B6"/>
+            </a:solidFill>
+            <a:prstDash val="solid"/>
+            <a:round/>
+            <a:headEnd type="none" w="med" len="med"/>
+            <a:tailEnd type="none" w="med" len="med"/>
+          </a:ln>
+        </p:spPr>
+        <p:style>
+          <a:lnRef idx="0">
+            <a:scrgbClr r="0" g="0" b="0"/>
+          </a:lnRef>
+          <a:fillRef idx="0">
+            <a:scrgbClr r="0" g="0" b="0"/>
+          </a:fillRef>
+          <a:effectRef idx="0">
+            <a:scrgbClr r="0" g="0" b="0"/>
+          </a:effectRef>
+          <a:fontRef idx="minor">
+            <a:schemeClr val="accent1"/>
+          </a:fontRef>
+        </p:style>
+        <p:txBody>
+          <a:bodyPr rtlCol="0" anchor="ctr"/>
+          <a:lstStyle/>
+          <a:p>
+            <a:pPr marL="0" marR="0" lvl="0" indent="0" algn="ctr" defTabSz="914400" rtl="0" eaLnBrk="1" fontAlgn="auto" latinLnBrk="0" hangingPunct="1">
+              <a:lnSpc>
+                <a:spcPct val="100000"/>
+              </a:lnSpc>
+              <a:spcBef>
+                <a:spcPts val="0"/>
+              </a:spcBef>
+              <a:spcAft>
+                <a:spcPts val="0"/>
+              </a:spcAft>
+              <a:buClrTx/>
+              <a:buSzTx/>
+              <a:buFontTx/>
+              <a:buNone/>
+              <a:defRPr/>
+            </a:pPr>
+            <a:endParaRPr kumimoji="0" lang="zh-CN" altLang="en-US" sz="1800" b="0" i="0" u="none" strike="noStrike" kern="1200" cap="none" spc="0" normalizeH="0" baseline="0" noProof="0">
+              <a:ln>
+                <a:noFill/>
+              </a:ln>
+              <a:solidFill>
+                <a:srgbClr val="4472C4"/>
+              </a:solidFill>
+              <a:effectLst/>
+              <a:uLnTx/>
+              <a:uFillTx/>
+              <a:latin typeface="+mj-lt"/>
+              <a:ea typeface="微软雅黑" panose="020B0503020204020204" pitchFamily="34" charset="-122"/>
+              <a:cs typeface="+mn-cs"/>
+            </a:endParaRPr>
+          </a:p>
+        </p:txBody>
+      </p:sp>
+      <p:sp>
+        <p:nvSpPr>
+          <p:cNvPr id="24" name="矩形: 圆角 23"/>
+          <p:cNvSpPr/>
+          <p:nvPr/>
+        </p:nvSpPr>
+        <p:spPr>
+          <a:xfrm>
+            <a:off x="1625600" y="1620192"/>
+            <a:ext cx="4216400" cy="798649"/>
+          </a:xfrm>
+          <a:prstGeom prst="roundRect">
+            <a:avLst>
+              <a:gd name="adj" fmla="val 3900"/>
+            </a:avLst>
+          </a:prstGeom>
+          <a:solidFill>
+            <a:schemeClr val="tx1">
+              <a:lumMod val="50000"/>
+              <a:lumOff val="50000"/>
+              <a:alpha val="10000"/>
+            </a:schemeClr>
+          </a:solidFill>
+          <a:ln>
+            <a:solidFill>
+              <a:schemeClr val="accent1"/>
+            </a:solidFill>
+          </a:ln>
+        </p:spPr>
+        <p:style>
+          <a:lnRef idx="2">
+            <a:schemeClr val="accent1">
+              <a:shade val="50000"/>
+            </a:schemeClr>
+          </a:lnRef>
+          <a:fillRef idx="1">
+            <a:schemeClr val="accent1"/>
+          </a:fillRef>
+          <a:effectRef idx="0">
+            <a:schemeClr val="accent1"/>
+          </a:effectRef>
+          <a:fontRef idx="minor">
+            <a:schemeClr val="lt1"/>
+          </a:fontRef>
+        </p:style>
+        <p:txBody>
+          <a:bodyPr rtlCol="0" anchor="ctr"/>
+          <a:lstStyle/>
+          <a:p>
+            <a:pPr algn="just">
+              <a:lnSpc>
+                <a:spcPct val="125000"/>
+              </a:lnSpc>
+            </a:pPr>
+            <a:r>
+              <a:rPr lang="en-US" altLang="zh-CN" sz="1100" dirty="0">
+                <a:solidFill>
+                  <a:srgbClr val="002060"/>
+                </a:solidFill>
+                <a:latin typeface="Arial" panose="020B0604020202020204" pitchFamily="34" charset="0"/>
+                <a:cs typeface="Arial" panose="020B0604020202020204" pitchFamily="34" charset="0"/>
+              </a:rPr>
+              <a:t>MyBatis 是一个优秀的持久层框架，它通过映射SQL语句与Java对象，简化了数据库操作，支持自定义SQL、存储过程以及高级映射功能，使开发者能够灵活地处理数据库查询和结果集。</a:t>
+            </a:r>
+            <a:endParaRPr lang="en-US" altLang="zh-CN" sz="1100" dirty="0">
+              <a:solidFill>
+                <a:srgbClr val="002060"/>
+              </a:solidFill>
+              <a:latin typeface="Arial" panose="020B0604020202020204" pitchFamily="34" charset="0"/>
+              <a:cs typeface="Arial" panose="020B0604020202020204" pitchFamily="34" charset="0"/>
+            </a:endParaRPr>
+          </a:p>
+        </p:txBody>
+      </p:sp>
+      <p:sp>
+        <p:nvSpPr>
+          <p:cNvPr id="26" name="矩形: 圆角 25"/>
+          <p:cNvSpPr/>
+          <p:nvPr/>
+        </p:nvSpPr>
+        <p:spPr>
+          <a:xfrm>
+            <a:off x="2460709" y="1219200"/>
+            <a:ext cx="2546182" cy="408147"/>
+          </a:xfrm>
+          <a:prstGeom prst="roundRect">
+            <a:avLst>
+              <a:gd name="adj" fmla="val 31330"/>
+            </a:avLst>
+          </a:prstGeom>
+          <a:ln>
+            <a:noFill/>
+          </a:ln>
+        </p:spPr>
+        <p:style>
+          <a:lnRef idx="2">
+            <a:schemeClr val="accent1">
+              <a:shade val="50000"/>
+            </a:schemeClr>
+          </a:lnRef>
+          <a:fillRef idx="1">
+            <a:schemeClr val="accent1"/>
+          </a:fillRef>
+          <a:effectRef idx="0">
+            <a:schemeClr val="accent1"/>
+          </a:effectRef>
+          <a:fontRef idx="minor">
+            <a:schemeClr val="lt1"/>
+          </a:fontRef>
+        </p:style>
+        <p:txBody>
+          <a:bodyPr rtlCol="0" anchor="ctr">
+            <a:noAutofit/>
+          </a:bodyPr>
+          <a:lstStyle/>
+          <a:p>
+            <a:pPr algn="ctr"/>
+            <a:r>
+              <a:rPr lang="en-US" altLang="zh-CN" sz="1400" b="1" dirty="0">
+                <a:solidFill>
+                  <a:schemeClr val="lt1">
+                    <a:lumMod val="100000"/>
+                  </a:schemeClr>
+                </a:solidFill>
+                <a:latin typeface="+mj-lt"/>
+              </a:rPr>
+              <a:t>Mybatis</a:t>
+            </a:r>
+            <a:endParaRPr lang="en-US" altLang="zh-CN" sz="1400" b="1" dirty="0">
+              <a:solidFill>
+                <a:schemeClr val="lt1">
+                  <a:lumMod val="100000"/>
+                </a:schemeClr>
+              </a:solidFill>
+              <a:latin typeface="+mj-lt"/>
+            </a:endParaRPr>
+          </a:p>
+        </p:txBody>
+      </p:sp>
+      <p:pic>
+        <p:nvPicPr>
+          <p:cNvPr id="31" name="图片 30" descr="G:/university/前端/下载 (1).jpg下载 (1)"/>
+          <p:cNvPicPr>
+            <a:picLocks noChangeAspect="1"/>
+          </p:cNvPicPr>
+          <p:nvPr/>
+        </p:nvPicPr>
+        <p:blipFill>
+          <a:blip r:embed="rId2"/>
+          <a:srcRect t="22" b="22"/>
+          <a:stretch>
+            <a:fillRect/>
+          </a:stretch>
+        </p:blipFill>
+        <p:spPr>
+          <a:xfrm>
+            <a:off x="6391771" y="5702156"/>
+            <a:ext cx="797905" cy="797905"/>
+          </a:xfrm>
+          <a:prstGeom prst="rect">
+            <a:avLst/>
+          </a:prstGeom>
+        </p:spPr>
+      </p:pic>
+      <p:pic>
+        <p:nvPicPr>
+          <p:cNvPr id="33" name="图片 32" descr="G:/university/前端/下载 (8).png下载 (8)"/>
+          <p:cNvPicPr>
+            <a:picLocks noChangeAspect="1"/>
+          </p:cNvPicPr>
+          <p:nvPr/>
+        </p:nvPicPr>
+        <p:blipFill>
+          <a:blip r:embed="rId3"/>
+          <a:srcRect t="22" b="22"/>
+          <a:stretch>
+            <a:fillRect/>
+          </a:stretch>
+        </p:blipFill>
+        <p:spPr>
+          <a:xfrm>
+            <a:off x="6330533" y="1620192"/>
+            <a:ext cx="797905" cy="797905"/>
+          </a:xfrm>
+          <a:prstGeom prst="rect">
+            <a:avLst/>
+          </a:prstGeom>
+        </p:spPr>
+      </p:pic>
+      <p:pic>
+        <p:nvPicPr>
+          <p:cNvPr id="35" name="图片 34" descr="G:/university/前端/下载 (10).png下载 (10)"/>
+          <p:cNvPicPr>
+            <a:picLocks noChangeAspect="1"/>
+          </p:cNvPicPr>
+          <p:nvPr/>
+        </p:nvPicPr>
+        <p:blipFill>
+          <a:blip r:embed="rId4"/>
+          <a:srcRect t="22" b="22"/>
+          <a:stretch>
+            <a:fillRect/>
+          </a:stretch>
+        </p:blipFill>
+        <p:spPr>
+          <a:xfrm>
+            <a:off x="6330533" y="3002198"/>
+            <a:ext cx="797905" cy="797905"/>
+          </a:xfrm>
+          <a:prstGeom prst="rect">
+            <a:avLst/>
+          </a:prstGeom>
+        </p:spPr>
+      </p:pic>
+      <p:pic>
+        <p:nvPicPr>
+          <p:cNvPr id="37" name="图片 36" descr="G:/university/前端/下载 (2).jpg下载 (2)"/>
+          <p:cNvPicPr>
+            <a:picLocks noChangeAspect="1"/>
+          </p:cNvPicPr>
+          <p:nvPr/>
+        </p:nvPicPr>
+        <p:blipFill rotWithShape="1">
+          <a:blip r:embed="rId5"/>
+          <a:srcRect l="5922" r="5922"/>
+          <a:stretch>
+            <a:fillRect/>
+          </a:stretch>
+        </p:blipFill>
+        <p:spPr>
+          <a:xfrm>
+            <a:off x="666750" y="1619885"/>
+            <a:ext cx="777240" cy="798830"/>
+          </a:xfrm>
+          <a:prstGeom prst="rect">
+            <a:avLst/>
+          </a:prstGeom>
+        </p:spPr>
+      </p:pic>
+      <p:pic>
+        <p:nvPicPr>
+          <p:cNvPr id="41" name="图片 40" descr="G:/university/前端/下载 (9).png下载 (9)"/>
+          <p:cNvPicPr>
+            <a:picLocks noChangeAspect="1"/>
+          </p:cNvPicPr>
+          <p:nvPr/>
+        </p:nvPicPr>
+        <p:blipFill>
+          <a:blip r:embed="rId6"/>
+          <a:srcRect l="5882" r="5882"/>
+          <a:stretch>
+            <a:fillRect/>
+          </a:stretch>
+        </p:blipFill>
+        <p:spPr>
+          <a:xfrm>
+            <a:off x="666751" y="2962196"/>
+            <a:ext cx="777028" cy="880140"/>
+          </a:xfrm>
+          <a:prstGeom prst="rect">
+            <a:avLst/>
+          </a:prstGeom>
+        </p:spPr>
+      </p:pic>
+      <p:pic>
+        <p:nvPicPr>
+          <p:cNvPr id="43" name="图片 42" descr="G:/university/前端/下载.jpg下载"/>
+          <p:cNvPicPr>
+            <a:picLocks noChangeAspect="1"/>
+          </p:cNvPicPr>
+          <p:nvPr/>
+        </p:nvPicPr>
+        <p:blipFill>
+          <a:blip r:embed="rId7"/>
+          <a:srcRect t="140" b="140"/>
+          <a:stretch>
+            <a:fillRect/>
+          </a:stretch>
+        </p:blipFill>
+        <p:spPr>
+          <a:xfrm>
+            <a:off x="635607" y="5702426"/>
+            <a:ext cx="808080" cy="805902"/>
+          </a:xfrm>
+          <a:prstGeom prst="rect">
+            <a:avLst/>
+          </a:prstGeom>
+        </p:spPr>
+      </p:pic>
+      <p:sp>
+        <p:nvSpPr>
+          <p:cNvPr id="59" name="矩形: 圆角 58"/>
+          <p:cNvSpPr/>
+          <p:nvPr/>
+        </p:nvSpPr>
+        <p:spPr>
+          <a:xfrm>
+            <a:off x="1625600" y="3002942"/>
+            <a:ext cx="4216400" cy="798649"/>
+          </a:xfrm>
+          <a:prstGeom prst="roundRect">
+            <a:avLst>
+              <a:gd name="adj" fmla="val 3900"/>
+            </a:avLst>
+          </a:prstGeom>
+          <a:solidFill>
+            <a:schemeClr val="tx1">
+              <a:lumMod val="50000"/>
+              <a:lumOff val="50000"/>
+              <a:alpha val="10000"/>
+            </a:schemeClr>
+          </a:solidFill>
+          <a:ln>
+            <a:solidFill>
+              <a:schemeClr val="accent1"/>
+            </a:solidFill>
+          </a:ln>
+        </p:spPr>
+        <p:style>
+          <a:lnRef idx="2">
+            <a:schemeClr val="accent1">
+              <a:shade val="50000"/>
+            </a:schemeClr>
+          </a:lnRef>
+          <a:fillRef idx="1">
+            <a:schemeClr val="accent1"/>
+          </a:fillRef>
+          <a:effectRef idx="0">
+            <a:schemeClr val="accent1"/>
+          </a:effectRef>
+          <a:fontRef idx="minor">
+            <a:schemeClr val="lt1"/>
+          </a:fontRef>
+        </p:style>
+        <p:txBody>
+          <a:bodyPr rtlCol="0" anchor="ctr"/>
+          <a:lstStyle/>
+          <a:p>
+            <a:pPr algn="just">
+              <a:lnSpc>
+                <a:spcPct val="125000"/>
+              </a:lnSpc>
+            </a:pPr>
+            <a:r>
+              <a:rPr lang="en-US" altLang="zh-CN" sz="1200">
+                <a:solidFill>
+                  <a:srgbClr val="002060"/>
+                </a:solidFill>
+                <a:latin typeface="Arial" panose="020B0604020202020204" pitchFamily="34" charset="0"/>
+                <a:cs typeface="Arial" panose="020B0604020202020204" pitchFamily="34" charset="0"/>
+              </a:rPr>
+              <a:t>Sa-Token 是一款轻量级的 Java 权限认证框架，支持登录认证、权限校验、单点登录（SSO）、分布式会话等功能，简化了开发过程中复杂的权限管理逻辑。</a:t>
+            </a:r>
+            <a:endParaRPr lang="en-US" altLang="zh-CN" sz="1200">
+              <a:solidFill>
+                <a:srgbClr val="002060"/>
+              </a:solidFill>
+              <a:latin typeface="Arial" panose="020B0604020202020204" pitchFamily="34" charset="0"/>
+              <a:cs typeface="Arial" panose="020B0604020202020204" pitchFamily="34" charset="0"/>
+            </a:endParaRPr>
+          </a:p>
+        </p:txBody>
+      </p:sp>
+      <p:sp>
+        <p:nvSpPr>
+          <p:cNvPr id="60" name="矩形: 圆角 59"/>
+          <p:cNvSpPr/>
+          <p:nvPr/>
+        </p:nvSpPr>
+        <p:spPr>
+          <a:xfrm>
+            <a:off x="2460709" y="2601950"/>
+            <a:ext cx="2546182" cy="408147"/>
+          </a:xfrm>
+          <a:prstGeom prst="roundRect">
+            <a:avLst>
+              <a:gd name="adj" fmla="val 31330"/>
+            </a:avLst>
+          </a:prstGeom>
+          <a:ln>
+            <a:noFill/>
+          </a:ln>
+        </p:spPr>
+        <p:style>
+          <a:lnRef idx="2">
+            <a:schemeClr val="accent1">
+              <a:shade val="50000"/>
+            </a:schemeClr>
+          </a:lnRef>
+          <a:fillRef idx="1">
+            <a:schemeClr val="accent1"/>
+          </a:fillRef>
+          <a:effectRef idx="0">
+            <a:schemeClr val="accent1"/>
+          </a:effectRef>
+          <a:fontRef idx="minor">
+            <a:schemeClr val="lt1"/>
+          </a:fontRef>
+        </p:style>
+        <p:txBody>
+          <a:bodyPr rtlCol="0" anchor="ctr">
+            <a:noAutofit/>
+          </a:bodyPr>
+          <a:lstStyle/>
+          <a:p>
+            <a:pPr algn="ctr"/>
+            <a:r>
+              <a:rPr lang="en-US" altLang="zh-CN" sz="1400" b="1" dirty="0">
+                <a:solidFill>
+                  <a:schemeClr val="lt1">
+                    <a:lumMod val="100000"/>
+                  </a:schemeClr>
+                </a:solidFill>
+                <a:latin typeface="+mj-lt"/>
+              </a:rPr>
+              <a:t>SaToken</a:t>
+            </a:r>
+            <a:endParaRPr lang="en-US" altLang="zh-CN" sz="1400" b="1" dirty="0">
+              <a:solidFill>
+                <a:schemeClr val="lt1">
+                  <a:lumMod val="100000"/>
+                </a:schemeClr>
+              </a:solidFill>
+              <a:latin typeface="+mj-lt"/>
+            </a:endParaRPr>
+          </a:p>
+        </p:txBody>
+      </p:sp>
+      <p:sp>
+        <p:nvSpPr>
+          <p:cNvPr id="63" name="矩形: 圆角 62"/>
+          <p:cNvSpPr/>
+          <p:nvPr/>
+        </p:nvSpPr>
+        <p:spPr>
+          <a:xfrm>
+            <a:off x="1625600" y="4385692"/>
+            <a:ext cx="4216400" cy="798649"/>
+          </a:xfrm>
+          <a:prstGeom prst="roundRect">
+            <a:avLst>
+              <a:gd name="adj" fmla="val 3900"/>
+            </a:avLst>
+          </a:prstGeom>
+          <a:solidFill>
+            <a:schemeClr val="tx1">
+              <a:lumMod val="50000"/>
+              <a:lumOff val="50000"/>
+              <a:alpha val="10000"/>
+            </a:schemeClr>
+          </a:solidFill>
+          <a:ln>
+            <a:solidFill>
+              <a:schemeClr val="accent1"/>
+            </a:solidFill>
+          </a:ln>
+        </p:spPr>
+        <p:style>
+          <a:lnRef idx="2">
+            <a:schemeClr val="accent1">
+              <a:shade val="50000"/>
+            </a:schemeClr>
+          </a:lnRef>
+          <a:fillRef idx="1">
+            <a:schemeClr val="accent1"/>
+          </a:fillRef>
+          <a:effectRef idx="0">
+            <a:schemeClr val="accent1"/>
+          </a:effectRef>
+          <a:fontRef idx="minor">
+            <a:schemeClr val="lt1"/>
+          </a:fontRef>
+        </p:style>
+        <p:txBody>
+          <a:bodyPr rtlCol="0" anchor="ctr"/>
+          <a:lstStyle/>
+          <a:p>
+            <a:pPr algn="just">
+              <a:lnSpc>
+                <a:spcPct val="125000"/>
+              </a:lnSpc>
+            </a:pPr>
+            <a:r>
+              <a:rPr lang="en-US" altLang="zh-CN" sz="1100">
+                <a:solidFill>
+                  <a:srgbClr val="002060"/>
+                </a:solidFill>
+                <a:latin typeface="Arial" panose="020B0604020202020204" pitchFamily="34" charset="0"/>
+                <a:cs typeface="Arial" panose="020B0604020202020204" pitchFamily="34" charset="0"/>
+              </a:rPr>
+              <a:t>Cassandra 是一个开源的分布式 NoSQL 数据库，具备高度可扩展性和高可用性，擅长处理大规模数据，并支持多数据中心的复制，广泛应用于需要快速写入和读取的大型分布式系统中。</a:t>
+            </a:r>
+            <a:endParaRPr lang="en-US" altLang="zh-CN" sz="1100">
+              <a:solidFill>
+                <a:srgbClr val="002060"/>
+              </a:solidFill>
+              <a:latin typeface="Arial" panose="020B0604020202020204" pitchFamily="34" charset="0"/>
+              <a:cs typeface="Arial" panose="020B0604020202020204" pitchFamily="34" charset="0"/>
+            </a:endParaRPr>
+          </a:p>
+        </p:txBody>
+      </p:sp>
+      <p:sp>
+        <p:nvSpPr>
+          <p:cNvPr id="64" name="矩形: 圆角 63"/>
+          <p:cNvSpPr/>
+          <p:nvPr/>
+        </p:nvSpPr>
+        <p:spPr>
+          <a:xfrm>
+            <a:off x="2460709" y="3984700"/>
+            <a:ext cx="2546182" cy="408147"/>
+          </a:xfrm>
+          <a:prstGeom prst="roundRect">
+            <a:avLst>
+              <a:gd name="adj" fmla="val 31330"/>
+            </a:avLst>
+          </a:prstGeom>
+          <a:ln>
+            <a:noFill/>
+          </a:ln>
+        </p:spPr>
+        <p:style>
+          <a:lnRef idx="2">
+            <a:schemeClr val="accent1">
+              <a:shade val="50000"/>
+            </a:schemeClr>
+          </a:lnRef>
+          <a:fillRef idx="1">
+            <a:schemeClr val="accent1"/>
+          </a:fillRef>
+          <a:effectRef idx="0">
+            <a:schemeClr val="accent1"/>
+          </a:effectRef>
+          <a:fontRef idx="minor">
+            <a:schemeClr val="lt1"/>
+          </a:fontRef>
+        </p:style>
+        <p:txBody>
+          <a:bodyPr rtlCol="0" anchor="ctr">
+            <a:noAutofit/>
+          </a:bodyPr>
+          <a:lstStyle/>
+          <a:p>
+            <a:pPr algn="ctr"/>
+            <a:r>
+              <a:rPr lang="en-US" altLang="zh-CN" sz="1400" b="1" dirty="0">
+                <a:solidFill>
+                  <a:schemeClr val="lt1">
+                    <a:lumMod val="100000"/>
+                  </a:schemeClr>
+                </a:solidFill>
+                <a:latin typeface="+mj-lt"/>
+              </a:rPr>
+              <a:t> Cassandra</a:t>
+            </a:r>
+            <a:endParaRPr lang="en-US" altLang="zh-CN" sz="1400" b="1" dirty="0">
+              <a:solidFill>
+                <a:schemeClr val="lt1">
+                  <a:lumMod val="100000"/>
+                </a:schemeClr>
+              </a:solidFill>
+              <a:latin typeface="+mj-lt"/>
+            </a:endParaRPr>
+          </a:p>
+        </p:txBody>
+      </p:sp>
+      <p:sp>
+        <p:nvSpPr>
+          <p:cNvPr id="67" name="矩形: 圆角 66"/>
+          <p:cNvSpPr/>
+          <p:nvPr/>
+        </p:nvSpPr>
+        <p:spPr>
+          <a:xfrm>
+            <a:off x="1625600" y="5768443"/>
+            <a:ext cx="4216400" cy="798649"/>
+          </a:xfrm>
+          <a:prstGeom prst="roundRect">
+            <a:avLst>
+              <a:gd name="adj" fmla="val 3900"/>
+            </a:avLst>
+          </a:prstGeom>
+          <a:solidFill>
+            <a:schemeClr val="tx1">
+              <a:lumMod val="50000"/>
+              <a:lumOff val="50000"/>
+              <a:alpha val="10000"/>
+            </a:schemeClr>
+          </a:solidFill>
+          <a:ln>
+            <a:solidFill>
+              <a:schemeClr val="accent1"/>
+            </a:solidFill>
+          </a:ln>
+        </p:spPr>
+        <p:style>
+          <a:lnRef idx="2">
+            <a:schemeClr val="accent1">
+              <a:shade val="50000"/>
+            </a:schemeClr>
+          </a:lnRef>
+          <a:fillRef idx="1">
+            <a:schemeClr val="accent1"/>
+          </a:fillRef>
+          <a:effectRef idx="0">
+            <a:schemeClr val="accent1"/>
+          </a:effectRef>
+          <a:fontRef idx="minor">
+            <a:schemeClr val="lt1"/>
+          </a:fontRef>
+        </p:style>
+        <p:txBody>
+          <a:bodyPr rtlCol="0" anchor="ctr"/>
+          <a:lstStyle/>
+          <a:p>
+            <a:pPr algn="just">
+              <a:lnSpc>
+                <a:spcPct val="125000"/>
+              </a:lnSpc>
+            </a:pPr>
+            <a:r>
+              <a:rPr lang="en-US" altLang="zh-CN" sz="1200">
+                <a:solidFill>
+                  <a:srgbClr val="002060"/>
+                </a:solidFill>
+                <a:latin typeface="Arial" panose="020B0604020202020204" pitchFamily="34" charset="0"/>
+                <a:cs typeface="Arial" panose="020B0604020202020204" pitchFamily="34" charset="0"/>
+              </a:rPr>
+              <a:t>IntelliJ IDEA 是一个功能强大、特性丰富的集成开发环境（IDE），支持 Java 及其他语言，以其智能代码辅助和开发者生产力工具而闻名。</a:t>
+            </a:r>
+            <a:endParaRPr lang="en-US" altLang="zh-CN" sz="1200">
+              <a:solidFill>
+                <a:srgbClr val="002060"/>
+              </a:solidFill>
+              <a:latin typeface="Arial" panose="020B0604020202020204" pitchFamily="34" charset="0"/>
+              <a:cs typeface="Arial" panose="020B0604020202020204" pitchFamily="34" charset="0"/>
+            </a:endParaRPr>
+          </a:p>
+        </p:txBody>
+      </p:sp>
+      <p:sp>
+        <p:nvSpPr>
+          <p:cNvPr id="68" name="矩形: 圆角 67"/>
+          <p:cNvSpPr/>
+          <p:nvPr/>
+        </p:nvSpPr>
+        <p:spPr>
+          <a:xfrm>
+            <a:off x="2460709" y="5367451"/>
+            <a:ext cx="2546182" cy="408147"/>
+          </a:xfrm>
+          <a:prstGeom prst="roundRect">
+            <a:avLst>
+              <a:gd name="adj" fmla="val 31330"/>
+            </a:avLst>
+          </a:prstGeom>
+          <a:ln>
+            <a:noFill/>
+          </a:ln>
+        </p:spPr>
+        <p:style>
+          <a:lnRef idx="2">
+            <a:schemeClr val="accent1">
+              <a:shade val="50000"/>
+            </a:schemeClr>
+          </a:lnRef>
+          <a:fillRef idx="1">
+            <a:schemeClr val="accent1"/>
+          </a:fillRef>
+          <a:effectRef idx="0">
+            <a:schemeClr val="accent1"/>
+          </a:effectRef>
+          <a:fontRef idx="minor">
+            <a:schemeClr val="lt1"/>
+          </a:fontRef>
+        </p:style>
+        <p:txBody>
+          <a:bodyPr rtlCol="0" anchor="ctr">
+            <a:noAutofit/>
+          </a:bodyPr>
+          <a:lstStyle/>
+          <a:p>
+            <a:pPr algn="ctr"/>
+            <a:r>
+              <a:rPr lang="en-US" altLang="zh-CN" sz="1400" b="1">
+                <a:solidFill>
+                  <a:schemeClr val="bg1"/>
+                </a:solidFill>
+                <a:latin typeface="Arial" panose="020B0604020202020204" pitchFamily="34" charset="0"/>
+                <a:cs typeface="Arial" panose="020B0604020202020204" pitchFamily="34" charset="0"/>
+                <a:sym typeface="+mn-ea"/>
+              </a:rPr>
+              <a:t>IntelliJ IDEA</a:t>
+            </a:r>
+            <a:endParaRPr lang="en-US" altLang="zh-CN" sz="1400" b="1" dirty="0">
+              <a:solidFill>
+                <a:schemeClr val="bg1"/>
+              </a:solidFill>
+              <a:latin typeface="Arial" panose="020B0604020202020204" pitchFamily="34" charset="0"/>
+              <a:cs typeface="Arial" panose="020B0604020202020204" pitchFamily="34" charset="0"/>
+              <a:sym typeface="+mn-ea"/>
+            </a:endParaRPr>
+          </a:p>
+        </p:txBody>
+      </p:sp>
+      <p:sp>
+        <p:nvSpPr>
+          <p:cNvPr id="71" name="矩形: 圆角 70"/>
+          <p:cNvSpPr/>
+          <p:nvPr/>
+        </p:nvSpPr>
+        <p:spPr>
+          <a:xfrm>
+            <a:off x="7308849" y="1620192"/>
+            <a:ext cx="4216400" cy="798649"/>
+          </a:xfrm>
+          <a:prstGeom prst="roundRect">
+            <a:avLst>
+              <a:gd name="adj" fmla="val 3900"/>
+            </a:avLst>
+          </a:prstGeom>
+          <a:solidFill>
+            <a:schemeClr val="tx1">
+              <a:lumMod val="50000"/>
+              <a:lumOff val="50000"/>
+              <a:alpha val="10000"/>
+            </a:schemeClr>
+          </a:solidFill>
+          <a:ln>
+            <a:solidFill>
+              <a:schemeClr val="accent1"/>
+            </a:solidFill>
+          </a:ln>
+        </p:spPr>
+        <p:style>
+          <a:lnRef idx="2">
+            <a:schemeClr val="accent1">
+              <a:shade val="50000"/>
+            </a:schemeClr>
+          </a:lnRef>
+          <a:fillRef idx="1">
+            <a:schemeClr val="accent1"/>
+          </a:fillRef>
+          <a:effectRef idx="0">
+            <a:schemeClr val="accent1"/>
+          </a:effectRef>
+          <a:fontRef idx="minor">
+            <a:schemeClr val="lt1"/>
+          </a:fontRef>
+        </p:style>
+        <p:txBody>
+          <a:bodyPr rtlCol="0" anchor="ctr"/>
+          <a:lstStyle/>
+          <a:p>
+            <a:pPr algn="just">
+              <a:lnSpc>
+                <a:spcPct val="125000"/>
+              </a:lnSpc>
+            </a:pPr>
+            <a:r>
+              <a:rPr lang="en-US" altLang="zh-CN" sz="1200">
+                <a:solidFill>
+                  <a:srgbClr val="002060"/>
+                </a:solidFill>
+                <a:latin typeface="Arial" panose="020B0604020202020204" pitchFamily="34" charset="0"/>
+                <a:cs typeface="Arial" panose="020B0604020202020204" pitchFamily="34" charset="0"/>
+              </a:rPr>
+              <a:t>RocketMQ 是一款开源的分布式消息中间件，支持高吞吐量、低延迟的消息发布与订阅，适用于实时消息处理、流式计算和分布式事务等场景，广泛应用于大型分布式系统中。</a:t>
+            </a:r>
+            <a:endParaRPr lang="en-US" altLang="zh-CN" sz="1200">
+              <a:solidFill>
+                <a:srgbClr val="002060"/>
+              </a:solidFill>
+              <a:latin typeface="Arial" panose="020B0604020202020204" pitchFamily="34" charset="0"/>
+              <a:cs typeface="Arial" panose="020B0604020202020204" pitchFamily="34" charset="0"/>
+            </a:endParaRPr>
+          </a:p>
+        </p:txBody>
+      </p:sp>
+      <p:sp>
+        <p:nvSpPr>
+          <p:cNvPr id="72" name="矩形: 圆角 71"/>
+          <p:cNvSpPr/>
+          <p:nvPr/>
+        </p:nvSpPr>
+        <p:spPr>
+          <a:xfrm>
+            <a:off x="8143958" y="1219200"/>
+            <a:ext cx="2546182" cy="408147"/>
+          </a:xfrm>
+          <a:prstGeom prst="roundRect">
+            <a:avLst>
+              <a:gd name="adj" fmla="val 31330"/>
+            </a:avLst>
+          </a:prstGeom>
+          <a:ln>
+            <a:noFill/>
+          </a:ln>
+        </p:spPr>
+        <p:style>
+          <a:lnRef idx="2">
+            <a:schemeClr val="accent1">
+              <a:shade val="50000"/>
+            </a:schemeClr>
+          </a:lnRef>
+          <a:fillRef idx="1">
+            <a:schemeClr val="accent1"/>
+          </a:fillRef>
+          <a:effectRef idx="0">
+            <a:schemeClr val="accent1"/>
+          </a:effectRef>
+          <a:fontRef idx="minor">
+            <a:schemeClr val="lt1"/>
+          </a:fontRef>
+        </p:style>
+        <p:txBody>
+          <a:bodyPr rtlCol="0" anchor="ctr">
+            <a:noAutofit/>
+          </a:bodyPr>
+          <a:lstStyle/>
+          <a:p>
+            <a:pPr algn="ctr"/>
+            <a:r>
+              <a:rPr lang="en-US" altLang="zh-CN" sz="1400" b="1" dirty="0">
+                <a:solidFill>
+                  <a:schemeClr val="lt1">
+                    <a:lumMod val="100000"/>
+                  </a:schemeClr>
+                </a:solidFill>
+                <a:latin typeface="+mj-lt"/>
+              </a:rPr>
+              <a:t>RocketMQ</a:t>
+            </a:r>
+            <a:endParaRPr lang="en-US" altLang="zh-CN" sz="1400" b="1" dirty="0">
+              <a:solidFill>
+                <a:schemeClr val="lt1">
+                  <a:lumMod val="100000"/>
+                </a:schemeClr>
+              </a:solidFill>
+              <a:latin typeface="+mj-lt"/>
+            </a:endParaRPr>
+          </a:p>
+        </p:txBody>
+      </p:sp>
+      <p:sp>
+        <p:nvSpPr>
+          <p:cNvPr id="75" name="矩形: 圆角 74"/>
+          <p:cNvSpPr/>
+          <p:nvPr/>
+        </p:nvSpPr>
+        <p:spPr>
+          <a:xfrm>
+            <a:off x="7308849" y="3002942"/>
+            <a:ext cx="4216400" cy="798649"/>
+          </a:xfrm>
+          <a:prstGeom prst="roundRect">
+            <a:avLst>
+              <a:gd name="adj" fmla="val 3900"/>
+            </a:avLst>
+          </a:prstGeom>
+          <a:solidFill>
+            <a:schemeClr val="tx1">
+              <a:lumMod val="50000"/>
+              <a:lumOff val="50000"/>
+              <a:alpha val="10000"/>
+            </a:schemeClr>
+          </a:solidFill>
+          <a:ln>
+            <a:solidFill>
+              <a:schemeClr val="accent1"/>
+            </a:solidFill>
+          </a:ln>
+        </p:spPr>
+        <p:style>
+          <a:lnRef idx="2">
+            <a:schemeClr val="accent1">
+              <a:shade val="50000"/>
+            </a:schemeClr>
+          </a:lnRef>
+          <a:fillRef idx="1">
+            <a:schemeClr val="accent1"/>
+          </a:fillRef>
+          <a:effectRef idx="0">
+            <a:schemeClr val="accent1"/>
+          </a:effectRef>
+          <a:fontRef idx="minor">
+            <a:schemeClr val="lt1"/>
+          </a:fontRef>
+        </p:style>
+        <p:txBody>
+          <a:bodyPr rtlCol="0" anchor="ctr"/>
+          <a:lstStyle/>
+          <a:p>
+            <a:pPr algn="just">
+              <a:lnSpc>
+                <a:spcPct val="125000"/>
+              </a:lnSpc>
+            </a:pPr>
+            <a:r>
+              <a:rPr lang="en-US" altLang="zh-CN" sz="1100">
+                <a:solidFill>
+                  <a:srgbClr val="002060"/>
+                </a:solidFill>
+                <a:latin typeface="Arial" panose="020B0604020202020204" pitchFamily="34" charset="0"/>
+                <a:cs typeface="Arial" panose="020B0604020202020204" pitchFamily="34" charset="0"/>
+              </a:rPr>
+              <a:t>MinIO 是一个高性能的开源对象存储服务，兼容亚马逊 S3 API，专为大规模数据存储设计，常用于构建私有云存储、备份系统和大数据应用，支持海量非结构化数据的高效管理与访问。</a:t>
+            </a:r>
+            <a:endParaRPr lang="en-US" altLang="zh-CN" sz="1100">
+              <a:solidFill>
+                <a:srgbClr val="002060"/>
+              </a:solidFill>
+              <a:latin typeface="Arial" panose="020B0604020202020204" pitchFamily="34" charset="0"/>
+              <a:cs typeface="Arial" panose="020B0604020202020204" pitchFamily="34" charset="0"/>
+            </a:endParaRPr>
+          </a:p>
+        </p:txBody>
+      </p:sp>
+      <p:sp>
+        <p:nvSpPr>
+          <p:cNvPr id="76" name="矩形: 圆角 75"/>
+          <p:cNvSpPr/>
+          <p:nvPr/>
+        </p:nvSpPr>
+        <p:spPr>
+          <a:xfrm>
+            <a:off x="8143958" y="2601950"/>
+            <a:ext cx="2546182" cy="408147"/>
+          </a:xfrm>
+          <a:prstGeom prst="roundRect">
+            <a:avLst>
+              <a:gd name="adj" fmla="val 31330"/>
+            </a:avLst>
+          </a:prstGeom>
+          <a:ln>
+            <a:noFill/>
+          </a:ln>
+        </p:spPr>
+        <p:style>
+          <a:lnRef idx="2">
+            <a:schemeClr val="accent1">
+              <a:shade val="50000"/>
+            </a:schemeClr>
+          </a:lnRef>
+          <a:fillRef idx="1">
+            <a:schemeClr val="accent1"/>
+          </a:fillRef>
+          <a:effectRef idx="0">
+            <a:schemeClr val="accent1"/>
+          </a:effectRef>
+          <a:fontRef idx="minor">
+            <a:schemeClr val="lt1"/>
+          </a:fontRef>
+        </p:style>
+        <p:txBody>
+          <a:bodyPr rtlCol="0" anchor="ctr">
+            <a:noAutofit/>
+          </a:bodyPr>
+          <a:lstStyle/>
+          <a:p>
+            <a:pPr algn="ctr"/>
+            <a:r>
+              <a:rPr lang="en-US" altLang="zh-CN" sz="1400" b="1" dirty="0">
+                <a:solidFill>
+                  <a:schemeClr val="lt1">
+                    <a:lumMod val="100000"/>
+                  </a:schemeClr>
+                </a:solidFill>
+                <a:latin typeface="+mj-lt"/>
+              </a:rPr>
+              <a:t> Minio</a:t>
+            </a:r>
+            <a:endParaRPr lang="en-US" altLang="zh-CN" sz="1400" b="1" dirty="0">
+              <a:solidFill>
+                <a:schemeClr val="lt1">
+                  <a:lumMod val="100000"/>
+                </a:schemeClr>
+              </a:solidFill>
+              <a:latin typeface="+mj-lt"/>
+            </a:endParaRPr>
+          </a:p>
+        </p:txBody>
+      </p:sp>
+      <p:sp>
+        <p:nvSpPr>
+          <p:cNvPr id="79" name="矩形: 圆角 78"/>
+          <p:cNvSpPr/>
+          <p:nvPr/>
+        </p:nvSpPr>
+        <p:spPr>
+          <a:xfrm>
+            <a:off x="7308849" y="4385692"/>
+            <a:ext cx="4216400" cy="798649"/>
+          </a:xfrm>
+          <a:prstGeom prst="roundRect">
+            <a:avLst>
+              <a:gd name="adj" fmla="val 3900"/>
+            </a:avLst>
+          </a:prstGeom>
+          <a:solidFill>
+            <a:schemeClr val="tx1">
+              <a:lumMod val="50000"/>
+              <a:lumOff val="50000"/>
+              <a:alpha val="10000"/>
+            </a:schemeClr>
+          </a:solidFill>
+          <a:ln>
+            <a:solidFill>
+              <a:schemeClr val="accent1"/>
+            </a:solidFill>
+          </a:ln>
+        </p:spPr>
+        <p:style>
+          <a:lnRef idx="2">
+            <a:schemeClr val="accent1">
+              <a:shade val="50000"/>
+            </a:schemeClr>
+          </a:lnRef>
+          <a:fillRef idx="1">
+            <a:schemeClr val="accent1"/>
+          </a:fillRef>
+          <a:effectRef idx="0">
+            <a:schemeClr val="accent1"/>
+          </a:effectRef>
+          <a:fontRef idx="minor">
+            <a:schemeClr val="lt1"/>
+          </a:fontRef>
+        </p:style>
+        <p:txBody>
+          <a:bodyPr rtlCol="0" anchor="ctr"/>
+          <a:lstStyle/>
+          <a:p>
+            <a:pPr algn="just">
+              <a:lnSpc>
+                <a:spcPct val="125000"/>
+              </a:lnSpc>
+            </a:pPr>
+            <a:r>
+              <a:rPr lang="en-US" altLang="zh-CN" sz="1100">
+                <a:solidFill>
+                  <a:srgbClr val="002060"/>
+                </a:solidFill>
+                <a:latin typeface="Arial" panose="020B0604020202020204" pitchFamily="34" charset="0"/>
+                <a:cs typeface="Arial" panose="020B0604020202020204" pitchFamily="34" charset="0"/>
+              </a:rPr>
+              <a:t>Zookeeper 是一个分布式协调服务，主要用于分布式应用中的配置管理、服务注册、选举和分布式锁等任务，确保集群中各节点的一致性与可靠性，是许多分布式系统的核心组件。</a:t>
+            </a:r>
+            <a:endParaRPr lang="en-US" altLang="zh-CN" sz="1100">
+              <a:solidFill>
+                <a:srgbClr val="002060"/>
+              </a:solidFill>
+              <a:latin typeface="Arial" panose="020B0604020202020204" pitchFamily="34" charset="0"/>
+              <a:cs typeface="Arial" panose="020B0604020202020204" pitchFamily="34" charset="0"/>
+            </a:endParaRPr>
+          </a:p>
+        </p:txBody>
+      </p:sp>
+      <p:sp>
+        <p:nvSpPr>
+          <p:cNvPr id="80" name="矩形: 圆角 79"/>
+          <p:cNvSpPr/>
+          <p:nvPr/>
+        </p:nvSpPr>
+        <p:spPr>
+          <a:xfrm>
+            <a:off x="8143958" y="3984700"/>
+            <a:ext cx="2546182" cy="408147"/>
+          </a:xfrm>
+          <a:prstGeom prst="roundRect">
+            <a:avLst>
+              <a:gd name="adj" fmla="val 31330"/>
+            </a:avLst>
+          </a:prstGeom>
+          <a:ln>
+            <a:noFill/>
+          </a:ln>
+        </p:spPr>
+        <p:style>
+          <a:lnRef idx="2">
+            <a:schemeClr val="accent1">
+              <a:shade val="50000"/>
+            </a:schemeClr>
+          </a:lnRef>
+          <a:fillRef idx="1">
+            <a:schemeClr val="accent1"/>
+          </a:fillRef>
+          <a:effectRef idx="0">
+            <a:schemeClr val="accent1"/>
+          </a:effectRef>
+          <a:fontRef idx="minor">
+            <a:schemeClr val="lt1"/>
+          </a:fontRef>
+        </p:style>
+        <p:txBody>
+          <a:bodyPr rtlCol="0" anchor="ctr">
+            <a:noAutofit/>
+          </a:bodyPr>
+          <a:lstStyle/>
+          <a:p>
+            <a:pPr algn="ctr"/>
+            <a:r>
+              <a:rPr lang="en-US" altLang="zh-CN" sz="1400" b="1" dirty="0">
+                <a:solidFill>
+                  <a:schemeClr val="lt1">
+                    <a:lumMod val="100000"/>
+                  </a:schemeClr>
+                </a:solidFill>
+                <a:latin typeface="+mj-lt"/>
+              </a:rPr>
+              <a:t> Zookeeper</a:t>
+            </a:r>
+            <a:endParaRPr lang="en-US" altLang="zh-CN" sz="1400" b="1" dirty="0">
+              <a:solidFill>
+                <a:schemeClr val="lt1">
+                  <a:lumMod val="100000"/>
+                </a:schemeClr>
+              </a:solidFill>
+              <a:latin typeface="+mj-lt"/>
+            </a:endParaRPr>
+          </a:p>
+        </p:txBody>
+      </p:sp>
+      <p:sp>
+        <p:nvSpPr>
+          <p:cNvPr id="83" name="矩形: 圆角 82"/>
+          <p:cNvSpPr/>
+          <p:nvPr/>
+        </p:nvSpPr>
+        <p:spPr>
+          <a:xfrm>
+            <a:off x="7308849" y="5768443"/>
+            <a:ext cx="4216400" cy="798649"/>
+          </a:xfrm>
+          <a:prstGeom prst="roundRect">
+            <a:avLst>
+              <a:gd name="adj" fmla="val 3900"/>
+            </a:avLst>
+          </a:prstGeom>
+          <a:solidFill>
+            <a:schemeClr val="tx1">
+              <a:lumMod val="50000"/>
+              <a:lumOff val="50000"/>
+              <a:alpha val="10000"/>
+            </a:schemeClr>
+          </a:solidFill>
+          <a:ln>
+            <a:solidFill>
+              <a:schemeClr val="accent1"/>
+            </a:solidFill>
+          </a:ln>
+        </p:spPr>
+        <p:style>
+          <a:lnRef idx="2">
+            <a:schemeClr val="accent1">
+              <a:shade val="50000"/>
+            </a:schemeClr>
+          </a:lnRef>
+          <a:fillRef idx="1">
+            <a:schemeClr val="accent1"/>
+          </a:fillRef>
+          <a:effectRef idx="0">
+            <a:schemeClr val="accent1"/>
+          </a:effectRef>
+          <a:fontRef idx="minor">
+            <a:schemeClr val="lt1"/>
+          </a:fontRef>
+        </p:style>
+        <p:txBody>
+          <a:bodyPr rtlCol="0" anchor="ctr"/>
+          <a:lstStyle/>
+          <a:p>
+            <a:pPr algn="just">
+              <a:lnSpc>
+                <a:spcPct val="125000"/>
+              </a:lnSpc>
+            </a:pPr>
+            <a:r>
+              <a:rPr lang="en-US" altLang="zh-CN" sz="1100">
+                <a:solidFill>
+                  <a:srgbClr val="002060"/>
+                </a:solidFill>
+                <a:latin typeface="Arial" panose="020B0604020202020204" pitchFamily="34" charset="0"/>
+                <a:cs typeface="Arial" panose="020B0604020202020204" pitchFamily="34" charset="0"/>
+              </a:rPr>
+              <a:t>Visual Studio Code 是一个轻量级且多功能的代码编辑器，支持多种编程语言，提供调试、版本控制以及扩展功能，以提升开发者的生产力。</a:t>
+            </a:r>
+            <a:endParaRPr lang="en-US" altLang="zh-CN" sz="1100">
+              <a:solidFill>
+                <a:srgbClr val="002060"/>
+              </a:solidFill>
+              <a:latin typeface="Arial" panose="020B0604020202020204" pitchFamily="34" charset="0"/>
+              <a:cs typeface="Arial" panose="020B0604020202020204" pitchFamily="34" charset="0"/>
+            </a:endParaRPr>
+          </a:p>
+        </p:txBody>
+      </p:sp>
+      <p:sp>
+        <p:nvSpPr>
+          <p:cNvPr id="84" name="矩形: 圆角 83"/>
+          <p:cNvSpPr/>
+          <p:nvPr/>
+        </p:nvSpPr>
+        <p:spPr>
+          <a:xfrm>
+            <a:off x="8143958" y="5367451"/>
+            <a:ext cx="2546182" cy="408147"/>
+          </a:xfrm>
+          <a:prstGeom prst="roundRect">
+            <a:avLst>
+              <a:gd name="adj" fmla="val 31330"/>
+            </a:avLst>
+          </a:prstGeom>
+          <a:ln>
+            <a:noFill/>
+          </a:ln>
+        </p:spPr>
+        <p:style>
+          <a:lnRef idx="2">
+            <a:schemeClr val="accent1">
+              <a:shade val="50000"/>
+            </a:schemeClr>
+          </a:lnRef>
+          <a:fillRef idx="1">
+            <a:schemeClr val="accent1"/>
+          </a:fillRef>
+          <a:effectRef idx="0">
+            <a:schemeClr val="accent1"/>
+          </a:effectRef>
+          <a:fontRef idx="minor">
+            <a:schemeClr val="lt1"/>
+          </a:fontRef>
+        </p:style>
+        <p:txBody>
+          <a:bodyPr rtlCol="0" anchor="ctr">
+            <a:noAutofit/>
+          </a:bodyPr>
+          <a:lstStyle/>
+          <a:p>
+            <a:pPr algn="ctr"/>
+            <a:r>
+              <a:rPr lang="en-US" altLang="zh-CN" sz="1400" b="1">
+                <a:solidFill>
+                  <a:schemeClr val="bg1"/>
+                </a:solidFill>
+                <a:latin typeface="Arial" panose="020B0604020202020204" pitchFamily="34" charset="0"/>
+                <a:cs typeface="Arial" panose="020B0604020202020204" pitchFamily="34" charset="0"/>
+                <a:sym typeface="+mn-ea"/>
+              </a:rPr>
+              <a:t>Visual Studio</a:t>
+            </a:r>
+            <a:endParaRPr lang="en-US" altLang="zh-CN" sz="1400" b="1" dirty="0">
+              <a:solidFill>
+                <a:schemeClr val="bg1"/>
+              </a:solidFill>
+              <a:latin typeface="Arial" panose="020B0604020202020204" pitchFamily="34" charset="0"/>
+              <a:cs typeface="Arial" panose="020B0604020202020204" pitchFamily="34" charset="0"/>
+              <a:sym typeface="+mn-ea"/>
+            </a:endParaRPr>
+          </a:p>
+        </p:txBody>
+      </p:sp>
+      <p:pic>
+        <p:nvPicPr>
+          <p:cNvPr id="2" name="图片 1" descr="G:/university/前端/下载 (11).png下载 (11)"/>
+          <p:cNvPicPr>
+            <a:picLocks noChangeAspect="1"/>
+          </p:cNvPicPr>
+          <p:nvPr/>
+        </p:nvPicPr>
+        <p:blipFill>
+          <a:blip r:embed="rId8"/>
+          <a:srcRect l="16355" r="16355"/>
+          <a:stretch>
+            <a:fillRect/>
+          </a:stretch>
+        </p:blipFill>
+        <p:spPr>
+          <a:xfrm>
+            <a:off x="635607" y="4369561"/>
+            <a:ext cx="808080" cy="805902"/>
+          </a:xfrm>
+          <a:prstGeom prst="rect">
+            <a:avLst/>
+          </a:prstGeom>
+        </p:spPr>
+      </p:pic>
+      <p:pic>
+        <p:nvPicPr>
+          <p:cNvPr id="5" name="图片 4" descr="G:/university/前端/下载 (12).png下载 (12)"/>
+          <p:cNvPicPr>
+            <a:picLocks noChangeAspect="1"/>
+          </p:cNvPicPr>
+          <p:nvPr/>
+        </p:nvPicPr>
+        <p:blipFill>
+          <a:blip r:embed="rId9"/>
+          <a:srcRect l="22895" r="22895"/>
+          <a:stretch>
+            <a:fillRect/>
+          </a:stretch>
+        </p:blipFill>
+        <p:spPr>
+          <a:xfrm>
+            <a:off x="6320127" y="4384166"/>
+            <a:ext cx="808080" cy="805902"/>
+          </a:xfrm>
+          <a:prstGeom prst="rect">
+            <a:avLst/>
+          </a:prstGeom>
+        </p:spPr>
+      </p:pic>
+    </p:spTree>
+  </p:cSld>
+  <p:clrMapOvr>
+    <a:masterClrMapping/>
+  </p:clrMapOvr>
+</p:sld>
+</file>
+
+<file path=ppt/slides/slide21.xml><?xml version="1.0" encoding="utf-8"?>
+<p:sld xmlns:a="http://schemas.openxmlformats.org/drawingml/2006/main" xmlns:r="http://schemas.openxmlformats.org/officeDocument/2006/relationships" xmlns:p="http://schemas.openxmlformats.org/presentationml/2006/main">
+  <p:cSld>
+    <p:spTree>
+      <p:nvGrpSpPr>
+        <p:cNvPr id="1" name=""/>
+        <p:cNvGrpSpPr/>
+        <p:nvPr/>
+      </p:nvGrpSpPr>
+      <p:grpSpPr>
+        <a:xfrm>
+          <a:off x="0" y="0"/>
+          <a:ext cx="0" cy="0"/>
+          <a:chOff x="0" y="0"/>
+          <a:chExt cx="0" cy="0"/>
+        </a:xfrm>
+      </p:grpSpPr>
+      <p:sp>
+        <p:nvSpPr>
+          <p:cNvPr id="10" name="文本框 9"/>
+          <p:cNvSpPr txBox="1"/>
+          <p:nvPr/>
+        </p:nvSpPr>
+        <p:spPr>
+          <a:xfrm>
+            <a:off x="1143001" y="2644169"/>
+            <a:ext cx="2035548" cy="1569660"/>
+          </a:xfrm>
+          <a:prstGeom prst="rect">
+            <a:avLst/>
+          </a:prstGeom>
+          <a:noFill/>
+        </p:spPr>
+        <p:txBody>
+          <a:bodyPr wrap="square" rtlCol="0">
+            <a:spAutoFit/>
+          </a:bodyPr>
+          <a:lstStyle/>
+          <a:p>
+            <a:pPr marL="0" marR="0" lvl="0" indent="0" algn="r" defTabSz="914400" rtl="0" eaLnBrk="1" fontAlgn="auto" latinLnBrk="0" hangingPunct="1">
+              <a:lnSpc>
+                <a:spcPct val="100000"/>
+              </a:lnSpc>
+              <a:spcBef>
+                <a:spcPts val="0"/>
+              </a:spcBef>
+              <a:spcAft>
+                <a:spcPts val="0"/>
+              </a:spcAft>
+              <a:buClrTx/>
+              <a:buSzTx/>
+              <a:buFontTx/>
+              <a:buNone/>
+              <a:defRPr/>
+            </a:pPr>
+            <a:r>
+              <a:rPr kumimoji="0" lang="en-US" altLang="zh-CN" sz="9600" b="1" i="0" u="none" strike="noStrike" kern="1200" cap="none" spc="0" normalizeH="0" baseline="0" noProof="0" dirty="0">
+                <a:ln>
+                  <a:noFill/>
+                </a:ln>
+                <a:solidFill>
+                  <a:srgbClr val="5B9BD5">
+                    <a:lumMod val="75000"/>
+                  </a:srgbClr>
+                </a:solidFill>
+                <a:effectLst/>
+                <a:uLnTx/>
+                <a:uFillTx/>
+                <a:latin typeface="微软雅黑" panose="020B0503020204020204" pitchFamily="34" charset="-122"/>
+                <a:ea typeface="微软雅黑" panose="020B0503020204020204" pitchFamily="34" charset="-122"/>
+                <a:cs typeface="+mn-cs"/>
+              </a:rPr>
+              <a:t>05</a:t>
+            </a:r>
+            <a:endParaRPr kumimoji="0" lang="zh-CN" altLang="en-US" sz="9600" b="1" i="0" u="none" strike="noStrike" kern="1200" cap="none" spc="0" normalizeH="0" baseline="0" noProof="0" dirty="0">
+              <a:ln>
+                <a:noFill/>
+              </a:ln>
+              <a:solidFill>
+                <a:srgbClr val="5B9BD5">
+                  <a:lumMod val="75000"/>
+                </a:srgbClr>
+              </a:solidFill>
+              <a:effectLst/>
+              <a:uLnTx/>
+              <a:uFillTx/>
+              <a:latin typeface="微软雅黑" panose="020B0503020204020204" pitchFamily="34" charset="-122"/>
+              <a:ea typeface="微软雅黑" panose="020B0503020204020204" pitchFamily="34" charset="-122"/>
+              <a:cs typeface="+mn-cs"/>
+            </a:endParaRPr>
+          </a:p>
+        </p:txBody>
+      </p:sp>
+      <p:pic>
+        <p:nvPicPr>
+          <p:cNvPr id="11" name="图片 10"/>
+          <p:cNvPicPr>
+            <a:picLocks noChangeAspect="1"/>
+          </p:cNvPicPr>
+          <p:nvPr/>
+        </p:nvPicPr>
+        <p:blipFill>
+          <a:blip r:embed="rId1"/>
+          <a:stretch>
+            <a:fillRect/>
+          </a:stretch>
+        </p:blipFill>
+        <p:spPr>
+          <a:xfrm>
+            <a:off x="3178548" y="2127445"/>
+            <a:ext cx="2992938" cy="2603109"/>
+          </a:xfrm>
+          <a:prstGeom prst="rect">
+            <a:avLst/>
+          </a:prstGeom>
+        </p:spPr>
+      </p:pic>
+      <p:sp>
+        <p:nvSpPr>
+          <p:cNvPr id="4" name="文本框 3"/>
+          <p:cNvSpPr txBox="1"/>
+          <p:nvPr/>
+        </p:nvSpPr>
+        <p:spPr>
+          <a:xfrm>
+            <a:off x="4427527" y="2907122"/>
+            <a:ext cx="7764473" cy="1753235"/>
+          </a:xfrm>
+          <a:prstGeom prst="rect">
+            <a:avLst/>
+          </a:prstGeom>
+          <a:noFill/>
+        </p:spPr>
+        <p:txBody>
+          <a:bodyPr wrap="square" rtlCol="0">
+            <a:spAutoFit/>
+          </a:bodyPr>
+          <a:lstStyle/>
+          <a:p>
+            <a:pPr marL="0" marR="0" lvl="0" indent="0" algn="l" defTabSz="914400" rtl="0" eaLnBrk="1" fontAlgn="auto" latinLnBrk="0" hangingPunct="1">
+              <a:lnSpc>
+                <a:spcPct val="150000"/>
+              </a:lnSpc>
+              <a:spcBef>
+                <a:spcPts val="0"/>
+              </a:spcBef>
+              <a:spcAft>
+                <a:spcPts val="0"/>
+              </a:spcAft>
+              <a:buClrTx/>
+              <a:buSzTx/>
+              <a:buFontTx/>
+              <a:buNone/>
+              <a:defRPr/>
+            </a:pPr>
+            <a:r>
+              <a:rPr lang="en-US" altLang="zh-CN" sz="3600" b="1" noProof="0" dirty="0">
+                <a:ln>
+                  <a:noFill/>
+                </a:ln>
+                <a:effectLst/>
+                <a:uLnTx/>
+                <a:uFillTx/>
+                <a:latin typeface="微软雅黑" panose="020B0503020204020204" pitchFamily="34" charset="-122"/>
+                <a:ea typeface="微软雅黑" panose="020B0503020204020204" pitchFamily="34" charset="-122"/>
+                <a:sym typeface="+mn-ea"/>
+              </a:rPr>
+              <a:t>项目进度</a:t>
+            </a:r>
+            <a:endParaRPr kumimoji="0" lang="en-US" altLang="zh-CN" sz="3600" b="1" i="0" u="none" strike="noStrike" kern="1200" cap="none" spc="0" normalizeH="0" baseline="0" noProof="0" dirty="0">
+              <a:ln>
+                <a:noFill/>
+              </a:ln>
+              <a:effectLst/>
+              <a:uLnTx/>
+              <a:uFillTx/>
+              <a:latin typeface="微软雅黑" panose="020B0503020204020204" pitchFamily="34" charset="-122"/>
+              <a:ea typeface="微软雅黑" panose="020B0503020204020204" pitchFamily="34" charset="-122"/>
+              <a:cs typeface="+mn-cs"/>
+            </a:endParaRPr>
+          </a:p>
+          <a:p>
+            <a:pPr marL="0" marR="0" lvl="0" indent="0" algn="l" defTabSz="914400" rtl="0" eaLnBrk="1" fontAlgn="auto" latinLnBrk="0" hangingPunct="1">
+              <a:lnSpc>
+                <a:spcPct val="150000"/>
+              </a:lnSpc>
+              <a:spcBef>
+                <a:spcPts val="0"/>
+              </a:spcBef>
+              <a:spcAft>
+                <a:spcPts val="0"/>
+              </a:spcAft>
+              <a:buClrTx/>
+              <a:buSzTx/>
+              <a:buFontTx/>
+              <a:buNone/>
+              <a:defRPr/>
+            </a:pPr>
+            <a:endParaRPr kumimoji="0" lang="en-US" altLang="zh-CN" sz="3600" b="1" i="0" u="none" strike="noStrike" kern="1200" cap="none" spc="0" normalizeH="0" baseline="0" noProof="0" dirty="0">
+              <a:ln>
+                <a:noFill/>
+              </a:ln>
+              <a:solidFill>
+                <a:prstClr val="black"/>
+              </a:solidFill>
+              <a:effectLst/>
+              <a:uLnTx/>
+              <a:uFillTx/>
+              <a:latin typeface="微软雅黑" panose="020B0503020204020204" pitchFamily="34" charset="-122"/>
+              <a:ea typeface="微软雅黑" panose="020B0503020204020204" pitchFamily="34" charset="-122"/>
+              <a:cs typeface="+mn-cs"/>
+            </a:endParaRPr>
+          </a:p>
+        </p:txBody>
+      </p:sp>
+    </p:spTree>
+  </p:cSld>
+  <p:clrMapOvr>
+    <a:masterClrMapping/>
+  </p:clrMapOvr>
+</p:sld>
+</file>
+
+<file path=ppt/slides/slide22.xml><?xml version="1.0" encoding="utf-8"?>
+<p:sld xmlns:a="http://schemas.openxmlformats.org/drawingml/2006/main" xmlns:r="http://schemas.openxmlformats.org/officeDocument/2006/relationships" xmlns:p="http://schemas.openxmlformats.org/presentationml/2006/main">
+  <p:cSld>
+    <p:spTree>
+      <p:nvGrpSpPr>
+        <p:cNvPr id="1" name=""/>
+        <p:cNvGrpSpPr/>
+        <p:nvPr/>
+      </p:nvGrpSpPr>
+      <p:grpSpPr>
+        <a:xfrm>
+          <a:off x="0" y="0"/>
+          <a:ext cx="0" cy="0"/>
+          <a:chOff x="0" y="0"/>
+          <a:chExt cx="0" cy="0"/>
+        </a:xfrm>
+      </p:grpSpPr>
+      <p:sp>
+        <p:nvSpPr>
+          <p:cNvPr id="3" name="标题 3"/>
+          <p:cNvSpPr>
+            <a:spLocks noGrp="1"/>
+          </p:cNvSpPr>
+          <p:nvPr>
+            <p:custDataLst>
+              <p:tags r:id="rId1"/>
+            </p:custDataLst>
+          </p:nvPr>
+        </p:nvSpPr>
+        <p:spPr>
+          <a:xfrm>
+            <a:off x="666751" y="409576"/>
+            <a:ext cx="10858498" cy="647700"/>
+          </a:xfrm>
+          <a:prstGeom prst="rect">
+            <a:avLst/>
+          </a:prstGeom>
+        </p:spPr>
+        <p:txBody>
+          <a:bodyPr vert="horz" lIns="91440" tIns="45720" rIns="91440" bIns="45720" rtlCol="0" anchor="ctr">
+            <a:normAutofit/>
+          </a:bodyPr>
+          <a:lstStyle>
+            <a:lvl1pPr algn="l" defTabSz="914400" rtl="0" eaLnBrk="1" latinLnBrk="0" hangingPunct="1">
+              <a:lnSpc>
+                <a:spcPct val="90000"/>
+              </a:lnSpc>
+              <a:spcBef>
+                <a:spcPct val="0"/>
+              </a:spcBef>
+              <a:buNone/>
+              <a:defRPr sz="2800" b="1" kern="1200">
+                <a:solidFill>
+                  <a:schemeClr val="tx1"/>
+                </a:solidFill>
+                <a:latin typeface="+mn-lt"/>
+                <a:ea typeface="+mj-ea"/>
+                <a:cs typeface="+mj-cs"/>
+              </a:defRPr>
+            </a:lvl1pPr>
+          </a:lstStyle>
+          <a:p>
+            <a:pPr marL="0" marR="0" lvl="0" indent="0" algn="l" defTabSz="914400" rtl="0" eaLnBrk="1" fontAlgn="auto" latinLnBrk="0" hangingPunct="1">
+              <a:lnSpc>
+                <a:spcPct val="90000"/>
+              </a:lnSpc>
+              <a:spcBef>
+                <a:spcPct val="0"/>
+              </a:spcBef>
+              <a:spcAft>
+                <a:spcPts val="0"/>
+              </a:spcAft>
+              <a:buClrTx/>
+              <a:buSzTx/>
+              <a:buFontTx/>
+              <a:buNone/>
+              <a:defRPr/>
+            </a:pPr>
+            <a:r>
               <a:rPr lang="en-US" altLang="zh-CN" noProof="0" dirty="0">
                 <a:ln>
                   <a:noFill/>
@@ -24691,10 +28262,9 @@
                 <a:uFillTx/>
                 <a:latin typeface="微软雅黑" panose="020B0503020204020204" pitchFamily="34" charset="-122"/>
                 <a:ea typeface="微软雅黑" panose="020B0503020204020204" pitchFamily="34" charset="-122"/>
-                <a:cs typeface="+mn-cs"/>
                 <a:sym typeface="+mn-ea"/>
               </a:rPr>
-              <a:t>Project Schedule</a:t>
+              <a:t>项目进度</a:t>
             </a:r>
             <a:endParaRPr kumimoji="0" lang="en-US" altLang="zh-CN" sz="2800" b="1" i="0" u="none" strike="noStrike" kern="1200" cap="none" spc="0" normalizeH="0" baseline="0" noProof="0" dirty="0">
               <a:ln>
@@ -25184,7 +28754,7 @@
         </p:nvGraphicFramePr>
         <p:xfrm>
           <a:off x="666745" y="1347701"/>
-          <a:ext cx="10858500" cy="5100320"/>
+          <a:ext cx="10858500" cy="5100396"/>
         </p:xfrm>
         <a:graphic>
           <a:graphicData uri="http://schemas.openxmlformats.org/drawingml/2006/table">
@@ -28735,7 +32305,7 @@
 </p:sld>
 </file>
 
-<file path=ppt/slides/slide21.xml><?xml version="1.0" encoding="utf-8"?>
+<file path=ppt/slides/slide23.xml><?xml version="1.0" encoding="utf-8"?>
 <p:sld xmlns:a="http://schemas.openxmlformats.org/drawingml/2006/main" xmlns:r="http://schemas.openxmlformats.org/officeDocument/2006/relationships" xmlns:p="http://schemas.openxmlformats.org/presentationml/2006/main">
   <p:cSld>
     <p:bg>
@@ -29056,7 +32626,7 @@
                 <a:ea typeface="微软雅黑" panose="020B0503020204020204" pitchFamily="34" charset="-122"/>
                 <a:cs typeface="+mn-cs"/>
               </a:rPr>
-              <a:t>Project Overview</a:t>
+              <a:t>项目概述</a:t>
             </a:r>
             <a:endParaRPr kumimoji="0" lang="en-US" altLang="zh-CN" sz="2400" b="1" i="0" u="none" strike="noStrike" kern="1200" cap="none" spc="0" normalizeH="0" baseline="0" noProof="0" dirty="0">
               <a:ln>
@@ -29223,7 +32793,7 @@
                 <a:ea typeface="微软雅黑" panose="020B0503020204020204" pitchFamily="34" charset="-122"/>
                 <a:cs typeface="+mn-cs"/>
               </a:rPr>
-              <a:t>Main Functionalities</a:t>
+              <a:t>主要功能</a:t>
             </a:r>
             <a:endParaRPr kumimoji="0" lang="en-US" altLang="zh-CN" sz="2400" b="1" i="0" u="none" strike="noStrike" kern="1200" cap="none" spc="0" normalizeH="0" baseline="0" noProof="0" dirty="0">
               <a:ln>
@@ -29383,7 +32953,7 @@
                 <a:ea typeface="微软雅黑" panose="020B0503020204020204" pitchFamily="34" charset="-122"/>
                 <a:cs typeface="+mn-cs"/>
               </a:rPr>
-              <a:t>Preliminary Logical Architecture</a:t>
+              <a:t>初步逻辑架构</a:t>
             </a:r>
             <a:endParaRPr kumimoji="0" lang="en-US" altLang="zh-CN" sz="2400" b="1" i="0" u="none" strike="noStrike" kern="1200" cap="none" spc="0" normalizeH="0" baseline="0" noProof="0" dirty="0">
               <a:ln>
@@ -29502,7 +33072,7 @@
         <p:spPr>
           <a:xfrm>
             <a:off x="5667199" y="4116413"/>
-            <a:ext cx="5442735" cy="511807"/>
+            <a:ext cx="5442735" cy="553085"/>
           </a:xfrm>
           <a:prstGeom prst="rect">
             <a:avLst/>
@@ -29543,9 +33113,9 @@
                 <a:ea typeface="微软雅黑" panose="020B0503020204020204" pitchFamily="34" charset="-122"/>
                 <a:cs typeface="+mn-cs"/>
               </a:rPr>
-              <a:t>Technology Stack</a:t>
-            </a:r>
-            <a:endParaRPr kumimoji="0" lang="zh-CN" altLang="en-US" sz="1600" b="1" u="none" strike="noStrike" kern="1200" cap="none" spc="0" normalizeH="0" baseline="0" noProof="0" dirty="0">
+              <a:t>技术栈</a:t>
+            </a:r>
+            <a:endParaRPr kumimoji="0" lang="en-US" altLang="zh-CN" sz="2400" b="1" i="0" u="none" strike="noStrike" kern="1200" cap="none" spc="0" normalizeH="0" baseline="0" noProof="0" dirty="0">
               <a:ln>
                 <a:noFill/>
               </a:ln>
@@ -29703,7 +33273,7 @@
                 <a:ea typeface="微软雅黑" panose="020B0503020204020204" pitchFamily="34" charset="-122"/>
                 <a:cs typeface="+mn-cs"/>
               </a:rPr>
-              <a:t>Project Schedule</a:t>
+              <a:t>项目进度</a:t>
             </a:r>
             <a:endParaRPr kumimoji="0" lang="en-US" altLang="zh-CN" sz="2400" b="1" i="0" u="none" strike="noStrike" kern="1200" cap="none" spc="0" normalizeH="0" baseline="0" noProof="0" dirty="0">
               <a:ln>
@@ -30154,21 +33724,18 @@
                 <a:ea typeface="微软雅黑" panose="020B0503020204020204" pitchFamily="34" charset="-122"/>
                 <a:sym typeface="+mn-ea"/>
               </a:rPr>
-              <a:t>Project Overview</a:t>
-            </a:r>
-            <a:endParaRPr kumimoji="0" lang="en-US" altLang="zh-CN" sz="3600" b="1" i="0" u="none" strike="noStrike" kern="1200" cap="none" spc="0" normalizeH="0" baseline="0" noProof="0" dirty="0">
+              <a:t>项目概述</a:t>
+            </a:r>
+            <a:endParaRPr lang="en-US" altLang="zh-CN" sz="3600" b="1" noProof="0" dirty="0">
               <a:ln>
                 <a:noFill/>
               </a:ln>
-              <a:solidFill>
-                <a:prstClr val="black"/>
-              </a:solidFill>
               <a:effectLst/>
               <a:uLnTx/>
               <a:uFillTx/>
               <a:latin typeface="微软雅黑" panose="020B0503020204020204" pitchFamily="34" charset="-122"/>
               <a:ea typeface="微软雅黑" panose="020B0503020204020204" pitchFamily="34" charset="-122"/>
-              <a:cs typeface="+mn-cs"/>
+              <a:sym typeface="+mn-ea"/>
             </a:endParaRPr>
           </a:p>
         </p:txBody>
@@ -30271,21 +33838,18 @@
                 <a:ea typeface="微软雅黑" panose="020B0503020204020204" pitchFamily="34" charset="-122"/>
                 <a:sym typeface="+mn-ea"/>
               </a:rPr>
-              <a:t>Project Overview</a:t>
-            </a:r>
-            <a:endParaRPr kumimoji="0" lang="en-US" altLang="zh-CN" sz="2800" b="1" i="0" u="none" strike="noStrike" kern="1200" cap="none" spc="0" normalizeH="0" baseline="0" noProof="0" dirty="0">
+              <a:t>项目概述</a:t>
+            </a:r>
+            <a:endParaRPr lang="en-US" altLang="zh-CN" noProof="0" dirty="0">
               <a:ln>
                 <a:noFill/>
               </a:ln>
-              <a:solidFill>
-                <a:prstClr val="black"/>
-              </a:solidFill>
               <a:effectLst/>
               <a:uLnTx/>
               <a:uFillTx/>
-              <a:latin typeface="+mj-lt"/>
+              <a:latin typeface="微软雅黑" panose="020B0503020204020204" pitchFamily="34" charset="-122"/>
               <a:ea typeface="微软雅黑" panose="020B0503020204020204" pitchFamily="34" charset="-122"/>
-              <a:cs typeface="+mj-cs"/>
+              <a:sym typeface="+mn-ea"/>
             </a:endParaRPr>
           </a:p>
         </p:txBody>
@@ -30299,7 +33863,7 @@
         <p:spPr>
           <a:xfrm>
             <a:off x="666751" y="1219200"/>
-            <a:ext cx="3945890" cy="398780"/>
+            <a:ext cx="1875790" cy="398780"/>
           </a:xfrm>
           <a:prstGeom prst="rect">
             <a:avLst/>
@@ -30370,7 +33934,24 @@
                 <a:ea typeface="微软雅黑" panose="020B0503020204020204" pitchFamily="34" charset="-122"/>
                 <a:cs typeface="+mn-cs"/>
               </a:rPr>
-              <a:t> Background and Motivation</a:t>
+              <a:t> </a:t>
+            </a:r>
+            <a:r>
+              <a:rPr kumimoji="0" lang="zh-CN" altLang="en-US" sz="2000" b="1" i="0" u="none" strike="noStrike" kern="1200" cap="none" spc="0" normalizeH="0" baseline="0" noProof="0" dirty="0">
+                <a:ln>
+                  <a:noFill/>
+                </a:ln>
+                <a:solidFill>
+                  <a:prstClr val="black"/>
+                </a:solidFill>
+                <a:effectLst/>
+                <a:uLnTx/>
+                <a:uFillTx/>
+                <a:latin typeface="+mj-lt"/>
+                <a:ea typeface="微软雅黑" panose="020B0503020204020204" pitchFamily="34" charset="-122"/>
+                <a:cs typeface="+mn-cs"/>
+              </a:rPr>
+              <a:t>背景与动机</a:t>
             </a:r>
             <a:endParaRPr kumimoji="0" lang="en-US" altLang="zh-CN" sz="2000" b="1" i="0" u="none" strike="noStrike" kern="1200" cap="none" spc="0" normalizeH="0" baseline="0" noProof="0" dirty="0">
               <a:ln>
@@ -30915,7 +34496,7 @@
         </p:nvSpPr>
         <p:spPr>
           <a:xfrm>
-            <a:off x="1681480" y="4055745"/>
+            <a:off x="1638935" y="3636010"/>
             <a:ext cx="3154045" cy="1577340"/>
           </a:xfrm>
           <a:prstGeom prst="rect">
@@ -30939,19 +34520,36 @@
               </a:spcAft>
             </a:pPr>
             <a:r>
-              <a:rPr lang="zh-CN" altLang="en-US" sz="1200">
-                <a:solidFill>
-                  <a:schemeClr val="tx1">
-                    <a:lumMod val="85000"/>
-                    <a:lumOff val="15000"/>
-                  </a:schemeClr>
-                </a:solidFill>
-                <a:latin typeface="+mn-ea"/>
-                <a:cs typeface="+mn-ea"/>
+              <a:rPr lang="zh-CN" altLang="en-US" sz="1400" dirty="0">
+                <a:sym typeface="+mn-ea"/>
               </a:rPr>
-              <a:t>The rapid rise of social media and content platforms has led users to increasingly rely on online platforms to share their lives, thoughts, and experiences. This has driven a growing demand for personalization, real-time interaction, and high availability.</a:t>
-            </a:r>
-            <a:endParaRPr lang="zh-CN" altLang="en-US" sz="1200">
+              <a:t>随着社交媒体和内容平台的迅速普及，用户愈发依赖在线平台来分享其生活、思想和经验</a:t>
+            </a:r>
+            <a:r>
+              <a:rPr lang="zh-CN" altLang="en-US" sz="1400" dirty="0" smtClean="0">
+                <a:sym typeface="+mn-ea"/>
+              </a:rPr>
+              <a:t>，用户</a:t>
+            </a:r>
+            <a:r>
+              <a:rPr lang="zh-CN" altLang="en-US" sz="1400" dirty="0">
+                <a:sym typeface="+mn-ea"/>
+              </a:rPr>
+              <a:t>对个性化、实时性以及高可用性的需求持续上升。同时，随着用户</a:t>
+            </a:r>
+            <a:r>
+              <a:rPr lang="zh-CN" altLang="en-US" sz="1400" dirty="0" smtClean="0">
+                <a:sym typeface="+mn-ea"/>
+              </a:rPr>
+              <a:t>基数</a:t>
+            </a:r>
+            <a:r>
+              <a:rPr lang="zh-CN" altLang="en-US" sz="1400" dirty="0">
+                <a:sym typeface="+mn-ea"/>
+              </a:rPr>
+              <a:t>的急剧增长，平台需要具备处理高并发读写请求的能力，以确保用户操作的实时响应和数据一致性。</a:t>
+            </a:r>
+            <a:endParaRPr lang="zh-CN" altLang="en-US" sz="1400">
               <a:solidFill>
                 <a:schemeClr val="tx1">
                   <a:lumMod val="85000"/>
@@ -30976,7 +34574,7 @@
         </p:nvSpPr>
         <p:spPr>
           <a:xfrm>
-            <a:off x="1803060" y="3590034"/>
+            <a:off x="1803060" y="3153789"/>
             <a:ext cx="2905141" cy="368302"/>
           </a:xfrm>
           <a:prstGeom prst="rect">
@@ -30998,14 +34596,14 @@
               </a:spcAft>
             </a:pPr>
             <a:r>
-              <a:rPr lang="en-US" altLang="zh-CN" sz="2400" b="1" kern="0">
+              <a:rPr lang="zh-CN" altLang="en-US" sz="2400" b="1" kern="0">
                 <a:solidFill>
                   <a:schemeClr val="accent1"/>
                 </a:solidFill>
                 <a:latin typeface="+mn-ea"/>
                 <a:cs typeface="+mn-ea"/>
               </a:rPr>
-              <a:t>Background</a:t>
+              <a:t>背景</a:t>
             </a:r>
             <a:endParaRPr lang="en-US" altLang="zh-CN" sz="2400" b="1" kern="0">
               <a:solidFill>
@@ -31082,7 +34680,7 @@
         </p:nvSpPr>
         <p:spPr>
           <a:xfrm>
-            <a:off x="6759575" y="4055745"/>
+            <a:off x="6759575" y="3636010"/>
             <a:ext cx="3455670" cy="1577340"/>
           </a:xfrm>
           <a:prstGeom prst="rect">
@@ -31106,19 +34704,30 @@
               </a:spcAft>
             </a:pPr>
             <a:r>
-              <a:rPr lang="zh-CN" altLang="en-US" sz="1200" dirty="0">
-                <a:solidFill>
-                  <a:schemeClr val="tx1">
-                    <a:lumMod val="85000"/>
-                    <a:lumOff val="15000"/>
-                  </a:schemeClr>
-                </a:solidFill>
-                <a:latin typeface="+mn-ea"/>
-                <a:cs typeface="+mn-ea"/>
+              <a:rPr lang="zh-CN" altLang="en-US" sz="1400" dirty="0">
+                <a:sym typeface="+mn-ea"/>
               </a:rPr>
-              <a:t>Existing platforms face shortcomings in handling high concurrency, providing personalized recommendations, protecting user privacy, and ensuring data security. This project addresses these limitations by utilizing advanced architecture and microservice design.</a:t>
-            </a:r>
-            <a:endParaRPr lang="zh-CN" altLang="en-US" sz="1200" dirty="0">
+              <a:t>现有的内容分享和社交平台大多面临着应对高并发处理、个性化推荐、用户隐私保护和数据安全等方面的</a:t>
+            </a:r>
+            <a:r>
+              <a:rPr lang="zh-CN" altLang="en-US" sz="1400" dirty="0">
+                <a:sym typeface="+mn-ea"/>
+              </a:rPr>
+              <a:t>问题。本项目通过采用分布式架构和微服务设计，旨在解决这些局限性，为用户提供一个更</a:t>
+            </a:r>
+            <a:r>
+              <a:rPr lang="zh-CN" altLang="en-US" sz="1400" dirty="0" smtClean="0">
+                <a:sym typeface="+mn-ea"/>
+              </a:rPr>
+              <a:t>稳定</a:t>
+            </a:r>
+            <a:r>
+              <a:rPr lang="zh-CN" altLang="en-US" sz="1400" dirty="0">
+                <a:sym typeface="+mn-ea"/>
+              </a:rPr>
+              <a:t>、高效且个性化的内容分享与社交互动平台。</a:t>
+            </a:r>
+            <a:endParaRPr sz="1400" dirty="0">
               <a:solidFill>
                 <a:schemeClr val="tx1">
                   <a:lumMod val="85000"/>
@@ -31143,7 +34752,7 @@
         </p:nvSpPr>
         <p:spPr>
           <a:xfrm>
-            <a:off x="6901503" y="3590034"/>
+            <a:off x="6900868" y="3153789"/>
             <a:ext cx="2905141" cy="368302"/>
           </a:xfrm>
           <a:prstGeom prst="rect">
@@ -31165,14 +34774,14 @@
               </a:spcAft>
             </a:pPr>
             <a:r>
-              <a:rPr lang="en-US" altLang="zh-CN" sz="2400" b="1" kern="0">
+              <a:rPr lang="zh-CN" altLang="en-US" sz="2400" b="1" kern="0">
                 <a:solidFill>
                   <a:schemeClr val="accent1"/>
                 </a:solidFill>
                 <a:latin typeface="+mn-ea"/>
                 <a:cs typeface="+mn-ea"/>
               </a:rPr>
-              <a:t>Motivation</a:t>
+              <a:t>动机</a:t>
             </a:r>
             <a:endParaRPr lang="en-US" altLang="zh-CN" sz="2400" b="1" kern="0">
               <a:solidFill>
@@ -31480,7 +35089,7 @@
                 <a:ea typeface="微软雅黑" panose="020B0503020204020204" pitchFamily="34" charset="-122"/>
                 <a:sym typeface="+mn-ea"/>
               </a:rPr>
-              <a:t>Project Overview</a:t>
+              <a:t>项目概述</a:t>
             </a:r>
             <a:endParaRPr kumimoji="0" lang="en-US" altLang="zh-CN" sz="2800" b="1" i="0" u="none" strike="noStrike" kern="1200" cap="none" spc="0" normalizeH="0" baseline="0" noProof="0" dirty="0">
               <a:ln>
@@ -32165,9 +35774,9 @@
         <p:grpSpPr>
           <a:xfrm>
             <a:off x="4210908" y="1601984"/>
-            <a:ext cx="7622540" cy="5208074"/>
+            <a:ext cx="7622540" cy="4931214"/>
             <a:chOff x="4210908" y="1601984"/>
-            <a:chExt cx="7622540" cy="5208074"/>
+            <a:chExt cx="7622540" cy="4931214"/>
           </a:xfrm>
         </p:grpSpPr>
         <p:grpSp>
@@ -32946,7 +36555,7 @@
               <a:pPr algn="ctr"/>
               <a:r>
                 <a:rPr lang="zh-CN" altLang="en-US" b="1" dirty="0"/>
-                <a:t>Note Management</a:t>
+                <a:t>笔记管理</a:t>
               </a:r>
               <a:endParaRPr lang="zh-CN" altLang="en-US" b="1" dirty="0"/>
             </a:p>
@@ -32976,7 +36585,7 @@
             <a:p>
               <a:r>
                 <a:rPr lang="zh-CN" altLang="en-US" b="1" dirty="0"/>
-                <a:t>User Interaction</a:t>
+                <a:t>用户互动</a:t>
               </a:r>
               <a:endParaRPr lang="zh-CN" altLang="en-US" b="1" dirty="0"/>
             </a:p>
@@ -32991,7 +36600,7 @@
           <p:spPr>
             <a:xfrm>
               <a:off x="10306908" y="3891794"/>
-              <a:ext cx="1526540" cy="645160"/>
+              <a:ext cx="1526540" cy="368300"/>
             </a:xfrm>
             <a:prstGeom prst="rect">
               <a:avLst/>
@@ -33006,7 +36615,7 @@
             <a:p>
               <a:r>
                 <a:rPr lang="zh-CN" altLang="en-US" b="1" dirty="0"/>
-                <a:t>Notification Service</a:t>
+                <a:t>通知服务</a:t>
               </a:r>
               <a:endParaRPr lang="zh-CN" altLang="en-US" b="1" dirty="0"/>
             </a:p>
@@ -33021,7 +36630,7 @@
           <p:spPr>
             <a:xfrm>
               <a:off x="9726594" y="5217487"/>
-              <a:ext cx="1960582" cy="645160"/>
+              <a:ext cx="1960582" cy="368300"/>
             </a:xfrm>
             <a:prstGeom prst="rect">
               <a:avLst/>
@@ -33036,7 +36645,7 @@
             <a:p>
               <a:r>
                 <a:rPr lang="zh-CN" altLang="en-US" b="1" dirty="0"/>
-                <a:t>Search Functionality</a:t>
+                <a:t>搜索功能</a:t>
               </a:r>
               <a:endParaRPr lang="zh-CN" altLang="en-US" b="1" dirty="0"/>
             </a:p>
@@ -33051,7 +36660,7 @@
           <p:spPr>
             <a:xfrm>
               <a:off x="6835934" y="6164898"/>
-              <a:ext cx="2769142" cy="645160"/>
+              <a:ext cx="2769142" cy="368300"/>
             </a:xfrm>
             <a:prstGeom prst="rect">
               <a:avLst/>
@@ -33067,7 +36676,7 @@
               <a:pPr algn="ctr"/>
               <a:r>
                 <a:rPr lang="zh-CN" altLang="en-US" b="1" dirty="0"/>
-                <a:t>Distributed Storage and Caching</a:t>
+                <a:t>分布式存储与缓存</a:t>
               </a:r>
               <a:endParaRPr lang="zh-CN" altLang="en-US" b="1" dirty="0"/>
             </a:p>
@@ -33082,7 +36691,7 @@
           <p:spPr>
             <a:xfrm>
               <a:off x="4210908" y="5217674"/>
-              <a:ext cx="2523490" cy="645160"/>
+              <a:ext cx="2523490" cy="368300"/>
             </a:xfrm>
             <a:prstGeom prst="rect">
               <a:avLst/>
@@ -33098,7 +36707,7 @@
               <a:pPr algn="r"/>
               <a:r>
                 <a:rPr lang="zh-CN" altLang="en-US" b="1" dirty="0"/>
-                <a:t>Backend Management System</a:t>
+                <a:t>后台管理系统</a:t>
               </a:r>
               <a:endParaRPr lang="zh-CN" altLang="en-US" b="1" dirty="0"/>
             </a:p>
@@ -33113,7 +36722,7 @@
           <p:spPr>
             <a:xfrm>
               <a:off x="4374103" y="3766064"/>
-              <a:ext cx="1849120" cy="922020"/>
+              <a:ext cx="1849120" cy="368300"/>
             </a:xfrm>
             <a:prstGeom prst="rect">
               <a:avLst/>
@@ -33129,7 +36738,7 @@
               <a:pPr algn="ctr"/>
               <a:r>
                 <a:rPr lang="zh-CN" altLang="en-US" b="1" dirty="0"/>
-                <a:t>Authentication and Authorization</a:t>
+                <a:t>身份验证与授权</a:t>
               </a:r>
               <a:endParaRPr lang="zh-CN" altLang="en-US" b="1" dirty="0"/>
             </a:p>
@@ -33160,7 +36769,7 @@
               <a:pPr algn="r"/>
               <a:r>
                 <a:rPr lang="zh-CN" altLang="en-US" b="1" dirty="0"/>
-                <a:t>Tags and Topics</a:t>
+                <a:t>标签和主题</a:t>
               </a:r>
               <a:endParaRPr lang="zh-CN" altLang="en-US" b="1" dirty="0"/>
             </a:p>
@@ -33218,10 +36827,10 @@
         </p:nvGrpSpPr>
         <p:grpSpPr>
           <a:xfrm>
-            <a:off x="829261" y="2835956"/>
-            <a:ext cx="3331116" cy="583565"/>
-            <a:chOff x="1106352" y="1985818"/>
-            <a:chExt cx="3030906" cy="583565"/>
+            <a:off x="829261" y="2866127"/>
+            <a:ext cx="3331116" cy="523220"/>
+            <a:chOff x="1106352" y="2015989"/>
+            <a:chExt cx="3030906" cy="523220"/>
           </a:xfrm>
         </p:grpSpPr>
         <p:sp>
@@ -33366,8 +36975,8 @@
           </p:nvSpPr>
           <p:spPr>
             <a:xfrm>
-              <a:off x="1855435" y="1985818"/>
-              <a:ext cx="2281823" cy="583565"/>
+              <a:off x="1855435" y="2109008"/>
+              <a:ext cx="2281823" cy="337185"/>
             </a:xfrm>
             <a:prstGeom prst="rect">
               <a:avLst/>
@@ -33481,7 +37090,7 @@
                   <a:latin typeface="Arial" panose="020B0604020202020204" pitchFamily="34" charset="0"/>
                   <a:ea typeface="微软雅黑" panose="020B0503020204020204" pitchFamily="34" charset="-122"/>
                 </a:rPr>
-                <a:t>Efficient Content Sharing Platform</a:t>
+                <a:t>高效的内容分享平台</a:t>
               </a:r>
               <a:endParaRPr lang="zh-CN" altLang="en-US" sz="1600" b="1" dirty="0">
                 <a:solidFill>
@@ -33502,10 +37111,10 @@
         </p:nvGrpSpPr>
         <p:grpSpPr>
           <a:xfrm>
-            <a:off x="829261" y="3568986"/>
-            <a:ext cx="3331116" cy="583565"/>
-            <a:chOff x="1106352" y="1985818"/>
-            <a:chExt cx="3030906" cy="583565"/>
+            <a:off x="829261" y="3599157"/>
+            <a:ext cx="3331116" cy="523220"/>
+            <a:chOff x="1106352" y="2015989"/>
+            <a:chExt cx="3030906" cy="523220"/>
           </a:xfrm>
         </p:grpSpPr>
         <p:sp>
@@ -33650,8 +37259,8 @@
           </p:nvSpPr>
           <p:spPr>
             <a:xfrm>
-              <a:off x="1855435" y="1985818"/>
-              <a:ext cx="2281823" cy="583565"/>
+              <a:off x="1855435" y="2109008"/>
+              <a:ext cx="2281823" cy="337185"/>
             </a:xfrm>
             <a:prstGeom prst="rect">
               <a:avLst/>
@@ -33765,7 +37374,7 @@
                   <a:latin typeface="Arial" panose="020B0604020202020204" pitchFamily="34" charset="0"/>
                   <a:ea typeface="微软雅黑" panose="020B0503020204020204" pitchFamily="34" charset="-122"/>
                 </a:rPr>
-                <a:t>Multi-level Social Network Construction</a:t>
+                <a:t>多层级社交网络构建</a:t>
               </a:r>
               <a:endParaRPr lang="zh-CN" altLang="en-US" sz="1600" b="1" dirty="0">
                 <a:solidFill>
@@ -33786,10 +37395,10 @@
         </p:nvGrpSpPr>
         <p:grpSpPr>
           <a:xfrm>
-            <a:off x="829261" y="4225180"/>
-            <a:ext cx="3331116" cy="737235"/>
-            <a:chOff x="1106352" y="1908983"/>
-            <a:chExt cx="3030906" cy="737235"/>
+            <a:off x="829261" y="4332186"/>
+            <a:ext cx="3331116" cy="523220"/>
+            <a:chOff x="1106352" y="2015989"/>
+            <a:chExt cx="3030906" cy="523220"/>
           </a:xfrm>
         </p:grpSpPr>
         <p:sp>
@@ -33934,8 +37543,8 @@
           </p:nvSpPr>
           <p:spPr>
             <a:xfrm>
-              <a:off x="1855435" y="1908983"/>
-              <a:ext cx="2281823" cy="737235"/>
+              <a:off x="1855435" y="2124248"/>
+              <a:ext cx="2281823" cy="306705"/>
             </a:xfrm>
             <a:prstGeom prst="rect">
               <a:avLst/>
@@ -34050,7 +37659,7 @@
                   <a:ea typeface="微软雅黑" panose="020B0503020204020204" pitchFamily="34" charset="-122"/>
                   <a:sym typeface="+mn-ea"/>
                 </a:rPr>
-                <a:t>Personalized Recommendations to Enhance User Experience</a:t>
+                <a:t>个性化推荐以提升用户体验</a:t>
               </a:r>
               <a:endParaRPr lang="zh-CN" altLang="en-US" dirty="0">
                 <a:solidFill>
@@ -34072,10 +37681,10 @@
         </p:nvGrpSpPr>
         <p:grpSpPr>
           <a:xfrm>
-            <a:off x="829261" y="4958210"/>
-            <a:ext cx="3381374" cy="737235"/>
-            <a:chOff x="1106352" y="1908984"/>
-            <a:chExt cx="3076635" cy="737235"/>
+            <a:off x="829261" y="5065215"/>
+            <a:ext cx="3381374" cy="523220"/>
+            <a:chOff x="1106352" y="2015989"/>
+            <a:chExt cx="3076635" cy="523220"/>
           </a:xfrm>
         </p:grpSpPr>
         <p:sp>
@@ -34220,8 +37829,8 @@
           </p:nvSpPr>
           <p:spPr>
             <a:xfrm>
-              <a:off x="1855722" y="1908984"/>
-              <a:ext cx="2327265" cy="737235"/>
+              <a:off x="1855722" y="2124249"/>
+              <a:ext cx="2327265" cy="306705"/>
             </a:xfrm>
             <a:prstGeom prst="rect">
               <a:avLst/>
@@ -34335,7 +37944,7 @@
                   <a:latin typeface="Arial" panose="020B0604020202020204" pitchFamily="34" charset="0"/>
                   <a:ea typeface="微软雅黑" panose="020B0503020204020204" pitchFamily="34" charset="-122"/>
                 </a:rPr>
-                <a:t>Convenient Note Management and Interaction Features</a:t>
+                <a:t>便捷的笔记管理和互动功能</a:t>
               </a:r>
               <a:endParaRPr lang="zh-CN" altLang="en-US" b="1" dirty="0">
                 <a:solidFill>
@@ -34619,7 +38228,7 @@
                   <a:latin typeface="Arial" panose="020B0604020202020204" pitchFamily="34" charset="0"/>
                   <a:ea typeface="微软雅黑" panose="020B0503020204020204" pitchFamily="34" charset="-122"/>
                 </a:rPr>
-                <a:t>System Stability</a:t>
+                <a:t>系统稳定性</a:t>
               </a:r>
               <a:endParaRPr lang="zh-CN" altLang="en-US" sz="1800" b="1" dirty="0">
                 <a:solidFill>
@@ -35127,7 +38736,7 @@
               <a:buSzPct val="100000"/>
             </a:pPr>
             <a:r>
-              <a:rPr lang="zh-CN" altLang="en-US" sz="1100" spc="100">
+              <a:rPr lang="zh-CN" altLang="en-US" sz="1400" spc="100">
                 <a:solidFill>
                   <a:schemeClr val="tx1">
                     <a:lumMod val="75000"/>
@@ -35138,9 +38747,23 @@
                 <a:latin typeface="Arial" panose="020B0604020202020204" pitchFamily="34" charset="0"/>
                 <a:ea typeface="微软雅黑" panose="020B0503020204020204" pitchFamily="34" charset="-122"/>
               </a:rPr>
-              <a:t>To ensure focus, the development of the Momento platform will concentrate on the aforementioned functional modules. The following items are excluded from the project scope:</a:t>
-            </a:r>
-            <a:endParaRPr lang="zh-CN" altLang="en-US" sz="1100" spc="100">
+              <a:t>为了确保</a:t>
+            </a:r>
+            <a:r>
+              <a:rPr lang="zh-CN" altLang="en-US" sz="1400" spc="100">
+                <a:solidFill>
+                  <a:schemeClr val="tx1">
+                    <a:lumMod val="75000"/>
+                    <a:lumOff val="25000"/>
+                  </a:schemeClr>
+                </a:solidFill>
+                <a:uFillTx/>
+                <a:latin typeface="Arial" panose="020B0604020202020204" pitchFamily="34" charset="0"/>
+                <a:ea typeface="微软雅黑" panose="020B0503020204020204" pitchFamily="34" charset="-122"/>
+              </a:rPr>
+              <a:t>主题，Momento平台的开发将集中在上述功能模块上。以下项目不在本项目范围内：</a:t>
+            </a:r>
+            <a:endParaRPr lang="zh-CN" altLang="en-US" sz="1400" spc="100">
               <a:solidFill>
                 <a:schemeClr val="tx1">
                   <a:lumMod val="75000"/>
@@ -35153,7 +38776,7 @@
             </a:endParaRPr>
           </a:p>
           <a:p>
-            <a:pPr marL="171450" lvl="0" indent="-171450" algn="l">
+            <a:pPr marL="285750" lvl="0" indent="-285750" algn="l">
               <a:lnSpc>
                 <a:spcPct val="120000"/>
               </a:lnSpc>
@@ -35168,7 +38791,7 @@
               <a:buChar char="•"/>
             </a:pPr>
             <a:r>
-              <a:rPr lang="zh-CN" altLang="en-US" sz="1100" spc="100">
+              <a:rPr lang="zh-CN" altLang="en-US" sz="1400" spc="100">
                 <a:solidFill>
                   <a:schemeClr val="tx1">
                     <a:lumMod val="75000"/>
@@ -35179,9 +38802,9 @@
                 <a:latin typeface="Arial" panose="020B0604020202020204" pitchFamily="34" charset="0"/>
                 <a:ea typeface="微软雅黑" panose="020B0503020204020204" pitchFamily="34" charset="-122"/>
               </a:rPr>
-              <a:t>Integration with third-party social platforms</a:t>
-            </a:r>
-            <a:endParaRPr lang="zh-CN" altLang="en-US" sz="1100" spc="100">
+              <a:t>与第三方社交平台的集成</a:t>
+            </a:r>
+            <a:endParaRPr lang="zh-CN" altLang="en-US" sz="1400" spc="100">
               <a:solidFill>
                 <a:schemeClr val="tx1">
                   <a:lumMod val="75000"/>
@@ -35194,7 +38817,7 @@
             </a:endParaRPr>
           </a:p>
           <a:p>
-            <a:pPr marL="171450" lvl="0" indent="-171450" algn="l">
+            <a:pPr marL="285750" lvl="0" indent="-285750" algn="l">
               <a:lnSpc>
                 <a:spcPct val="120000"/>
               </a:lnSpc>
@@ -35209,7 +38832,7 @@
               <a:buChar char="•"/>
             </a:pPr>
             <a:r>
-              <a:rPr lang="zh-CN" altLang="en-US" sz="1100" spc="100">
+              <a:rPr lang="zh-CN" altLang="en-US" sz="1400" spc="100">
                 <a:solidFill>
                   <a:schemeClr val="tx1">
                     <a:lumMod val="75000"/>
@@ -35220,9 +38843,9 @@
                 <a:latin typeface="Arial" panose="020B0604020202020204" pitchFamily="34" charset="0"/>
                 <a:ea typeface="微软雅黑" panose="020B0503020204020204" pitchFamily="34" charset="-122"/>
               </a:rPr>
-              <a:t>Support for live streaming and other media formats</a:t>
-            </a:r>
-            <a:endParaRPr lang="zh-CN" altLang="en-US" sz="1100" spc="100">
+              <a:t>支持直播及其他媒体格式</a:t>
+            </a:r>
+            <a:endParaRPr lang="zh-CN" altLang="en-US" sz="1400" spc="100">
               <a:solidFill>
                 <a:schemeClr val="tx1">
                   <a:lumMod val="75000"/>
@@ -35235,7 +38858,7 @@
             </a:endParaRPr>
           </a:p>
           <a:p>
-            <a:pPr marL="171450" lvl="0" indent="-171450" algn="l">
+            <a:pPr marL="285750" lvl="0" indent="-285750" algn="l">
               <a:lnSpc>
                 <a:spcPct val="120000"/>
               </a:lnSpc>
@@ -35250,7 +38873,7 @@
               <a:buChar char="•"/>
             </a:pPr>
             <a:r>
-              <a:rPr lang="zh-CN" altLang="en-US" sz="1100" spc="100">
+              <a:rPr lang="zh-CN" altLang="en-US" sz="1400" spc="100">
                 <a:solidFill>
                   <a:schemeClr val="tx1">
                     <a:lumMod val="75000"/>
@@ -35261,9 +38884,9 @@
                 <a:latin typeface="Arial" panose="020B0604020202020204" pitchFamily="34" charset="0"/>
                 <a:ea typeface="微软雅黑" panose="020B0503020204020204" pitchFamily="34" charset="-122"/>
               </a:rPr>
-              <a:t>E-commerce</a:t>
-            </a:r>
-            <a:endParaRPr lang="zh-CN" altLang="en-US" sz="1100" spc="100">
+              <a:t>电子商务</a:t>
+            </a:r>
+            <a:endParaRPr lang="zh-CN" altLang="en-US" sz="1400" spc="100">
               <a:solidFill>
                 <a:schemeClr val="tx1">
                   <a:lumMod val="75000"/>
@@ -35276,7 +38899,7 @@
             </a:endParaRPr>
           </a:p>
           <a:p>
-            <a:pPr marL="171450" lvl="0" indent="-171450" algn="l">
+            <a:pPr marL="285750" lvl="0" indent="-285750" algn="l">
               <a:lnSpc>
                 <a:spcPct val="120000"/>
               </a:lnSpc>
@@ -35291,7 +38914,7 @@
               <a:buChar char="•"/>
             </a:pPr>
             <a:r>
-              <a:rPr lang="zh-CN" altLang="en-US" sz="1100" spc="100">
+              <a:rPr lang="zh-CN" altLang="en-US" sz="1400" spc="100">
                 <a:solidFill>
                   <a:schemeClr val="tx1">
                     <a:lumMod val="75000"/>
@@ -35302,9 +38925,9 @@
                 <a:latin typeface="Arial" panose="020B0604020202020204" pitchFamily="34" charset="0"/>
                 <a:ea typeface="微软雅黑" panose="020B0503020204020204" pitchFamily="34" charset="-122"/>
               </a:rPr>
-              <a:t>Advertising management and other business expansion features。</a:t>
-            </a:r>
-            <a:endParaRPr lang="zh-CN" altLang="en-US" sz="1100" spc="100">
+              <a:t>广告管理及其他业务扩展功能</a:t>
+            </a:r>
+            <a:endParaRPr lang="zh-CN" altLang="en-US" sz="1400" spc="100">
               <a:solidFill>
                 <a:schemeClr val="tx1">
                   <a:lumMod val="75000"/>
@@ -35458,7 +39081,7 @@
                 <a:latin typeface="Arial" panose="020B0604020202020204" pitchFamily="34" charset="0"/>
                 <a:ea typeface="微软雅黑" panose="020B0503020204020204" pitchFamily="34" charset="-122"/>
               </a:rPr>
-              <a:t>Boundaries</a:t>
+              <a:t>项目边界</a:t>
             </a:r>
             <a:endParaRPr lang="zh-CN" altLang="en-US" sz="2500" b="1" spc="180">
               <a:solidFill>
@@ -35652,7 +39275,7 @@
               <a:buSzPct val="100000"/>
             </a:pPr>
             <a:r>
-              <a:rPr lang="zh-CN" altLang="en-US" sz="900" b="1" spc="60">
+              <a:rPr lang="zh-CN" altLang="en-US" sz="1200" b="1" spc="60">
                 <a:solidFill>
                   <a:schemeClr val="tx1">
                     <a:lumMod val="75000"/>
@@ -35662,9 +39285,9 @@
                 <a:uFillTx/>
                 <a:latin typeface="+mn-ea"/>
               </a:rPr>
-              <a:t>Constraints:</a:t>
-            </a:r>
-            <a:endParaRPr lang="zh-CN" altLang="en-US" sz="900" b="1" spc="60">
+              <a:t>约束:</a:t>
+            </a:r>
+            <a:endParaRPr lang="zh-CN" altLang="en-US" sz="1200" b="1" spc="60">
               <a:solidFill>
                 <a:schemeClr val="tx1">
                   <a:lumMod val="75000"/>
@@ -35689,7 +39312,7 @@
               <a:buSzPct val="100000"/>
             </a:pPr>
             <a:r>
-              <a:rPr lang="zh-CN" altLang="en-US" sz="900" spc="60">
+              <a:rPr lang="zh-CN" altLang="en-US" sz="1200" spc="60">
                 <a:solidFill>
                   <a:schemeClr val="tx1">
                     <a:lumMod val="75000"/>
@@ -35699,9 +39322,9 @@
                 <a:uFillTx/>
                 <a:latin typeface="+mn-ea"/>
               </a:rPr>
-              <a:t>The platform must ensure high availability and data consistency. It must remain stable under high user concurrency.</a:t>
-            </a:r>
-            <a:endParaRPr lang="zh-CN" altLang="en-US" sz="900" spc="60">
+              <a:t>平台必须确保高可用性和数据一致性，并且在高用户并发情况下保持稳定。</a:t>
+            </a:r>
+            <a:endParaRPr lang="zh-CN" altLang="en-US" sz="1200" spc="60">
               <a:solidFill>
                 <a:schemeClr val="tx1">
                   <a:lumMod val="75000"/>
@@ -35726,7 +39349,7 @@
               <a:buSzPct val="100000"/>
             </a:pPr>
             <a:r>
-              <a:rPr lang="zh-CN" altLang="en-US" sz="900" spc="60">
+              <a:rPr lang="zh-CN" altLang="en-US" sz="1200" spc="60">
                 <a:solidFill>
                   <a:schemeClr val="tx1">
                     <a:lumMod val="75000"/>
@@ -35736,22 +39359,9 @@
                 <a:uFillTx/>
                 <a:latin typeface="+mn-ea"/>
               </a:rPr>
-              <a:t>Data privacy and security are top priorities for the project. All user interactions and data storage must comply with relevant security standards</a:t>
-            </a:r>
-            <a:r>
-              <a:rPr lang="en-US" altLang="zh-CN" sz="900" spc="60">
-                <a:solidFill>
-                  <a:schemeClr val="tx1">
-                    <a:lumMod val="75000"/>
-                    <a:lumOff val="25000"/>
-                  </a:schemeClr>
-                </a:solidFill>
-                <a:uFillTx/>
-                <a:latin typeface="+mn-ea"/>
-              </a:rPr>
-              <a:t>.</a:t>
-            </a:r>
-            <a:endParaRPr lang="en-US" altLang="zh-CN" sz="900" spc="60">
+              <a:t>数据隐私和安全是本项目的首要任务，所有用户交互和数据存储必须符合相关安全标准。</a:t>
+            </a:r>
+            <a:endParaRPr lang="zh-CN" altLang="en-US" sz="1200" spc="60">
               <a:solidFill>
                 <a:schemeClr val="tx1">
                   <a:lumMod val="75000"/>
@@ -35776,7 +39386,7 @@
               <a:buSzPct val="100000"/>
             </a:pPr>
             <a:r>
-              <a:rPr lang="en-US" altLang="zh-CN" sz="900" b="1" spc="60">
+              <a:rPr lang="en-US" altLang="zh-CN" sz="1200" b="1" spc="60">
                 <a:solidFill>
                   <a:schemeClr val="tx1">
                     <a:lumMod val="75000"/>
@@ -35786,9 +39396,9 @@
                 <a:uFillTx/>
                 <a:latin typeface="+mn-ea"/>
               </a:rPr>
-              <a:t>Assumptions:</a:t>
-            </a:r>
-            <a:endParaRPr lang="en-US" altLang="zh-CN" sz="900" b="1" spc="60">
+              <a:t>假设:</a:t>
+            </a:r>
+            <a:endParaRPr lang="en-US" altLang="zh-CN" sz="1200" b="1" spc="60">
               <a:solidFill>
                 <a:schemeClr val="tx1">
                   <a:lumMod val="75000"/>
@@ -35813,7 +39423,7 @@
               <a:buSzPct val="100000"/>
             </a:pPr>
             <a:r>
-              <a:rPr lang="en-US" altLang="zh-CN" sz="900" spc="60">
+              <a:rPr lang="en-US" altLang="zh-CN" sz="1200" spc="60">
                 <a:solidFill>
                   <a:schemeClr val="tx1">
                     <a:lumMod val="75000"/>
@@ -35823,9 +39433,9 @@
                 <a:uFillTx/>
                 <a:latin typeface="+mn-ea"/>
               </a:rPr>
-              <a:t>It is assumed that users expect enhanced platform interactivity through personalized recommendations and real-time notifications.</a:t>
-            </a:r>
-            <a:endParaRPr lang="en-US" altLang="zh-CN" sz="900" spc="60">
+              <a:t>假设用户期望通过个性化推荐和实时通知来增强平台的互动性。</a:t>
+            </a:r>
+            <a:endParaRPr lang="en-US" altLang="zh-CN" sz="1200" spc="60">
               <a:solidFill>
                 <a:schemeClr val="tx1">
                   <a:lumMod val="75000"/>
@@ -35850,7 +39460,7 @@
               <a:buSzPct val="100000"/>
             </a:pPr>
             <a:r>
-              <a:rPr lang="en-US" altLang="zh-CN" sz="900" spc="60">
+              <a:rPr lang="en-US" altLang="zh-CN" sz="1200" spc="60">
                 <a:solidFill>
                   <a:schemeClr val="tx1">
                     <a:lumMod val="75000"/>
@@ -35860,9 +39470,9 @@
                 <a:uFillTx/>
                 <a:latin typeface="+mn-ea"/>
               </a:rPr>
-              <a:t>It is assumed that the system can effectively handle high concurrency demands through a distributed architecture.</a:t>
-            </a:r>
-            <a:endParaRPr lang="en-US" altLang="zh-CN" sz="900" spc="60">
+              <a:t>假设系统能够通过分布式架构有效应对高并发需求。</a:t>
+            </a:r>
+            <a:endParaRPr lang="en-US" altLang="zh-CN" sz="1200" spc="60">
               <a:solidFill>
                 <a:schemeClr val="tx1">
                   <a:lumMod val="75000"/>
@@ -35896,7 +39506,7 @@
         </p:spPr>
         <p:txBody>
           <a:bodyPr wrap="square" anchor="ctr">
-            <a:normAutofit fontScale="70000"/>
+            <a:normAutofit/>
           </a:bodyPr>
           <a:lstStyle>
             <a:defPPr>
@@ -36015,7 +39625,7 @@
                 <a:latin typeface="Arial" panose="020B0604020202020204" pitchFamily="34" charset="0"/>
                 <a:ea typeface="微软雅黑" panose="020B0503020204020204" pitchFamily="34" charset="-122"/>
               </a:rPr>
-              <a:t>Constraints and Assumptions</a:t>
+              <a:t>约束与假设</a:t>
             </a:r>
             <a:endParaRPr lang="zh-CN" altLang="en-US" sz="2500" b="1" spc="170">
               <a:solidFill>
@@ -36161,7 +39771,7 @@
               <a:buChar char="•"/>
             </a:pPr>
             <a:r>
-              <a:rPr lang="zh-CN" altLang="en-US" sz="1100" spc="60">
+              <a:rPr lang="zh-CN" altLang="en-US" sz="1400" spc="60">
                 <a:solidFill>
                   <a:schemeClr val="tx1">
                     <a:lumMod val="75000"/>
@@ -36172,9 +39782,9 @@
                 <a:latin typeface="Arial" panose="020B0604020202020204" pitchFamily="34" charset="0"/>
                 <a:ea typeface="微软雅黑" panose="020B0503020204020204" pitchFamily="34" charset="-122"/>
               </a:rPr>
-              <a:t>The system's core functions must operate stably under high-concurrency scenarios.</a:t>
-            </a:r>
-            <a:endParaRPr lang="zh-CN" altLang="en-US" sz="1100" spc="60">
+              <a:t>系统的核心功能必须在高并发场景下稳定运行。</a:t>
+            </a:r>
+            <a:endParaRPr lang="zh-CN" altLang="en-US" sz="1400" spc="60">
               <a:solidFill>
                 <a:schemeClr val="tx1">
                   <a:lumMod val="75000"/>
@@ -36202,7 +39812,7 @@
               <a:buChar char="•"/>
             </a:pPr>
             <a:r>
-              <a:rPr lang="zh-CN" altLang="en-US" sz="1100" spc="60">
+              <a:rPr lang="zh-CN" altLang="en-US" sz="1400" spc="60">
                 <a:solidFill>
                   <a:schemeClr val="tx1">
                     <a:lumMod val="75000"/>
@@ -36213,9 +39823,9 @@
                 <a:latin typeface="Arial" panose="020B0604020202020204" pitchFamily="34" charset="0"/>
                 <a:ea typeface="微软雅黑" panose="020B0503020204020204" pitchFamily="34" charset="-122"/>
               </a:rPr>
-              <a:t>Data consistency and the real-time responsiveness of user operations must meet expectations.</a:t>
-            </a:r>
-            <a:endParaRPr lang="zh-CN" altLang="en-US" sz="1100" spc="60">
+              <a:t>数据一致性和用户操作的实时响应性必须达到预期。</a:t>
+            </a:r>
+            <a:endParaRPr lang="zh-CN" altLang="en-US" sz="1400" spc="60">
               <a:solidFill>
                 <a:schemeClr val="tx1">
                   <a:lumMod val="75000"/>
@@ -36243,7 +39853,7 @@
               <a:buChar char="•"/>
             </a:pPr>
             <a:r>
-              <a:rPr lang="zh-CN" altLang="en-US" sz="1100" spc="60">
+              <a:rPr lang="zh-CN" altLang="en-US" sz="1400" spc="60">
                 <a:solidFill>
                   <a:schemeClr val="tx1">
                     <a:lumMod val="75000"/>
@@ -36254,9 +39864,9 @@
                 <a:latin typeface="Arial" panose="020B0604020202020204" pitchFamily="34" charset="0"/>
                 <a:ea typeface="微软雅黑" panose="020B0503020204020204" pitchFamily="34" charset="-122"/>
               </a:rPr>
-              <a:t>The user experience should be smooth, and the system should have complete functionality.</a:t>
-            </a:r>
-            <a:endParaRPr lang="zh-CN" altLang="en-US" sz="1100" spc="60">
+              <a:t>用户体验应流畅，系统功能应完整。</a:t>
+            </a:r>
+            <a:endParaRPr lang="zh-CN" altLang="en-US" sz="1400" spc="60">
               <a:solidFill>
                 <a:schemeClr val="tx1">
                   <a:lumMod val="75000"/>
@@ -36284,7 +39894,7 @@
               <a:buChar char="•"/>
             </a:pPr>
             <a:r>
-              <a:rPr lang="zh-CN" altLang="en-US" sz="1100" spc="60">
+              <a:rPr lang="zh-CN" altLang="en-US" sz="1400" spc="60">
                 <a:solidFill>
                   <a:schemeClr val="tx1">
                     <a:lumMod val="75000"/>
@@ -36295,9 +39905,9 @@
                 <a:latin typeface="Arial" panose="020B0604020202020204" pitchFamily="34" charset="0"/>
                 <a:ea typeface="微软雅黑" panose="020B0503020204020204" pitchFamily="34" charset="-122"/>
               </a:rPr>
-              <a:t>The backend management system must effectively manage users and content.</a:t>
-            </a:r>
-            <a:endParaRPr lang="zh-CN" altLang="en-US" sz="1100" spc="60">
+              <a:t>后台管理系统必须能够有效管理用户和内容。</a:t>
+            </a:r>
+            <a:endParaRPr lang="zh-CN" altLang="en-US" sz="1400" spc="60">
               <a:solidFill>
                 <a:schemeClr val="tx1">
                   <a:lumMod val="75000"/>
@@ -36325,7 +39935,7 @@
               <a:buChar char="•"/>
             </a:pPr>
             <a:r>
-              <a:rPr lang="zh-CN" altLang="en-US" sz="1100" spc="60">
+              <a:rPr lang="zh-CN" altLang="en-US" sz="1400" spc="60">
                 <a:solidFill>
                   <a:schemeClr val="tx1">
                     <a:lumMod val="75000"/>
@@ -36336,9 +39946,9 @@
                 <a:latin typeface="Arial" panose="020B0604020202020204" pitchFamily="34" charset="0"/>
                 <a:ea typeface="微软雅黑" panose="020B0503020204020204" pitchFamily="34" charset="-122"/>
               </a:rPr>
-              <a:t>The project must pass performance testing and be capable of supporting the intended user scale.。</a:t>
-            </a:r>
-            <a:endParaRPr lang="zh-CN" altLang="en-US" sz="1100" spc="60">
+              <a:t>项目必须通过性能测试，并能够支持预期的用户规模。</a:t>
+            </a:r>
+            <a:endParaRPr lang="zh-CN" altLang="en-US" sz="1400" spc="60">
               <a:solidFill>
                 <a:schemeClr val="tx1">
                   <a:lumMod val="75000"/>
@@ -36373,7 +39983,7 @@
         </p:spPr>
         <p:txBody>
           <a:bodyPr wrap="square" anchor="ctr">
-            <a:normAutofit fontScale="70000"/>
+            <a:normAutofit/>
           </a:bodyPr>
           <a:lstStyle>
             <a:defPPr>
@@ -36492,7 +40102,7 @@
                 <a:latin typeface="Arial" panose="020B0604020202020204" pitchFamily="34" charset="0"/>
                 <a:ea typeface="微软雅黑" panose="020B0503020204020204" pitchFamily="34" charset="-122"/>
               </a:rPr>
-              <a:t>Acceptance Criteria</a:t>
+              <a:t>验收标准</a:t>
             </a:r>
             <a:endParaRPr lang="zh-CN" altLang="en-US" sz="2500" b="1" spc="180">
               <a:solidFill>
@@ -36809,7 +40419,7 @@
               <a:defRPr/>
             </a:pPr>
             <a:r>
-              <a:rPr lang="en-US" altLang="zh-CN" b="1" noProof="0" dirty="0">
+              <a:rPr lang="en-US" altLang="zh-CN" noProof="0" dirty="0">
                 <a:ln>
                   <a:noFill/>
                 </a:ln>
@@ -36820,7 +40430,7 @@
                 <a:ea typeface="微软雅黑" panose="020B0503020204020204" pitchFamily="34" charset="-122"/>
                 <a:sym typeface="+mn-ea"/>
               </a:rPr>
-              <a:t>Project Overview</a:t>
+              <a:t>项目概述</a:t>
             </a:r>
             <a:endParaRPr lang="en-US" altLang="zh-CN" b="1" noProof="0" dirty="0">
               <a:ln>
@@ -37020,7 +40630,7 @@
               <a:t> </a:t>
             </a:r>
             <a:r>
-              <a:rPr lang="en-US" altLang="zh-CN" sz="3600" b="1" noProof="0" dirty="0">
+              <a:rPr lang="zh-CN" altLang="en-US" sz="3600" b="1" noProof="0" dirty="0">
                 <a:ln>
                   <a:noFill/>
                 </a:ln>
@@ -37031,7 +40641,7 @@
                 <a:ea typeface="微软雅黑" panose="020B0503020204020204" pitchFamily="34" charset="-122"/>
                 <a:sym typeface="+mn-ea"/>
               </a:rPr>
-              <a:t>Main Functionalities</a:t>
+              <a:t>主要功能</a:t>
             </a:r>
             <a:endParaRPr kumimoji="0" lang="en-US" altLang="zh-CN" sz="3600" b="1" i="0" u="none" strike="noStrike" kern="1200" cap="none" spc="0" normalizeH="0" baseline="0" noProof="0" dirty="0">
               <a:ln>
@@ -37098,7 +40708,7 @@
         </p:spPr>
         <p:txBody>
           <a:bodyPr vert="horz" lIns="91440" tIns="45720" rIns="91440" bIns="45720" rtlCol="0" anchor="ctr">
-            <a:normAutofit lnSpcReduction="20000"/>
+            <a:normAutofit fontScale="80000"/>
           </a:bodyPr>
           <a:lstStyle>
             <a:lvl1pPr algn="l" defTabSz="914400" rtl="0" eaLnBrk="1" latinLnBrk="0" hangingPunct="1">
@@ -37137,7 +40747,7 @@
               <a:defRPr/>
             </a:pPr>
             <a:r>
-              <a:rPr lang="en-US" altLang="zh-CN" noProof="0" dirty="0">
+              <a:rPr lang="zh-CN" altLang="en-US" noProof="0" dirty="0">
                 <a:ln>
                   <a:noFill/>
                 </a:ln>
@@ -37146,11 +40756,42 @@
                 <a:uFillTx/>
                 <a:latin typeface="微软雅黑" panose="020B0503020204020204" pitchFamily="34" charset="-122"/>
                 <a:ea typeface="微软雅黑" panose="020B0503020204020204" pitchFamily="34" charset="-122"/>
-                <a:cs typeface="+mn-cs"/>
                 <a:sym typeface="+mn-ea"/>
               </a:rPr>
-              <a:t>Main Functionalities</a:t>
-            </a:r>
+              <a:t>主要功能</a:t>
+            </a:r>
+            <a:endParaRPr kumimoji="0" lang="en-US" altLang="zh-CN" b="1" i="0" u="none" strike="noStrike" kern="1200" cap="none" spc="0" normalizeH="0" baseline="0" noProof="0" dirty="0">
+              <a:ln>
+                <a:noFill/>
+              </a:ln>
+              <a:solidFill>
+                <a:prstClr val="black"/>
+              </a:solidFill>
+              <a:effectLst/>
+              <a:uLnTx/>
+              <a:uFillTx/>
+              <a:latin typeface="微软雅黑" panose="020B0503020204020204" pitchFamily="34" charset="-122"/>
+              <a:ea typeface="微软雅黑" panose="020B0503020204020204" pitchFamily="34" charset="-122"/>
+              <a:cs typeface="+mn-cs"/>
+            </a:endParaRPr>
+          </a:p>
+          <a:p>
+            <a:pPr marL="0" marR="0" lvl="0" indent="0" algn="l" defTabSz="914400" rtl="0" eaLnBrk="1" fontAlgn="auto" latinLnBrk="0" hangingPunct="1">
+              <a:lnSpc>
+                <a:spcPct val="150000"/>
+              </a:lnSpc>
+              <a:spcBef>
+                <a:spcPts val="0"/>
+              </a:spcBef>
+              <a:spcAft>
+                <a:spcPts val="0"/>
+              </a:spcAft>
+              <a:buClrTx/>
+              <a:buSzTx/>
+              <a:buFontTx/>
+              <a:buNone/>
+              <a:defRPr/>
+            </a:pPr>
             <a:endParaRPr kumimoji="0" lang="en-US" altLang="zh-CN" sz="2800" b="1" i="0" u="none" strike="noStrike" kern="1200" cap="none" spc="0" normalizeH="0" baseline="0" noProof="0" dirty="0">
               <a:ln>
                 <a:noFill/>
@@ -37656,10 +41297,10 @@
               </a:lnSpc>
             </a:pPr>
             <a:r>
-              <a:rPr lang="zh-CN" altLang="en-US" sz="1200"/>
-              <a:t>Note and Comment Service</a:t>
-            </a:r>
-            <a:endParaRPr lang="zh-CN" altLang="en-US" sz="1200"/>
+              <a:rPr lang="zh-CN" altLang="en-US" sz="1400"/>
+              <a:t>笔记和评论服务  </a:t>
+            </a:r>
+            <a:endParaRPr lang="zh-CN" altLang="en-US" sz="1400"/>
           </a:p>
           <a:p>
             <a:pPr marL="0" indent="0">
@@ -37669,10 +41310,10 @@
               <a:buNone/>
             </a:pPr>
             <a:r>
-              <a:rPr lang="zh-CN" altLang="en-US" sz="1200" b="0"/>
-              <a:t>Users can publish, edit, and delete notes, as well as set visibility permissions. The platform supports pinned notes and nested comments to facilitate user interaction.</a:t>
-            </a:r>
-            <a:endParaRPr lang="zh-CN" altLang="en-US" sz="1200" b="0"/>
+              <a:rPr lang="zh-CN" altLang="en-US" sz="1400" b="0"/>
+              <a:t>用户可以发布、编辑和删除笔记，并设置可见性权限。平台支持置顶笔记和嵌套评论，以促进用户互动。  </a:t>
+            </a:r>
+            <a:endParaRPr lang="zh-CN" altLang="en-US" sz="1400"/>
           </a:p>
           <a:p>
             <a:pPr>
@@ -37681,10 +41322,10 @@
               </a:lnSpc>
             </a:pPr>
             <a:r>
-              <a:rPr lang="zh-CN" altLang="en-US" sz="1200"/>
-              <a:t>Like and Favorite Service</a:t>
-            </a:r>
-            <a:endParaRPr lang="zh-CN" altLang="en-US" sz="1200"/>
+              <a:rPr lang="zh-CN" altLang="en-US" sz="1400"/>
+              <a:t>点赞和收藏服务  </a:t>
+            </a:r>
+            <a:endParaRPr lang="zh-CN" altLang="en-US" sz="1400"/>
           </a:p>
           <a:p>
             <a:pPr marL="0" indent="0">
@@ -37694,10 +41335,10 @@
               <a:buNone/>
             </a:pPr>
             <a:r>
-              <a:rPr lang="zh-CN" altLang="en-US" sz="1200" b="0"/>
-              <a:t>Users can like, unlike, and favorite notes. The favorite feature supports category management, ensuring interaction data is accurately updated.</a:t>
-            </a:r>
-            <a:endParaRPr lang="zh-CN" altLang="en-US" sz="1200" b="0"/>
+              <a:rPr lang="zh-CN" altLang="en-US" sz="1400" b="0"/>
+              <a:t>用户可以点赞、取消点赞和收藏笔记。收藏功能支持分类管理，确保互动数据准确更新。  </a:t>
+            </a:r>
+            <a:endParaRPr lang="zh-CN" altLang="en-US" sz="1400" b="0"/>
           </a:p>
           <a:p>
             <a:pPr>
@@ -37706,10 +41347,10 @@
               </a:lnSpc>
             </a:pPr>
             <a:r>
-              <a:rPr lang="zh-CN" altLang="en-US" sz="1200"/>
-              <a:t>User Relationship Service</a:t>
-            </a:r>
-            <a:endParaRPr lang="zh-CN" altLang="en-US" sz="1200"/>
+              <a:rPr lang="zh-CN" altLang="en-US" sz="1400"/>
+              <a:t>用户关系服务  </a:t>
+            </a:r>
+            <a:endParaRPr lang="zh-CN" altLang="en-US" sz="1400"/>
           </a:p>
           <a:p>
             <a:pPr marL="0" indent="0">
@@ -37719,10 +41360,10 @@
               <a:buNone/>
             </a:pPr>
             <a:r>
-              <a:rPr lang="zh-CN" altLang="en-US" sz="1200" b="0"/>
-              <a:t>Enables users to follow and unfollow others, view followers and following lists, and synchronize with the recommendation service for personalized adjustments.</a:t>
-            </a:r>
-            <a:endParaRPr lang="zh-CN" altLang="en-US" sz="1200" b="0"/>
+              <a:rPr lang="zh-CN" altLang="en-US" sz="1400" b="0"/>
+              <a:t>支持用户关注和取关其他用户，查看粉丝和关注列表，并与推荐服务同步，以进行个性化调整。  </a:t>
+            </a:r>
+            <a:endParaRPr lang="zh-CN" altLang="en-US" sz="1400"/>
           </a:p>
           <a:p>
             <a:pPr>
@@ -37731,10 +41372,10 @@
               </a:lnSpc>
             </a:pPr>
             <a:r>
-              <a:rPr lang="zh-CN" altLang="en-US" sz="1200"/>
-              <a:t>Notification Service</a:t>
-            </a:r>
-            <a:endParaRPr lang="zh-CN" altLang="en-US" sz="1200"/>
+              <a:rPr lang="zh-CN" altLang="en-US" sz="1400"/>
+              <a:t>通知服务  </a:t>
+            </a:r>
+            <a:endParaRPr lang="zh-CN" altLang="en-US" sz="1400"/>
           </a:p>
           <a:p>
             <a:pPr marL="0" indent="0">
@@ -37744,10 +41385,10 @@
               <a:buNone/>
             </a:pPr>
             <a:r>
-              <a:rPr lang="zh-CN" altLang="en-US" sz="1200" b="0"/>
-              <a:t>Sends real-time interaction notifications to users, supports real-time message push and bulk sending, and provides read/unread status management.</a:t>
-            </a:r>
-            <a:endParaRPr lang="zh-CN" altLang="en-US" sz="1200" b="0"/>
+              <a:rPr lang="zh-CN" altLang="en-US" sz="1400" b="0"/>
+              <a:t>为用户发送实时互动通知，支持实时消息推送和批量发送，并提供已读/未读状态管理。  </a:t>
+            </a:r>
+            <a:endParaRPr lang="zh-CN" altLang="en-US" sz="1400" b="0"/>
           </a:p>
           <a:p>
             <a:pPr>
@@ -37756,10 +41397,10 @@
               </a:lnSpc>
             </a:pPr>
             <a:r>
-              <a:rPr lang="zh-CN" altLang="en-US" sz="1200"/>
-              <a:t>Authentication Service</a:t>
-            </a:r>
-            <a:endParaRPr lang="zh-CN" altLang="en-US" sz="1200"/>
+              <a:rPr lang="zh-CN" altLang="en-US" sz="1400"/>
+              <a:t>认证服务  </a:t>
+            </a:r>
+            <a:endParaRPr lang="zh-CN" altLang="en-US" sz="1400"/>
           </a:p>
           <a:p>
             <a:pPr marL="0" indent="0">
@@ -37769,10 +41410,10 @@
               <a:buNone/>
             </a:pPr>
             <a:r>
-              <a:rPr lang="zh-CN" altLang="en-US" sz="1200" b="0"/>
-              <a:t>Supports user registration, login, and password modification. JWT is used for identity verification, and multiple login methods and security features are integrated.</a:t>
-            </a:r>
-            <a:endParaRPr lang="zh-CN" altLang="en-US" sz="1200" b="0"/>
+              <a:rPr lang="zh-CN" altLang="en-US" sz="1400" b="0"/>
+              <a:t>支持用户注册、登录和修改密码。使用JWT进行身份验证，集成了多种登录方式和安全功能。  </a:t>
+            </a:r>
+            <a:endParaRPr lang="zh-CN" altLang="en-US" sz="1400"/>
           </a:p>
           <a:p>
             <a:pPr>
@@ -37781,10 +41422,10 @@
               </a:lnSpc>
             </a:pPr>
             <a:r>
-              <a:rPr lang="zh-CN" altLang="en-US" sz="1200"/>
-              <a:t>Tag and Topic Service</a:t>
-            </a:r>
-            <a:endParaRPr lang="zh-CN" altLang="en-US" sz="1200"/>
+              <a:rPr lang="zh-CN" altLang="en-US" sz="1400"/>
+              <a:t>标签和话题服务  </a:t>
+            </a:r>
+            <a:endParaRPr lang="zh-CN" altLang="en-US" sz="1400"/>
           </a:p>
           <a:p>
             <a:pPr marL="0" indent="0">
@@ -37794,14 +41435,10 @@
               <a:buNone/>
             </a:pPr>
             <a:r>
-              <a:rPr lang="zh-CN" altLang="en-US" sz="1200" b="0"/>
-              <a:t>Users can add tags to notes, create and participate in topic discussions. This service is integrated with the search functionality.
-</a:t>
-            </a:r>
-            <a:endParaRPr lang="zh-CN" altLang="en-US" sz="1200" b="0"/>
-          </a:p>
-          <a:p>
-            <a:endParaRPr lang="zh-CN" altLang="en-US" sz="1200" b="0"/>
+              <a:rPr lang="zh-CN" altLang="en-US" sz="1400" b="0"/>
+              <a:t>用户可以为笔记添加标签，创建并参与话题讨论。该服务与搜索功能集成。  </a:t>
+            </a:r>
+            <a:endParaRPr lang="zh-CN" altLang="en-US" sz="1400" b="0"/>
           </a:p>
         </p:txBody>
       </p:sp>
@@ -37814,7 +41451,7 @@
         <p:spPr>
           <a:xfrm>
             <a:off x="6195695" y="1223645"/>
-            <a:ext cx="5505450" cy="4892675"/>
+            <a:ext cx="5505450" cy="5046345"/>
           </a:xfrm>
           <a:prstGeom prst="rect">
             <a:avLst/>
@@ -37834,12 +41471,12 @@
               <a:buChar char="•"/>
             </a:pPr>
             <a:r>
-              <a:rPr lang="zh-CN" altLang="en-US" sz="1200" b="1">
+              <a:rPr lang="zh-CN" altLang="en-US" sz="1400" b="1">
                 <a:sym typeface="+mn-ea"/>
               </a:rPr>
-              <a:t>Content Recommendation Service</a:t>
-            </a:r>
-            <a:endParaRPr lang="zh-CN" altLang="en-US" sz="1200" b="1">
+              <a:t>内容推荐服务  </a:t>
+            </a:r>
+            <a:endParaRPr lang="zh-CN" altLang="en-US" sz="1400" b="1">
               <a:sym typeface="+mn-ea"/>
             </a:endParaRPr>
           </a:p>
@@ -37852,12 +41489,42 @@
               <a:buNone/>
             </a:pPr>
             <a:r>
-              <a:rPr lang="zh-CN" altLang="en-US" sz="1200">
+              <a:rPr lang="zh-CN" altLang="en-US" sz="1400">
                 <a:sym typeface="+mn-ea"/>
               </a:rPr>
-              <a:t>Provides personalized recommendations based on user behavior data. The recommendation service interacts with user relationships, likes, and favorites data.</a:t>
-            </a:r>
-            <a:endParaRPr lang="zh-CN" altLang="en-US" sz="1200">
+              <a:t>基于用户行为数据提供个性化推荐。推荐服务与用户关系、点赞和收藏数据交互，实现更精准的推荐效果。  </a:t>
+            </a:r>
+            <a:endParaRPr lang="zh-CN" altLang="en-US" sz="1400">
+              <a:sym typeface="+mn-ea"/>
+            </a:endParaRPr>
+          </a:p>
+          <a:p>
+            <a:pPr marL="285750" indent="-285750">
+              <a:lnSpc>
+                <a:spcPct val="100000"/>
+              </a:lnSpc>
+              <a:buFont typeface="Arial" panose="020B0604020202020204" pitchFamily="34" charset="0"/>
+              <a:buChar char="•"/>
+            </a:pPr>
+            <a:endParaRPr lang="zh-CN" altLang="en-US" sz="1400" b="1">
+              <a:sym typeface="+mn-ea"/>
+            </a:endParaRPr>
+          </a:p>
+          <a:p>
+            <a:pPr marL="285750" indent="-285750">
+              <a:lnSpc>
+                <a:spcPct val="100000"/>
+              </a:lnSpc>
+              <a:buFont typeface="Arial" panose="020B0604020202020204" pitchFamily="34" charset="0"/>
+              <a:buChar char="•"/>
+            </a:pPr>
+            <a:r>
+              <a:rPr lang="zh-CN" altLang="en-US" sz="1400" b="1">
+                <a:sym typeface="+mn-ea"/>
+              </a:rPr>
+              <a:t>搜索服务  </a:t>
+            </a:r>
+            <a:endParaRPr lang="zh-CN" altLang="en-US" sz="1400" b="1">
               <a:sym typeface="+mn-ea"/>
             </a:endParaRPr>
           </a:p>
@@ -37869,7 +41536,15 @@
               <a:buFont typeface="Arial" panose="020B0604020202020204" pitchFamily="34" charset="0"/>
               <a:buNone/>
             </a:pPr>
-            <a:endParaRPr lang="zh-CN" altLang="en-US" sz="1200" b="1"/>
+            <a:r>
+              <a:rPr lang="zh-CN" altLang="en-US" sz="1400">
+                <a:sym typeface="+mn-ea"/>
+              </a:rPr>
+              <a:t>用户可以搜索笔记、用户、标签和话题，支持多条件组合搜索。还为管理员提供内容审核支持。  </a:t>
+            </a:r>
+            <a:endParaRPr lang="zh-CN" altLang="en-US" sz="1400">
+              <a:sym typeface="+mn-ea"/>
+            </a:endParaRPr>
           </a:p>
           <a:p>
             <a:pPr marL="285750" indent="-285750">
@@ -37879,13 +41554,27 @@
               <a:buFont typeface="Arial" panose="020B0604020202020204" pitchFamily="34" charset="0"/>
               <a:buChar char="•"/>
             </a:pPr>
-            <a:r>
-              <a:rPr lang="zh-CN" altLang="en-US" sz="1200" b="1">
+            <a:endParaRPr lang="zh-CN" altLang="en-US" sz="1400" b="1">
+              <a:sym typeface="+mn-ea"/>
+            </a:endParaRPr>
+          </a:p>
+          <a:p>
+            <a:pPr marL="285750" indent="-285750">
+              <a:lnSpc>
+                <a:spcPct val="100000"/>
+              </a:lnSpc>
+              <a:buFont typeface="Arial" panose="020B0604020202020204" pitchFamily="34" charset="0"/>
+              <a:buChar char="•"/>
+            </a:pPr>
+            <a:r>
+              <a:rPr lang="zh-CN" altLang="en-US" sz="1400" b="1">
                 <a:sym typeface="+mn-ea"/>
               </a:rPr>
-              <a:t>Search Service</a:t>
-            </a:r>
-            <a:endParaRPr lang="zh-CN" altLang="en-US" sz="1200" b="1"/>
+              <a:t>后台管理服务  </a:t>
+            </a:r>
+            <a:endParaRPr lang="zh-CN" altLang="en-US" sz="1400" b="1">
+              <a:sym typeface="+mn-ea"/>
+            </a:endParaRPr>
           </a:p>
           <a:p>
             <a:pPr indent="0">
@@ -37896,12 +41585,42 @@
               <a:buNone/>
             </a:pPr>
             <a:r>
-              <a:rPr lang="zh-CN" altLang="en-US" sz="1200">
+              <a:rPr lang="zh-CN" altLang="en-US" sz="1400">
                 <a:sym typeface="+mn-ea"/>
               </a:rPr>
-              <a:t>Users can search for notes, users, tags, and topics, supporting multi-criteria combination search. It also offers content review support for administrators.</a:t>
-            </a:r>
-            <a:endParaRPr lang="zh-CN" altLang="en-US" sz="1200">
+              <a:t>管理员可以审核笔记和评论，管理用户账户权限，查看数据统计，并处理内容审核和违规情况。  </a:t>
+            </a:r>
+            <a:endParaRPr lang="zh-CN" altLang="en-US" sz="1400">
+              <a:sym typeface="+mn-ea"/>
+            </a:endParaRPr>
+          </a:p>
+          <a:p>
+            <a:pPr marL="285750" indent="-285750">
+              <a:lnSpc>
+                <a:spcPct val="100000"/>
+              </a:lnSpc>
+              <a:buFont typeface="Arial" panose="020B0604020202020204" pitchFamily="34" charset="0"/>
+              <a:buChar char="•"/>
+            </a:pPr>
+            <a:endParaRPr lang="zh-CN" altLang="en-US" sz="1400" b="1">
+              <a:sym typeface="+mn-ea"/>
+            </a:endParaRPr>
+          </a:p>
+          <a:p>
+            <a:pPr marL="285750" indent="-285750">
+              <a:lnSpc>
+                <a:spcPct val="100000"/>
+              </a:lnSpc>
+              <a:buFont typeface="Arial" panose="020B0604020202020204" pitchFamily="34" charset="0"/>
+              <a:buChar char="•"/>
+            </a:pPr>
+            <a:r>
+              <a:rPr lang="zh-CN" altLang="en-US" sz="1400" b="1">
+                <a:sym typeface="+mn-ea"/>
+              </a:rPr>
+              <a:t>分布式ID生成服务  </a:t>
+            </a:r>
+            <a:endParaRPr lang="zh-CN" altLang="en-US" sz="1400" b="1">
               <a:sym typeface="+mn-ea"/>
             </a:endParaRPr>
           </a:p>
@@ -37913,7 +41632,21 @@
               <a:buFont typeface="Arial" panose="020B0604020202020204" pitchFamily="34" charset="0"/>
               <a:buNone/>
             </a:pPr>
-            <a:endParaRPr lang="zh-CN" altLang="en-US" sz="1200" b="1"/>
+            <a:r>
+              <a:rPr lang="zh-CN" altLang="en-US" sz="1400">
+                <a:sym typeface="+mn-ea"/>
+              </a:rPr>
+              <a:t>集成美团的Leaf解决方案，提供基于段的ID和Snowflake算法的ID生成，确保系统操作的唯一性。</a:t>
+            </a:r>
+            <a:r>
+              <a:rPr lang="zh-CN" altLang="en-US" sz="1400" b="1">
+                <a:sym typeface="+mn-ea"/>
+              </a:rPr>
+              <a:t>  </a:t>
+            </a:r>
+            <a:endParaRPr lang="zh-CN" altLang="en-US" sz="1400" b="1">
+              <a:sym typeface="+mn-ea"/>
+            </a:endParaRPr>
           </a:p>
           <a:p>
             <a:pPr marL="285750" indent="-285750">
@@ -37923,13 +41656,27 @@
               <a:buFont typeface="Arial" panose="020B0604020202020204" pitchFamily="34" charset="0"/>
               <a:buChar char="•"/>
             </a:pPr>
-            <a:r>
-              <a:rPr lang="zh-CN" altLang="en-US" sz="1200" b="1">
+            <a:endParaRPr lang="zh-CN" altLang="en-US" sz="1400" b="1">
+              <a:sym typeface="+mn-ea"/>
+            </a:endParaRPr>
+          </a:p>
+          <a:p>
+            <a:pPr marL="285750" indent="-285750">
+              <a:lnSpc>
+                <a:spcPct val="100000"/>
+              </a:lnSpc>
+              <a:buFont typeface="Arial" panose="020B0604020202020204" pitchFamily="34" charset="0"/>
+              <a:buChar char="•"/>
+            </a:pPr>
+            <a:r>
+              <a:rPr lang="zh-CN" altLang="en-US" sz="1400" b="1">
                 <a:sym typeface="+mn-ea"/>
               </a:rPr>
-              <a:t>Backend Management Service</a:t>
-            </a:r>
-            <a:endParaRPr lang="zh-CN" altLang="en-US" sz="1200" b="1"/>
+              <a:t>对象存储服务  </a:t>
+            </a:r>
+            <a:endParaRPr lang="zh-CN" altLang="en-US" sz="1400" b="1">
+              <a:sym typeface="+mn-ea"/>
+            </a:endParaRPr>
           </a:p>
           <a:p>
             <a:pPr indent="0">
@@ -37940,12 +41687,42 @@
               <a:buNone/>
             </a:pPr>
             <a:r>
-              <a:rPr lang="zh-CN" altLang="en-US" sz="1200">
+              <a:rPr lang="zh-CN" altLang="en-US" sz="1400">
                 <a:sym typeface="+mn-ea"/>
               </a:rPr>
-              <a:t>Administrators can review notes and comments, manage user account permissions, view data statistics, and handle content reviews and violations.</a:t>
-            </a:r>
-            <a:endParaRPr lang="zh-CN" altLang="en-US" sz="1200">
+              <a:t>存储用户上传的图片、视频和其他数据，支持Minio作为存储类型，并可灵活扩展至其他存储类型，支持分布式配置管理。  </a:t>
+            </a:r>
+            <a:endParaRPr lang="zh-CN" altLang="en-US" sz="1400">
+              <a:sym typeface="+mn-ea"/>
+            </a:endParaRPr>
+          </a:p>
+          <a:p>
+            <a:pPr marL="285750" indent="-285750">
+              <a:lnSpc>
+                <a:spcPct val="100000"/>
+              </a:lnSpc>
+              <a:buFont typeface="Arial" panose="020B0604020202020204" pitchFamily="34" charset="0"/>
+              <a:buChar char="•"/>
+            </a:pPr>
+            <a:endParaRPr lang="zh-CN" altLang="en-US" sz="1400" b="1">
+              <a:sym typeface="+mn-ea"/>
+            </a:endParaRPr>
+          </a:p>
+          <a:p>
+            <a:pPr marL="285750" indent="-285750">
+              <a:lnSpc>
+                <a:spcPct val="100000"/>
+              </a:lnSpc>
+              <a:buFont typeface="Arial" panose="020B0604020202020204" pitchFamily="34" charset="0"/>
+              <a:buChar char="•"/>
+            </a:pPr>
+            <a:r>
+              <a:rPr lang="zh-CN" altLang="en-US" sz="1400" b="1">
+                <a:sym typeface="+mn-ea"/>
+              </a:rPr>
+              <a:t>计数服务  </a:t>
+            </a:r>
+            <a:endParaRPr lang="zh-CN" altLang="en-US" sz="1400" b="1">
               <a:sym typeface="+mn-ea"/>
             </a:endParaRPr>
           </a:p>
@@ -37957,136 +41734,15 @@
               <a:buFont typeface="Arial" panose="020B0604020202020204" pitchFamily="34" charset="0"/>
               <a:buNone/>
             </a:pPr>
-            <a:endParaRPr lang="zh-CN" altLang="en-US" sz="1200">
+            <a:r>
+              <a:rPr lang="zh-CN" altLang="en-US" sz="1400">
+                <a:sym typeface="+mn-ea"/>
+              </a:rPr>
+              <a:t>跟踪用户的互动行为，如点赞、收藏、关注及粉丝数量，确保在高并发场下数据计数的准确性。  </a:t>
+            </a:r>
+            <a:endParaRPr lang="zh-CN" altLang="en-US" sz="1400">
               <a:sym typeface="+mn-ea"/>
             </a:endParaRPr>
-          </a:p>
-          <a:p>
-            <a:pPr marL="285750" indent="-285750">
-              <a:lnSpc>
-                <a:spcPct val="100000"/>
-              </a:lnSpc>
-              <a:buFont typeface="Arial" panose="020B0604020202020204" pitchFamily="34" charset="0"/>
-              <a:buChar char="•"/>
-            </a:pPr>
-            <a:r>
-              <a:rPr lang="zh-CN" altLang="en-US" sz="1200" b="1">
-                <a:sym typeface="+mn-ea"/>
-              </a:rPr>
-              <a:t>Distributed ID Generation Service</a:t>
-            </a:r>
-            <a:endParaRPr lang="zh-CN" altLang="en-US" sz="1200" b="1"/>
-          </a:p>
-          <a:p>
-            <a:pPr indent="0">
-              <a:lnSpc>
-                <a:spcPct val="100000"/>
-              </a:lnSpc>
-              <a:buFont typeface="Arial" panose="020B0604020202020204" pitchFamily="34" charset="0"/>
-              <a:buNone/>
-            </a:pPr>
-            <a:r>
-              <a:rPr lang="zh-CN" altLang="en-US" sz="1200">
-                <a:sym typeface="+mn-ea"/>
-              </a:rPr>
-              <a:t>Integrates Meituan's Leaf solution, offering segment-based ID and Snowflake algorithm ID generation to ensure the uniqueness of system operations.</a:t>
-            </a:r>
-            <a:endParaRPr lang="zh-CN" altLang="en-US" sz="1200">
-              <a:sym typeface="+mn-ea"/>
-            </a:endParaRPr>
-          </a:p>
-          <a:p>
-            <a:pPr indent="0">
-              <a:lnSpc>
-                <a:spcPct val="100000"/>
-              </a:lnSpc>
-              <a:buFont typeface="Arial" panose="020B0604020202020204" pitchFamily="34" charset="0"/>
-              <a:buNone/>
-            </a:pPr>
-            <a:endParaRPr lang="zh-CN" altLang="en-US" sz="1200" b="1"/>
-          </a:p>
-          <a:p>
-            <a:pPr marL="285750" indent="-285750">
-              <a:lnSpc>
-                <a:spcPct val="100000"/>
-              </a:lnSpc>
-              <a:buFont typeface="Arial" panose="020B0604020202020204" pitchFamily="34" charset="0"/>
-              <a:buChar char="•"/>
-            </a:pPr>
-            <a:r>
-              <a:rPr lang="zh-CN" altLang="en-US" sz="1200" b="1">
-                <a:sym typeface="+mn-ea"/>
-              </a:rPr>
-              <a:t>Object Storage Service</a:t>
-            </a:r>
-            <a:endParaRPr lang="zh-CN" altLang="en-US" sz="1200" b="1">
-              <a:sym typeface="+mn-ea"/>
-            </a:endParaRPr>
-          </a:p>
-          <a:p>
-            <a:pPr indent="0">
-              <a:lnSpc>
-                <a:spcPct val="100000"/>
-              </a:lnSpc>
-              <a:buFont typeface="Arial" panose="020B0604020202020204" pitchFamily="34" charset="0"/>
-              <a:buNone/>
-            </a:pPr>
-            <a:r>
-              <a:rPr lang="zh-CN" altLang="en-US" sz="1200">
-                <a:sym typeface="+mn-ea"/>
-              </a:rPr>
-              <a:t>Stores user-uploaded images, videos, and other data, supporting Minio as a storage type with the flexibility to extend to other types. It supports distributed configuration management.</a:t>
-            </a:r>
-            <a:endParaRPr lang="zh-CN" altLang="en-US" sz="1200">
-              <a:sym typeface="+mn-ea"/>
-            </a:endParaRPr>
-          </a:p>
-          <a:p>
-            <a:pPr indent="0">
-              <a:lnSpc>
-                <a:spcPct val="100000"/>
-              </a:lnSpc>
-              <a:buFont typeface="Arial" panose="020B0604020202020204" pitchFamily="34" charset="0"/>
-              <a:buNone/>
-            </a:pPr>
-            <a:endParaRPr lang="zh-CN" altLang="en-US" sz="1200">
-              <a:sym typeface="+mn-ea"/>
-            </a:endParaRPr>
-          </a:p>
-          <a:p>
-            <a:pPr marL="285750" indent="-285750">
-              <a:lnSpc>
-                <a:spcPct val="100000"/>
-              </a:lnSpc>
-              <a:buFont typeface="Arial" panose="020B0604020202020204" pitchFamily="34" charset="0"/>
-              <a:buChar char="•"/>
-            </a:pPr>
-            <a:r>
-              <a:rPr lang="zh-CN" altLang="en-US" sz="1200" b="1">
-                <a:sym typeface="+mn-ea"/>
-              </a:rPr>
-              <a:t>Counting Service</a:t>
-            </a:r>
-            <a:endParaRPr lang="zh-CN" altLang="en-US" sz="1200" b="1"/>
-          </a:p>
-          <a:p>
-            <a:pPr indent="0">
-              <a:lnSpc>
-                <a:spcPct val="100000"/>
-              </a:lnSpc>
-              <a:buFont typeface="Arial" panose="020B0604020202020204" pitchFamily="34" charset="0"/>
-              <a:buNone/>
-            </a:pPr>
-            <a:r>
-              <a:rPr lang="zh-CN" altLang="en-US" sz="1200">
-                <a:sym typeface="+mn-ea"/>
-              </a:rPr>
-              <a:t>Tracks user interactions such as likes, favorites, follows, and follower counts. It ensures accurate data counting even under high concurrency scenarios.</a:t>
-            </a:r>
-            <a:endParaRPr lang="zh-CN" altLang="en-US" sz="1200"/>
-          </a:p>
-          <a:p>
-            <a:endParaRPr lang="zh-CN" altLang="en-US" sz="1200"/>
           </a:p>
         </p:txBody>
       </p:sp>
@@ -38118,6 +41774,72 @@
 </file>
 
 <file path=ppt/tags/tag100.xml><?xml version="1.0" encoding="utf-8"?>
+<p:tagLst xmlns:p="http://schemas.openxmlformats.org/presentationml/2006/main">
+  <p:tag name="KSO_WM_UNIT_HIGHLIGHT" val="0"/>
+  <p:tag name="KSO_WM_UNIT_COMPATIBLE" val="0"/>
+  <p:tag name="KSO_WM_UNIT_DIAGRAM_ISNUMVISUAL" val="0"/>
+  <p:tag name="KSO_WM_UNIT_DIAGRAM_ISREFERUNIT" val="0"/>
+  <p:tag name="KSO_WM_UNIT_TYPE" val="i"/>
+  <p:tag name="KSO_WM_UNIT_INDEX" val="4"/>
+  <p:tag name="KSO_WM_UNIT_ID" val="diagram20213550_1*i*4"/>
+  <p:tag name="KSO_WM_TEMPLATE_CATEGORY" val="diagram"/>
+  <p:tag name="KSO_WM_TEMPLATE_INDEX" val="20213550"/>
+  <p:tag name="KSO_WM_UNIT_LAYERLEVEL" val="1"/>
+  <p:tag name="KSO_WM_TAG_VERSION" val="1.0"/>
+  <p:tag name="KSO_WM_BEAUTIFY_FLAG" val="#wm#"/>
+  <p:tag name="KSO_WM_UNIT_SM_LIMIT_TYPE" val="2"/>
+  <p:tag name="KSO_WM_UNIT_BLOCK" val="0"/>
+  <p:tag name="KSO_WM_UNIT_DECORATE_INFO" val="{&quot;ReferentInfo&quot;:{&quot;Id&quot;:&quot;slide&quot;,&quot;X&quot;:{&quot;Pos&quot;:0},&quot;Y&quot;:{&quot;Pos&quot;:2}},&quot;DecorateInfoX&quot;:{&quot;Pos&quot;:0,&quot;IsAbs&quot;:false},&quot;DecorateInfoY&quot;:{&quot;Pos&quot;:2,&quot;IsAbs&quot;:false},&quot;DecorateInfoW&quot;:{&quot;IsAbs&quot;:false},&quot;DecorateInfoH&quot;:{&quot;IsAbs&quot;:false},&quot;whChangeMode&quot;:0}"/>
+  <p:tag name="KSO_WM_UNIT_DEC_AREA_ID" val="bf73e0fa95254115a65380345b4aa9dc"/>
+  <p:tag name="PA" val="v5.2.11"/>
+  <p:tag name="KSO_WM_CHIP_GROUPID" val="5e757e3269be4861f5f8614a"/>
+  <p:tag name="KSO_WM_CHIP_XID" val="5f607145688f7a6c7bea32a6"/>
+  <p:tag name="KSO_WM_UNIT_LINE_FORE_SCHEMECOLOR_INDEX_BRIGHTNESS" val="-0.25"/>
+  <p:tag name="KSO_WM_UNIT_LINE_FORE_SCHEMECOLOR_INDEX" val="14"/>
+  <p:tag name="KSO_WM_UNIT_LINE_FILL_TYPE" val="2"/>
+  <p:tag name="KSO_WM_TEMPLATE_ASSEMBLE_XID" val="60656f434054ed1e2fb80687"/>
+  <p:tag name="KSO_WM_TEMPLATE_ASSEMBLE_GROUPID" val="60656f434054ed1e2fb80687"/>
+</p:tagLst>
+</file>
+
+<file path=ppt/tags/tag101.xml><?xml version="1.0" encoding="utf-8"?>
+<p:tagLst xmlns:p="http://schemas.openxmlformats.org/presentationml/2006/main">
+  <p:tag name="KSO_WM_UNIT_ISCONTENTSTITLE" val="0"/>
+  <p:tag name="KSO_WM_UNIT_ISNUMDGMTITLE" val="0"/>
+  <p:tag name="KSO_WM_UNIT_NOCLEAR" val="0"/>
+  <p:tag name="KSO_WM_UNIT_VALUE" val="24"/>
+  <p:tag name="KSO_WM_UNIT_HIGHLIGHT" val="0"/>
+  <p:tag name="KSO_WM_UNIT_COMPATIBLE" val="0"/>
+  <p:tag name="KSO_WM_UNIT_DIAGRAM_ISNUMVISUAL" val="0"/>
+  <p:tag name="KSO_WM_UNIT_DIAGRAM_ISREFERUNIT" val="0"/>
+  <p:tag name="KSO_WM_UNIT_TYPE" val="a"/>
+  <p:tag name="KSO_WM_UNIT_INDEX" val="1"/>
+  <p:tag name="KSO_WM_UNIT_ID" val="diagram20213550_1*a*1"/>
+  <p:tag name="KSO_WM_TEMPLATE_CATEGORY" val="diagram"/>
+  <p:tag name="KSO_WM_TEMPLATE_INDEX" val="20213550"/>
+  <p:tag name="KSO_WM_UNIT_LAYERLEVEL" val="1"/>
+  <p:tag name="KSO_WM_TAG_VERSION" val="1.0"/>
+  <p:tag name="KSO_WM_BEAUTIFY_FLAG" val="#wm#"/>
+  <p:tag name="KSO_WM_UNIT_PRESET_TEXT" val="单击此处添加大标题内容"/>
+  <p:tag name="KSO_WM_UNIT_DEFAULT_FONT" val="24;44;4"/>
+  <p:tag name="KSO_WM_UNIT_BLOCK" val="0"/>
+  <p:tag name="KSO_WM_UNIT_SHOW_EDIT_AREA_INDICATION" val="1"/>
+  <p:tag name="KSO_WM_CHIP_GROUPID" val="5e7881253197e252a37019b5"/>
+  <p:tag name="KSO_WM_CHIP_XID" val="5e7881253197e252a37019b6"/>
+  <p:tag name="KSO_WM_UNIT_DEC_AREA_ID" val="f139e14b1e39486da7140564d9016683"/>
+  <p:tag name="KSO_WM_UNIT_DECORATE_INFO" val="{&quot;ReferentInfo&quot;:{&quot;Id&quot;:&quot;slide&quot;,&quot;X&quot;:{&quot;Pos&quot;:0},&quot;Y&quot;:{&quot;Pos&quot;:0}},&quot;DecorateInfoX&quot;:{&quot;Pos&quot;:0,&quot;IsAbs&quot;:false},&quot;DecorateInfoY&quot;:{&quot;Pos&quot;:0,&quot;IsAbs&quot;:false},&quot;DecorateInfoW&quot;:{&quot;IsAbs&quot;:false},&quot;DecorateInfoH&quot;:{&quot;IsAbs&quot;:false},&quot;whChangeMode&quot;:0}"/>
+  <p:tag name="KSO_WM_UNIT_SM_LIMIT_TYPE" val="2"/>
+  <p:tag name="KSO_WM_CHIP_FILLAREA_FILL_RULE" val="{&quot;fill_align&quot;:&quot;ct&quot;,&quot;fill_mode&quot;:&quot;full&quot;,&quot;sacle_strategy&quot;:&quot;smart&quot;}"/>
+  <p:tag name="KSO_WM_ASSEMBLE_CHIP_INDEX" val="0439eeda57a64da4894f55c4d016b9b6"/>
+  <p:tag name="KSO_WM_UNIT_TEXT_FILL_FORE_SCHEMECOLOR_INDEX_BRIGHTNESS" val="0"/>
+  <p:tag name="KSO_WM_UNIT_TEXT_FILL_FORE_SCHEMECOLOR_INDEX" val="13"/>
+  <p:tag name="KSO_WM_UNIT_TEXT_FILL_TYPE" val="1"/>
+  <p:tag name="KSO_WM_TEMPLATE_ASSEMBLE_XID" val="60656f434054ed1e2fb80687"/>
+  <p:tag name="KSO_WM_TEMPLATE_ASSEMBLE_GROUPID" val="60656f434054ed1e2fb80687"/>
+</p:tagLst>
+</file>
+
+<file path=ppt/tags/tag102.xml><?xml version="1.0" encoding="utf-8"?>
 <p:tagLst xmlns:p="http://schemas.openxmlformats.org/presentationml/2006/main">
   <p:tag name="KSO_WM_UNIT_TEXT_SUBTYPE" val="a"/>
   <p:tag name="KSO_WM_UNIT_SUBTYPE" val="a"/>
@@ -38155,7 +41877,7 @@
 </p:tagLst>
 </file>
 
-<file path=ppt/tags/tag101.xml><?xml version="1.0" encoding="utf-8"?>
+<file path=ppt/tags/tag103.xml><?xml version="1.0" encoding="utf-8"?>
 <p:tagLst xmlns:p="http://schemas.openxmlformats.org/presentationml/2006/main">
   <p:tag name="KSO_WM_SLIDE_ID" val="diagram20213550_1"/>
   <p:tag name="KSO_WM_TEMPLATE_SUBCATEGORY" val="21"/>
@@ -38189,7 +41911,7 @@
 </p:tagLst>
 </file>
 
-<file path=ppt/tags/tag102.xml><?xml version="1.0" encoding="utf-8"?>
+<file path=ppt/tags/tag104.xml><?xml version="1.0" encoding="utf-8"?>
 <p:tagLst xmlns:p="http://schemas.openxmlformats.org/presentationml/2006/main">
   <p:tag name="KSO_WM_UNIT_HIGHLIGHT" val="0"/>
   <p:tag name="KSO_WM_UNIT_COMPATIBLE" val="0"/>
@@ -38218,7 +41940,7 @@
 </p:tagLst>
 </file>
 
-<file path=ppt/tags/tag103.xml><?xml version="1.0" encoding="utf-8"?>
+<file path=ppt/tags/tag105.xml><?xml version="1.0" encoding="utf-8"?>
 <p:tagLst xmlns:p="http://schemas.openxmlformats.org/presentationml/2006/main">
   <p:tag name="KSO_WM_UNIT_BLOCK" val="0"/>
   <p:tag name="KSO_WM_UNIT_SM_LIMIT_TYPE" val="2"/>
@@ -38250,7 +41972,7 @@
 </p:tagLst>
 </file>
 
-<file path=ppt/tags/tag104.xml><?xml version="1.0" encoding="utf-8"?>
+<file path=ppt/tags/tag106.xml><?xml version="1.0" encoding="utf-8"?>
 <p:tagLst xmlns:p="http://schemas.openxmlformats.org/presentationml/2006/main">
   <p:tag name="KSO_WM_UNIT_HIGHLIGHT" val="0"/>
   <p:tag name="KSO_WM_UNIT_COMPATIBLE" val="0"/>
@@ -38283,7 +42005,7 @@
 </p:tagLst>
 </file>
 
-<file path=ppt/tags/tag105.xml><?xml version="1.0" encoding="utf-8"?>
+<file path=ppt/tags/tag107.xml><?xml version="1.0" encoding="utf-8"?>
 <p:tagLst xmlns:p="http://schemas.openxmlformats.org/presentationml/2006/main">
   <p:tag name="KSO_WM_UNIT_HIGHLIGHT" val="0"/>
   <p:tag name="KSO_WM_UNIT_COMPATIBLE" val="0"/>
@@ -38312,7 +42034,7 @@
 </p:tagLst>
 </file>
 
-<file path=ppt/tags/tag106.xml><?xml version="1.0" encoding="utf-8"?>
+<file path=ppt/tags/tag108.xml><?xml version="1.0" encoding="utf-8"?>
 <p:tagLst xmlns:p="http://schemas.openxmlformats.org/presentationml/2006/main">
   <p:tag name="KSO_WM_UNIT_ISCONTENTSTITLE" val="0"/>
   <p:tag name="KSO_WM_UNIT_ISNUMDGMTITLE" val="0"/>
@@ -38349,7 +42071,7 @@
 </p:tagLst>
 </file>
 
-<file path=ppt/tags/tag107.xml><?xml version="1.0" encoding="utf-8"?>
+<file path=ppt/tags/tag109.xml><?xml version="1.0" encoding="utf-8"?>
 <p:tagLst xmlns:p="http://schemas.openxmlformats.org/presentationml/2006/main">
   <p:tag name="KSO_WM_DIAGRAM_VERSION" val="3"/>
   <p:tag name="KSO_WM_DIAGRAM_COLOR_TRICK" val="1"/>
@@ -38379,7 +42101,13 @@
 </p:tagLst>
 </file>
 
-<file path=ppt/tags/tag108.xml><?xml version="1.0" encoding="utf-8"?>
+<file path=ppt/tags/tag11.xml><?xml version="1.0" encoding="utf-8"?>
+<p:tagLst xmlns:p="http://schemas.openxmlformats.org/presentationml/2006/main">
+  <p:tag name="KSO_WM_DIAGRAM_VIRTUALLY_FRAME" val="{&quot;height&quot;:422.0725196850393,&quot;left&quot;:384.7237007874015,&quot;top&quot;:57.12259842519685,&quot;width&quot;:490.074251968504}"/>
+</p:tagLst>
+</file>
+
+<file path=ppt/tags/tag110.xml><?xml version="1.0" encoding="utf-8"?>
 <p:tagLst xmlns:p="http://schemas.openxmlformats.org/presentationml/2006/main">
   <p:tag name="KSO_WM_DIAGRAM_VERSION" val="3"/>
   <p:tag name="KSO_WM_DIAGRAM_COLOR_TRICK" val="1"/>
@@ -38411,7 +42139,7 @@
 </p:tagLst>
 </file>
 
-<file path=ppt/tags/tag109.xml><?xml version="1.0" encoding="utf-8"?>
+<file path=ppt/tags/tag111.xml><?xml version="1.0" encoding="utf-8"?>
 <p:tagLst xmlns:p="http://schemas.openxmlformats.org/presentationml/2006/main">
   <p:tag name="KSO_WM_DIAGRAM_VERSION" val="3"/>
   <p:tag name="KSO_WM_DIAGRAM_COLOR_TRICK" val="1"/>
@@ -38442,13 +42170,7 @@
 </p:tagLst>
 </file>
 
-<file path=ppt/tags/tag11.xml><?xml version="1.0" encoding="utf-8"?>
-<p:tagLst xmlns:p="http://schemas.openxmlformats.org/presentationml/2006/main">
-  <p:tag name="KSO_WM_DIAGRAM_VIRTUALLY_FRAME" val="{&quot;height&quot;:422.0725196850393,&quot;left&quot;:384.7237007874015,&quot;top&quot;:57.12259842519685,&quot;width&quot;:490.074251968504}"/>
-</p:tagLst>
-</file>
-
-<file path=ppt/tags/tag110.xml><?xml version="1.0" encoding="utf-8"?>
+<file path=ppt/tags/tag112.xml><?xml version="1.0" encoding="utf-8"?>
 <p:tagLst xmlns:p="http://schemas.openxmlformats.org/presentationml/2006/main">
   <p:tag name="KSO_WM_DIAGRAM_VERSION" val="3"/>
   <p:tag name="KSO_WM_DIAGRAM_COLOR_TRICK" val="1"/>
@@ -38475,7 +42197,7 @@
 </p:tagLst>
 </file>
 
-<file path=ppt/tags/tag111.xml><?xml version="1.0" encoding="utf-8"?>
+<file path=ppt/tags/tag113.xml><?xml version="1.0" encoding="utf-8"?>
 <p:tagLst xmlns:p="http://schemas.openxmlformats.org/presentationml/2006/main">
   <p:tag name="KSO_WM_DIAGRAM_VERSION" val="3"/>
   <p:tag name="KSO_WM_DIAGRAM_COLOR_TRICK" val="1"/>
@@ -38508,7 +42230,7 @@
 </p:tagLst>
 </file>
 
-<file path=ppt/tags/tag112.xml><?xml version="1.0" encoding="utf-8"?>
+<file path=ppt/tags/tag114.xml><?xml version="1.0" encoding="utf-8"?>
 <p:tagLst xmlns:p="http://schemas.openxmlformats.org/presentationml/2006/main">
   <p:tag name="KSO_WM_DIAGRAM_VERSION" val="3"/>
   <p:tag name="KSO_WM_DIAGRAM_COLOR_TRICK" val="1"/>
@@ -38538,7 +42260,7 @@
 </p:tagLst>
 </file>
 
-<file path=ppt/tags/tag113.xml><?xml version="1.0" encoding="utf-8"?>
+<file path=ppt/tags/tag115.xml><?xml version="1.0" encoding="utf-8"?>
 <p:tagLst xmlns:p="http://schemas.openxmlformats.org/presentationml/2006/main">
   <p:tag name="KSO_WM_DIAGRAM_VERSION" val="3"/>
   <p:tag name="KSO_WM_DIAGRAM_COLOR_TRICK" val="1"/>
@@ -38570,7 +42292,7 @@
 </p:tagLst>
 </file>
 
-<file path=ppt/tags/tag114.xml><?xml version="1.0" encoding="utf-8"?>
+<file path=ppt/tags/tag116.xml><?xml version="1.0" encoding="utf-8"?>
 <p:tagLst xmlns:p="http://schemas.openxmlformats.org/presentationml/2006/main">
   <p:tag name="KSO_WM_DIAGRAM_VERSION" val="3"/>
   <p:tag name="KSO_WM_DIAGRAM_COLOR_TRICK" val="1"/>
@@ -38601,7 +42323,7 @@
 </p:tagLst>
 </file>
 
-<file path=ppt/tags/tag115.xml><?xml version="1.0" encoding="utf-8"?>
+<file path=ppt/tags/tag117.xml><?xml version="1.0" encoding="utf-8"?>
 <p:tagLst xmlns:p="http://schemas.openxmlformats.org/presentationml/2006/main">
   <p:tag name="KSO_WM_DIAGRAM_VERSION" val="3"/>
   <p:tag name="KSO_WM_DIAGRAM_COLOR_TRICK" val="1"/>
@@ -38628,7 +42350,7 @@
 </p:tagLst>
 </file>
 
-<file path=ppt/tags/tag116.xml><?xml version="1.0" encoding="utf-8"?>
+<file path=ppt/tags/tag118.xml><?xml version="1.0" encoding="utf-8"?>
 <p:tagLst xmlns:p="http://schemas.openxmlformats.org/presentationml/2006/main">
   <p:tag name="KSO_WM_DIAGRAM_VERSION" val="3"/>
   <p:tag name="KSO_WM_DIAGRAM_COLOR_TRICK" val="1"/>
@@ -38660,7 +42382,7 @@
 </p:tagLst>
 </file>
 
-<file path=ppt/tags/tag117.xml><?xml version="1.0" encoding="utf-8"?>
+<file path=ppt/tags/tag119.xml><?xml version="1.0" encoding="utf-8"?>
 <p:tagLst xmlns:p="http://schemas.openxmlformats.org/presentationml/2006/main">
   <p:tag name="KSO_WM_DIAGRAM_VERSION" val="3"/>
   <p:tag name="KSO_WM_DIAGRAM_COLOR_TRICK" val="1"/>
@@ -38690,7 +42412,13 @@
 </p:tagLst>
 </file>
 
-<file path=ppt/tags/tag118.xml><?xml version="1.0" encoding="utf-8"?>
+<file path=ppt/tags/tag12.xml><?xml version="1.0" encoding="utf-8"?>
+<p:tagLst xmlns:p="http://schemas.openxmlformats.org/presentationml/2006/main">
+  <p:tag name="KSO_WM_DIAGRAM_VIRTUALLY_FRAME" val="{&quot;height&quot;:422.0725196850393,&quot;left&quot;:384.7237007874015,&quot;top&quot;:57.12259842519685,&quot;width&quot;:490.074251968504}"/>
+</p:tagLst>
+</file>
+
+<file path=ppt/tags/tag120.xml><?xml version="1.0" encoding="utf-8"?>
 <p:tagLst xmlns:p="http://schemas.openxmlformats.org/presentationml/2006/main">
   <p:tag name="KSO_WM_DIAGRAM_VERSION" val="3"/>
   <p:tag name="KSO_WM_DIAGRAM_COLOR_TRICK" val="1"/>
@@ -38722,7 +42450,7 @@
 </p:tagLst>
 </file>
 
-<file path=ppt/tags/tag119.xml><?xml version="1.0" encoding="utf-8"?>
+<file path=ppt/tags/tag121.xml><?xml version="1.0" encoding="utf-8"?>
 <p:tagLst xmlns:p="http://schemas.openxmlformats.org/presentationml/2006/main">
   <p:tag name="KSO_WM_DIAGRAM_VERSION" val="3"/>
   <p:tag name="KSO_WM_DIAGRAM_COLOR_TRICK" val="1"/>
@@ -38753,13 +42481,7 @@
 </p:tagLst>
 </file>
 
-<file path=ppt/tags/tag12.xml><?xml version="1.0" encoding="utf-8"?>
-<p:tagLst xmlns:p="http://schemas.openxmlformats.org/presentationml/2006/main">
-  <p:tag name="KSO_WM_DIAGRAM_VIRTUALLY_FRAME" val="{&quot;height&quot;:422.0725196850393,&quot;left&quot;:384.7237007874015,&quot;top&quot;:57.12259842519685,&quot;width&quot;:490.074251968504}"/>
-</p:tagLst>
-</file>
-
-<file path=ppt/tags/tag120.xml><?xml version="1.0" encoding="utf-8"?>
+<file path=ppt/tags/tag122.xml><?xml version="1.0" encoding="utf-8"?>
 <p:tagLst xmlns:p="http://schemas.openxmlformats.org/presentationml/2006/main">
   <p:tag name="KSO_WM_DIAGRAM_VERSION" val="3"/>
   <p:tag name="KSO_WM_DIAGRAM_COLOR_TRICK" val="1"/>
@@ -38786,7 +42508,7 @@
 </p:tagLst>
 </file>
 
-<file path=ppt/tags/tag121.xml><?xml version="1.0" encoding="utf-8"?>
+<file path=ppt/tags/tag123.xml><?xml version="1.0" encoding="utf-8"?>
 <p:tagLst xmlns:p="http://schemas.openxmlformats.org/presentationml/2006/main">
   <p:tag name="KSO_WM_DIAGRAM_VERSION" val="3"/>
   <p:tag name="KSO_WM_DIAGRAM_COLOR_TRICK" val="1"/>
@@ -38819,7 +42541,7 @@
 </p:tagLst>
 </file>
 
-<file path=ppt/tags/tag122.xml><?xml version="1.0" encoding="utf-8"?>
+<file path=ppt/tags/tag124.xml><?xml version="1.0" encoding="utf-8"?>
 <p:tagLst xmlns:p="http://schemas.openxmlformats.org/presentationml/2006/main">
   <p:tag name="KSO_WM_DIAGRAM_VERSION" val="3"/>
   <p:tag name="KSO_WM_DIAGRAM_COLOR_TRICK" val="1"/>
@@ -38849,7 +42571,7 @@
 </p:tagLst>
 </file>
 
-<file path=ppt/tags/tag123.xml><?xml version="1.0" encoding="utf-8"?>
+<file path=ppt/tags/tag125.xml><?xml version="1.0" encoding="utf-8"?>
 <p:tagLst xmlns:p="http://schemas.openxmlformats.org/presentationml/2006/main">
   <p:tag name="KSO_WM_DIAGRAM_VERSION" val="3"/>
   <p:tag name="KSO_WM_DIAGRAM_COLOR_TRICK" val="1"/>
@@ -38881,7 +42603,7 @@
 </p:tagLst>
 </file>
 
-<file path=ppt/tags/tag124.xml><?xml version="1.0" encoding="utf-8"?>
+<file path=ppt/tags/tag126.xml><?xml version="1.0" encoding="utf-8"?>
 <p:tagLst xmlns:p="http://schemas.openxmlformats.org/presentationml/2006/main">
   <p:tag name="KSO_WM_DIAGRAM_VERSION" val="3"/>
   <p:tag name="KSO_WM_DIAGRAM_COLOR_TRICK" val="1"/>
@@ -38912,7 +42634,7 @@
 </p:tagLst>
 </file>
 
-<file path=ppt/tags/tag125.xml><?xml version="1.0" encoding="utf-8"?>
+<file path=ppt/tags/tag127.xml><?xml version="1.0" encoding="utf-8"?>
 <p:tagLst xmlns:p="http://schemas.openxmlformats.org/presentationml/2006/main">
   <p:tag name="KSO_WM_DIAGRAM_VERSION" val="3"/>
   <p:tag name="KSO_WM_DIAGRAM_COLOR_TRICK" val="1"/>
@@ -38939,7 +42661,7 @@
 </p:tagLst>
 </file>
 
-<file path=ppt/tags/tag126.xml><?xml version="1.0" encoding="utf-8"?>
+<file path=ppt/tags/tag128.xml><?xml version="1.0" encoding="utf-8"?>
 <p:tagLst xmlns:p="http://schemas.openxmlformats.org/presentationml/2006/main">
   <p:tag name="KSO_WM_DIAGRAM_VERSION" val="3"/>
   <p:tag name="KSO_WM_DIAGRAM_COLOR_TRICK" val="1"/>
@@ -38971,7 +42693,7 @@
 </p:tagLst>
 </file>
 
-<file path=ppt/tags/tag127.xml><?xml version="1.0" encoding="utf-8"?>
+<file path=ppt/tags/tag129.xml><?xml version="1.0" encoding="utf-8"?>
 <p:tagLst xmlns:p="http://schemas.openxmlformats.org/presentationml/2006/main">
   <p:tag name="KSO_WM_DIAGRAM_VERSION" val="3"/>
   <p:tag name="KSO_WM_DIAGRAM_COLOR_TRICK" val="1"/>
@@ -39001,7 +42723,13 @@
 </p:tagLst>
 </file>
 
-<file path=ppt/tags/tag128.xml><?xml version="1.0" encoding="utf-8"?>
+<file path=ppt/tags/tag13.xml><?xml version="1.0" encoding="utf-8"?>
+<p:tagLst xmlns:p="http://schemas.openxmlformats.org/presentationml/2006/main">
+  <p:tag name="KSO_WM_DIAGRAM_VIRTUALLY_FRAME" val="{&quot;height&quot;:422.0725196850393,&quot;left&quot;:384.7237007874015,&quot;top&quot;:57.12259842519685,&quot;width&quot;:490.074251968504}"/>
+</p:tagLst>
+</file>
+
+<file path=ppt/tags/tag130.xml><?xml version="1.0" encoding="utf-8"?>
 <p:tagLst xmlns:p="http://schemas.openxmlformats.org/presentationml/2006/main">
   <p:tag name="KSO_WM_DIAGRAM_VERSION" val="3"/>
   <p:tag name="KSO_WM_DIAGRAM_COLOR_TRICK" val="1"/>
@@ -39033,7 +42761,7 @@
 </p:tagLst>
 </file>
 
-<file path=ppt/tags/tag129.xml><?xml version="1.0" encoding="utf-8"?>
+<file path=ppt/tags/tag131.xml><?xml version="1.0" encoding="utf-8"?>
 <p:tagLst xmlns:p="http://schemas.openxmlformats.org/presentationml/2006/main">
   <p:tag name="KSO_WM_DIAGRAM_VERSION" val="3"/>
   <p:tag name="KSO_WM_DIAGRAM_COLOR_TRICK" val="1"/>
@@ -39064,13 +42792,7 @@
 </p:tagLst>
 </file>
 
-<file path=ppt/tags/tag13.xml><?xml version="1.0" encoding="utf-8"?>
-<p:tagLst xmlns:p="http://schemas.openxmlformats.org/presentationml/2006/main">
-  <p:tag name="KSO_WM_DIAGRAM_VIRTUALLY_FRAME" val="{&quot;height&quot;:422.0725196850393,&quot;left&quot;:384.7237007874015,&quot;top&quot;:57.12259842519685,&quot;width&quot;:490.074251968504}"/>
-</p:tagLst>
-</file>
-
-<file path=ppt/tags/tag130.xml><?xml version="1.0" encoding="utf-8"?>
+<file path=ppt/tags/tag132.xml><?xml version="1.0" encoding="utf-8"?>
 <p:tagLst xmlns:p="http://schemas.openxmlformats.org/presentationml/2006/main">
   <p:tag name="KSO_WM_DIAGRAM_VERSION" val="3"/>
   <p:tag name="KSO_WM_DIAGRAM_COLOR_TRICK" val="1"/>
@@ -39097,7 +42819,7 @@
 </p:tagLst>
 </file>
 
-<file path=ppt/tags/tag131.xml><?xml version="1.0" encoding="utf-8"?>
+<file path=ppt/tags/tag133.xml><?xml version="1.0" encoding="utf-8"?>
 <p:tagLst xmlns:p="http://schemas.openxmlformats.org/presentationml/2006/main">
   <p:tag name="KSO_WM_DIAGRAM_VERSION" val="3"/>
   <p:tag name="KSO_WM_DIAGRAM_COLOR_TRICK" val="1"/>
@@ -39129,7 +42851,7 @@
 </p:tagLst>
 </file>
 
-<file path=ppt/tags/tag132.xml><?xml version="1.0" encoding="utf-8"?>
+<file path=ppt/tags/tag134.xml><?xml version="1.0" encoding="utf-8"?>
 <p:tagLst xmlns:p="http://schemas.openxmlformats.org/presentationml/2006/main">
   <p:tag name="KSO_WM_SLIDE_ID" val="diagram20213550_1"/>
   <p:tag name="KSO_WM_TEMPLATE_SUBCATEGORY" val="21"/>
@@ -39163,19 +42885,25 @@
 </p:tagLst>
 </file>
 
-<file path=ppt/tags/tag133.xml><?xml version="1.0" encoding="utf-8"?>
+<file path=ppt/tags/tag135.xml><?xml version="1.0" encoding="utf-8"?>
 <p:tagLst xmlns:p="http://schemas.openxmlformats.org/presentationml/2006/main">
   <p:tag name="KSO_WM_BEAUTIFY_FLAG" val=""/>
 </p:tagLst>
 </file>
 
-<file path=ppt/tags/tag134.xml><?xml version="1.0" encoding="utf-8"?>
+<file path=ppt/tags/tag136.xml><?xml version="1.0" encoding="utf-8"?>
 <p:tagLst xmlns:p="http://schemas.openxmlformats.org/presentationml/2006/main">
   <p:tag name="KSO_WM_BEAUTIFY_FLAG" val=""/>
 </p:tagLst>
 </file>
 
-<file path=ppt/tags/tag135.xml><?xml version="1.0" encoding="utf-8"?>
+<file path=ppt/tags/tag137.xml><?xml version="1.0" encoding="utf-8"?>
+<p:tagLst xmlns:p="http://schemas.openxmlformats.org/presentationml/2006/main">
+  <p:tag name="KSO_WM_BEAUTIFY_FLAG" val=""/>
+</p:tagLst>
+</file>
+
+<file path=ppt/tags/tag138.xml><?xml version="1.0" encoding="utf-8"?>
 <p:tagLst xmlns:p="http://schemas.openxmlformats.org/presentationml/2006/main">
   <p:tag name="OFFICEPLUS.IMAGE" val="New_Batches_0108_Outline/20240108/images_object_8001_9000/83ae77c7-48be-4064-a1e1-2b901c0b93cd-3.source.default.zh-Hans.jpg"/>
   <p:tag name="OFFICEPLUS.THEME" val="New_Batches_0108_Outline/20240108/images_object_8001_9000/83ae77c7-48be-4064-a1e1-2b901c0b93cd-3.source.default.zh-Hans-4.pptx"/>
@@ -39229,7 +42957,7 @@
   <p:tag name="KSO_WM_UNIT_LINE_FORE_SCHEMECOLOR_INDEX" val="5"/>
   <p:tag name="KSO_WM_DIAGRAM_MAX_ITEMCNT" val="2"/>
   <p:tag name="KSO_WM_DIAGRAM_MIN_ITEMCNT" val="2"/>
-  <p:tag name="KSO_WM_DIAGRAM_VIRTUALLY_FRAME" val="{&quot;height&quot;:390.54220344122933,&quot;left&quot;:97.57299212598426,&quot;top&quot;:125.01921388160527,&quot;width&quot;:754.4248893677719}"/>
+  <p:tag name="KSO_WM_DIAGRAM_VIRTUALLY_FRAME" val="{&quot;height&quot;:390.5422034412294,&quot;left&quot;:97.57299212598426,&quot;top&quot;:125.01921388160527,&quot;width&quot;:754.4248893677719}"/>
   <p:tag name="KSO_WM_DIAGRAM_COLOR_MATCH_VALUE" val="{&quot;shape&quot;:{&quot;fill&quot;:{&quot;type&quot;:0},&quot;glow&quot;:{&quot;colorType&quot;:0},&quot;line&quot;:{&quot;solidLine&quot;:{&quot;brightness&quot;:0,&quot;colorType&quot;:1,&quot;foreColorIndex&quot;:5,&quot;transparency&quot;:0.5},&quot;type&quot;:1},&quot;shadow&quot;:{&quot;colorType&quot;:0},&quot;threeD&quot;:{&quot;curvedSurface&quot;:{&quot;brightness&quot;:0,&quot;colorType&quot;:2,&quot;rgb&quot;:&quot;#000000&quot;},&quot;depth&quot;:{&quot;colorType&quot;:0}}},&quot;text&quot;:{&quot;fill&quot;:{&quot;solid&quot;:{&quot;brightness&quot;:0,&quot;colorType&quot;:1,&quot;foreColorIndex&quot;:2,&quot;transparency&quot;:0},&quot;type&quot;:1},&quot;glow&quot;:{&quot;colorType&quot;:0},&quot;line&quot;:{&quot;type&quot;:0},&quot;shadow&quot;:{&quot;colorType&quot;:0},&quot;threeD&quot;:{&quot;curvedSurface&quot;:{&quot;brightness&quot;:0,&quot;colorType&quot;:2,&quot;rgb&quot;:&quot;#000000&quot;},&quot;depth&quot;:{&quot;colorType&quot;:0}}}}"/>
   <p:tag name="KSO_WM_UNIT_LINE_FILL_TYPE" val="2"/>
   <p:tag name="KSO_WM_UNIT_TEXT_FILL_FORE_SCHEMECOLOR_INDEX" val="2"/>
@@ -39263,7 +42991,7 @@
   <p:tag name="KSO_WM_UNIT_TEXT_FILL_TYPE" val="1"/>
   <p:tag name="KSO_WM_DIAGRAM_MAX_ITEMCNT" val="2"/>
   <p:tag name="KSO_WM_DIAGRAM_MIN_ITEMCNT" val="2"/>
-  <p:tag name="KSO_WM_DIAGRAM_VIRTUALLY_FRAME" val="{&quot;height&quot;:390.54220344122933,&quot;left&quot;:97.57299212598426,&quot;top&quot;:125.01921388160527,&quot;width&quot;:754.4248893677719}"/>
+  <p:tag name="KSO_WM_DIAGRAM_VIRTUALLY_FRAME" val="{&quot;height&quot;:390.5422034412294,&quot;left&quot;:97.57299212598426,&quot;top&quot;:125.01921388160527,&quot;width&quot;:754.4248893677719}"/>
   <p:tag name="KSO_WM_DIAGRAM_COLOR_MATCH_VALUE" val="{&quot;shape&quot;:{&quot;fill&quot;:{&quot;type&quot;:0},&quot;glow&quot;:{&quot;colorType&quot;:0},&quot;line&quot;:{&quot;type&quot;:0},&quot;shadow&quot;:{&quot;colorType&quot;:0},&quot;threeD&quot;:{&quot;curvedSurface&quot;:{&quot;brightness&quot;:0,&quot;colorType&quot;:2,&quot;rgb&quot;:&quot;#000000&quot;},&quot;depth&quot;:{&quot;colorType&quot;:0}}},&quot;text&quot;:{&quot;fill&quot;:{&quot;solid&quot;:{&quot;brightness&quot;:0.15000000596046448,&quot;colorType&quot;:1,&quot;foreColorIndex&quot;:13,&quot;transparency&quot;:0},&quot;type&quot;:1},&quot;glow&quot;:{&quot;colorType&quot;:0},&quot;line&quot;:{&quot;type&quot;:0},&quot;shadow&quot;:{&quot;colorType&quot;:0},&quot;threeD&quot;:{&quot;curvedSurface&quot;:{&quot;brightness&quot;:0,&quot;colorType&quot;:2,&quot;rgb&quot;:&quot;#000000&quot;},&quot;depth&quot;:{&quot;colorType&quot;:0}}}}"/>
   <p:tag name="KSO_WM_UNIT_TEXT_TYPE" val="1"/>
   <p:tag name="KSO_WM_UNIT_USESOURCEFORMAT_APPLY" val="1"/>
@@ -39310,7 +43038,7 @@
   <p:tag name="KSO_WM_UNIT_TEXT_FILL_TYPE" val="1"/>
   <p:tag name="KSO_WM_DIAGRAM_MAX_ITEMCNT" val="2"/>
   <p:tag name="KSO_WM_DIAGRAM_MIN_ITEMCNT" val="2"/>
-  <p:tag name="KSO_WM_DIAGRAM_VIRTUALLY_FRAME" val="{&quot;height&quot;:390.54220344122933,&quot;left&quot;:97.57299212598426,&quot;top&quot;:125.01921388160527,&quot;width&quot;:754.4248893677719}"/>
+  <p:tag name="KSO_WM_DIAGRAM_VIRTUALLY_FRAME" val="{&quot;height&quot;:390.5422034412294,&quot;left&quot;:97.57299212598426,&quot;top&quot;:125.01921388160527,&quot;width&quot;:754.4248893677719}"/>
   <p:tag name="KSO_WM_DIAGRAM_COLOR_MATCH_VALUE" val="{&quot;shape&quot;:{&quot;fill&quot;:{&quot;type&quot;:0},&quot;glow&quot;:{&quot;colorType&quot;:0},&quot;line&quot;:{&quot;type&quot;:0},&quot;shadow&quot;:{&quot;colorType&quot;:0},&quot;threeD&quot;:{&quot;curvedSurface&quot;:{&quot;brightness&quot;:0,&quot;colorType&quot;:2,&quot;rgb&quot;:&quot;#000000&quot;},&quot;depth&quot;:{&quot;colorType&quot;:0}}},&quot;text&quot;:{&quot;fill&quot;:{&quot;solid&quot;:{&quot;brightness&quot;:0,&quot;colorType&quot;:1,&quot;foreColorIndex&quot;:5,&quot;transparency&quot;:0},&quot;type&quot;:1},&quot;glow&quot;:{&quot;colorType&quot;:0},&quot;line&quot;:{&quot;type&quot;:0},&quot;shadow&quot;:{&quot;colorType&quot;:0},&quot;threeD&quot;:{&quot;curvedSurface&quot;:{&quot;brightness&quot;:0,&quot;colorType&quot;:2,&quot;rgb&quot;:&quot;#000000&quot;},&quot;depth&quot;:{&quot;colorType&quot;:0}}}}"/>
   <p:tag name="KSO_WM_UNIT_TEXT_TYPE" val="1"/>
   <p:tag name="KSO_WM_UNIT_USESOURCEFORMAT_APPLY" val="1"/>
@@ -39337,7 +43065,7 @@
   <p:tag name="KSO_WM_UNIT_LINE_FORE_SCHEMECOLOR_INDEX" val="5"/>
   <p:tag name="KSO_WM_DIAGRAM_MAX_ITEMCNT" val="2"/>
   <p:tag name="KSO_WM_DIAGRAM_MIN_ITEMCNT" val="2"/>
-  <p:tag name="KSO_WM_DIAGRAM_VIRTUALLY_FRAME" val="{&quot;height&quot;:390.54220344122933,&quot;left&quot;:97.57299212598426,&quot;top&quot;:125.01921388160527,&quot;width&quot;:754.4248893677719}"/>
+  <p:tag name="KSO_WM_DIAGRAM_VIRTUALLY_FRAME" val="{&quot;height&quot;:390.5422034412294,&quot;left&quot;:97.57299212598426,&quot;top&quot;:125.01921388160527,&quot;width&quot;:754.4248893677719}"/>
   <p:tag name="KSO_WM_DIAGRAM_COLOR_MATCH_VALUE" val="{&quot;shape&quot;:{&quot;fill&quot;:{&quot;type&quot;:0},&quot;glow&quot;:{&quot;colorType&quot;:0},&quot;line&quot;:{&quot;solidLine&quot;:{&quot;brightness&quot;:0,&quot;colorType&quot;:1,&quot;foreColorIndex&quot;:5,&quot;transparency&quot;:0.5},&quot;type&quot;:1},&quot;shadow&quot;:{&quot;colorType&quot;:0},&quot;threeD&quot;:{&quot;curvedSurface&quot;:{&quot;brightness&quot;:0,&quot;colorType&quot;:2,&quot;rgb&quot;:&quot;#000000&quot;},&quot;depth&quot;:{&quot;colorType&quot;:0}}},&quot;text&quot;:{&quot;fill&quot;:{&quot;solid&quot;:{&quot;brightness&quot;:0,&quot;colorType&quot;:1,&quot;foreColorIndex&quot;:2,&quot;transparency&quot;:0},&quot;type&quot;:1},&quot;glow&quot;:{&quot;colorType&quot;:0},&quot;line&quot;:{&quot;type&quot;:0},&quot;shadow&quot;:{&quot;colorType&quot;:0},&quot;threeD&quot;:{&quot;curvedSurface&quot;:{&quot;brightness&quot;:0,&quot;colorType&quot;:2,&quot;rgb&quot;:&quot;#000000&quot;},&quot;depth&quot;:{&quot;colorType&quot;:0}}}}"/>
   <p:tag name="KSO_WM_UNIT_LINE_FILL_TYPE" val="2"/>
   <p:tag name="KSO_WM_UNIT_TEXT_FILL_FORE_SCHEMECOLOR_INDEX" val="2"/>
@@ -39371,7 +43099,7 @@
   <p:tag name="KSO_WM_UNIT_TEXT_FILL_TYPE" val="1"/>
   <p:tag name="KSO_WM_DIAGRAM_MAX_ITEMCNT" val="2"/>
   <p:tag name="KSO_WM_DIAGRAM_MIN_ITEMCNT" val="2"/>
-  <p:tag name="KSO_WM_DIAGRAM_VIRTUALLY_FRAME" val="{&quot;height&quot;:390.54220344122933,&quot;left&quot;:97.57299212598426,&quot;top&quot;:125.01921388160527,&quot;width&quot;:754.4248893677719}"/>
+  <p:tag name="KSO_WM_DIAGRAM_VIRTUALLY_FRAME" val="{&quot;height&quot;:390.5422034412294,&quot;left&quot;:97.57299212598426,&quot;top&quot;:125.01921388160527,&quot;width&quot;:754.4248893677719}"/>
   <p:tag name="KSO_WM_DIAGRAM_COLOR_MATCH_VALUE" val="{&quot;shape&quot;:{&quot;fill&quot;:{&quot;type&quot;:0},&quot;glow&quot;:{&quot;colorType&quot;:0},&quot;line&quot;:{&quot;type&quot;:0},&quot;shadow&quot;:{&quot;colorType&quot;:0},&quot;threeD&quot;:{&quot;curvedSurface&quot;:{&quot;brightness&quot;:0,&quot;colorType&quot;:2,&quot;rgb&quot;:&quot;#000000&quot;},&quot;depth&quot;:{&quot;colorType&quot;:0}}},&quot;text&quot;:{&quot;fill&quot;:{&quot;solid&quot;:{&quot;brightness&quot;:0.15000000596046448,&quot;colorType&quot;:1,&quot;foreColorIndex&quot;:13,&quot;transparency&quot;:0},&quot;type&quot;:1},&quot;glow&quot;:{&quot;colorType&quot;:0},&quot;line&quot;:{&quot;type&quot;:0},&quot;shadow&quot;:{&quot;colorType&quot;:0},&quot;threeD&quot;:{&quot;curvedSurface&quot;:{&quot;brightness&quot;:0,&quot;colorType&quot;:2,&quot;rgb&quot;:&quot;#000000&quot;},&quot;depth&quot;:{&quot;colorType&quot;:0}}}}"/>
   <p:tag name="KSO_WM_UNIT_TEXT_TYPE" val="1"/>
   <p:tag name="KSO_WM_UNIT_USESOURCEFORMAT_APPLY" val="1"/>
@@ -39405,7 +43133,7 @@
   <p:tag name="KSO_WM_UNIT_TEXT_FILL_TYPE" val="1"/>
   <p:tag name="KSO_WM_DIAGRAM_MAX_ITEMCNT" val="2"/>
   <p:tag name="KSO_WM_DIAGRAM_MIN_ITEMCNT" val="2"/>
-  <p:tag name="KSO_WM_DIAGRAM_VIRTUALLY_FRAME" val="{&quot;height&quot;:390.54220344122933,&quot;left&quot;:97.57299212598426,&quot;top&quot;:125.01921388160527,&quot;width&quot;:754.4248893677719}"/>
+  <p:tag name="KSO_WM_DIAGRAM_VIRTUALLY_FRAME" val="{&quot;height&quot;:390.5422034412294,&quot;left&quot;:97.57299212598426,&quot;top&quot;:125.01921388160527,&quot;width&quot;:754.4248893677719}"/>
   <p:tag name="KSO_WM_DIAGRAM_COLOR_MATCH_VALUE" val="{&quot;shape&quot;:{&quot;fill&quot;:{&quot;type&quot;:0},&quot;glow&quot;:{&quot;colorType&quot;:0},&quot;line&quot;:{&quot;type&quot;:0},&quot;shadow&quot;:{&quot;colorType&quot;:0},&quot;threeD&quot;:{&quot;curvedSurface&quot;:{&quot;brightness&quot;:0,&quot;colorType&quot;:2,&quot;rgb&quot;:&quot;#000000&quot;},&quot;depth&quot;:{&quot;colorType&quot;:0}}},&quot;text&quot;:{&quot;fill&quot;:{&quot;solid&quot;:{&quot;brightness&quot;:0,&quot;colorType&quot;:1,&quot;foreColorIndex&quot;:5,&quot;transparency&quot;:0},&quot;type&quot;:1},&quot;glow&quot;:{&quot;colorType&quot;:0},&quot;line&quot;:{&quot;type&quot;:0},&quot;shadow&quot;:{&quot;colorType&quot;:0},&quot;threeD&quot;:{&quot;curvedSurface&quot;:{&quot;brightness&quot;:0,&quot;colorType&quot;:2,&quot;rgb&quot;:&quot;#000000&quot;},&quot;depth&quot;:{&quot;colorType&quot;:0}}}}"/>
   <p:tag name="KSO_WM_UNIT_TEXT_TYPE" val="1"/>
   <p:tag name="KSO_WM_UNIT_USESOURCEFORMAT_APPLY" val="1"/>
@@ -39433,7 +43161,7 @@
   <p:tag name="KSO_WM_UNIT_LINE_FORE_SCHEMECOLOR_INDEX" val="5"/>
   <p:tag name="KSO_WM_DIAGRAM_MAX_ITEMCNT" val="2"/>
   <p:tag name="KSO_WM_DIAGRAM_MIN_ITEMCNT" val="2"/>
-  <p:tag name="KSO_WM_DIAGRAM_VIRTUALLY_FRAME" val="{&quot;height&quot;:390.54220344122933,&quot;left&quot;:97.57299212598426,&quot;top&quot;:125.01921388160527,&quot;width&quot;:754.4248893677719}"/>
+  <p:tag name="KSO_WM_DIAGRAM_VIRTUALLY_FRAME" val="{&quot;height&quot;:390.5422034412294,&quot;left&quot;:97.57299212598426,&quot;top&quot;:125.01921388160527,&quot;width&quot;:754.4248893677719}"/>
   <p:tag name="KSO_WM_DIAGRAM_COLOR_MATCH_VALUE" val="{&quot;shape&quot;:{&quot;fill&quot;:{&quot;type&quot;:0},&quot;glow&quot;:{&quot;colorType&quot;:0},&quot;line&quot;:{&quot;solidLine&quot;:{&quot;brightness&quot;:0,&quot;colorType&quot;:1,&quot;foreColorIndex&quot;:5,&quot;transparency&quot;:0.5},&quot;type&quot;:1},&quot;shadow&quot;:{&quot;colorType&quot;:0},&quot;threeD&quot;:{&quot;curvedSurface&quot;:{&quot;brightness&quot;:0,&quot;colorType&quot;:2,&quot;rgb&quot;:&quot;#000000&quot;},&quot;depth&quot;:{&quot;colorType&quot;:0}}},&quot;text&quot;:{&quot;fill&quot;:{},&quot;glow&quot;:{},&quot;line&quot;:{},&quot;shadow&quot;:{},&quot;threeD&quot;:{}}}"/>
   <p:tag name="MH_PIC_SOURCE_TYPE" val="generate_slide_ai*VCG41N1360661326*ai_v1.7.4.241014_ONLINE*7b005c271662749dfdc7ad78453be0bc-slide-0"/>
   <p:tag name="KSO_WM_UNIT_LINE_FILL_TYPE" val="2"/>
@@ -39462,7 +43190,7 @@
   <p:tag name="KSO_WM_UNIT_LINE_FORE_SCHEMECOLOR_INDEX" val="5"/>
   <p:tag name="KSO_WM_DIAGRAM_MAX_ITEMCNT" val="2"/>
   <p:tag name="KSO_WM_DIAGRAM_MIN_ITEMCNT" val="2"/>
-  <p:tag name="KSO_WM_DIAGRAM_VIRTUALLY_FRAME" val="{&quot;height&quot;:390.54220344122933,&quot;left&quot;:97.57299212598426,&quot;top&quot;:125.01921388160527,&quot;width&quot;:754.4248893677719}"/>
+  <p:tag name="KSO_WM_DIAGRAM_VIRTUALLY_FRAME" val="{&quot;height&quot;:390.5422034412294,&quot;left&quot;:97.57299212598426,&quot;top&quot;:125.01921388160527,&quot;width&quot;:754.4248893677719}"/>
   <p:tag name="KSO_WM_DIAGRAM_COLOR_MATCH_VALUE" val="{&quot;shape&quot;:{&quot;fill&quot;:{&quot;type&quot;:0},&quot;glow&quot;:{&quot;colorType&quot;:0},&quot;line&quot;:{&quot;solidLine&quot;:{&quot;brightness&quot;:0,&quot;colorType&quot;:1,&quot;foreColorIndex&quot;:5,&quot;transparency&quot;:0.5},&quot;type&quot;:1},&quot;shadow&quot;:{&quot;colorType&quot;:0},&quot;threeD&quot;:{&quot;curvedSurface&quot;:{&quot;brightness&quot;:0,&quot;colorType&quot;:2,&quot;rgb&quot;:&quot;#000000&quot;},&quot;depth&quot;:{&quot;colorType&quot;:0}}},&quot;text&quot;:{&quot;fill&quot;:{},&quot;glow&quot;:{},&quot;line&quot;:{},&quot;shadow&quot;:{},&quot;threeD&quot;:{}}}"/>
   <p:tag name="MH_PIC_SOURCE_TYPE" val="generate_slide_ai*VCG41N1473252124*ai_v1.7.4.241014_ONLINE*7b005c271662749dfdc7ad78453be0bc-slide-0"/>
   <p:tag name="KSO_WM_UNIT_LINE_FILL_TYPE" val="2"/>
@@ -40245,7 +43973,7 @@
   <p:tag name="KSO_WM_UNIT_TEXT_FILL_FORE_SCHEMECOLOR_INDEX" val="13"/>
   <p:tag name="KSO_WM_UNIT_TEXT_FILL_TYPE" val="1"/>
   <p:tag name="KSO_WM_UNIT_USESOURCEFORMAT_APPLY" val="1"/>
-  <p:tag name="KSO_WM_DIAGRAM_VIRTUALLY_FRAME" val="{&quot;height&quot;:254.10000000000005,&quot;left&quot;:149.4792125984252,&quot;top&quot;:204.6211811023622,&quot;width&quot;:648.6207874015748}"/>
+  <p:tag name="KSO_WM_DIAGRAM_VIRTUALLY_FRAME" val="{&quot;height&quot;:283.1,&quot;left&quot;:149.4792125984252,&quot;top&quot;:204.6211811023622,&quot;width&quot;:648.6707874015749}"/>
 </p:tagLst>
 </file>
 
@@ -40276,7 +44004,7 @@
   <p:tag name="KSO_WM_UNIT_TEXT_FILL_FORE_SCHEMECOLOR_INDEX" val="5"/>
   <p:tag name="KSO_WM_UNIT_TEXT_FILL_TYPE" val="1"/>
   <p:tag name="KSO_WM_UNIT_USESOURCEFORMAT_APPLY" val="1"/>
-  <p:tag name="KSO_WM_DIAGRAM_VIRTUALLY_FRAME" val="{&quot;height&quot;:254.10000000000005,&quot;left&quot;:149.4792125984252,&quot;top&quot;:204.6211811023622,&quot;width&quot;:648.6207874015748}"/>
+  <p:tag name="KSO_WM_DIAGRAM_VIRTUALLY_FRAME" val="{&quot;height&quot;:283.1,&quot;left&quot;:149.4792125984252,&quot;top&quot;:204.6211811023622,&quot;width&quot;:648.6707874015749}"/>
 </p:tagLst>
 </file>
 
@@ -40302,7 +44030,7 @@
   <p:tag name="KSO_WM_UNIT_LINE_FORE_SCHEMECOLOR_INDEX" val="5"/>
   <p:tag name="KSO_WM_UNIT_LINE_FILL_TYPE" val="2"/>
   <p:tag name="KSO_WM_UNIT_USESOURCEFORMAT_APPLY" val="1"/>
-  <p:tag name="KSO_WM_DIAGRAM_VIRTUALLY_FRAME" val="{&quot;height&quot;:254.10000000000005,&quot;left&quot;:149.4792125984252,&quot;top&quot;:204.6211811023622,&quot;width&quot;:648.6207874015748}"/>
+  <p:tag name="KSO_WM_DIAGRAM_VIRTUALLY_FRAME" val="{&quot;height&quot;:283.1,&quot;left&quot;:149.4792125984252,&quot;top&quot;:204.6211811023622,&quot;width&quot;:648.6707874015749}"/>
 </p:tagLst>
 </file>
 
@@ -40332,7 +44060,7 @@
   <p:tag name="KSO_WM_UNIT_TEXT_FILL_FORE_SCHEMECOLOR_INDEX" val="13"/>
   <p:tag name="KSO_WM_UNIT_TEXT_FILL_TYPE" val="1"/>
   <p:tag name="KSO_WM_UNIT_USESOURCEFORMAT_APPLY" val="1"/>
-  <p:tag name="KSO_WM_DIAGRAM_VIRTUALLY_FRAME" val="{&quot;height&quot;:254.10000000000005,&quot;left&quot;:149.4792125984252,&quot;top&quot;:204.6211811023622,&quot;width&quot;:648.6207874015748}"/>
+  <p:tag name="KSO_WM_DIAGRAM_VIRTUALLY_FRAME" val="{&quot;height&quot;:283.1,&quot;left&quot;:149.4792125984252,&quot;top&quot;:204.6211811023622,&quot;width&quot;:648.6707874015749}"/>
 </p:tagLst>
 </file>
 
@@ -40363,7 +44091,7 @@
   <p:tag name="KSO_WM_UNIT_TEXT_FILL_FORE_SCHEMECOLOR_INDEX" val="7"/>
   <p:tag name="KSO_WM_UNIT_TEXT_FILL_TYPE" val="1"/>
   <p:tag name="KSO_WM_UNIT_USESOURCEFORMAT_APPLY" val="1"/>
-  <p:tag name="KSO_WM_DIAGRAM_VIRTUALLY_FRAME" val="{&quot;height&quot;:254.10000000000005,&quot;left&quot;:149.4792125984252,&quot;top&quot;:204.6211811023622,&quot;width&quot;:648.6207874015748}"/>
+  <p:tag name="KSO_WM_DIAGRAM_VIRTUALLY_FRAME" val="{&quot;height&quot;:283.1,&quot;left&quot;:149.4792125984252,&quot;top&quot;:204.6211811023622,&quot;width&quot;:648.6707874015749}"/>
 </p:tagLst>
 </file>
 
@@ -40389,7 +44117,7 @@
   <p:tag name="KSO_WM_UNIT_LINE_FORE_SCHEMECOLOR_INDEX" val="5"/>
   <p:tag name="KSO_WM_UNIT_LINE_FILL_TYPE" val="2"/>
   <p:tag name="KSO_WM_UNIT_USESOURCEFORMAT_APPLY" val="1"/>
-  <p:tag name="KSO_WM_DIAGRAM_VIRTUALLY_FRAME" val="{&quot;height&quot;:254.10000000000005,&quot;left&quot;:149.4792125984252,&quot;top&quot;:204.6211811023622,&quot;width&quot;:648.6207874015748}"/>
+  <p:tag name="KSO_WM_DIAGRAM_VIRTUALLY_FRAME" val="{&quot;height&quot;:283.1,&quot;left&quot;:149.4792125984252,&quot;top&quot;:204.6211811023622,&quot;width&quot;:648.6707874015749}"/>
 </p:tagLst>
 </file>
 
@@ -40419,7 +44147,7 @@
   <p:tag name="KSO_WM_UNIT_TEXT_FILL_FORE_SCHEMECOLOR_INDEX" val="13"/>
   <p:tag name="KSO_WM_UNIT_TEXT_FILL_TYPE" val="1"/>
   <p:tag name="KSO_WM_UNIT_USESOURCEFORMAT_APPLY" val="1"/>
-  <p:tag name="KSO_WM_DIAGRAM_VIRTUALLY_FRAME" val="{&quot;height&quot;:254.10000000000005,&quot;left&quot;:149.4792125984252,&quot;top&quot;:204.6211811023622,&quot;width&quot;:648.6207874015748}"/>
+  <p:tag name="KSO_WM_DIAGRAM_VIRTUALLY_FRAME" val="{&quot;height&quot;:283.1,&quot;left&quot;:149.4792125984252,&quot;top&quot;:204.6211811023622,&quot;width&quot;:648.6707874015749}"/>
 </p:tagLst>
 </file>
 
@@ -40472,7 +44200,7 @@
   <p:tag name="KSO_WM_UNIT_TEXT_FILL_FORE_SCHEMECOLOR_INDEX" val="5"/>
   <p:tag name="KSO_WM_UNIT_TEXT_FILL_TYPE" val="1"/>
   <p:tag name="KSO_WM_UNIT_USESOURCEFORMAT_APPLY" val="1"/>
-  <p:tag name="KSO_WM_DIAGRAM_VIRTUALLY_FRAME" val="{&quot;height&quot;:254.10000000000005,&quot;left&quot;:149.4792125984252,&quot;top&quot;:204.6211811023622,&quot;width&quot;:648.6207874015748}"/>
+  <p:tag name="KSO_WM_DIAGRAM_VIRTUALLY_FRAME" val="{&quot;height&quot;:283.1,&quot;left&quot;:149.4792125984252,&quot;top&quot;:204.6211811023622,&quot;width&quot;:648.6707874015749}"/>
 </p:tagLst>
 </file>
 
@@ -40498,7 +44226,7 @@
   <p:tag name="KSO_WM_UNIT_LINE_FORE_SCHEMECOLOR_INDEX" val="5"/>
   <p:tag name="KSO_WM_UNIT_LINE_FILL_TYPE" val="2"/>
   <p:tag name="KSO_WM_UNIT_USESOURCEFORMAT_APPLY" val="1"/>
-  <p:tag name="KSO_WM_DIAGRAM_VIRTUALLY_FRAME" val="{&quot;height&quot;:254.10000000000005,&quot;left&quot;:149.4792125984252,&quot;top&quot;:204.6211811023622,&quot;width&quot;:648.6207874015748}"/>
+  <p:tag name="KSO_WM_DIAGRAM_VIRTUALLY_FRAME" val="{&quot;height&quot;:283.1,&quot;left&quot;:149.4792125984252,&quot;top&quot;:204.6211811023622,&quot;width&quot;:648.6707874015749}"/>
 </p:tagLst>
 </file>
 
@@ -40894,7 +44622,7 @@
 
 <file path=ppt/tags/tag77.xml><?xml version="1.0" encoding="utf-8"?>
 <p:tagLst xmlns:p="http://schemas.openxmlformats.org/presentationml/2006/main">
-  <p:tag name="KSO_WM_DIAGRAM_VIRTUALLY_FRAME" val="{&quot;height&quot;:439.6325197302539,&quot;left&quot;:108.8,&quot;top&quot;:93.75,&quot;width&quot;:681.3}"/>
+  <p:tag name="KSO_WM_BEAUTIFY_FLAG" val=""/>
 </p:tagLst>
 </file>
 
@@ -41014,6 +44742,18 @@
 
 <file path=ppt/tags/tag95.xml><?xml version="1.0" encoding="utf-8"?>
 <p:tagLst xmlns:p="http://schemas.openxmlformats.org/presentationml/2006/main">
+  <p:tag name="KSO_WM_DIAGRAM_VIRTUALLY_FRAME" val="{&quot;height&quot;:439.6325197302539,&quot;left&quot;:108.8,&quot;top&quot;:93.75,&quot;width&quot;:681.3}"/>
+</p:tagLst>
+</file>
+
+<file path=ppt/tags/tag96.xml><?xml version="1.0" encoding="utf-8"?>
+<p:tagLst xmlns:p="http://schemas.openxmlformats.org/presentationml/2006/main">
+  <p:tag name="KSO_WM_DIAGRAM_VIRTUALLY_FRAME" val="{&quot;height&quot;:439.6325197302539,&quot;left&quot;:108.8,&quot;top&quot;:93.75,&quot;width&quot;:681.3}"/>
+</p:tagLst>
+</file>
+
+<file path=ppt/tags/tag97.xml><?xml version="1.0" encoding="utf-8"?>
+<p:tagLst xmlns:p="http://schemas.openxmlformats.org/presentationml/2006/main">
   <p:tag name="KSO_WM_UNIT_HIGHLIGHT" val="0"/>
   <p:tag name="KSO_WM_UNIT_COMPATIBLE" val="0"/>
   <p:tag name="KSO_WM_UNIT_DIAGRAM_ISNUMVISUAL" val="0"/>
@@ -41041,7 +44781,7 @@
 </p:tagLst>
 </file>
 
-<file path=ppt/tags/tag96.xml><?xml version="1.0" encoding="utf-8"?>
+<file path=ppt/tags/tag98.xml><?xml version="1.0" encoding="utf-8"?>
 <p:tagLst xmlns:p="http://schemas.openxmlformats.org/presentationml/2006/main">
   <p:tag name="KSO_WM_UNIT_BLOCK" val="0"/>
   <p:tag name="KSO_WM_UNIT_SM_LIMIT_TYPE" val="2"/>
@@ -41073,7 +44813,7 @@
 </p:tagLst>
 </file>
 
-<file path=ppt/tags/tag97.xml><?xml version="1.0" encoding="utf-8"?>
+<file path=ppt/tags/tag99.xml><?xml version="1.0" encoding="utf-8"?>
 <p:tagLst xmlns:p="http://schemas.openxmlformats.org/presentationml/2006/main">
   <p:tag name="KSO_WM_UNIT_HIGHLIGHT" val="0"/>
   <p:tag name="KSO_WM_UNIT_COMPATIBLE" val="0"/>
@@ -41101,72 +44841,6 @@
   <p:tag name="KSO_WM_UNIT_TEXT_FILL_FORE_SCHEMECOLOR_INDEX" val="2"/>
   <p:tag name="KSO_WM_UNIT_TEXT_FILL_TYPE" val="1"/>
   <p:tag name="KSO_WM_UNIT_VALUE" val="30"/>
-  <p:tag name="KSO_WM_TEMPLATE_ASSEMBLE_XID" val="60656f434054ed1e2fb80687"/>
-  <p:tag name="KSO_WM_TEMPLATE_ASSEMBLE_GROUPID" val="60656f434054ed1e2fb80687"/>
-</p:tagLst>
-</file>
-
-<file path=ppt/tags/tag98.xml><?xml version="1.0" encoding="utf-8"?>
-<p:tagLst xmlns:p="http://schemas.openxmlformats.org/presentationml/2006/main">
-  <p:tag name="KSO_WM_UNIT_HIGHLIGHT" val="0"/>
-  <p:tag name="KSO_WM_UNIT_COMPATIBLE" val="0"/>
-  <p:tag name="KSO_WM_UNIT_DIAGRAM_ISNUMVISUAL" val="0"/>
-  <p:tag name="KSO_WM_UNIT_DIAGRAM_ISREFERUNIT" val="0"/>
-  <p:tag name="KSO_WM_UNIT_TYPE" val="i"/>
-  <p:tag name="KSO_WM_UNIT_INDEX" val="4"/>
-  <p:tag name="KSO_WM_UNIT_ID" val="diagram20213550_1*i*4"/>
-  <p:tag name="KSO_WM_TEMPLATE_CATEGORY" val="diagram"/>
-  <p:tag name="KSO_WM_TEMPLATE_INDEX" val="20213550"/>
-  <p:tag name="KSO_WM_UNIT_LAYERLEVEL" val="1"/>
-  <p:tag name="KSO_WM_TAG_VERSION" val="1.0"/>
-  <p:tag name="KSO_WM_BEAUTIFY_FLAG" val="#wm#"/>
-  <p:tag name="KSO_WM_UNIT_SM_LIMIT_TYPE" val="2"/>
-  <p:tag name="KSO_WM_UNIT_BLOCK" val="0"/>
-  <p:tag name="KSO_WM_UNIT_DECORATE_INFO" val="{&quot;ReferentInfo&quot;:{&quot;Id&quot;:&quot;slide&quot;,&quot;X&quot;:{&quot;Pos&quot;:0},&quot;Y&quot;:{&quot;Pos&quot;:2}},&quot;DecorateInfoX&quot;:{&quot;Pos&quot;:0,&quot;IsAbs&quot;:false},&quot;DecorateInfoY&quot;:{&quot;Pos&quot;:2,&quot;IsAbs&quot;:false},&quot;DecorateInfoW&quot;:{&quot;IsAbs&quot;:false},&quot;DecorateInfoH&quot;:{&quot;IsAbs&quot;:false},&quot;whChangeMode&quot;:0}"/>
-  <p:tag name="KSO_WM_UNIT_DEC_AREA_ID" val="bf73e0fa95254115a65380345b4aa9dc"/>
-  <p:tag name="PA" val="v5.2.11"/>
-  <p:tag name="KSO_WM_CHIP_GROUPID" val="5e757e3269be4861f5f8614a"/>
-  <p:tag name="KSO_WM_CHIP_XID" val="5f607145688f7a6c7bea32a6"/>
-  <p:tag name="KSO_WM_UNIT_LINE_FORE_SCHEMECOLOR_INDEX_BRIGHTNESS" val="-0.25"/>
-  <p:tag name="KSO_WM_UNIT_LINE_FORE_SCHEMECOLOR_INDEX" val="14"/>
-  <p:tag name="KSO_WM_UNIT_LINE_FILL_TYPE" val="2"/>
-  <p:tag name="KSO_WM_TEMPLATE_ASSEMBLE_XID" val="60656f434054ed1e2fb80687"/>
-  <p:tag name="KSO_WM_TEMPLATE_ASSEMBLE_GROUPID" val="60656f434054ed1e2fb80687"/>
-</p:tagLst>
-</file>
-
-<file path=ppt/tags/tag99.xml><?xml version="1.0" encoding="utf-8"?>
-<p:tagLst xmlns:p="http://schemas.openxmlformats.org/presentationml/2006/main">
-  <p:tag name="KSO_WM_UNIT_ISCONTENTSTITLE" val="0"/>
-  <p:tag name="KSO_WM_UNIT_ISNUMDGMTITLE" val="0"/>
-  <p:tag name="KSO_WM_UNIT_NOCLEAR" val="0"/>
-  <p:tag name="KSO_WM_UNIT_VALUE" val="24"/>
-  <p:tag name="KSO_WM_UNIT_HIGHLIGHT" val="0"/>
-  <p:tag name="KSO_WM_UNIT_COMPATIBLE" val="0"/>
-  <p:tag name="KSO_WM_UNIT_DIAGRAM_ISNUMVISUAL" val="0"/>
-  <p:tag name="KSO_WM_UNIT_DIAGRAM_ISREFERUNIT" val="0"/>
-  <p:tag name="KSO_WM_UNIT_TYPE" val="a"/>
-  <p:tag name="KSO_WM_UNIT_INDEX" val="1"/>
-  <p:tag name="KSO_WM_UNIT_ID" val="diagram20213550_1*a*1"/>
-  <p:tag name="KSO_WM_TEMPLATE_CATEGORY" val="diagram"/>
-  <p:tag name="KSO_WM_TEMPLATE_INDEX" val="20213550"/>
-  <p:tag name="KSO_WM_UNIT_LAYERLEVEL" val="1"/>
-  <p:tag name="KSO_WM_TAG_VERSION" val="1.0"/>
-  <p:tag name="KSO_WM_BEAUTIFY_FLAG" val="#wm#"/>
-  <p:tag name="KSO_WM_UNIT_PRESET_TEXT" val="单击此处添加大标题内容"/>
-  <p:tag name="KSO_WM_UNIT_DEFAULT_FONT" val="24;44;4"/>
-  <p:tag name="KSO_WM_UNIT_BLOCK" val="0"/>
-  <p:tag name="KSO_WM_UNIT_SHOW_EDIT_AREA_INDICATION" val="1"/>
-  <p:tag name="KSO_WM_CHIP_GROUPID" val="5e7881253197e252a37019b5"/>
-  <p:tag name="KSO_WM_CHIP_XID" val="5e7881253197e252a37019b6"/>
-  <p:tag name="KSO_WM_UNIT_DEC_AREA_ID" val="f139e14b1e39486da7140564d9016683"/>
-  <p:tag name="KSO_WM_UNIT_DECORATE_INFO" val="{&quot;ReferentInfo&quot;:{&quot;Id&quot;:&quot;slide&quot;,&quot;X&quot;:{&quot;Pos&quot;:0},&quot;Y&quot;:{&quot;Pos&quot;:0}},&quot;DecorateInfoX&quot;:{&quot;Pos&quot;:0,&quot;IsAbs&quot;:false},&quot;DecorateInfoY&quot;:{&quot;Pos&quot;:0,&quot;IsAbs&quot;:false},&quot;DecorateInfoW&quot;:{&quot;IsAbs&quot;:false},&quot;DecorateInfoH&quot;:{&quot;IsAbs&quot;:false},&quot;whChangeMode&quot;:0}"/>
-  <p:tag name="KSO_WM_UNIT_SM_LIMIT_TYPE" val="2"/>
-  <p:tag name="KSO_WM_CHIP_FILLAREA_FILL_RULE" val="{&quot;fill_align&quot;:&quot;ct&quot;,&quot;fill_mode&quot;:&quot;full&quot;,&quot;sacle_strategy&quot;:&quot;smart&quot;}"/>
-  <p:tag name="KSO_WM_ASSEMBLE_CHIP_INDEX" val="0439eeda57a64da4894f55c4d016b9b6"/>
-  <p:tag name="KSO_WM_UNIT_TEXT_FILL_FORE_SCHEMECOLOR_INDEX_BRIGHTNESS" val="0"/>
-  <p:tag name="KSO_WM_UNIT_TEXT_FILL_FORE_SCHEMECOLOR_INDEX" val="13"/>
-  <p:tag name="KSO_WM_UNIT_TEXT_FILL_TYPE" val="1"/>
   <p:tag name="KSO_WM_TEMPLATE_ASSEMBLE_XID" val="60656f434054ed1e2fb80687"/>
   <p:tag name="KSO_WM_TEMPLATE_ASSEMBLE_GROUPID" val="60656f434054ed1e2fb80687"/>
 </p:tagLst>
